--- a/Machine Learning Quiz Question.pptx
+++ b/Machine Learning Quiz Question.pptx
@@ -7,6 +7,8 @@
   <p:sldIdLst>
     <p:sldId id="256" r:id="rId2"/>
     <p:sldId id="257" r:id="rId3"/>
+    <p:sldId id="258" r:id="rId4"/>
+    <p:sldId id="259" r:id="rId5"/>
   </p:sldIdLst>
   <p:sldSz cx="12192000" cy="6858000"/>
   <p:notesSz cx="6858000" cy="9144000"/>
@@ -105,6 +107,11 @@
       </a:defRPr>
     </a:lvl9pPr>
   </p:defaultTextStyle>
+  <p:extLst>
+    <p:ext uri="{EFAFB233-063F-42B5-8137-9DF3F51BA10A}">
+      <p15:sldGuideLst xmlns:p15="http://schemas.microsoft.com/office/powerpoint/2012/main"/>
+    </p:ext>
+  </p:extLst>
 </p:presentation>
 </file>
 
@@ -255,7 +262,7 @@
           <a:p>
             <a:fld id="{635DE9B5-6039-4F90-B9CD-3F2F36427E48}" type="datetimeFigureOut">
               <a:rPr lang="en-US" smtClean="0"/>
-              <a:t>4/18/2023</a:t>
+              <a:t>4/19/2023</a:t>
             </a:fld>
             <a:endParaRPr lang="en-US"/>
           </a:p>
@@ -453,7 +460,7 @@
           <a:p>
             <a:fld id="{635DE9B5-6039-4F90-B9CD-3F2F36427E48}" type="datetimeFigureOut">
               <a:rPr lang="en-US" smtClean="0"/>
-              <a:t>4/18/2023</a:t>
+              <a:t>4/19/2023</a:t>
             </a:fld>
             <a:endParaRPr lang="en-US"/>
           </a:p>
@@ -661,7 +668,7 @@
           <a:p>
             <a:fld id="{635DE9B5-6039-4F90-B9CD-3F2F36427E48}" type="datetimeFigureOut">
               <a:rPr lang="en-US" smtClean="0"/>
-              <a:t>4/18/2023</a:t>
+              <a:t>4/19/2023</a:t>
             </a:fld>
             <a:endParaRPr lang="en-US"/>
           </a:p>
@@ -859,7 +866,7 @@
           <a:p>
             <a:fld id="{635DE9B5-6039-4F90-B9CD-3F2F36427E48}" type="datetimeFigureOut">
               <a:rPr lang="en-US" smtClean="0"/>
-              <a:t>4/18/2023</a:t>
+              <a:t>4/19/2023</a:t>
             </a:fld>
             <a:endParaRPr lang="en-US"/>
           </a:p>
@@ -1134,7 +1141,7 @@
           <a:p>
             <a:fld id="{635DE9B5-6039-4F90-B9CD-3F2F36427E48}" type="datetimeFigureOut">
               <a:rPr lang="en-US" smtClean="0"/>
-              <a:t>4/18/2023</a:t>
+              <a:t>4/19/2023</a:t>
             </a:fld>
             <a:endParaRPr lang="en-US"/>
           </a:p>
@@ -1399,7 +1406,7 @@
           <a:p>
             <a:fld id="{635DE9B5-6039-4F90-B9CD-3F2F36427E48}" type="datetimeFigureOut">
               <a:rPr lang="en-US" smtClean="0"/>
-              <a:t>4/18/2023</a:t>
+              <a:t>4/19/2023</a:t>
             </a:fld>
             <a:endParaRPr lang="en-US"/>
           </a:p>
@@ -1811,7 +1818,7 @@
           <a:p>
             <a:fld id="{635DE9B5-6039-4F90-B9CD-3F2F36427E48}" type="datetimeFigureOut">
               <a:rPr lang="en-US" smtClean="0"/>
-              <a:t>4/18/2023</a:t>
+              <a:t>4/19/2023</a:t>
             </a:fld>
             <a:endParaRPr lang="en-US"/>
           </a:p>
@@ -1952,7 +1959,7 @@
           <a:p>
             <a:fld id="{635DE9B5-6039-4F90-B9CD-3F2F36427E48}" type="datetimeFigureOut">
               <a:rPr lang="en-US" smtClean="0"/>
-              <a:t>4/18/2023</a:t>
+              <a:t>4/19/2023</a:t>
             </a:fld>
             <a:endParaRPr lang="en-US"/>
           </a:p>
@@ -2065,7 +2072,7 @@
           <a:p>
             <a:fld id="{635DE9B5-6039-4F90-B9CD-3F2F36427E48}" type="datetimeFigureOut">
               <a:rPr lang="en-US" smtClean="0"/>
-              <a:t>4/18/2023</a:t>
+              <a:t>4/19/2023</a:t>
             </a:fld>
             <a:endParaRPr lang="en-US"/>
           </a:p>
@@ -2376,7 +2383,7 @@
           <a:p>
             <a:fld id="{635DE9B5-6039-4F90-B9CD-3F2F36427E48}" type="datetimeFigureOut">
               <a:rPr lang="en-US" smtClean="0"/>
-              <a:t>4/18/2023</a:t>
+              <a:t>4/19/2023</a:t>
             </a:fld>
             <a:endParaRPr lang="en-US"/>
           </a:p>
@@ -2664,7 +2671,7 @@
           <a:p>
             <a:fld id="{635DE9B5-6039-4F90-B9CD-3F2F36427E48}" type="datetimeFigureOut">
               <a:rPr lang="en-US" smtClean="0"/>
-              <a:t>4/18/2023</a:t>
+              <a:t>4/19/2023</a:t>
             </a:fld>
             <a:endParaRPr lang="en-US"/>
           </a:p>
@@ -2905,7 +2912,7 @@
           <a:p>
             <a:fld id="{635DE9B5-6039-4F90-B9CD-3F2F36427E48}" type="datetimeFigureOut">
               <a:rPr lang="en-US" smtClean="0"/>
-              <a:t>4/18/2023</a:t>
+              <a:t>4/19/2023</a:t>
             </a:fld>
             <a:endParaRPr lang="en-US"/>
           </a:p>
@@ -3932,6 +3939,485 @@
 </p:sld>
 </file>
 
+<file path=ppt/slides/slide3.xml><?xml version="1.0" encoding="utf-8"?>
+<p:sld xmlns:a="http://schemas.openxmlformats.org/drawingml/2006/main" xmlns:r="http://schemas.openxmlformats.org/officeDocument/2006/relationships" xmlns:p="http://schemas.openxmlformats.org/presentationml/2006/main">
+  <p:cSld>
+    <p:spTree>
+      <p:nvGrpSpPr>
+        <p:cNvPr id="1" name=""/>
+        <p:cNvGrpSpPr/>
+        <p:nvPr/>
+      </p:nvGrpSpPr>
+      <p:grpSpPr>
+        <a:xfrm>
+          <a:off x="0" y="0"/>
+          <a:ext cx="0" cy="0"/>
+          <a:chOff x="0" y="0"/>
+          <a:chExt cx="0" cy="0"/>
+        </a:xfrm>
+      </p:grpSpPr>
+      <p:sp>
+        <p:nvSpPr>
+          <p:cNvPr id="4" name="Rectangle 1">
+            <a:extLst>
+              <a:ext uri="{FF2B5EF4-FFF2-40B4-BE49-F238E27FC236}">
+                <a16:creationId xmlns:a16="http://schemas.microsoft.com/office/drawing/2014/main" id="{7425B5EB-7D8B-4F2A-A73E-E59E8791C252}"/>
+              </a:ext>
+            </a:extLst>
+          </p:cNvPr>
+          <p:cNvSpPr>
+            <a:spLocks noGrp="1" noChangeArrowheads="1"/>
+          </p:cNvSpPr>
+          <p:nvPr>
+            <p:ph idx="1"/>
+          </p:nvPr>
+        </p:nvSpPr>
+        <p:spPr bwMode="auto">
+          <a:xfrm>
+            <a:off x="743932" y="882487"/>
+            <a:ext cx="8971495" cy="1938992"/>
+          </a:xfrm>
+          <a:prstGeom prst="rect">
+            <a:avLst/>
+          </a:prstGeom>
+          <a:noFill/>
+          <a:ln>
+            <a:noFill/>
+          </a:ln>
+          <a:effectLst/>
+          <a:extLst>
+            <a:ext uri="{909E8E84-426E-40DD-AFC4-6F175D3DCCD1}">
+              <a14:hiddenFill xmlns:a14="http://schemas.microsoft.com/office/drawing/2010/main">
+                <a:solidFill>
+                  <a:schemeClr val="accent1"/>
+                </a:solidFill>
+              </a14:hiddenFill>
+            </a:ext>
+            <a:ext uri="{91240B29-F687-4F45-9708-019B960494DF}">
+              <a14:hiddenLine xmlns:a14="http://schemas.microsoft.com/office/drawing/2010/main" w="9525">
+                <a:solidFill>
+                  <a:schemeClr val="tx1"/>
+                </a:solidFill>
+                <a:miter lim="800000"/>
+                <a:headEnd/>
+                <a:tailEnd/>
+              </a14:hiddenLine>
+            </a:ext>
+            <a:ext uri="{AF507438-7753-43E0-B8FC-AC1667EBCBE1}">
+              <a14:hiddenEffects xmlns:a14="http://schemas.microsoft.com/office/drawing/2010/main">
+                <a:effectLst>
+                  <a:outerShdw dist="35921" dir="2700000" algn="ctr" rotWithShape="0">
+                    <a:schemeClr val="bg2"/>
+                  </a:outerShdw>
+                </a:effectLst>
+              </a14:hiddenEffects>
+            </a:ext>
+          </a:extLst>
+        </p:spPr>
+        <p:txBody>
+          <a:bodyPr vert="horz" wrap="none" lIns="91440" tIns="45720" rIns="91440" bIns="45720" numCol="1" anchor="ctr" anchorCtr="0" compatLnSpc="1">
+            <a:prstTxWarp prst="textNoShape">
+              <a:avLst/>
+            </a:prstTxWarp>
+            <a:spAutoFit/>
+          </a:bodyPr>
+          <a:lstStyle>
+            <a:lvl1pPr eaLnBrk="0" fontAlgn="base" hangingPunct="0">
+              <a:spcBef>
+                <a:spcPct val="0"/>
+              </a:spcBef>
+              <a:spcAft>
+                <a:spcPct val="0"/>
+              </a:spcAft>
+              <a:defRPr>
+                <a:solidFill>
+                  <a:schemeClr val="tx1"/>
+                </a:solidFill>
+                <a:latin typeface="Arial" panose="020B0604020202020204" pitchFamily="34" charset="0"/>
+              </a:defRPr>
+            </a:lvl1pPr>
+            <a:lvl2pPr eaLnBrk="0" fontAlgn="base" hangingPunct="0">
+              <a:spcBef>
+                <a:spcPct val="0"/>
+              </a:spcBef>
+              <a:spcAft>
+                <a:spcPct val="0"/>
+              </a:spcAft>
+              <a:defRPr>
+                <a:solidFill>
+                  <a:schemeClr val="tx1"/>
+                </a:solidFill>
+                <a:latin typeface="Arial" panose="020B0604020202020204" pitchFamily="34" charset="0"/>
+              </a:defRPr>
+            </a:lvl2pPr>
+            <a:lvl3pPr eaLnBrk="0" fontAlgn="base" hangingPunct="0">
+              <a:spcBef>
+                <a:spcPct val="0"/>
+              </a:spcBef>
+              <a:spcAft>
+                <a:spcPct val="0"/>
+              </a:spcAft>
+              <a:defRPr>
+                <a:solidFill>
+                  <a:schemeClr val="tx1"/>
+                </a:solidFill>
+                <a:latin typeface="Arial" panose="020B0604020202020204" pitchFamily="34" charset="0"/>
+              </a:defRPr>
+            </a:lvl3pPr>
+            <a:lvl4pPr eaLnBrk="0" fontAlgn="base" hangingPunct="0">
+              <a:spcBef>
+                <a:spcPct val="0"/>
+              </a:spcBef>
+              <a:spcAft>
+                <a:spcPct val="0"/>
+              </a:spcAft>
+              <a:defRPr>
+                <a:solidFill>
+                  <a:schemeClr val="tx1"/>
+                </a:solidFill>
+                <a:latin typeface="Arial" panose="020B0604020202020204" pitchFamily="34" charset="0"/>
+              </a:defRPr>
+            </a:lvl4pPr>
+            <a:lvl5pPr eaLnBrk="0" fontAlgn="base" hangingPunct="0">
+              <a:spcBef>
+                <a:spcPct val="0"/>
+              </a:spcBef>
+              <a:spcAft>
+                <a:spcPct val="0"/>
+              </a:spcAft>
+              <a:defRPr>
+                <a:solidFill>
+                  <a:schemeClr val="tx1"/>
+                </a:solidFill>
+                <a:latin typeface="Arial" panose="020B0604020202020204" pitchFamily="34" charset="0"/>
+              </a:defRPr>
+            </a:lvl5pPr>
+            <a:lvl6pPr eaLnBrk="0" fontAlgn="base" hangingPunct="0">
+              <a:spcBef>
+                <a:spcPct val="0"/>
+              </a:spcBef>
+              <a:spcAft>
+                <a:spcPct val="0"/>
+              </a:spcAft>
+              <a:defRPr>
+                <a:solidFill>
+                  <a:schemeClr val="tx1"/>
+                </a:solidFill>
+                <a:latin typeface="Arial" panose="020B0604020202020204" pitchFamily="34" charset="0"/>
+              </a:defRPr>
+            </a:lvl6pPr>
+            <a:lvl7pPr eaLnBrk="0" fontAlgn="base" hangingPunct="0">
+              <a:spcBef>
+                <a:spcPct val="0"/>
+              </a:spcBef>
+              <a:spcAft>
+                <a:spcPct val="0"/>
+              </a:spcAft>
+              <a:defRPr>
+                <a:solidFill>
+                  <a:schemeClr val="tx1"/>
+                </a:solidFill>
+                <a:latin typeface="Arial" panose="020B0604020202020204" pitchFamily="34" charset="0"/>
+              </a:defRPr>
+            </a:lvl7pPr>
+            <a:lvl8pPr eaLnBrk="0" fontAlgn="base" hangingPunct="0">
+              <a:spcBef>
+                <a:spcPct val="0"/>
+              </a:spcBef>
+              <a:spcAft>
+                <a:spcPct val="0"/>
+              </a:spcAft>
+              <a:defRPr>
+                <a:solidFill>
+                  <a:schemeClr val="tx1"/>
+                </a:solidFill>
+                <a:latin typeface="Arial" panose="020B0604020202020204" pitchFamily="34" charset="0"/>
+              </a:defRPr>
+            </a:lvl8pPr>
+            <a:lvl9pPr eaLnBrk="0" fontAlgn="base" hangingPunct="0">
+              <a:spcBef>
+                <a:spcPct val="0"/>
+              </a:spcBef>
+              <a:spcAft>
+                <a:spcPct val="0"/>
+              </a:spcAft>
+              <a:defRPr>
+                <a:solidFill>
+                  <a:schemeClr val="tx1"/>
+                </a:solidFill>
+                <a:latin typeface="Arial" panose="020B0604020202020204" pitchFamily="34" charset="0"/>
+              </a:defRPr>
+            </a:lvl9pPr>
+          </a:lstStyle>
+          <a:p>
+            <a:pPr marL="0" marR="0" lvl="0" indent="0" algn="l" defTabSz="914400" rtl="0" eaLnBrk="0" fontAlgn="base" latinLnBrk="0" hangingPunct="0">
+              <a:lnSpc>
+                <a:spcPct val="100000"/>
+              </a:lnSpc>
+              <a:spcBef>
+                <a:spcPct val="0"/>
+              </a:spcBef>
+              <a:spcAft>
+                <a:spcPct val="0"/>
+              </a:spcAft>
+              <a:buClrTx/>
+              <a:buSzTx/>
+              <a:buFontTx/>
+              <a:buNone/>
+              <a:tabLst/>
+            </a:pPr>
+            <a:r>
+              <a:rPr kumimoji="0" lang="en-US" altLang="en-US" sz="2400" b="0" i="0" u="none" strike="noStrike" cap="none" normalizeH="0" baseline="0" dirty="0">
+                <a:ln>
+                  <a:noFill/>
+                </a:ln>
+                <a:solidFill>
+                  <a:schemeClr val="tx1"/>
+                </a:solidFill>
+                <a:effectLst/>
+                <a:latin typeface="-apple-system"/>
+              </a:rPr>
+              <a:t>Which of the following can lead to overly optimistic model evaluation?</a:t>
+            </a:r>
+            <a:endParaRPr kumimoji="0" lang="en-US" altLang="en-US" sz="2400" b="0" i="0" u="none" strike="noStrike" cap="none" normalizeH="0" baseline="0" dirty="0">
+              <a:ln>
+                <a:noFill/>
+              </a:ln>
+              <a:solidFill>
+                <a:schemeClr val="tx1"/>
+              </a:solidFill>
+              <a:effectLst/>
+            </a:endParaRPr>
+          </a:p>
+          <a:p>
+            <a:pPr marL="0" marR="0" lvl="0" indent="0" algn="l" defTabSz="914400" rtl="0" eaLnBrk="0" fontAlgn="base" latinLnBrk="0" hangingPunct="0">
+              <a:lnSpc>
+                <a:spcPct val="100000"/>
+              </a:lnSpc>
+              <a:spcBef>
+                <a:spcPct val="0"/>
+              </a:spcBef>
+              <a:spcAft>
+                <a:spcPct val="0"/>
+              </a:spcAft>
+              <a:buClrTx/>
+              <a:buSzTx/>
+              <a:buFontTx/>
+              <a:buNone/>
+              <a:tabLst/>
+            </a:pPr>
+            <a:r>
+              <a:rPr kumimoji="0" lang="en-US" altLang="en-US" sz="2400" b="0" i="0" u="none" strike="noStrike" cap="none" normalizeH="0" baseline="0" dirty="0">
+                <a:ln>
+                  <a:noFill/>
+                </a:ln>
+                <a:solidFill>
+                  <a:schemeClr val="tx1"/>
+                </a:solidFill>
+                <a:effectLst/>
+                <a:latin typeface="-apple-system"/>
+              </a:rPr>
+              <a:t>Cross-validation</a:t>
+            </a:r>
+          </a:p>
+          <a:p>
+            <a:pPr marL="0" marR="0" lvl="0" indent="0" algn="l" defTabSz="914400" rtl="0" eaLnBrk="0" fontAlgn="base" latinLnBrk="0" hangingPunct="0">
+              <a:lnSpc>
+                <a:spcPct val="100000"/>
+              </a:lnSpc>
+              <a:spcBef>
+                <a:spcPct val="0"/>
+              </a:spcBef>
+              <a:spcAft>
+                <a:spcPct val="0"/>
+              </a:spcAft>
+              <a:buClrTx/>
+              <a:buSzTx/>
+              <a:buFontTx/>
+              <a:buNone/>
+              <a:tabLst/>
+            </a:pPr>
+            <a:r>
+              <a:rPr kumimoji="0" lang="en-US" altLang="en-US" sz="2400" b="0" i="0" u="none" strike="noStrike" cap="none" normalizeH="0" baseline="0" dirty="0">
+                <a:ln>
+                  <a:noFill/>
+                </a:ln>
+                <a:solidFill>
+                  <a:schemeClr val="tx1"/>
+                </a:solidFill>
+                <a:effectLst/>
+                <a:latin typeface="-apple-system"/>
+              </a:rPr>
+              <a:t>Feature scaling</a:t>
+            </a:r>
+          </a:p>
+          <a:p>
+            <a:pPr marL="0" marR="0" lvl="0" indent="0" algn="l" defTabSz="914400" rtl="0" eaLnBrk="0" fontAlgn="base" latinLnBrk="0" hangingPunct="0">
+              <a:lnSpc>
+                <a:spcPct val="100000"/>
+              </a:lnSpc>
+              <a:spcBef>
+                <a:spcPct val="0"/>
+              </a:spcBef>
+              <a:spcAft>
+                <a:spcPct val="0"/>
+              </a:spcAft>
+              <a:buClrTx/>
+              <a:buSzTx/>
+              <a:buFontTx/>
+              <a:buNone/>
+              <a:tabLst/>
+            </a:pPr>
+            <a:r>
+              <a:rPr kumimoji="0" lang="en-US" altLang="en-US" sz="2400" b="0" i="0" u="none" strike="noStrike" cap="none" normalizeH="0" baseline="0" dirty="0">
+                <a:ln>
+                  <a:noFill/>
+                </a:ln>
+                <a:solidFill>
+                  <a:schemeClr val="tx1"/>
+                </a:solidFill>
+                <a:effectLst/>
+                <a:latin typeface="-apple-system"/>
+              </a:rPr>
+              <a:t>Data leakage</a:t>
+            </a:r>
+          </a:p>
+          <a:p>
+            <a:pPr marL="0" marR="0" lvl="0" indent="0" algn="l" defTabSz="914400" rtl="0" eaLnBrk="0" fontAlgn="base" latinLnBrk="0" hangingPunct="0">
+              <a:lnSpc>
+                <a:spcPct val="100000"/>
+              </a:lnSpc>
+              <a:spcBef>
+                <a:spcPct val="0"/>
+              </a:spcBef>
+              <a:spcAft>
+                <a:spcPct val="0"/>
+              </a:spcAft>
+              <a:buClrTx/>
+              <a:buSzTx/>
+              <a:buFontTx/>
+              <a:buNone/>
+              <a:tabLst/>
+            </a:pPr>
+            <a:r>
+              <a:rPr kumimoji="0" lang="en-US" altLang="en-US" sz="2400" b="0" i="0" u="none" strike="noStrike" cap="none" normalizeH="0" baseline="0" dirty="0">
+                <a:ln>
+                  <a:noFill/>
+                </a:ln>
+                <a:solidFill>
+                  <a:schemeClr val="tx1"/>
+                </a:solidFill>
+                <a:effectLst/>
+                <a:latin typeface="-apple-system"/>
+              </a:rPr>
+              <a:t>Feature selection</a:t>
+            </a:r>
+            <a:endParaRPr kumimoji="0" lang="en-US" altLang="en-US" sz="2400" b="0" i="0" u="none" strike="noStrike" cap="none" normalizeH="0" baseline="0" dirty="0">
+              <a:ln>
+                <a:noFill/>
+              </a:ln>
+              <a:solidFill>
+                <a:schemeClr val="tx1"/>
+              </a:solidFill>
+              <a:effectLst/>
+            </a:endParaRPr>
+          </a:p>
+        </p:txBody>
+      </p:sp>
+    </p:spTree>
+    <p:extLst>
+      <p:ext uri="{BB962C8B-B14F-4D97-AF65-F5344CB8AC3E}">
+        <p14:creationId xmlns:p14="http://schemas.microsoft.com/office/powerpoint/2010/main" val="810792712"/>
+      </p:ext>
+    </p:extLst>
+  </p:cSld>
+  <p:clrMapOvr>
+    <a:masterClrMapping/>
+  </p:clrMapOvr>
+</p:sld>
+</file>
+
+<file path=ppt/slides/slide4.xml><?xml version="1.0" encoding="utf-8"?>
+<p:sld xmlns:a="http://schemas.openxmlformats.org/drawingml/2006/main" xmlns:r="http://schemas.openxmlformats.org/officeDocument/2006/relationships" xmlns:p="http://schemas.openxmlformats.org/presentationml/2006/main">
+  <p:cSld>
+    <p:spTree>
+      <p:nvGrpSpPr>
+        <p:cNvPr id="1" name=""/>
+        <p:cNvGrpSpPr/>
+        <p:nvPr/>
+      </p:nvGrpSpPr>
+      <p:grpSpPr>
+        <a:xfrm>
+          <a:off x="0" y="0"/>
+          <a:ext cx="0" cy="0"/>
+          <a:chOff x="0" y="0"/>
+          <a:chExt cx="0" cy="0"/>
+        </a:xfrm>
+      </p:grpSpPr>
+      <p:sp>
+        <p:nvSpPr>
+          <p:cNvPr id="3" name="Content Placeholder 2">
+            <a:extLst>
+              <a:ext uri="{FF2B5EF4-FFF2-40B4-BE49-F238E27FC236}">
+                <a16:creationId xmlns:a16="http://schemas.microsoft.com/office/drawing/2014/main" id="{A35AFA49-24D8-4A45-AC53-2184798503E5}"/>
+              </a:ext>
+            </a:extLst>
+          </p:cNvPr>
+          <p:cNvSpPr>
+            <a:spLocks noGrp="1"/>
+          </p:cNvSpPr>
+          <p:nvPr>
+            <p:ph idx="1"/>
+          </p:nvPr>
+        </p:nvSpPr>
+        <p:spPr/>
+        <p:txBody>
+          <a:bodyPr/>
+          <a:lstStyle/>
+          <a:p>
+            <a:pPr algn="l"/>
+            <a:r>
+              <a:rPr lang="en-US" b="0" i="0" dirty="0">
+                <a:solidFill>
+                  <a:srgbClr val="374151"/>
+                </a:solidFill>
+                <a:effectLst/>
+                <a:latin typeface="Söhne"/>
+              </a:rPr>
+              <a:t>Data leakage can lead to overly optimistic model evaluation because it involves using information in the evaluation process that would not be available in real-world applications. This can cause the model to perform well on the evaluation metrics, but poorly on new data.</a:t>
+            </a:r>
+          </a:p>
+          <a:p>
+            <a:pPr algn="l"/>
+            <a:r>
+              <a:rPr lang="en-US" b="0" i="0" dirty="0">
+                <a:solidFill>
+                  <a:srgbClr val="374151"/>
+                </a:solidFill>
+                <a:effectLst/>
+                <a:latin typeface="Söhne"/>
+              </a:rPr>
+              <a:t>Cross-validation and feature selection, if done properly, can help to prevent overfitting and lead to more accurate model evaluation. Feature scaling can improve the performance of certain models, but it is not directly related to overly optimistic model evaluation.</a:t>
+            </a:r>
+          </a:p>
+          <a:p>
+            <a:endParaRPr lang="en-US" dirty="0"/>
+          </a:p>
+        </p:txBody>
+      </p:sp>
+    </p:spTree>
+    <p:extLst>
+      <p:ext uri="{BB962C8B-B14F-4D97-AF65-F5344CB8AC3E}">
+        <p14:creationId xmlns:p14="http://schemas.microsoft.com/office/powerpoint/2010/main" val="3127899212"/>
+      </p:ext>
+    </p:extLst>
+  </p:cSld>
+  <p:clrMapOvr>
+    <a:masterClrMapping/>
+  </p:clrMapOvr>
+</p:sld>
+</file>
+
 <file path=ppt/theme/theme1.xml><?xml version="1.0" encoding="utf-8"?>
 <a:theme xmlns:a="http://schemas.openxmlformats.org/drawingml/2006/main" name="Office Theme">
   <a:themeElements>

--- a/Machine Learning Quiz Question.pptx
+++ b/Machine Learning Quiz Question.pptx
@@ -9,6 +9,12 @@
     <p:sldId id="257" r:id="rId3"/>
     <p:sldId id="258" r:id="rId4"/>
     <p:sldId id="259" r:id="rId5"/>
+    <p:sldId id="260" r:id="rId6"/>
+    <p:sldId id="261" r:id="rId7"/>
+    <p:sldId id="262" r:id="rId8"/>
+    <p:sldId id="263" r:id="rId9"/>
+    <p:sldId id="264" r:id="rId10"/>
+    <p:sldId id="265" r:id="rId11"/>
   </p:sldIdLst>
   <p:sldSz cx="12192000" cy="6858000"/>
   <p:notesSz cx="6858000" cy="9144000"/>
@@ -262,7 +268,7 @@
           <a:p>
             <a:fld id="{635DE9B5-6039-4F90-B9CD-3F2F36427E48}" type="datetimeFigureOut">
               <a:rPr lang="en-US" smtClean="0"/>
-              <a:t>4/19/2023</a:t>
+              <a:t>4/20/2023</a:t>
             </a:fld>
             <a:endParaRPr lang="en-US"/>
           </a:p>
@@ -460,7 +466,7 @@
           <a:p>
             <a:fld id="{635DE9B5-6039-4F90-B9CD-3F2F36427E48}" type="datetimeFigureOut">
               <a:rPr lang="en-US" smtClean="0"/>
-              <a:t>4/19/2023</a:t>
+              <a:t>4/20/2023</a:t>
             </a:fld>
             <a:endParaRPr lang="en-US"/>
           </a:p>
@@ -668,7 +674,7 @@
           <a:p>
             <a:fld id="{635DE9B5-6039-4F90-B9CD-3F2F36427E48}" type="datetimeFigureOut">
               <a:rPr lang="en-US" smtClean="0"/>
-              <a:t>4/19/2023</a:t>
+              <a:t>4/20/2023</a:t>
             </a:fld>
             <a:endParaRPr lang="en-US"/>
           </a:p>
@@ -866,7 +872,7 @@
           <a:p>
             <a:fld id="{635DE9B5-6039-4F90-B9CD-3F2F36427E48}" type="datetimeFigureOut">
               <a:rPr lang="en-US" smtClean="0"/>
-              <a:t>4/19/2023</a:t>
+              <a:t>4/20/2023</a:t>
             </a:fld>
             <a:endParaRPr lang="en-US"/>
           </a:p>
@@ -1141,7 +1147,7 @@
           <a:p>
             <a:fld id="{635DE9B5-6039-4F90-B9CD-3F2F36427E48}" type="datetimeFigureOut">
               <a:rPr lang="en-US" smtClean="0"/>
-              <a:t>4/19/2023</a:t>
+              <a:t>4/20/2023</a:t>
             </a:fld>
             <a:endParaRPr lang="en-US"/>
           </a:p>
@@ -1406,7 +1412,7 @@
           <a:p>
             <a:fld id="{635DE9B5-6039-4F90-B9CD-3F2F36427E48}" type="datetimeFigureOut">
               <a:rPr lang="en-US" smtClean="0"/>
-              <a:t>4/19/2023</a:t>
+              <a:t>4/20/2023</a:t>
             </a:fld>
             <a:endParaRPr lang="en-US"/>
           </a:p>
@@ -1818,7 +1824,7 @@
           <a:p>
             <a:fld id="{635DE9B5-6039-4F90-B9CD-3F2F36427E48}" type="datetimeFigureOut">
               <a:rPr lang="en-US" smtClean="0"/>
-              <a:t>4/19/2023</a:t>
+              <a:t>4/20/2023</a:t>
             </a:fld>
             <a:endParaRPr lang="en-US"/>
           </a:p>
@@ -1959,7 +1965,7 @@
           <a:p>
             <a:fld id="{635DE9B5-6039-4F90-B9CD-3F2F36427E48}" type="datetimeFigureOut">
               <a:rPr lang="en-US" smtClean="0"/>
-              <a:t>4/19/2023</a:t>
+              <a:t>4/20/2023</a:t>
             </a:fld>
             <a:endParaRPr lang="en-US"/>
           </a:p>
@@ -2072,7 +2078,7 @@
           <a:p>
             <a:fld id="{635DE9B5-6039-4F90-B9CD-3F2F36427E48}" type="datetimeFigureOut">
               <a:rPr lang="en-US" smtClean="0"/>
-              <a:t>4/19/2023</a:t>
+              <a:t>4/20/2023</a:t>
             </a:fld>
             <a:endParaRPr lang="en-US"/>
           </a:p>
@@ -2383,7 +2389,7 @@
           <a:p>
             <a:fld id="{635DE9B5-6039-4F90-B9CD-3F2F36427E48}" type="datetimeFigureOut">
               <a:rPr lang="en-US" smtClean="0"/>
-              <a:t>4/19/2023</a:t>
+              <a:t>4/20/2023</a:t>
             </a:fld>
             <a:endParaRPr lang="en-US"/>
           </a:p>
@@ -2671,7 +2677,7 @@
           <a:p>
             <a:fld id="{635DE9B5-6039-4F90-B9CD-3F2F36427E48}" type="datetimeFigureOut">
               <a:rPr lang="en-US" smtClean="0"/>
-              <a:t>4/19/2023</a:t>
+              <a:t>4/20/2023</a:t>
             </a:fld>
             <a:endParaRPr lang="en-US"/>
           </a:p>
@@ -2912,7 +2918,7 @@
           <a:p>
             <a:fld id="{635DE9B5-6039-4F90-B9CD-3F2F36427E48}" type="datetimeFigureOut">
               <a:rPr lang="en-US" smtClean="0"/>
-              <a:t>4/19/2023</a:t>
+              <a:t>4/20/2023</a:t>
             </a:fld>
             <a:endParaRPr lang="en-US"/>
           </a:p>
@@ -3452,6 +3458,86 @@
 </p:sld>
 </file>
 
+<file path=ppt/slides/slide10.xml><?xml version="1.0" encoding="utf-8"?>
+<p:sld xmlns:a="http://schemas.openxmlformats.org/drawingml/2006/main" xmlns:r="http://schemas.openxmlformats.org/officeDocument/2006/relationships" xmlns:p="http://schemas.openxmlformats.org/presentationml/2006/main">
+  <p:cSld>
+    <p:spTree>
+      <p:nvGrpSpPr>
+        <p:cNvPr id="1" name=""/>
+        <p:cNvGrpSpPr/>
+        <p:nvPr/>
+      </p:nvGrpSpPr>
+      <p:grpSpPr>
+        <a:xfrm>
+          <a:off x="0" y="0"/>
+          <a:ext cx="0" cy="0"/>
+          <a:chOff x="0" y="0"/>
+          <a:chExt cx="0" cy="0"/>
+        </a:xfrm>
+      </p:grpSpPr>
+      <p:sp>
+        <p:nvSpPr>
+          <p:cNvPr id="2" name="Title 1">
+            <a:extLst>
+              <a:ext uri="{FF2B5EF4-FFF2-40B4-BE49-F238E27FC236}">
+                <a16:creationId xmlns:a16="http://schemas.microsoft.com/office/drawing/2014/main" id="{BEA321D3-EDF8-46C0-9774-8CD902ED202D}"/>
+              </a:ext>
+            </a:extLst>
+          </p:cNvPr>
+          <p:cNvSpPr>
+            <a:spLocks noGrp="1"/>
+          </p:cNvSpPr>
+          <p:nvPr>
+            <p:ph type="title"/>
+          </p:nvPr>
+        </p:nvSpPr>
+        <p:spPr/>
+        <p:txBody>
+          <a:bodyPr/>
+          <a:lstStyle/>
+          <a:p>
+            <a:endParaRPr lang="en-US"/>
+          </a:p>
+        </p:txBody>
+      </p:sp>
+      <p:sp>
+        <p:nvSpPr>
+          <p:cNvPr id="3" name="Content Placeholder 2">
+            <a:extLst>
+              <a:ext uri="{FF2B5EF4-FFF2-40B4-BE49-F238E27FC236}">
+                <a16:creationId xmlns:a16="http://schemas.microsoft.com/office/drawing/2014/main" id="{282A1DB7-B2C5-47EA-B06F-AD874881C3A3}"/>
+              </a:ext>
+            </a:extLst>
+          </p:cNvPr>
+          <p:cNvSpPr>
+            <a:spLocks noGrp="1"/>
+          </p:cNvSpPr>
+          <p:nvPr>
+            <p:ph idx="1"/>
+          </p:nvPr>
+        </p:nvSpPr>
+        <p:spPr/>
+        <p:txBody>
+          <a:bodyPr/>
+          <a:lstStyle/>
+          <a:p>
+            <a:endParaRPr lang="en-US"/>
+          </a:p>
+        </p:txBody>
+      </p:sp>
+    </p:spTree>
+    <p:extLst>
+      <p:ext uri="{BB962C8B-B14F-4D97-AF65-F5344CB8AC3E}">
+        <p14:creationId xmlns:p14="http://schemas.microsoft.com/office/powerpoint/2010/main" val="2696528343"/>
+      </p:ext>
+    </p:extLst>
+  </p:cSld>
+  <p:clrMapOvr>
+    <a:masterClrMapping/>
+  </p:clrMapOvr>
+</p:sld>
+</file>
+
 <file path=ppt/slides/slide2.xml><?xml version="1.0" encoding="utf-8"?>
 <p:sld xmlns:a="http://schemas.openxmlformats.org/drawingml/2006/main" xmlns:r="http://schemas.openxmlformats.org/officeDocument/2006/relationships" xmlns:p="http://schemas.openxmlformats.org/presentationml/2006/main">
   <p:cSld>
@@ -4409,6 +4495,394 @@
     <p:extLst>
       <p:ext uri="{BB962C8B-B14F-4D97-AF65-F5344CB8AC3E}">
         <p14:creationId xmlns:p14="http://schemas.microsoft.com/office/powerpoint/2010/main" val="3127899212"/>
+      </p:ext>
+    </p:extLst>
+  </p:cSld>
+  <p:clrMapOvr>
+    <a:masterClrMapping/>
+  </p:clrMapOvr>
+</p:sld>
+</file>
+
+<file path=ppt/slides/slide5.xml><?xml version="1.0" encoding="utf-8"?>
+<p:sld xmlns:a="http://schemas.openxmlformats.org/drawingml/2006/main" xmlns:r="http://schemas.openxmlformats.org/officeDocument/2006/relationships" xmlns:p="http://schemas.openxmlformats.org/presentationml/2006/main">
+  <p:cSld>
+    <p:spTree>
+      <p:nvGrpSpPr>
+        <p:cNvPr id="1" name=""/>
+        <p:cNvGrpSpPr/>
+        <p:nvPr/>
+      </p:nvGrpSpPr>
+      <p:grpSpPr>
+        <a:xfrm>
+          <a:off x="0" y="0"/>
+          <a:ext cx="0" cy="0"/>
+          <a:chOff x="0" y="0"/>
+          <a:chExt cx="0" cy="0"/>
+        </a:xfrm>
+      </p:grpSpPr>
+      <p:sp>
+        <p:nvSpPr>
+          <p:cNvPr id="4" name="TextBox 3">
+            <a:extLst>
+              <a:ext uri="{FF2B5EF4-FFF2-40B4-BE49-F238E27FC236}">
+                <a16:creationId xmlns:a16="http://schemas.microsoft.com/office/drawing/2014/main" id="{51C6EBF4-27B0-4C01-BEE7-89ACB821D7A6}"/>
+              </a:ext>
+            </a:extLst>
+          </p:cNvPr>
+          <p:cNvSpPr txBox="1"/>
+          <p:nvPr/>
+        </p:nvSpPr>
+        <p:spPr>
+          <a:xfrm>
+            <a:off x="820132" y="1376313"/>
+            <a:ext cx="8512404" cy="2862322"/>
+          </a:xfrm>
+          <a:prstGeom prst="rect">
+            <a:avLst/>
+          </a:prstGeom>
+          <a:noFill/>
+        </p:spPr>
+        <p:txBody>
+          <a:bodyPr wrap="square" rtlCol="0">
+            <a:spAutoFit/>
+          </a:bodyPr>
+          <a:lstStyle/>
+          <a:p>
+            <a:r>
+              <a:rPr lang="en-US" b="1" dirty="0"/>
+              <a:t>Which is FALSE for Pooling layer in CNN?</a:t>
+            </a:r>
+          </a:p>
+          <a:p>
+            <a:r>
+              <a:rPr lang="en-US" b="1" dirty="0" err="1"/>
+              <a:t>A.Must</a:t>
+            </a:r>
+            <a:r>
+              <a:rPr lang="en-US" b="1" dirty="0"/>
+              <a:t> be used after every convolution layer</a:t>
+            </a:r>
+          </a:p>
+          <a:p>
+            <a:r>
+              <a:rPr lang="en-US" b="1" dirty="0" err="1"/>
+              <a:t>B.Downsamples</a:t>
+            </a:r>
+            <a:r>
+              <a:rPr lang="en-US" b="1" dirty="0"/>
+              <a:t> while retaining important information</a:t>
+            </a:r>
+          </a:p>
+          <a:p>
+            <a:r>
+              <a:rPr lang="en-US" dirty="0"/>
+              <a:t>Only A</a:t>
+            </a:r>
+          </a:p>
+          <a:p>
+            <a:r>
+              <a:rPr lang="en-US" dirty="0"/>
+              <a:t>Only B</a:t>
+            </a:r>
+          </a:p>
+          <a:p>
+            <a:r>
+              <a:rPr lang="en-US" dirty="0"/>
+              <a:t>Both A and B</a:t>
+            </a:r>
+          </a:p>
+          <a:p>
+            <a:r>
+              <a:rPr lang="en-US" dirty="0"/>
+              <a:t>None of the above</a:t>
+            </a:r>
+          </a:p>
+          <a:p>
+            <a:endParaRPr lang="en-US" dirty="0"/>
+          </a:p>
+          <a:p>
+            <a:endParaRPr lang="en-US" dirty="0"/>
+          </a:p>
+          <a:p>
+            <a:endParaRPr lang="en-US" dirty="0"/>
+          </a:p>
+        </p:txBody>
+      </p:sp>
+    </p:spTree>
+    <p:extLst>
+      <p:ext uri="{BB962C8B-B14F-4D97-AF65-F5344CB8AC3E}">
+        <p14:creationId xmlns:p14="http://schemas.microsoft.com/office/powerpoint/2010/main" val="3984531265"/>
+      </p:ext>
+    </p:extLst>
+  </p:cSld>
+  <p:clrMapOvr>
+    <a:masterClrMapping/>
+  </p:clrMapOvr>
+</p:sld>
+</file>
+
+<file path=ppt/slides/slide6.xml><?xml version="1.0" encoding="utf-8"?>
+<p:sld xmlns:a="http://schemas.openxmlformats.org/drawingml/2006/main" xmlns:r="http://schemas.openxmlformats.org/officeDocument/2006/relationships" xmlns:p="http://schemas.openxmlformats.org/presentationml/2006/main">
+  <p:cSld>
+    <p:spTree>
+      <p:nvGrpSpPr>
+        <p:cNvPr id="1" name=""/>
+        <p:cNvGrpSpPr/>
+        <p:nvPr/>
+      </p:nvGrpSpPr>
+      <p:grpSpPr>
+        <a:xfrm>
+          <a:off x="0" y="0"/>
+          <a:ext cx="0" cy="0"/>
+          <a:chOff x="0" y="0"/>
+          <a:chExt cx="0" cy="0"/>
+        </a:xfrm>
+      </p:grpSpPr>
+      <p:sp>
+        <p:nvSpPr>
+          <p:cNvPr id="4" name="TextBox 3">
+            <a:extLst>
+              <a:ext uri="{FF2B5EF4-FFF2-40B4-BE49-F238E27FC236}">
+                <a16:creationId xmlns:a16="http://schemas.microsoft.com/office/drawing/2014/main" id="{6DDC5573-10A0-423E-AF7E-ED941B16C60E}"/>
+              </a:ext>
+            </a:extLst>
+          </p:cNvPr>
+          <p:cNvSpPr txBox="1"/>
+          <p:nvPr/>
+        </p:nvSpPr>
+        <p:spPr>
+          <a:xfrm>
+            <a:off x="1762812" y="1055802"/>
+            <a:ext cx="7598004" cy="2031325"/>
+          </a:xfrm>
+          <a:prstGeom prst="rect">
+            <a:avLst/>
+          </a:prstGeom>
+          <a:noFill/>
+        </p:spPr>
+        <p:txBody>
+          <a:bodyPr wrap="square" rtlCol="0">
+            <a:spAutoFit/>
+          </a:bodyPr>
+          <a:lstStyle/>
+          <a:p>
+            <a:endParaRPr lang="en-US" dirty="0"/>
+          </a:p>
+          <a:p>
+            <a:r>
+              <a:rPr lang="en-US" dirty="0"/>
+              <a:t>Therefore, the correct answer is: Only A.</a:t>
+            </a:r>
+          </a:p>
+          <a:p>
+            <a:endParaRPr lang="en-US" dirty="0"/>
+          </a:p>
+          <a:p>
+            <a:r>
+              <a:rPr lang="en-US" dirty="0"/>
+              <a:t>The statement "Must be used after every convolution layer" is false for the pooling layer in a CNN. While it is common to use pooling layers after convolution layers, it is not necessary to use them after every convolution layer. </a:t>
+            </a:r>
+          </a:p>
+          <a:p>
+            <a:endParaRPr lang="en-US" dirty="0"/>
+          </a:p>
+        </p:txBody>
+      </p:sp>
+    </p:spTree>
+    <p:extLst>
+      <p:ext uri="{BB962C8B-B14F-4D97-AF65-F5344CB8AC3E}">
+        <p14:creationId xmlns:p14="http://schemas.microsoft.com/office/powerpoint/2010/main" val="1740034922"/>
+      </p:ext>
+    </p:extLst>
+  </p:cSld>
+  <p:clrMapOvr>
+    <a:masterClrMapping/>
+  </p:clrMapOvr>
+</p:sld>
+</file>
+
+<file path=ppt/slides/slide7.xml><?xml version="1.0" encoding="utf-8"?>
+<p:sld xmlns:a="http://schemas.openxmlformats.org/drawingml/2006/main" xmlns:r="http://schemas.openxmlformats.org/officeDocument/2006/relationships" xmlns:p="http://schemas.openxmlformats.org/presentationml/2006/main">
+  <p:cSld>
+    <p:spTree>
+      <p:nvGrpSpPr>
+        <p:cNvPr id="1" name=""/>
+        <p:cNvGrpSpPr/>
+        <p:nvPr/>
+      </p:nvGrpSpPr>
+      <p:grpSpPr>
+        <a:xfrm>
+          <a:off x="0" y="0"/>
+          <a:ext cx="0" cy="0"/>
+          <a:chOff x="0" y="0"/>
+          <a:chExt cx="0" cy="0"/>
+        </a:xfrm>
+      </p:grpSpPr>
+    </p:spTree>
+    <p:extLst>
+      <p:ext uri="{BB962C8B-B14F-4D97-AF65-F5344CB8AC3E}">
+        <p14:creationId xmlns:p14="http://schemas.microsoft.com/office/powerpoint/2010/main" val="3969397992"/>
+      </p:ext>
+    </p:extLst>
+  </p:cSld>
+  <p:clrMapOvr>
+    <a:masterClrMapping/>
+  </p:clrMapOvr>
+</p:sld>
+</file>
+
+<file path=ppt/slides/slide8.xml><?xml version="1.0" encoding="utf-8"?>
+<p:sld xmlns:a="http://schemas.openxmlformats.org/drawingml/2006/main" xmlns:r="http://schemas.openxmlformats.org/officeDocument/2006/relationships" xmlns:p="http://schemas.openxmlformats.org/presentationml/2006/main">
+  <p:cSld>
+    <p:spTree>
+      <p:nvGrpSpPr>
+        <p:cNvPr id="1" name=""/>
+        <p:cNvGrpSpPr/>
+        <p:nvPr/>
+      </p:nvGrpSpPr>
+      <p:grpSpPr>
+        <a:xfrm>
+          <a:off x="0" y="0"/>
+          <a:ext cx="0" cy="0"/>
+          <a:chOff x="0" y="0"/>
+          <a:chExt cx="0" cy="0"/>
+        </a:xfrm>
+      </p:grpSpPr>
+      <p:sp>
+        <p:nvSpPr>
+          <p:cNvPr id="2" name="Title 1">
+            <a:extLst>
+              <a:ext uri="{FF2B5EF4-FFF2-40B4-BE49-F238E27FC236}">
+                <a16:creationId xmlns:a16="http://schemas.microsoft.com/office/drawing/2014/main" id="{9DA6FAD2-3E43-4116-8BDD-87A54F39CA2C}"/>
+              </a:ext>
+            </a:extLst>
+          </p:cNvPr>
+          <p:cNvSpPr>
+            <a:spLocks noGrp="1"/>
+          </p:cNvSpPr>
+          <p:nvPr>
+            <p:ph type="title"/>
+          </p:nvPr>
+        </p:nvSpPr>
+        <p:spPr/>
+        <p:txBody>
+          <a:bodyPr/>
+          <a:lstStyle/>
+          <a:p>
+            <a:endParaRPr lang="en-US"/>
+          </a:p>
+        </p:txBody>
+      </p:sp>
+      <p:sp>
+        <p:nvSpPr>
+          <p:cNvPr id="3" name="Content Placeholder 2">
+            <a:extLst>
+              <a:ext uri="{FF2B5EF4-FFF2-40B4-BE49-F238E27FC236}">
+                <a16:creationId xmlns:a16="http://schemas.microsoft.com/office/drawing/2014/main" id="{2F9CB109-3555-4176-BD9F-239415A958EB}"/>
+              </a:ext>
+            </a:extLst>
+          </p:cNvPr>
+          <p:cNvSpPr>
+            <a:spLocks noGrp="1"/>
+          </p:cNvSpPr>
+          <p:nvPr>
+            <p:ph idx="1"/>
+          </p:nvPr>
+        </p:nvSpPr>
+        <p:spPr/>
+        <p:txBody>
+          <a:bodyPr/>
+          <a:lstStyle/>
+          <a:p>
+            <a:endParaRPr lang="en-US"/>
+          </a:p>
+        </p:txBody>
+      </p:sp>
+    </p:spTree>
+    <p:extLst>
+      <p:ext uri="{BB962C8B-B14F-4D97-AF65-F5344CB8AC3E}">
+        <p14:creationId xmlns:p14="http://schemas.microsoft.com/office/powerpoint/2010/main" val="3735730581"/>
+      </p:ext>
+    </p:extLst>
+  </p:cSld>
+  <p:clrMapOvr>
+    <a:masterClrMapping/>
+  </p:clrMapOvr>
+</p:sld>
+</file>
+
+<file path=ppt/slides/slide9.xml><?xml version="1.0" encoding="utf-8"?>
+<p:sld xmlns:a="http://schemas.openxmlformats.org/drawingml/2006/main" xmlns:r="http://schemas.openxmlformats.org/officeDocument/2006/relationships" xmlns:p="http://schemas.openxmlformats.org/presentationml/2006/main">
+  <p:cSld>
+    <p:spTree>
+      <p:nvGrpSpPr>
+        <p:cNvPr id="1" name=""/>
+        <p:cNvGrpSpPr/>
+        <p:nvPr/>
+      </p:nvGrpSpPr>
+      <p:grpSpPr>
+        <a:xfrm>
+          <a:off x="0" y="0"/>
+          <a:ext cx="0" cy="0"/>
+          <a:chOff x="0" y="0"/>
+          <a:chExt cx="0" cy="0"/>
+        </a:xfrm>
+      </p:grpSpPr>
+      <p:sp>
+        <p:nvSpPr>
+          <p:cNvPr id="2" name="Title 1">
+            <a:extLst>
+              <a:ext uri="{FF2B5EF4-FFF2-40B4-BE49-F238E27FC236}">
+                <a16:creationId xmlns:a16="http://schemas.microsoft.com/office/drawing/2014/main" id="{7D0B6971-9B57-4315-BA72-C1DDC32EF3FD}"/>
+              </a:ext>
+            </a:extLst>
+          </p:cNvPr>
+          <p:cNvSpPr>
+            <a:spLocks noGrp="1"/>
+          </p:cNvSpPr>
+          <p:nvPr>
+            <p:ph type="title"/>
+          </p:nvPr>
+        </p:nvSpPr>
+        <p:spPr/>
+        <p:txBody>
+          <a:bodyPr/>
+          <a:lstStyle/>
+          <a:p>
+            <a:endParaRPr lang="en-US"/>
+          </a:p>
+        </p:txBody>
+      </p:sp>
+      <p:sp>
+        <p:nvSpPr>
+          <p:cNvPr id="3" name="Content Placeholder 2">
+            <a:extLst>
+              <a:ext uri="{FF2B5EF4-FFF2-40B4-BE49-F238E27FC236}">
+                <a16:creationId xmlns:a16="http://schemas.microsoft.com/office/drawing/2014/main" id="{EF3ABEF7-C2C7-43C5-99DB-BB8F4E9D34E0}"/>
+              </a:ext>
+            </a:extLst>
+          </p:cNvPr>
+          <p:cNvSpPr>
+            <a:spLocks noGrp="1"/>
+          </p:cNvSpPr>
+          <p:nvPr>
+            <p:ph idx="1"/>
+          </p:nvPr>
+        </p:nvSpPr>
+        <p:spPr/>
+        <p:txBody>
+          <a:bodyPr/>
+          <a:lstStyle/>
+          <a:p>
+            <a:endParaRPr lang="en-US"/>
+          </a:p>
+        </p:txBody>
+      </p:sp>
+    </p:spTree>
+    <p:extLst>
+      <p:ext uri="{BB962C8B-B14F-4D97-AF65-F5344CB8AC3E}">
+        <p14:creationId xmlns:p14="http://schemas.microsoft.com/office/powerpoint/2010/main" val="3833956538"/>
       </p:ext>
     </p:extLst>
   </p:cSld>

--- a/Machine Learning Quiz Question.pptx
+++ b/Machine Learning Quiz Question.pptx
@@ -12,9 +12,10 @@
     <p:sldId id="260" r:id="rId6"/>
     <p:sldId id="261" r:id="rId7"/>
     <p:sldId id="262" r:id="rId8"/>
-    <p:sldId id="263" r:id="rId9"/>
-    <p:sldId id="264" r:id="rId10"/>
-    <p:sldId id="265" r:id="rId11"/>
+    <p:sldId id="266" r:id="rId9"/>
+    <p:sldId id="263" r:id="rId10"/>
+    <p:sldId id="264" r:id="rId11"/>
+    <p:sldId id="265" r:id="rId12"/>
   </p:sldIdLst>
   <p:sldSz cx="12192000" cy="6858000"/>
   <p:notesSz cx="6858000" cy="9144000"/>
@@ -268,7 +269,7 @@
           <a:p>
             <a:fld id="{635DE9B5-6039-4F90-B9CD-3F2F36427E48}" type="datetimeFigureOut">
               <a:rPr lang="en-US" smtClean="0"/>
-              <a:t>4/20/2023</a:t>
+              <a:t>4/21/2023</a:t>
             </a:fld>
             <a:endParaRPr lang="en-US"/>
           </a:p>
@@ -466,7 +467,7 @@
           <a:p>
             <a:fld id="{635DE9B5-6039-4F90-B9CD-3F2F36427E48}" type="datetimeFigureOut">
               <a:rPr lang="en-US" smtClean="0"/>
-              <a:t>4/20/2023</a:t>
+              <a:t>4/21/2023</a:t>
             </a:fld>
             <a:endParaRPr lang="en-US"/>
           </a:p>
@@ -674,7 +675,7 @@
           <a:p>
             <a:fld id="{635DE9B5-6039-4F90-B9CD-3F2F36427E48}" type="datetimeFigureOut">
               <a:rPr lang="en-US" smtClean="0"/>
-              <a:t>4/20/2023</a:t>
+              <a:t>4/21/2023</a:t>
             </a:fld>
             <a:endParaRPr lang="en-US"/>
           </a:p>
@@ -872,7 +873,7 @@
           <a:p>
             <a:fld id="{635DE9B5-6039-4F90-B9CD-3F2F36427E48}" type="datetimeFigureOut">
               <a:rPr lang="en-US" smtClean="0"/>
-              <a:t>4/20/2023</a:t>
+              <a:t>4/21/2023</a:t>
             </a:fld>
             <a:endParaRPr lang="en-US"/>
           </a:p>
@@ -1147,7 +1148,7 @@
           <a:p>
             <a:fld id="{635DE9B5-6039-4F90-B9CD-3F2F36427E48}" type="datetimeFigureOut">
               <a:rPr lang="en-US" smtClean="0"/>
-              <a:t>4/20/2023</a:t>
+              <a:t>4/21/2023</a:t>
             </a:fld>
             <a:endParaRPr lang="en-US"/>
           </a:p>
@@ -1412,7 +1413,7 @@
           <a:p>
             <a:fld id="{635DE9B5-6039-4F90-B9CD-3F2F36427E48}" type="datetimeFigureOut">
               <a:rPr lang="en-US" smtClean="0"/>
-              <a:t>4/20/2023</a:t>
+              <a:t>4/21/2023</a:t>
             </a:fld>
             <a:endParaRPr lang="en-US"/>
           </a:p>
@@ -1824,7 +1825,7 @@
           <a:p>
             <a:fld id="{635DE9B5-6039-4F90-B9CD-3F2F36427E48}" type="datetimeFigureOut">
               <a:rPr lang="en-US" smtClean="0"/>
-              <a:t>4/20/2023</a:t>
+              <a:t>4/21/2023</a:t>
             </a:fld>
             <a:endParaRPr lang="en-US"/>
           </a:p>
@@ -1965,7 +1966,7 @@
           <a:p>
             <a:fld id="{635DE9B5-6039-4F90-B9CD-3F2F36427E48}" type="datetimeFigureOut">
               <a:rPr lang="en-US" smtClean="0"/>
-              <a:t>4/20/2023</a:t>
+              <a:t>4/21/2023</a:t>
             </a:fld>
             <a:endParaRPr lang="en-US"/>
           </a:p>
@@ -2078,7 +2079,7 @@
           <a:p>
             <a:fld id="{635DE9B5-6039-4F90-B9CD-3F2F36427E48}" type="datetimeFigureOut">
               <a:rPr lang="en-US" smtClean="0"/>
-              <a:t>4/20/2023</a:t>
+              <a:t>4/21/2023</a:t>
             </a:fld>
             <a:endParaRPr lang="en-US"/>
           </a:p>
@@ -2389,7 +2390,7 @@
           <a:p>
             <a:fld id="{635DE9B5-6039-4F90-B9CD-3F2F36427E48}" type="datetimeFigureOut">
               <a:rPr lang="en-US" smtClean="0"/>
-              <a:t>4/20/2023</a:t>
+              <a:t>4/21/2023</a:t>
             </a:fld>
             <a:endParaRPr lang="en-US"/>
           </a:p>
@@ -2677,7 +2678,7 @@
           <a:p>
             <a:fld id="{635DE9B5-6039-4F90-B9CD-3F2F36427E48}" type="datetimeFigureOut">
               <a:rPr lang="en-US" smtClean="0"/>
-              <a:t>4/20/2023</a:t>
+              <a:t>4/21/2023</a:t>
             </a:fld>
             <a:endParaRPr lang="en-US"/>
           </a:p>
@@ -2918,7 +2919,7 @@
           <a:p>
             <a:fld id="{635DE9B5-6039-4F90-B9CD-3F2F36427E48}" type="datetimeFigureOut">
               <a:rPr lang="en-US" smtClean="0"/>
-              <a:t>4/20/2023</a:t>
+              <a:t>4/21/2023</a:t>
             </a:fld>
             <a:endParaRPr lang="en-US"/>
           </a:p>
@@ -3480,6 +3481,86 @@
           <p:cNvPr id="2" name="Title 1">
             <a:extLst>
               <a:ext uri="{FF2B5EF4-FFF2-40B4-BE49-F238E27FC236}">
+                <a16:creationId xmlns:a16="http://schemas.microsoft.com/office/drawing/2014/main" id="{7D0B6971-9B57-4315-BA72-C1DDC32EF3FD}"/>
+              </a:ext>
+            </a:extLst>
+          </p:cNvPr>
+          <p:cNvSpPr>
+            <a:spLocks noGrp="1"/>
+          </p:cNvSpPr>
+          <p:nvPr>
+            <p:ph type="title"/>
+          </p:nvPr>
+        </p:nvSpPr>
+        <p:spPr/>
+        <p:txBody>
+          <a:bodyPr/>
+          <a:lstStyle/>
+          <a:p>
+            <a:endParaRPr lang="en-US"/>
+          </a:p>
+        </p:txBody>
+      </p:sp>
+      <p:sp>
+        <p:nvSpPr>
+          <p:cNvPr id="3" name="Content Placeholder 2">
+            <a:extLst>
+              <a:ext uri="{FF2B5EF4-FFF2-40B4-BE49-F238E27FC236}">
+                <a16:creationId xmlns:a16="http://schemas.microsoft.com/office/drawing/2014/main" id="{EF3ABEF7-C2C7-43C5-99DB-BB8F4E9D34E0}"/>
+              </a:ext>
+            </a:extLst>
+          </p:cNvPr>
+          <p:cNvSpPr>
+            <a:spLocks noGrp="1"/>
+          </p:cNvSpPr>
+          <p:nvPr>
+            <p:ph idx="1"/>
+          </p:nvPr>
+        </p:nvSpPr>
+        <p:spPr/>
+        <p:txBody>
+          <a:bodyPr/>
+          <a:lstStyle/>
+          <a:p>
+            <a:endParaRPr lang="en-US"/>
+          </a:p>
+        </p:txBody>
+      </p:sp>
+    </p:spTree>
+    <p:extLst>
+      <p:ext uri="{BB962C8B-B14F-4D97-AF65-F5344CB8AC3E}">
+        <p14:creationId xmlns:p14="http://schemas.microsoft.com/office/powerpoint/2010/main" val="3833956538"/>
+      </p:ext>
+    </p:extLst>
+  </p:cSld>
+  <p:clrMapOvr>
+    <a:masterClrMapping/>
+  </p:clrMapOvr>
+</p:sld>
+</file>
+
+<file path=ppt/slides/slide11.xml><?xml version="1.0" encoding="utf-8"?>
+<p:sld xmlns:a="http://schemas.openxmlformats.org/drawingml/2006/main" xmlns:r="http://schemas.openxmlformats.org/officeDocument/2006/relationships" xmlns:p="http://schemas.openxmlformats.org/presentationml/2006/main">
+  <p:cSld>
+    <p:spTree>
+      <p:nvGrpSpPr>
+        <p:cNvPr id="1" name=""/>
+        <p:cNvGrpSpPr/>
+        <p:nvPr/>
+      </p:nvGrpSpPr>
+      <p:grpSpPr>
+        <a:xfrm>
+          <a:off x="0" y="0"/>
+          <a:ext cx="0" cy="0"/>
+          <a:chOff x="0" y="0"/>
+          <a:chExt cx="0" cy="0"/>
+        </a:xfrm>
+      </p:grpSpPr>
+      <p:sp>
+        <p:nvSpPr>
+          <p:cNvPr id="2" name="Title 1">
+            <a:extLst>
+              <a:ext uri="{FF2B5EF4-FFF2-40B4-BE49-F238E27FC236}">
                 <a16:creationId xmlns:a16="http://schemas.microsoft.com/office/drawing/2014/main" id="{BEA321D3-EDF8-46C0-9774-8CD902ED202D}"/>
               </a:ext>
             </a:extLst>
@@ -4719,6 +4800,68 @@
           <a:chExt cx="0" cy="0"/>
         </a:xfrm>
       </p:grpSpPr>
+      <p:sp>
+        <p:nvSpPr>
+          <p:cNvPr id="2" name="TextBox 1">
+            <a:extLst>
+              <a:ext uri="{FF2B5EF4-FFF2-40B4-BE49-F238E27FC236}">
+                <a16:creationId xmlns:a16="http://schemas.microsoft.com/office/drawing/2014/main" id="{B4148061-A847-4BE1-971F-7D62B68F43D3}"/>
+              </a:ext>
+            </a:extLst>
+          </p:cNvPr>
+          <p:cNvSpPr txBox="1"/>
+          <p:nvPr/>
+        </p:nvSpPr>
+        <p:spPr>
+          <a:xfrm>
+            <a:off x="1291472" y="1093509"/>
+            <a:ext cx="8908330" cy="2031325"/>
+          </a:xfrm>
+          <a:prstGeom prst="rect">
+            <a:avLst/>
+          </a:prstGeom>
+          <a:noFill/>
+        </p:spPr>
+        <p:txBody>
+          <a:bodyPr wrap="square" rtlCol="0">
+            <a:spAutoFit/>
+          </a:bodyPr>
+          <a:lstStyle/>
+          <a:p>
+            <a:r>
+              <a:rPr lang="en-US" b="1" dirty="0"/>
+              <a:t>What happens when we increase the value of the regularization hyperparameter in Ridge Regression too much?</a:t>
+            </a:r>
+          </a:p>
+          <a:p>
+            <a:r>
+              <a:rPr lang="en-US" dirty="0"/>
+              <a:t>Model starts overfitting</a:t>
+            </a:r>
+          </a:p>
+          <a:p>
+            <a:r>
+              <a:rPr lang="en-US" dirty="0"/>
+              <a:t>Model starts underfitting</a:t>
+            </a:r>
+          </a:p>
+          <a:p>
+            <a:r>
+              <a:rPr lang="en-US" dirty="0"/>
+              <a:t>Model fits just fine</a:t>
+            </a:r>
+          </a:p>
+          <a:p>
+            <a:r>
+              <a:rPr lang="en-US" dirty="0"/>
+              <a:t>Model doesn't depend on this</a:t>
+            </a:r>
+          </a:p>
+          <a:p>
+            <a:endParaRPr lang="en-US" dirty="0"/>
+          </a:p>
+        </p:txBody>
+      </p:sp>
     </p:spTree>
     <p:extLst>
       <p:ext uri="{BB962C8B-B14F-4D97-AF65-F5344CB8AC3E}">
@@ -4751,58 +4894,55 @@
       </p:grpSpPr>
       <p:sp>
         <p:nvSpPr>
-          <p:cNvPr id="2" name="Title 1">
-            <a:extLst>
-              <a:ext uri="{FF2B5EF4-FFF2-40B4-BE49-F238E27FC236}">
-                <a16:creationId xmlns:a16="http://schemas.microsoft.com/office/drawing/2014/main" id="{9DA6FAD2-3E43-4116-8BDD-87A54F39CA2C}"/>
-              </a:ext>
-            </a:extLst>
-          </p:cNvPr>
-          <p:cNvSpPr>
-            <a:spLocks noGrp="1"/>
-          </p:cNvSpPr>
-          <p:nvPr>
-            <p:ph type="title"/>
-          </p:nvPr>
-        </p:nvSpPr>
-        <p:spPr/>
-        <p:txBody>
-          <a:bodyPr/>
-          <a:lstStyle/>
+          <p:cNvPr id="4" name="TextBox 3">
+            <a:extLst>
+              <a:ext uri="{FF2B5EF4-FFF2-40B4-BE49-F238E27FC236}">
+                <a16:creationId xmlns:a16="http://schemas.microsoft.com/office/drawing/2014/main" id="{08809DBB-3760-4925-8795-795F7CB099BC}"/>
+              </a:ext>
+            </a:extLst>
+          </p:cNvPr>
+          <p:cNvSpPr txBox="1"/>
+          <p:nvPr/>
+        </p:nvSpPr>
+        <p:spPr>
+          <a:xfrm>
+            <a:off x="1282045" y="1564849"/>
+            <a:ext cx="6447934" cy="3416320"/>
+          </a:xfrm>
+          <a:prstGeom prst="rect">
+            <a:avLst/>
+          </a:prstGeom>
+          <a:noFill/>
+        </p:spPr>
+        <p:txBody>
+          <a:bodyPr wrap="square" rtlCol="0">
+            <a:spAutoFit/>
+          </a:bodyPr>
+          <a:lstStyle/>
+          <a:p>
+            <a:endParaRPr lang="en-US" dirty="0"/>
+          </a:p>
+          <a:p>
+            <a:r>
+              <a:rPr lang="en-US"/>
+              <a:t>Model starts underfitting</a:t>
+            </a:r>
+          </a:p>
           <a:p>
             <a:endParaRPr lang="en-US"/>
           </a:p>
-        </p:txBody>
-      </p:sp>
-      <p:sp>
-        <p:nvSpPr>
-          <p:cNvPr id="3" name="Content Placeholder 2">
-            <a:extLst>
-              <a:ext uri="{FF2B5EF4-FFF2-40B4-BE49-F238E27FC236}">
-                <a16:creationId xmlns:a16="http://schemas.microsoft.com/office/drawing/2014/main" id="{2F9CB109-3555-4176-BD9F-239415A958EB}"/>
-              </a:ext>
-            </a:extLst>
-          </p:cNvPr>
-          <p:cNvSpPr>
-            <a:spLocks noGrp="1"/>
-          </p:cNvSpPr>
-          <p:nvPr>
-            <p:ph idx="1"/>
-          </p:nvPr>
-        </p:nvSpPr>
-        <p:spPr/>
-        <p:txBody>
-          <a:bodyPr/>
-          <a:lstStyle/>
-          <a:p>
-            <a:endParaRPr lang="en-US"/>
+          <a:p>
+            <a:r>
+              <a:rPr lang="en-US" dirty="0"/>
+              <a:t>When we increase the value of the regularization hyperparameter in Ridge Regression too much, the model tends to underfit. This is because the regularization term in Ridge Regression penalizes large coefficient values, which helps to prevent overfitting. However, if the regularization parameter is set too high, it can constrain the model too much, causing it to oversimplify and underfit the data. Therefore, it is important to choose an appropriate value for the regularization hyperparameter in Ridge Regression to achieve the right balance between bias and variance in the model.</a:t>
+            </a:r>
           </a:p>
         </p:txBody>
       </p:sp>
     </p:spTree>
     <p:extLst>
       <p:ext uri="{BB962C8B-B14F-4D97-AF65-F5344CB8AC3E}">
-        <p14:creationId xmlns:p14="http://schemas.microsoft.com/office/powerpoint/2010/main" val="3735730581"/>
+        <p14:creationId xmlns:p14="http://schemas.microsoft.com/office/powerpoint/2010/main" val="2780917333"/>
       </p:ext>
     </p:extLst>
   </p:cSld>
@@ -4834,7 +4974,7 @@
           <p:cNvPr id="2" name="Title 1">
             <a:extLst>
               <a:ext uri="{FF2B5EF4-FFF2-40B4-BE49-F238E27FC236}">
-                <a16:creationId xmlns:a16="http://schemas.microsoft.com/office/drawing/2014/main" id="{7D0B6971-9B57-4315-BA72-C1DDC32EF3FD}"/>
+                <a16:creationId xmlns:a16="http://schemas.microsoft.com/office/drawing/2014/main" id="{9DA6FAD2-3E43-4116-8BDD-87A54F39CA2C}"/>
               </a:ext>
             </a:extLst>
           </p:cNvPr>
@@ -4859,7 +4999,7 @@
           <p:cNvPr id="3" name="Content Placeholder 2">
             <a:extLst>
               <a:ext uri="{FF2B5EF4-FFF2-40B4-BE49-F238E27FC236}">
-                <a16:creationId xmlns:a16="http://schemas.microsoft.com/office/drawing/2014/main" id="{EF3ABEF7-C2C7-43C5-99DB-BB8F4E9D34E0}"/>
+                <a16:creationId xmlns:a16="http://schemas.microsoft.com/office/drawing/2014/main" id="{2F9CB109-3555-4176-BD9F-239415A958EB}"/>
               </a:ext>
             </a:extLst>
           </p:cNvPr>
@@ -4882,7 +5022,7 @@
     </p:spTree>
     <p:extLst>
       <p:ext uri="{BB962C8B-B14F-4D97-AF65-F5344CB8AC3E}">
-        <p14:creationId xmlns:p14="http://schemas.microsoft.com/office/powerpoint/2010/main" val="3833956538"/>
+        <p14:creationId xmlns:p14="http://schemas.microsoft.com/office/powerpoint/2010/main" val="3735730581"/>
       </p:ext>
     </p:extLst>
   </p:cSld>

--- a/Machine Learning Quiz Question.pptx
+++ b/Machine Learning Quiz Question.pptx
@@ -269,7 +269,7 @@
           <a:p>
             <a:fld id="{635DE9B5-6039-4F90-B9CD-3F2F36427E48}" type="datetimeFigureOut">
               <a:rPr lang="en-US" smtClean="0"/>
-              <a:t>4/21/2023</a:t>
+              <a:t>4/22/2023</a:t>
             </a:fld>
             <a:endParaRPr lang="en-US"/>
           </a:p>
@@ -467,7 +467,7 @@
           <a:p>
             <a:fld id="{635DE9B5-6039-4F90-B9CD-3F2F36427E48}" type="datetimeFigureOut">
               <a:rPr lang="en-US" smtClean="0"/>
-              <a:t>4/21/2023</a:t>
+              <a:t>4/22/2023</a:t>
             </a:fld>
             <a:endParaRPr lang="en-US"/>
           </a:p>
@@ -675,7 +675,7 @@
           <a:p>
             <a:fld id="{635DE9B5-6039-4F90-B9CD-3F2F36427E48}" type="datetimeFigureOut">
               <a:rPr lang="en-US" smtClean="0"/>
-              <a:t>4/21/2023</a:t>
+              <a:t>4/22/2023</a:t>
             </a:fld>
             <a:endParaRPr lang="en-US"/>
           </a:p>
@@ -873,7 +873,7 @@
           <a:p>
             <a:fld id="{635DE9B5-6039-4F90-B9CD-3F2F36427E48}" type="datetimeFigureOut">
               <a:rPr lang="en-US" smtClean="0"/>
-              <a:t>4/21/2023</a:t>
+              <a:t>4/22/2023</a:t>
             </a:fld>
             <a:endParaRPr lang="en-US"/>
           </a:p>
@@ -1148,7 +1148,7 @@
           <a:p>
             <a:fld id="{635DE9B5-6039-4F90-B9CD-3F2F36427E48}" type="datetimeFigureOut">
               <a:rPr lang="en-US" smtClean="0"/>
-              <a:t>4/21/2023</a:t>
+              <a:t>4/22/2023</a:t>
             </a:fld>
             <a:endParaRPr lang="en-US"/>
           </a:p>
@@ -1413,7 +1413,7 @@
           <a:p>
             <a:fld id="{635DE9B5-6039-4F90-B9CD-3F2F36427E48}" type="datetimeFigureOut">
               <a:rPr lang="en-US" smtClean="0"/>
-              <a:t>4/21/2023</a:t>
+              <a:t>4/22/2023</a:t>
             </a:fld>
             <a:endParaRPr lang="en-US"/>
           </a:p>
@@ -1825,7 +1825,7 @@
           <a:p>
             <a:fld id="{635DE9B5-6039-4F90-B9CD-3F2F36427E48}" type="datetimeFigureOut">
               <a:rPr lang="en-US" smtClean="0"/>
-              <a:t>4/21/2023</a:t>
+              <a:t>4/22/2023</a:t>
             </a:fld>
             <a:endParaRPr lang="en-US"/>
           </a:p>
@@ -1966,7 +1966,7 @@
           <a:p>
             <a:fld id="{635DE9B5-6039-4F90-B9CD-3F2F36427E48}" type="datetimeFigureOut">
               <a:rPr lang="en-US" smtClean="0"/>
-              <a:t>4/21/2023</a:t>
+              <a:t>4/22/2023</a:t>
             </a:fld>
             <a:endParaRPr lang="en-US"/>
           </a:p>
@@ -2079,7 +2079,7 @@
           <a:p>
             <a:fld id="{635DE9B5-6039-4F90-B9CD-3F2F36427E48}" type="datetimeFigureOut">
               <a:rPr lang="en-US" smtClean="0"/>
-              <a:t>4/21/2023</a:t>
+              <a:t>4/22/2023</a:t>
             </a:fld>
             <a:endParaRPr lang="en-US"/>
           </a:p>
@@ -2390,7 +2390,7 @@
           <a:p>
             <a:fld id="{635DE9B5-6039-4F90-B9CD-3F2F36427E48}" type="datetimeFigureOut">
               <a:rPr lang="en-US" smtClean="0"/>
-              <a:t>4/21/2023</a:t>
+              <a:t>4/22/2023</a:t>
             </a:fld>
             <a:endParaRPr lang="en-US"/>
           </a:p>
@@ -2678,7 +2678,7 @@
           <a:p>
             <a:fld id="{635DE9B5-6039-4F90-B9CD-3F2F36427E48}" type="datetimeFigureOut">
               <a:rPr lang="en-US" smtClean="0"/>
-              <a:t>4/21/2023</a:t>
+              <a:t>4/22/2023</a:t>
             </a:fld>
             <a:endParaRPr lang="en-US"/>
           </a:p>
@@ -2919,7 +2919,7 @@
           <a:p>
             <a:fld id="{635DE9B5-6039-4F90-B9CD-3F2F36427E48}" type="datetimeFigureOut">
               <a:rPr lang="en-US" smtClean="0"/>
-              <a:t>4/21/2023</a:t>
+              <a:t>4/22/2023</a:t>
             </a:fld>
             <a:endParaRPr lang="en-US"/>
           </a:p>
@@ -3478,51 +3478,52 @@
       </p:grpSpPr>
       <p:sp>
         <p:nvSpPr>
-          <p:cNvPr id="2" name="Title 1">
-            <a:extLst>
-              <a:ext uri="{FF2B5EF4-FFF2-40B4-BE49-F238E27FC236}">
-                <a16:creationId xmlns:a16="http://schemas.microsoft.com/office/drawing/2014/main" id="{7D0B6971-9B57-4315-BA72-C1DDC32EF3FD}"/>
-              </a:ext>
-            </a:extLst>
-          </p:cNvPr>
-          <p:cNvSpPr>
-            <a:spLocks noGrp="1"/>
-          </p:cNvSpPr>
-          <p:nvPr>
-            <p:ph type="title"/>
+          <p:cNvPr id="3" name="Content Placeholder 2">
+            <a:extLst>
+              <a:ext uri="{FF2B5EF4-FFF2-40B4-BE49-F238E27FC236}">
+                <a16:creationId xmlns:a16="http://schemas.microsoft.com/office/drawing/2014/main" id="{EF3ABEF7-C2C7-43C5-99DB-BB8F4E9D34E0}"/>
+              </a:ext>
+            </a:extLst>
+          </p:cNvPr>
+          <p:cNvSpPr>
+            <a:spLocks noGrp="1"/>
+          </p:cNvSpPr>
+          <p:nvPr>
+            <p:ph idx="1"/>
           </p:nvPr>
         </p:nvSpPr>
         <p:spPr/>
         <p:txBody>
-          <a:bodyPr/>
-          <a:lstStyle/>
-          <a:p>
-            <a:endParaRPr lang="en-US"/>
-          </a:p>
-        </p:txBody>
-      </p:sp>
-      <p:sp>
-        <p:nvSpPr>
-          <p:cNvPr id="3" name="Content Placeholder 2">
-            <a:extLst>
-              <a:ext uri="{FF2B5EF4-FFF2-40B4-BE49-F238E27FC236}">
-                <a16:creationId xmlns:a16="http://schemas.microsoft.com/office/drawing/2014/main" id="{EF3ABEF7-C2C7-43C5-99DB-BB8F4E9D34E0}"/>
-              </a:ext>
-            </a:extLst>
-          </p:cNvPr>
-          <p:cNvSpPr>
-            <a:spLocks noGrp="1"/>
-          </p:cNvSpPr>
-          <p:nvPr>
-            <p:ph idx="1"/>
-          </p:nvPr>
-        </p:nvSpPr>
-        <p:spPr/>
-        <p:txBody>
-          <a:bodyPr/>
-          <a:lstStyle/>
-          <a:p>
-            <a:endParaRPr lang="en-US"/>
+          <a:bodyPr>
+            <a:normAutofit fontScale="77500" lnSpcReduction="20000"/>
+          </a:bodyPr>
+          <a:lstStyle/>
+          <a:p>
+            <a:r>
+              <a:rPr lang="en-US" dirty="0"/>
+              <a:t>A residual connection solves the problem of vanishing gradients.</a:t>
+            </a:r>
+          </a:p>
+          <a:p>
+            <a:r>
+              <a:rPr lang="en-US" dirty="0"/>
+              <a:t>In deep neural networks, the backpropagation algorithm is used to update the weights of the network during training by computing gradients of the loss function with respect to the weights. However, in very deep networks, the gradients can become very small as they are propagated backwards through the layers. This is known as the vanishing gradient problem, and it can make it difficult to train deep networks.</a:t>
+            </a:r>
+          </a:p>
+          <a:p>
+            <a:r>
+              <a:rPr lang="en-US" dirty="0"/>
+              <a:t>Residual connections, also known as skip connections, are a technique used to address the vanishing gradient problem by allowing the gradients to be directly propagated from one layer to another without passing through the intermediate layers. This is achieved by adding the input of a layer to its output, so that the output of the layer becomes the sum of its input and its computed activations. This sum, or residual, is then passed to the next layer in the network. The residual connection allows the gradients to be propagated directly through the identity mapping of the input, which can help prevent them from becoming too small as they are propagated backwards through the network.</a:t>
+            </a:r>
+          </a:p>
+          <a:p>
+            <a:r>
+              <a:rPr lang="en-US" dirty="0"/>
+              <a:t>Therefore, a residual connection solves the problem of vanishing gradients in deep neural networks, which can help improve the training and performance of the network.</a:t>
+            </a:r>
+          </a:p>
+          <a:p>
+            <a:endParaRPr lang="en-US" dirty="0"/>
           </a:p>
         </p:txBody>
       </p:sp>
@@ -4971,51 +4972,58 @@
       </p:grpSpPr>
       <p:sp>
         <p:nvSpPr>
-          <p:cNvPr id="2" name="Title 1">
-            <a:extLst>
-              <a:ext uri="{FF2B5EF4-FFF2-40B4-BE49-F238E27FC236}">
-                <a16:creationId xmlns:a16="http://schemas.microsoft.com/office/drawing/2014/main" id="{9DA6FAD2-3E43-4116-8BDD-87A54F39CA2C}"/>
-              </a:ext>
-            </a:extLst>
-          </p:cNvPr>
-          <p:cNvSpPr>
-            <a:spLocks noGrp="1"/>
-          </p:cNvSpPr>
-          <p:nvPr>
-            <p:ph type="title"/>
+          <p:cNvPr id="3" name="Content Placeholder 2">
+            <a:extLst>
+              <a:ext uri="{FF2B5EF4-FFF2-40B4-BE49-F238E27FC236}">
+                <a16:creationId xmlns:a16="http://schemas.microsoft.com/office/drawing/2014/main" id="{2F9CB109-3555-4176-BD9F-239415A958EB}"/>
+              </a:ext>
+            </a:extLst>
+          </p:cNvPr>
+          <p:cNvSpPr>
+            <a:spLocks noGrp="1"/>
+          </p:cNvSpPr>
+          <p:nvPr>
+            <p:ph idx="1"/>
           </p:nvPr>
         </p:nvSpPr>
         <p:spPr/>
         <p:txBody>
-          <a:bodyPr/>
-          <a:lstStyle/>
-          <a:p>
-            <a:endParaRPr lang="en-US"/>
-          </a:p>
-        </p:txBody>
-      </p:sp>
-      <p:sp>
-        <p:nvSpPr>
-          <p:cNvPr id="3" name="Content Placeholder 2">
-            <a:extLst>
-              <a:ext uri="{FF2B5EF4-FFF2-40B4-BE49-F238E27FC236}">
-                <a16:creationId xmlns:a16="http://schemas.microsoft.com/office/drawing/2014/main" id="{2F9CB109-3555-4176-BD9F-239415A958EB}"/>
-              </a:ext>
-            </a:extLst>
-          </p:cNvPr>
-          <p:cNvSpPr>
-            <a:spLocks noGrp="1"/>
-          </p:cNvSpPr>
-          <p:nvPr>
-            <p:ph idx="1"/>
-          </p:nvPr>
-        </p:nvSpPr>
-        <p:spPr/>
-        <p:txBody>
-          <a:bodyPr/>
-          <a:lstStyle/>
-          <a:p>
-            <a:endParaRPr lang="en-US"/>
+          <a:bodyPr>
+            <a:normAutofit/>
+          </a:bodyPr>
+          <a:lstStyle/>
+          <a:p>
+            <a:r>
+              <a:rPr lang="en-US" dirty="0"/>
+              <a:t>What problem does a residual connection solve?</a:t>
+            </a:r>
+          </a:p>
+          <a:p>
+            <a:r>
+              <a:rPr lang="en-US" dirty="0"/>
+              <a:t>Overfitting</a:t>
+            </a:r>
+          </a:p>
+          <a:p>
+            <a:r>
+              <a:rPr lang="en-US" dirty="0"/>
+              <a:t>Underfitting</a:t>
+            </a:r>
+          </a:p>
+          <a:p>
+            <a:r>
+              <a:rPr lang="en-US" dirty="0"/>
+              <a:t>Vanishing gradient</a:t>
+            </a:r>
+          </a:p>
+          <a:p>
+            <a:r>
+              <a:rPr lang="en-US" dirty="0"/>
+              <a:t>Exploding gradient</a:t>
+            </a:r>
+          </a:p>
+          <a:p>
+            <a:endParaRPr lang="en-US" dirty="0"/>
           </a:p>
         </p:txBody>
       </p:sp>

--- a/Machine Learning Quiz Question.pptx
+++ b/Machine Learning Quiz Question.pptx
@@ -16,6 +16,7 @@
     <p:sldId id="263" r:id="rId10"/>
     <p:sldId id="264" r:id="rId11"/>
     <p:sldId id="265" r:id="rId12"/>
+    <p:sldId id="267" r:id="rId13"/>
   </p:sldIdLst>
   <p:sldSz cx="12192000" cy="6858000"/>
   <p:notesSz cx="6858000" cy="9144000"/>
@@ -269,7 +270,7 @@
           <a:p>
             <a:fld id="{635DE9B5-6039-4F90-B9CD-3F2F36427E48}" type="datetimeFigureOut">
               <a:rPr lang="en-US" smtClean="0"/>
-              <a:t>4/22/2023</a:t>
+              <a:t>4/23/2023</a:t>
             </a:fld>
             <a:endParaRPr lang="en-US"/>
           </a:p>
@@ -467,7 +468,7 @@
           <a:p>
             <a:fld id="{635DE9B5-6039-4F90-B9CD-3F2F36427E48}" type="datetimeFigureOut">
               <a:rPr lang="en-US" smtClean="0"/>
-              <a:t>4/22/2023</a:t>
+              <a:t>4/23/2023</a:t>
             </a:fld>
             <a:endParaRPr lang="en-US"/>
           </a:p>
@@ -675,7 +676,7 @@
           <a:p>
             <a:fld id="{635DE9B5-6039-4F90-B9CD-3F2F36427E48}" type="datetimeFigureOut">
               <a:rPr lang="en-US" smtClean="0"/>
-              <a:t>4/22/2023</a:t>
+              <a:t>4/23/2023</a:t>
             </a:fld>
             <a:endParaRPr lang="en-US"/>
           </a:p>
@@ -873,7 +874,7 @@
           <a:p>
             <a:fld id="{635DE9B5-6039-4F90-B9CD-3F2F36427E48}" type="datetimeFigureOut">
               <a:rPr lang="en-US" smtClean="0"/>
-              <a:t>4/22/2023</a:t>
+              <a:t>4/23/2023</a:t>
             </a:fld>
             <a:endParaRPr lang="en-US"/>
           </a:p>
@@ -1148,7 +1149,7 @@
           <a:p>
             <a:fld id="{635DE9B5-6039-4F90-B9CD-3F2F36427E48}" type="datetimeFigureOut">
               <a:rPr lang="en-US" smtClean="0"/>
-              <a:t>4/22/2023</a:t>
+              <a:t>4/23/2023</a:t>
             </a:fld>
             <a:endParaRPr lang="en-US"/>
           </a:p>
@@ -1413,7 +1414,7 @@
           <a:p>
             <a:fld id="{635DE9B5-6039-4F90-B9CD-3F2F36427E48}" type="datetimeFigureOut">
               <a:rPr lang="en-US" smtClean="0"/>
-              <a:t>4/22/2023</a:t>
+              <a:t>4/23/2023</a:t>
             </a:fld>
             <a:endParaRPr lang="en-US"/>
           </a:p>
@@ -1825,7 +1826,7 @@
           <a:p>
             <a:fld id="{635DE9B5-6039-4F90-B9CD-3F2F36427E48}" type="datetimeFigureOut">
               <a:rPr lang="en-US" smtClean="0"/>
-              <a:t>4/22/2023</a:t>
+              <a:t>4/23/2023</a:t>
             </a:fld>
             <a:endParaRPr lang="en-US"/>
           </a:p>
@@ -1966,7 +1967,7 @@
           <a:p>
             <a:fld id="{635DE9B5-6039-4F90-B9CD-3F2F36427E48}" type="datetimeFigureOut">
               <a:rPr lang="en-US" smtClean="0"/>
-              <a:t>4/22/2023</a:t>
+              <a:t>4/23/2023</a:t>
             </a:fld>
             <a:endParaRPr lang="en-US"/>
           </a:p>
@@ -2079,7 +2080,7 @@
           <a:p>
             <a:fld id="{635DE9B5-6039-4F90-B9CD-3F2F36427E48}" type="datetimeFigureOut">
               <a:rPr lang="en-US" smtClean="0"/>
-              <a:t>4/22/2023</a:t>
+              <a:t>4/23/2023</a:t>
             </a:fld>
             <a:endParaRPr lang="en-US"/>
           </a:p>
@@ -2390,7 +2391,7 @@
           <a:p>
             <a:fld id="{635DE9B5-6039-4F90-B9CD-3F2F36427E48}" type="datetimeFigureOut">
               <a:rPr lang="en-US" smtClean="0"/>
-              <a:t>4/22/2023</a:t>
+              <a:t>4/23/2023</a:t>
             </a:fld>
             <a:endParaRPr lang="en-US"/>
           </a:p>
@@ -2678,7 +2679,7 @@
           <a:p>
             <a:fld id="{635DE9B5-6039-4F90-B9CD-3F2F36427E48}" type="datetimeFigureOut">
               <a:rPr lang="en-US" smtClean="0"/>
-              <a:t>4/22/2023</a:t>
+              <a:t>4/23/2023</a:t>
             </a:fld>
             <a:endParaRPr lang="en-US"/>
           </a:p>
@@ -2919,7 +2920,7 @@
           <a:p>
             <a:fld id="{635DE9B5-6039-4F90-B9CD-3F2F36427E48}" type="datetimeFigureOut">
               <a:rPr lang="en-US" smtClean="0"/>
-              <a:t>4/22/2023</a:t>
+              <a:t>4/23/2023</a:t>
             </a:fld>
             <a:endParaRPr lang="en-US"/>
           </a:p>
@@ -3559,18 +3560,18 @@
       </p:grpSpPr>
       <p:sp>
         <p:nvSpPr>
-          <p:cNvPr id="2" name="Title 1">
-            <a:extLst>
-              <a:ext uri="{FF2B5EF4-FFF2-40B4-BE49-F238E27FC236}">
-                <a16:creationId xmlns:a16="http://schemas.microsoft.com/office/drawing/2014/main" id="{BEA321D3-EDF8-46C0-9774-8CD902ED202D}"/>
-              </a:ext>
-            </a:extLst>
-          </p:cNvPr>
-          <p:cNvSpPr>
-            <a:spLocks noGrp="1"/>
-          </p:cNvSpPr>
-          <p:nvPr>
-            <p:ph type="title"/>
+          <p:cNvPr id="3" name="Content Placeholder 2">
+            <a:extLst>
+              <a:ext uri="{FF2B5EF4-FFF2-40B4-BE49-F238E27FC236}">
+                <a16:creationId xmlns:a16="http://schemas.microsoft.com/office/drawing/2014/main" id="{282A1DB7-B2C5-47EA-B06F-AD874881C3A3}"/>
+              </a:ext>
+            </a:extLst>
+          </p:cNvPr>
+          <p:cNvSpPr>
+            <a:spLocks noGrp="1"/>
+          </p:cNvSpPr>
+          <p:nvPr>
+            <p:ph idx="1"/>
           </p:nvPr>
         </p:nvSpPr>
         <p:spPr/>
@@ -3578,32 +3579,37 @@
           <a:bodyPr/>
           <a:lstStyle/>
           <a:p>
-            <a:endParaRPr lang="en-US"/>
-          </a:p>
-        </p:txBody>
-      </p:sp>
-      <p:sp>
-        <p:nvSpPr>
-          <p:cNvPr id="3" name="Content Placeholder 2">
-            <a:extLst>
-              <a:ext uri="{FF2B5EF4-FFF2-40B4-BE49-F238E27FC236}">
-                <a16:creationId xmlns:a16="http://schemas.microsoft.com/office/drawing/2014/main" id="{282A1DB7-B2C5-47EA-B06F-AD874881C3A3}"/>
-              </a:ext>
-            </a:extLst>
-          </p:cNvPr>
-          <p:cNvSpPr>
-            <a:spLocks noGrp="1"/>
-          </p:cNvSpPr>
-          <p:nvPr>
-            <p:ph idx="1"/>
-          </p:nvPr>
-        </p:nvSpPr>
-        <p:spPr/>
-        <p:txBody>
-          <a:bodyPr/>
-          <a:lstStyle/>
-          <a:p>
-            <a:endParaRPr lang="en-US"/>
+            <a:r>
+              <a:rPr lang="en-US" b="1" dirty="0"/>
+              <a:t>What is NOT a solution for the high variance problem?</a:t>
+            </a:r>
+          </a:p>
+          <a:p>
+            <a:r>
+              <a:rPr lang="en-US" dirty="0"/>
+              <a:t>Increasing Dataset Size</a:t>
+            </a:r>
+          </a:p>
+          <a:p>
+            <a:r>
+              <a:rPr lang="en-US" dirty="0"/>
+              <a:t>Using Bigger Models</a:t>
+            </a:r>
+          </a:p>
+          <a:p>
+            <a:r>
+              <a:rPr lang="en-US" dirty="0"/>
+              <a:t>Regularization</a:t>
+            </a:r>
+          </a:p>
+          <a:p>
+            <a:r>
+              <a:rPr lang="en-US" dirty="0"/>
+              <a:t>Early Stopping</a:t>
+            </a:r>
+          </a:p>
+          <a:p>
+            <a:endParaRPr lang="en-US" dirty="0"/>
           </a:p>
         </p:txBody>
       </p:sp>
@@ -3611,6 +3617,117 @@
     <p:extLst>
       <p:ext uri="{BB962C8B-B14F-4D97-AF65-F5344CB8AC3E}">
         <p14:creationId xmlns:p14="http://schemas.microsoft.com/office/powerpoint/2010/main" val="2696528343"/>
+      </p:ext>
+    </p:extLst>
+  </p:cSld>
+  <p:clrMapOvr>
+    <a:masterClrMapping/>
+  </p:clrMapOvr>
+</p:sld>
+</file>
+
+<file path=ppt/slides/slide12.xml><?xml version="1.0" encoding="utf-8"?>
+<p:sld xmlns:a="http://schemas.openxmlformats.org/drawingml/2006/main" xmlns:r="http://schemas.openxmlformats.org/officeDocument/2006/relationships" xmlns:p="http://schemas.openxmlformats.org/presentationml/2006/main">
+  <p:cSld>
+    <p:spTree>
+      <p:nvGrpSpPr>
+        <p:cNvPr id="1" name=""/>
+        <p:cNvGrpSpPr/>
+        <p:nvPr/>
+      </p:nvGrpSpPr>
+      <p:grpSpPr>
+        <a:xfrm>
+          <a:off x="0" y="0"/>
+          <a:ext cx="0" cy="0"/>
+          <a:chOff x="0" y="0"/>
+          <a:chExt cx="0" cy="0"/>
+        </a:xfrm>
+      </p:grpSpPr>
+      <p:sp>
+        <p:nvSpPr>
+          <p:cNvPr id="3" name="Content Placeholder 2">
+            <a:extLst>
+              <a:ext uri="{FF2B5EF4-FFF2-40B4-BE49-F238E27FC236}">
+                <a16:creationId xmlns:a16="http://schemas.microsoft.com/office/drawing/2014/main" id="{DD81E8FD-1D94-4547-AC52-F525374C06D2}"/>
+              </a:ext>
+            </a:extLst>
+          </p:cNvPr>
+          <p:cNvSpPr>
+            <a:spLocks noGrp="1"/>
+          </p:cNvSpPr>
+          <p:nvPr>
+            <p:ph idx="1"/>
+          </p:nvPr>
+        </p:nvSpPr>
+        <p:spPr/>
+        <p:txBody>
+          <a:bodyPr>
+            <a:normAutofit fontScale="62500" lnSpcReduction="20000"/>
+          </a:bodyPr>
+          <a:lstStyle/>
+          <a:p>
+            <a:r>
+              <a:rPr lang="en-US" dirty="0"/>
+              <a:t>Using Bigger Models is NOT a solution for the high variance problem. In fact, using bigger models can sometimes exacerbate the high variance problem.</a:t>
+            </a:r>
+          </a:p>
+          <a:p>
+            <a:r>
+              <a:rPr lang="en-US" dirty="0"/>
+              <a:t>The high variance problem occurs when a model is overfitting the training data, meaning that it is too complex and has learned to fit the noise in the data instead of the underlying patterns. This often leads to good performance on the training data, but poor generalization performance on new, unseen data.</a:t>
+            </a:r>
+          </a:p>
+          <a:p>
+            <a:r>
+              <a:rPr lang="en-US" dirty="0"/>
+              <a:t>To address the high variance problem, we need to reduce the complexity of the model and encourage it to learn the underlying patterns in the data, rather than memorizing the training examples. Some common solutions for the high variance problem include:</a:t>
+            </a:r>
+          </a:p>
+          <a:p>
+            <a:pPr>
+              <a:buFont typeface="Arial" panose="020B0604020202020204" pitchFamily="34" charset="0"/>
+              <a:buChar char="•"/>
+            </a:pPr>
+            <a:r>
+              <a:rPr lang="en-US" dirty="0"/>
+              <a:t>Increasing the dataset size: This can help reduce the variance of the model by providing more examples for the model to learn from.</a:t>
+            </a:r>
+          </a:p>
+          <a:p>
+            <a:pPr>
+              <a:buFont typeface="Arial" panose="020B0604020202020204" pitchFamily="34" charset="0"/>
+              <a:buChar char="•"/>
+            </a:pPr>
+            <a:r>
+              <a:rPr lang="en-US" dirty="0"/>
+              <a:t>Regularization: This involves adding a penalty term to the loss function that encourages the model to have smaller weights and reduces its complexity. Common regularization techniques include L1 and L2 regularization, dropout, and early stopping.</a:t>
+            </a:r>
+          </a:p>
+          <a:p>
+            <a:pPr>
+              <a:buFont typeface="Arial" panose="020B0604020202020204" pitchFamily="34" charset="0"/>
+              <a:buChar char="•"/>
+            </a:pPr>
+            <a:r>
+              <a:rPr lang="en-US" dirty="0"/>
+              <a:t>Early stopping: This involves monitoring the performance of the model on a validation set and stopping the training process when the performance stops improving. This can help prevent overfitting and reduce the variance of the model.</a:t>
+            </a:r>
+          </a:p>
+          <a:p>
+            <a:r>
+              <a:rPr lang="en-US"/>
+              <a:t>Therefore, the statement "Using Bigger Models" is not a solution for the high variance problem, and it can sometimes make the problem worse.</a:t>
+            </a:r>
+          </a:p>
+          <a:p>
+            <a:endParaRPr lang="en-US"/>
+          </a:p>
+        </p:txBody>
+      </p:sp>
+    </p:spTree>
+    <p:extLst>
+      <p:ext uri="{BB962C8B-B14F-4D97-AF65-F5344CB8AC3E}">
+        <p14:creationId xmlns:p14="http://schemas.microsoft.com/office/powerpoint/2010/main" val="1053986646"/>
       </p:ext>
     </p:extLst>
   </p:cSld>

--- a/Machine Learning Quiz Question.pptx
+++ b/Machine Learning Quiz Question.pptx
@@ -17,6 +17,11 @@
     <p:sldId id="264" r:id="rId11"/>
     <p:sldId id="265" r:id="rId12"/>
     <p:sldId id="267" r:id="rId13"/>
+    <p:sldId id="268" r:id="rId14"/>
+    <p:sldId id="269" r:id="rId15"/>
+    <p:sldId id="270" r:id="rId16"/>
+    <p:sldId id="271" r:id="rId17"/>
+    <p:sldId id="272" r:id="rId18"/>
   </p:sldIdLst>
   <p:sldSz cx="12192000" cy="6858000"/>
   <p:notesSz cx="6858000" cy="9144000"/>
@@ -270,7 +275,7 @@
           <a:p>
             <a:fld id="{635DE9B5-6039-4F90-B9CD-3F2F36427E48}" type="datetimeFigureOut">
               <a:rPr lang="en-US" smtClean="0"/>
-              <a:t>4/23/2023</a:t>
+              <a:t>4/26/2023</a:t>
             </a:fld>
             <a:endParaRPr lang="en-US"/>
           </a:p>
@@ -468,7 +473,7 @@
           <a:p>
             <a:fld id="{635DE9B5-6039-4F90-B9CD-3F2F36427E48}" type="datetimeFigureOut">
               <a:rPr lang="en-US" smtClean="0"/>
-              <a:t>4/23/2023</a:t>
+              <a:t>4/26/2023</a:t>
             </a:fld>
             <a:endParaRPr lang="en-US"/>
           </a:p>
@@ -676,7 +681,7 @@
           <a:p>
             <a:fld id="{635DE9B5-6039-4F90-B9CD-3F2F36427E48}" type="datetimeFigureOut">
               <a:rPr lang="en-US" smtClean="0"/>
-              <a:t>4/23/2023</a:t>
+              <a:t>4/26/2023</a:t>
             </a:fld>
             <a:endParaRPr lang="en-US"/>
           </a:p>
@@ -874,7 +879,7 @@
           <a:p>
             <a:fld id="{635DE9B5-6039-4F90-B9CD-3F2F36427E48}" type="datetimeFigureOut">
               <a:rPr lang="en-US" smtClean="0"/>
-              <a:t>4/23/2023</a:t>
+              <a:t>4/26/2023</a:t>
             </a:fld>
             <a:endParaRPr lang="en-US"/>
           </a:p>
@@ -1149,7 +1154,7 @@
           <a:p>
             <a:fld id="{635DE9B5-6039-4F90-B9CD-3F2F36427E48}" type="datetimeFigureOut">
               <a:rPr lang="en-US" smtClean="0"/>
-              <a:t>4/23/2023</a:t>
+              <a:t>4/26/2023</a:t>
             </a:fld>
             <a:endParaRPr lang="en-US"/>
           </a:p>
@@ -1414,7 +1419,7 @@
           <a:p>
             <a:fld id="{635DE9B5-6039-4F90-B9CD-3F2F36427E48}" type="datetimeFigureOut">
               <a:rPr lang="en-US" smtClean="0"/>
-              <a:t>4/23/2023</a:t>
+              <a:t>4/26/2023</a:t>
             </a:fld>
             <a:endParaRPr lang="en-US"/>
           </a:p>
@@ -1826,7 +1831,7 @@
           <a:p>
             <a:fld id="{635DE9B5-6039-4F90-B9CD-3F2F36427E48}" type="datetimeFigureOut">
               <a:rPr lang="en-US" smtClean="0"/>
-              <a:t>4/23/2023</a:t>
+              <a:t>4/26/2023</a:t>
             </a:fld>
             <a:endParaRPr lang="en-US"/>
           </a:p>
@@ -1967,7 +1972,7 @@
           <a:p>
             <a:fld id="{635DE9B5-6039-4F90-B9CD-3F2F36427E48}" type="datetimeFigureOut">
               <a:rPr lang="en-US" smtClean="0"/>
-              <a:t>4/23/2023</a:t>
+              <a:t>4/26/2023</a:t>
             </a:fld>
             <a:endParaRPr lang="en-US"/>
           </a:p>
@@ -2080,7 +2085,7 @@
           <a:p>
             <a:fld id="{635DE9B5-6039-4F90-B9CD-3F2F36427E48}" type="datetimeFigureOut">
               <a:rPr lang="en-US" smtClean="0"/>
-              <a:t>4/23/2023</a:t>
+              <a:t>4/26/2023</a:t>
             </a:fld>
             <a:endParaRPr lang="en-US"/>
           </a:p>
@@ -2391,7 +2396,7 @@
           <a:p>
             <a:fld id="{635DE9B5-6039-4F90-B9CD-3F2F36427E48}" type="datetimeFigureOut">
               <a:rPr lang="en-US" smtClean="0"/>
-              <a:t>4/23/2023</a:t>
+              <a:t>4/26/2023</a:t>
             </a:fld>
             <a:endParaRPr lang="en-US"/>
           </a:p>
@@ -2679,7 +2684,7 @@
           <a:p>
             <a:fld id="{635DE9B5-6039-4F90-B9CD-3F2F36427E48}" type="datetimeFigureOut">
               <a:rPr lang="en-US" smtClean="0"/>
-              <a:t>4/23/2023</a:t>
+              <a:t>4/26/2023</a:t>
             </a:fld>
             <a:endParaRPr lang="en-US"/>
           </a:p>
@@ -2920,7 +2925,7 @@
           <a:p>
             <a:fld id="{635DE9B5-6039-4F90-B9CD-3F2F36427E48}" type="datetimeFigureOut">
               <a:rPr lang="en-US" smtClean="0"/>
-              <a:t>4/23/2023</a:t>
+              <a:t>4/26/2023</a:t>
             </a:fld>
             <a:endParaRPr lang="en-US"/>
           </a:p>
@@ -3737,6 +3742,506 @@
 </p:sld>
 </file>
 
+<file path=ppt/slides/slide13.xml><?xml version="1.0" encoding="utf-8"?>
+<p:sld xmlns:a="http://schemas.openxmlformats.org/drawingml/2006/main" xmlns:r="http://schemas.openxmlformats.org/officeDocument/2006/relationships" xmlns:p="http://schemas.openxmlformats.org/presentationml/2006/main">
+  <p:cSld>
+    <p:spTree>
+      <p:nvGrpSpPr>
+        <p:cNvPr id="1" name=""/>
+        <p:cNvGrpSpPr/>
+        <p:nvPr/>
+      </p:nvGrpSpPr>
+      <p:grpSpPr>
+        <a:xfrm>
+          <a:off x="0" y="0"/>
+          <a:ext cx="0" cy="0"/>
+          <a:chOff x="0" y="0"/>
+          <a:chExt cx="0" cy="0"/>
+        </a:xfrm>
+      </p:grpSpPr>
+      <p:sp>
+        <p:nvSpPr>
+          <p:cNvPr id="3" name="Content Placeholder 2">
+            <a:extLst>
+              <a:ext uri="{FF2B5EF4-FFF2-40B4-BE49-F238E27FC236}">
+                <a16:creationId xmlns:a16="http://schemas.microsoft.com/office/drawing/2014/main" id="{561A6412-B318-4EF8-9407-94BA30A7D5A4}"/>
+              </a:ext>
+            </a:extLst>
+          </p:cNvPr>
+          <p:cNvSpPr>
+            <a:spLocks noGrp="1"/>
+          </p:cNvSpPr>
+          <p:nvPr>
+            <p:ph idx="1"/>
+          </p:nvPr>
+        </p:nvSpPr>
+        <p:spPr/>
+        <p:txBody>
+          <a:bodyPr>
+            <a:normAutofit/>
+          </a:bodyPr>
+          <a:lstStyle/>
+          <a:p>
+            <a:r>
+              <a:rPr lang="en-US" dirty="0"/>
+              <a:t>Which technique divides the channels into groups and normalizes them?</a:t>
+            </a:r>
+          </a:p>
+          <a:p>
+            <a:r>
+              <a:rPr lang="en-US" dirty="0" err="1"/>
+              <a:t>BatchNorm</a:t>
+            </a:r>
+            <a:endParaRPr lang="en-US" dirty="0"/>
+          </a:p>
+          <a:p>
+            <a:r>
+              <a:rPr lang="en-US" dirty="0" err="1"/>
+              <a:t>LayerNorm</a:t>
+            </a:r>
+            <a:endParaRPr lang="en-US" dirty="0"/>
+          </a:p>
+          <a:p>
+            <a:r>
+              <a:rPr lang="en-US"/>
+              <a:t>GroupNorm</a:t>
+            </a:r>
+            <a:endParaRPr lang="en-US" dirty="0"/>
+          </a:p>
+          <a:p>
+            <a:r>
+              <a:rPr lang="en-US" dirty="0" err="1"/>
+              <a:t>InstanceNorm</a:t>
+            </a:r>
+            <a:endParaRPr lang="en-US" dirty="0"/>
+          </a:p>
+          <a:p>
+            <a:endParaRPr lang="en-US" dirty="0"/>
+          </a:p>
+        </p:txBody>
+      </p:sp>
+    </p:spTree>
+    <p:extLst>
+      <p:ext uri="{BB962C8B-B14F-4D97-AF65-F5344CB8AC3E}">
+        <p14:creationId xmlns:p14="http://schemas.microsoft.com/office/powerpoint/2010/main" val="1295163828"/>
+      </p:ext>
+    </p:extLst>
+  </p:cSld>
+  <p:clrMapOvr>
+    <a:masterClrMapping/>
+  </p:clrMapOvr>
+</p:sld>
+</file>
+
+<file path=ppt/slides/slide14.xml><?xml version="1.0" encoding="utf-8"?>
+<p:sld xmlns:a="http://schemas.openxmlformats.org/drawingml/2006/main" xmlns:r="http://schemas.openxmlformats.org/officeDocument/2006/relationships" xmlns:p="http://schemas.openxmlformats.org/presentationml/2006/main">
+  <p:cSld>
+    <p:spTree>
+      <p:nvGrpSpPr>
+        <p:cNvPr id="1" name=""/>
+        <p:cNvGrpSpPr/>
+        <p:nvPr/>
+      </p:nvGrpSpPr>
+      <p:grpSpPr>
+        <a:xfrm>
+          <a:off x="0" y="0"/>
+          <a:ext cx="0" cy="0"/>
+          <a:chOff x="0" y="0"/>
+          <a:chExt cx="0" cy="0"/>
+        </a:xfrm>
+      </p:grpSpPr>
+      <p:sp>
+        <p:nvSpPr>
+          <p:cNvPr id="3" name="Content Placeholder 2">
+            <a:extLst>
+              <a:ext uri="{FF2B5EF4-FFF2-40B4-BE49-F238E27FC236}">
+                <a16:creationId xmlns:a16="http://schemas.microsoft.com/office/drawing/2014/main" id="{57D8B052-BFA2-4CF7-A683-01E4CE5FEACD}"/>
+              </a:ext>
+            </a:extLst>
+          </p:cNvPr>
+          <p:cNvSpPr>
+            <a:spLocks noGrp="1"/>
+          </p:cNvSpPr>
+          <p:nvPr>
+            <p:ph idx="1"/>
+          </p:nvPr>
+        </p:nvSpPr>
+        <p:spPr/>
+        <p:txBody>
+          <a:bodyPr>
+            <a:normAutofit fontScale="85000" lnSpcReduction="20000"/>
+          </a:bodyPr>
+          <a:lstStyle/>
+          <a:p>
+            <a:r>
+              <a:rPr lang="en-US" dirty="0"/>
+              <a:t>The technique that divides the channels into groups and normalizes them is </a:t>
+            </a:r>
+            <a:r>
+              <a:rPr lang="en-US" dirty="0" err="1"/>
+              <a:t>GroupNorm</a:t>
+            </a:r>
+            <a:r>
+              <a:rPr lang="en-US" dirty="0"/>
+              <a:t>.</a:t>
+            </a:r>
+          </a:p>
+          <a:p>
+            <a:r>
+              <a:rPr lang="en-US" dirty="0"/>
+              <a:t>Batch normalization (</a:t>
+            </a:r>
+            <a:r>
+              <a:rPr lang="en-US" dirty="0" err="1"/>
+              <a:t>BatchNorm</a:t>
+            </a:r>
+            <a:r>
+              <a:rPr lang="en-US" dirty="0"/>
+              <a:t>) and Layer normalization (</a:t>
+            </a:r>
+            <a:r>
+              <a:rPr lang="en-US" dirty="0" err="1"/>
+              <a:t>LayerNorm</a:t>
+            </a:r>
+            <a:r>
+              <a:rPr lang="en-US" dirty="0"/>
+              <a:t>) are two popular techniques used for normalizing the activations of neural networks during training. </a:t>
+            </a:r>
+            <a:r>
+              <a:rPr lang="en-US" dirty="0" err="1"/>
+              <a:t>BatchNorm</a:t>
+            </a:r>
+            <a:r>
+              <a:rPr lang="en-US" dirty="0"/>
+              <a:t> normalizes the activations across batches, while </a:t>
+            </a:r>
+            <a:r>
+              <a:rPr lang="en-US" dirty="0" err="1"/>
+              <a:t>LayerNorm</a:t>
+            </a:r>
+            <a:r>
+              <a:rPr lang="en-US" dirty="0"/>
+              <a:t> normalizes the activations across features for each individual example.</a:t>
+            </a:r>
+          </a:p>
+          <a:p>
+            <a:r>
+              <a:rPr lang="en-US" dirty="0"/>
+              <a:t>Group normalization (</a:t>
+            </a:r>
+            <a:r>
+              <a:rPr lang="en-US" dirty="0" err="1"/>
+              <a:t>GroupNorm</a:t>
+            </a:r>
+            <a:r>
+              <a:rPr lang="en-US" dirty="0"/>
+              <a:t>) is another normalization technique that divides the channels into groups and normalizes them independently. This is in contrast to </a:t>
+            </a:r>
+            <a:r>
+              <a:rPr lang="en-US" dirty="0" err="1"/>
+              <a:t>BatchNorm</a:t>
+            </a:r>
+            <a:r>
+              <a:rPr lang="en-US" dirty="0"/>
+              <a:t>, which normalizes the channels across the entire batch. </a:t>
+            </a:r>
+            <a:r>
+              <a:rPr lang="en-US" dirty="0" err="1"/>
+              <a:t>GroupNorm</a:t>
+            </a:r>
+            <a:r>
+              <a:rPr lang="en-US" dirty="0"/>
+              <a:t> has been shown to be effective when the batch size is small, or when the instances in a batch have significant diversity, such as in computer vision tasks.</a:t>
+            </a:r>
+          </a:p>
+          <a:p>
+            <a:r>
+              <a:rPr lang="en-US" dirty="0"/>
+              <a:t>Therefore, the technique that divides the channels into groups and normalizes them is </a:t>
+            </a:r>
+            <a:r>
+              <a:rPr lang="en-US" dirty="0" err="1"/>
+              <a:t>GroupNorm</a:t>
+            </a:r>
+            <a:r>
+              <a:rPr lang="en-US" dirty="0"/>
+              <a:t>, not </a:t>
+            </a:r>
+            <a:r>
+              <a:rPr lang="en-US" dirty="0" err="1"/>
+              <a:t>BatchNorm</a:t>
+            </a:r>
+            <a:r>
+              <a:rPr lang="en-US" dirty="0"/>
+              <a:t> or </a:t>
+            </a:r>
+            <a:r>
+              <a:rPr lang="en-US" dirty="0" err="1"/>
+              <a:t>LayerNorm</a:t>
+            </a:r>
+            <a:r>
+              <a:rPr lang="en-US" dirty="0"/>
+              <a:t>.</a:t>
+            </a:r>
+          </a:p>
+          <a:p>
+            <a:endParaRPr lang="en-US" dirty="0"/>
+          </a:p>
+        </p:txBody>
+      </p:sp>
+    </p:spTree>
+    <p:extLst>
+      <p:ext uri="{BB962C8B-B14F-4D97-AF65-F5344CB8AC3E}">
+        <p14:creationId xmlns:p14="http://schemas.microsoft.com/office/powerpoint/2010/main" val="2966323304"/>
+      </p:ext>
+    </p:extLst>
+  </p:cSld>
+  <p:clrMapOvr>
+    <a:masterClrMapping/>
+  </p:clrMapOvr>
+</p:sld>
+</file>
+
+<file path=ppt/slides/slide15.xml><?xml version="1.0" encoding="utf-8"?>
+<p:sld xmlns:a="http://schemas.openxmlformats.org/drawingml/2006/main" xmlns:r="http://schemas.openxmlformats.org/officeDocument/2006/relationships" xmlns:p="http://schemas.openxmlformats.org/presentationml/2006/main">
+  <p:cSld>
+    <p:spTree>
+      <p:nvGrpSpPr>
+        <p:cNvPr id="1" name=""/>
+        <p:cNvGrpSpPr/>
+        <p:nvPr/>
+      </p:nvGrpSpPr>
+      <p:grpSpPr>
+        <a:xfrm>
+          <a:off x="0" y="0"/>
+          <a:ext cx="0" cy="0"/>
+          <a:chOff x="0" y="0"/>
+          <a:chExt cx="0" cy="0"/>
+        </a:xfrm>
+      </p:grpSpPr>
+      <p:sp>
+        <p:nvSpPr>
+          <p:cNvPr id="2" name="Title 1">
+            <a:extLst>
+              <a:ext uri="{FF2B5EF4-FFF2-40B4-BE49-F238E27FC236}">
+                <a16:creationId xmlns:a16="http://schemas.microsoft.com/office/drawing/2014/main" id="{8DE2FF5E-5B61-4567-A467-91F33751F64B}"/>
+              </a:ext>
+            </a:extLst>
+          </p:cNvPr>
+          <p:cNvSpPr>
+            <a:spLocks noGrp="1"/>
+          </p:cNvSpPr>
+          <p:nvPr>
+            <p:ph type="title"/>
+          </p:nvPr>
+        </p:nvSpPr>
+        <p:spPr/>
+        <p:txBody>
+          <a:bodyPr/>
+          <a:lstStyle/>
+          <a:p>
+            <a:endParaRPr lang="en-US"/>
+          </a:p>
+        </p:txBody>
+      </p:sp>
+      <p:sp>
+        <p:nvSpPr>
+          <p:cNvPr id="3" name="Content Placeholder 2">
+            <a:extLst>
+              <a:ext uri="{FF2B5EF4-FFF2-40B4-BE49-F238E27FC236}">
+                <a16:creationId xmlns:a16="http://schemas.microsoft.com/office/drawing/2014/main" id="{F0B1C73B-217E-4965-8FF7-509DAC8F6883}"/>
+              </a:ext>
+            </a:extLst>
+          </p:cNvPr>
+          <p:cNvSpPr>
+            <a:spLocks noGrp="1"/>
+          </p:cNvSpPr>
+          <p:nvPr>
+            <p:ph idx="1"/>
+          </p:nvPr>
+        </p:nvSpPr>
+        <p:spPr/>
+        <p:txBody>
+          <a:bodyPr/>
+          <a:lstStyle/>
+          <a:p>
+            <a:endParaRPr lang="en-US"/>
+          </a:p>
+        </p:txBody>
+      </p:sp>
+    </p:spTree>
+    <p:extLst>
+      <p:ext uri="{BB962C8B-B14F-4D97-AF65-F5344CB8AC3E}">
+        <p14:creationId xmlns:p14="http://schemas.microsoft.com/office/powerpoint/2010/main" val="2452229324"/>
+      </p:ext>
+    </p:extLst>
+  </p:cSld>
+  <p:clrMapOvr>
+    <a:masterClrMapping/>
+  </p:clrMapOvr>
+</p:sld>
+</file>
+
+<file path=ppt/slides/slide16.xml><?xml version="1.0" encoding="utf-8"?>
+<p:sld xmlns:a="http://schemas.openxmlformats.org/drawingml/2006/main" xmlns:r="http://schemas.openxmlformats.org/officeDocument/2006/relationships" xmlns:p="http://schemas.openxmlformats.org/presentationml/2006/main">
+  <p:cSld>
+    <p:spTree>
+      <p:nvGrpSpPr>
+        <p:cNvPr id="1" name=""/>
+        <p:cNvGrpSpPr/>
+        <p:nvPr/>
+      </p:nvGrpSpPr>
+      <p:grpSpPr>
+        <a:xfrm>
+          <a:off x="0" y="0"/>
+          <a:ext cx="0" cy="0"/>
+          <a:chOff x="0" y="0"/>
+          <a:chExt cx="0" cy="0"/>
+        </a:xfrm>
+      </p:grpSpPr>
+      <p:sp>
+        <p:nvSpPr>
+          <p:cNvPr id="2" name="Title 1">
+            <a:extLst>
+              <a:ext uri="{FF2B5EF4-FFF2-40B4-BE49-F238E27FC236}">
+                <a16:creationId xmlns:a16="http://schemas.microsoft.com/office/drawing/2014/main" id="{689570BD-050A-409D-8611-75EFE3B58575}"/>
+              </a:ext>
+            </a:extLst>
+          </p:cNvPr>
+          <p:cNvSpPr>
+            <a:spLocks noGrp="1"/>
+          </p:cNvSpPr>
+          <p:nvPr>
+            <p:ph type="title"/>
+          </p:nvPr>
+        </p:nvSpPr>
+        <p:spPr/>
+        <p:txBody>
+          <a:bodyPr/>
+          <a:lstStyle/>
+          <a:p>
+            <a:endParaRPr lang="en-US"/>
+          </a:p>
+        </p:txBody>
+      </p:sp>
+      <p:sp>
+        <p:nvSpPr>
+          <p:cNvPr id="3" name="Content Placeholder 2">
+            <a:extLst>
+              <a:ext uri="{FF2B5EF4-FFF2-40B4-BE49-F238E27FC236}">
+                <a16:creationId xmlns:a16="http://schemas.microsoft.com/office/drawing/2014/main" id="{642FCFF7-AC5F-4A6D-9585-2B51A54E0B2A}"/>
+              </a:ext>
+            </a:extLst>
+          </p:cNvPr>
+          <p:cNvSpPr>
+            <a:spLocks noGrp="1"/>
+          </p:cNvSpPr>
+          <p:nvPr>
+            <p:ph idx="1"/>
+          </p:nvPr>
+        </p:nvSpPr>
+        <p:spPr/>
+        <p:txBody>
+          <a:bodyPr/>
+          <a:lstStyle/>
+          <a:p>
+            <a:endParaRPr lang="en-US"/>
+          </a:p>
+        </p:txBody>
+      </p:sp>
+    </p:spTree>
+    <p:extLst>
+      <p:ext uri="{BB962C8B-B14F-4D97-AF65-F5344CB8AC3E}">
+        <p14:creationId xmlns:p14="http://schemas.microsoft.com/office/powerpoint/2010/main" val="149730093"/>
+      </p:ext>
+    </p:extLst>
+  </p:cSld>
+  <p:clrMapOvr>
+    <a:masterClrMapping/>
+  </p:clrMapOvr>
+</p:sld>
+</file>
+
+<file path=ppt/slides/slide17.xml><?xml version="1.0" encoding="utf-8"?>
+<p:sld xmlns:a="http://schemas.openxmlformats.org/drawingml/2006/main" xmlns:r="http://schemas.openxmlformats.org/officeDocument/2006/relationships" xmlns:p="http://schemas.openxmlformats.org/presentationml/2006/main">
+  <p:cSld>
+    <p:spTree>
+      <p:nvGrpSpPr>
+        <p:cNvPr id="1" name=""/>
+        <p:cNvGrpSpPr/>
+        <p:nvPr/>
+      </p:nvGrpSpPr>
+      <p:grpSpPr>
+        <a:xfrm>
+          <a:off x="0" y="0"/>
+          <a:ext cx="0" cy="0"/>
+          <a:chOff x="0" y="0"/>
+          <a:chExt cx="0" cy="0"/>
+        </a:xfrm>
+      </p:grpSpPr>
+      <p:sp>
+        <p:nvSpPr>
+          <p:cNvPr id="2" name="Title 1">
+            <a:extLst>
+              <a:ext uri="{FF2B5EF4-FFF2-40B4-BE49-F238E27FC236}">
+                <a16:creationId xmlns:a16="http://schemas.microsoft.com/office/drawing/2014/main" id="{43A647E9-4C94-4BDA-A924-FD0AF2BFC23F}"/>
+              </a:ext>
+            </a:extLst>
+          </p:cNvPr>
+          <p:cNvSpPr>
+            <a:spLocks noGrp="1"/>
+          </p:cNvSpPr>
+          <p:nvPr>
+            <p:ph type="title"/>
+          </p:nvPr>
+        </p:nvSpPr>
+        <p:spPr/>
+        <p:txBody>
+          <a:bodyPr/>
+          <a:lstStyle/>
+          <a:p>
+            <a:endParaRPr lang="en-US"/>
+          </a:p>
+        </p:txBody>
+      </p:sp>
+      <p:sp>
+        <p:nvSpPr>
+          <p:cNvPr id="3" name="Content Placeholder 2">
+            <a:extLst>
+              <a:ext uri="{FF2B5EF4-FFF2-40B4-BE49-F238E27FC236}">
+                <a16:creationId xmlns:a16="http://schemas.microsoft.com/office/drawing/2014/main" id="{0CE52D09-CBD9-4C42-87F3-E510198EB4E2}"/>
+              </a:ext>
+            </a:extLst>
+          </p:cNvPr>
+          <p:cNvSpPr>
+            <a:spLocks noGrp="1"/>
+          </p:cNvSpPr>
+          <p:nvPr>
+            <p:ph idx="1"/>
+          </p:nvPr>
+        </p:nvSpPr>
+        <p:spPr/>
+        <p:txBody>
+          <a:bodyPr/>
+          <a:lstStyle/>
+          <a:p>
+            <a:endParaRPr lang="en-US"/>
+          </a:p>
+        </p:txBody>
+      </p:sp>
+    </p:spTree>
+    <p:extLst>
+      <p:ext uri="{BB962C8B-B14F-4D97-AF65-F5344CB8AC3E}">
+        <p14:creationId xmlns:p14="http://schemas.microsoft.com/office/powerpoint/2010/main" val="691886824"/>
+      </p:ext>
+    </p:extLst>
+  </p:cSld>
+  <p:clrMapOvr>
+    <a:masterClrMapping/>
+  </p:clrMapOvr>
+</p:sld>
+</file>
+
 <file path=ppt/slides/slide2.xml><?xml version="1.0" encoding="utf-8"?>
 <p:sld xmlns:a="http://schemas.openxmlformats.org/drawingml/2006/main" xmlns:r="http://schemas.openxmlformats.org/officeDocument/2006/relationships" xmlns:p="http://schemas.openxmlformats.org/presentationml/2006/main">
   <p:cSld>

--- a/Machine Learning Quiz Question.pptx
+++ b/Machine Learning Quiz Question.pptx
@@ -275,7 +275,7 @@
           <a:p>
             <a:fld id="{635DE9B5-6039-4F90-B9CD-3F2F36427E48}" type="datetimeFigureOut">
               <a:rPr lang="en-US" smtClean="0"/>
-              <a:t>4/26/2023</a:t>
+              <a:t>4/27/2023</a:t>
             </a:fld>
             <a:endParaRPr lang="en-US"/>
           </a:p>
@@ -473,7 +473,7 @@
           <a:p>
             <a:fld id="{635DE9B5-6039-4F90-B9CD-3F2F36427E48}" type="datetimeFigureOut">
               <a:rPr lang="en-US" smtClean="0"/>
-              <a:t>4/26/2023</a:t>
+              <a:t>4/27/2023</a:t>
             </a:fld>
             <a:endParaRPr lang="en-US"/>
           </a:p>
@@ -681,7 +681,7 @@
           <a:p>
             <a:fld id="{635DE9B5-6039-4F90-B9CD-3F2F36427E48}" type="datetimeFigureOut">
               <a:rPr lang="en-US" smtClean="0"/>
-              <a:t>4/26/2023</a:t>
+              <a:t>4/27/2023</a:t>
             </a:fld>
             <a:endParaRPr lang="en-US"/>
           </a:p>
@@ -879,7 +879,7 @@
           <a:p>
             <a:fld id="{635DE9B5-6039-4F90-B9CD-3F2F36427E48}" type="datetimeFigureOut">
               <a:rPr lang="en-US" smtClean="0"/>
-              <a:t>4/26/2023</a:t>
+              <a:t>4/27/2023</a:t>
             </a:fld>
             <a:endParaRPr lang="en-US"/>
           </a:p>
@@ -1154,7 +1154,7 @@
           <a:p>
             <a:fld id="{635DE9B5-6039-4F90-B9CD-3F2F36427E48}" type="datetimeFigureOut">
               <a:rPr lang="en-US" smtClean="0"/>
-              <a:t>4/26/2023</a:t>
+              <a:t>4/27/2023</a:t>
             </a:fld>
             <a:endParaRPr lang="en-US"/>
           </a:p>
@@ -1419,7 +1419,7 @@
           <a:p>
             <a:fld id="{635DE9B5-6039-4F90-B9CD-3F2F36427E48}" type="datetimeFigureOut">
               <a:rPr lang="en-US" smtClean="0"/>
-              <a:t>4/26/2023</a:t>
+              <a:t>4/27/2023</a:t>
             </a:fld>
             <a:endParaRPr lang="en-US"/>
           </a:p>
@@ -1831,7 +1831,7 @@
           <a:p>
             <a:fld id="{635DE9B5-6039-4F90-B9CD-3F2F36427E48}" type="datetimeFigureOut">
               <a:rPr lang="en-US" smtClean="0"/>
-              <a:t>4/26/2023</a:t>
+              <a:t>4/27/2023</a:t>
             </a:fld>
             <a:endParaRPr lang="en-US"/>
           </a:p>
@@ -1972,7 +1972,7 @@
           <a:p>
             <a:fld id="{635DE9B5-6039-4F90-B9CD-3F2F36427E48}" type="datetimeFigureOut">
               <a:rPr lang="en-US" smtClean="0"/>
-              <a:t>4/26/2023</a:t>
+              <a:t>4/27/2023</a:t>
             </a:fld>
             <a:endParaRPr lang="en-US"/>
           </a:p>
@@ -2085,7 +2085,7 @@
           <a:p>
             <a:fld id="{635DE9B5-6039-4F90-B9CD-3F2F36427E48}" type="datetimeFigureOut">
               <a:rPr lang="en-US" smtClean="0"/>
-              <a:t>4/26/2023</a:t>
+              <a:t>4/27/2023</a:t>
             </a:fld>
             <a:endParaRPr lang="en-US"/>
           </a:p>
@@ -2396,7 +2396,7 @@
           <a:p>
             <a:fld id="{635DE9B5-6039-4F90-B9CD-3F2F36427E48}" type="datetimeFigureOut">
               <a:rPr lang="en-US" smtClean="0"/>
-              <a:t>4/26/2023</a:t>
+              <a:t>4/27/2023</a:t>
             </a:fld>
             <a:endParaRPr lang="en-US"/>
           </a:p>
@@ -2684,7 +2684,7 @@
           <a:p>
             <a:fld id="{635DE9B5-6039-4F90-B9CD-3F2F36427E48}" type="datetimeFigureOut">
               <a:rPr lang="en-US" smtClean="0"/>
-              <a:t>4/26/2023</a:t>
+              <a:t>4/27/2023</a:t>
             </a:fld>
             <a:endParaRPr lang="en-US"/>
           </a:p>
@@ -2925,7 +2925,7 @@
           <a:p>
             <a:fld id="{635DE9B5-6039-4F90-B9CD-3F2F36427E48}" type="datetimeFigureOut">
               <a:rPr lang="en-US" smtClean="0"/>
-              <a:t>4/26/2023</a:t>
+              <a:t>4/27/2023</a:t>
             </a:fld>
             <a:endParaRPr lang="en-US"/>
           </a:p>
@@ -4021,18 +4021,18 @@
       </p:grpSpPr>
       <p:sp>
         <p:nvSpPr>
-          <p:cNvPr id="2" name="Title 1">
-            <a:extLst>
-              <a:ext uri="{FF2B5EF4-FFF2-40B4-BE49-F238E27FC236}">
-                <a16:creationId xmlns:a16="http://schemas.microsoft.com/office/drawing/2014/main" id="{8DE2FF5E-5B61-4567-A467-91F33751F64B}"/>
-              </a:ext>
-            </a:extLst>
-          </p:cNvPr>
-          <p:cNvSpPr>
-            <a:spLocks noGrp="1"/>
-          </p:cNvSpPr>
-          <p:nvPr>
-            <p:ph type="title"/>
+          <p:cNvPr id="3" name="Content Placeholder 2">
+            <a:extLst>
+              <a:ext uri="{FF2B5EF4-FFF2-40B4-BE49-F238E27FC236}">
+                <a16:creationId xmlns:a16="http://schemas.microsoft.com/office/drawing/2014/main" id="{F0B1C73B-217E-4965-8FF7-509DAC8F6883}"/>
+              </a:ext>
+            </a:extLst>
+          </p:cNvPr>
+          <p:cNvSpPr>
+            <a:spLocks noGrp="1"/>
+          </p:cNvSpPr>
+          <p:nvPr>
+            <p:ph idx="1"/>
           </p:nvPr>
         </p:nvSpPr>
         <p:spPr/>
@@ -4040,32 +4040,53 @@
           <a:bodyPr/>
           <a:lstStyle/>
           <a:p>
-            <a:endParaRPr lang="en-US"/>
-          </a:p>
-        </p:txBody>
-      </p:sp>
-      <p:sp>
-        <p:nvSpPr>
-          <p:cNvPr id="3" name="Content Placeholder 2">
-            <a:extLst>
-              <a:ext uri="{FF2B5EF4-FFF2-40B4-BE49-F238E27FC236}">
-                <a16:creationId xmlns:a16="http://schemas.microsoft.com/office/drawing/2014/main" id="{F0B1C73B-217E-4965-8FF7-509DAC8F6883}"/>
-              </a:ext>
-            </a:extLst>
-          </p:cNvPr>
-          <p:cNvSpPr>
-            <a:spLocks noGrp="1"/>
-          </p:cNvSpPr>
-          <p:nvPr>
-            <p:ph idx="1"/>
-          </p:nvPr>
-        </p:nvSpPr>
-        <p:spPr/>
-        <p:txBody>
-          <a:bodyPr/>
-          <a:lstStyle/>
-          <a:p>
-            <a:endParaRPr lang="en-US"/>
+            <a:r>
+              <a:rPr lang="en-US" b="1" dirty="0"/>
+              <a:t>Which one is FALSE for Heatmap?</a:t>
+            </a:r>
+          </a:p>
+          <a:p>
+            <a:r>
+              <a:rPr lang="en-US" dirty="0" err="1">
+                <a:hlinkClick r:id="rId2"/>
+              </a:rPr>
+              <a:t>A.It</a:t>
+            </a:r>
+            <a:r>
+              <a:rPr lang="en-US" dirty="0" err="1"/>
+              <a:t>’s</a:t>
+            </a:r>
+            <a:r>
+              <a:rPr lang="en-US" dirty="0"/>
+              <a:t> a 2D graph of values in form of color</a:t>
+            </a:r>
+          </a:p>
+          <a:p>
+            <a:r>
+              <a:rPr lang="en-US" dirty="0" err="1">
+                <a:hlinkClick r:id="rId3"/>
+              </a:rPr>
+              <a:t>B.It</a:t>
+            </a:r>
+            <a:r>
+              <a:rPr lang="en-US" dirty="0"/>
+              <a:t> can be annotated</a:t>
+            </a:r>
+          </a:p>
+          <a:p>
+            <a:r>
+              <a:rPr lang="en-US" dirty="0" err="1">
+                <a:hlinkClick r:id="rId4"/>
+              </a:rPr>
+              <a:t>C.It</a:t>
+            </a:r>
+            <a:r>
+              <a:rPr lang="en-US" dirty="0"/>
+              <a:t> can be used along with scatter plot</a:t>
+            </a:r>
+          </a:p>
+          <a:p>
+            <a:endParaRPr lang="en-US" dirty="0"/>
           </a:p>
         </p:txBody>
       </p:sp>
@@ -4101,18 +4122,18 @@
       </p:grpSpPr>
       <p:sp>
         <p:nvSpPr>
-          <p:cNvPr id="2" name="Title 1">
-            <a:extLst>
-              <a:ext uri="{FF2B5EF4-FFF2-40B4-BE49-F238E27FC236}">
-                <a16:creationId xmlns:a16="http://schemas.microsoft.com/office/drawing/2014/main" id="{689570BD-050A-409D-8611-75EFE3B58575}"/>
-              </a:ext>
-            </a:extLst>
-          </p:cNvPr>
-          <p:cNvSpPr>
-            <a:spLocks noGrp="1"/>
-          </p:cNvSpPr>
-          <p:nvPr>
-            <p:ph type="title"/>
+          <p:cNvPr id="3" name="Content Placeholder 2">
+            <a:extLst>
+              <a:ext uri="{FF2B5EF4-FFF2-40B4-BE49-F238E27FC236}">
+                <a16:creationId xmlns:a16="http://schemas.microsoft.com/office/drawing/2014/main" id="{642FCFF7-AC5F-4A6D-9585-2B51A54E0B2A}"/>
+              </a:ext>
+            </a:extLst>
+          </p:cNvPr>
+          <p:cNvSpPr>
+            <a:spLocks noGrp="1"/>
+          </p:cNvSpPr>
+          <p:nvPr>
+            <p:ph idx="1"/>
           </p:nvPr>
         </p:nvSpPr>
         <p:spPr/>
@@ -4120,32 +4141,11 @@
           <a:bodyPr/>
           <a:lstStyle/>
           <a:p>
-            <a:endParaRPr lang="en-US"/>
-          </a:p>
-        </p:txBody>
-      </p:sp>
-      <p:sp>
-        <p:nvSpPr>
-          <p:cNvPr id="3" name="Content Placeholder 2">
-            <a:extLst>
-              <a:ext uri="{FF2B5EF4-FFF2-40B4-BE49-F238E27FC236}">
-                <a16:creationId xmlns:a16="http://schemas.microsoft.com/office/drawing/2014/main" id="{642FCFF7-AC5F-4A6D-9585-2B51A54E0B2A}"/>
-              </a:ext>
-            </a:extLst>
-          </p:cNvPr>
-          <p:cNvSpPr>
-            <a:spLocks noGrp="1"/>
-          </p:cNvSpPr>
-          <p:nvPr>
-            <p:ph idx="1"/>
-          </p:nvPr>
-        </p:nvSpPr>
-        <p:spPr/>
-        <p:txBody>
-          <a:bodyPr/>
-          <a:lstStyle/>
-          <a:p>
-            <a:endParaRPr lang="en-US"/>
+            <a:r>
+              <a:rPr lang="en-US"/>
+              <a:t>Answer to the question: Only C</a:t>
+            </a:r>
+            <a:endParaRPr lang="en-US" dirty="0"/>
           </a:p>
         </p:txBody>
       </p:sp>

--- a/Machine Learning Quiz Question.pptx
+++ b/Machine Learning Quiz Question.pptx
@@ -22,6 +22,7 @@
     <p:sldId id="270" r:id="rId16"/>
     <p:sldId id="271" r:id="rId17"/>
     <p:sldId id="272" r:id="rId18"/>
+    <p:sldId id="273" r:id="rId19"/>
   </p:sldIdLst>
   <p:sldSz cx="12192000" cy="6858000"/>
   <p:notesSz cx="6858000" cy="9144000"/>
@@ -275,7 +276,7 @@
           <a:p>
             <a:fld id="{635DE9B5-6039-4F90-B9CD-3F2F36427E48}" type="datetimeFigureOut">
               <a:rPr lang="en-US" smtClean="0"/>
-              <a:t>4/27/2023</a:t>
+              <a:t>4/28/2023</a:t>
             </a:fld>
             <a:endParaRPr lang="en-US"/>
           </a:p>
@@ -473,7 +474,7 @@
           <a:p>
             <a:fld id="{635DE9B5-6039-4F90-B9CD-3F2F36427E48}" type="datetimeFigureOut">
               <a:rPr lang="en-US" smtClean="0"/>
-              <a:t>4/27/2023</a:t>
+              <a:t>4/28/2023</a:t>
             </a:fld>
             <a:endParaRPr lang="en-US"/>
           </a:p>
@@ -681,7 +682,7 @@
           <a:p>
             <a:fld id="{635DE9B5-6039-4F90-B9CD-3F2F36427E48}" type="datetimeFigureOut">
               <a:rPr lang="en-US" smtClean="0"/>
-              <a:t>4/27/2023</a:t>
+              <a:t>4/28/2023</a:t>
             </a:fld>
             <a:endParaRPr lang="en-US"/>
           </a:p>
@@ -879,7 +880,7 @@
           <a:p>
             <a:fld id="{635DE9B5-6039-4F90-B9CD-3F2F36427E48}" type="datetimeFigureOut">
               <a:rPr lang="en-US" smtClean="0"/>
-              <a:t>4/27/2023</a:t>
+              <a:t>4/28/2023</a:t>
             </a:fld>
             <a:endParaRPr lang="en-US"/>
           </a:p>
@@ -1154,7 +1155,7 @@
           <a:p>
             <a:fld id="{635DE9B5-6039-4F90-B9CD-3F2F36427E48}" type="datetimeFigureOut">
               <a:rPr lang="en-US" smtClean="0"/>
-              <a:t>4/27/2023</a:t>
+              <a:t>4/28/2023</a:t>
             </a:fld>
             <a:endParaRPr lang="en-US"/>
           </a:p>
@@ -1419,7 +1420,7 @@
           <a:p>
             <a:fld id="{635DE9B5-6039-4F90-B9CD-3F2F36427E48}" type="datetimeFigureOut">
               <a:rPr lang="en-US" smtClean="0"/>
-              <a:t>4/27/2023</a:t>
+              <a:t>4/28/2023</a:t>
             </a:fld>
             <a:endParaRPr lang="en-US"/>
           </a:p>
@@ -1831,7 +1832,7 @@
           <a:p>
             <a:fld id="{635DE9B5-6039-4F90-B9CD-3F2F36427E48}" type="datetimeFigureOut">
               <a:rPr lang="en-US" smtClean="0"/>
-              <a:t>4/27/2023</a:t>
+              <a:t>4/28/2023</a:t>
             </a:fld>
             <a:endParaRPr lang="en-US"/>
           </a:p>
@@ -1972,7 +1973,7 @@
           <a:p>
             <a:fld id="{635DE9B5-6039-4F90-B9CD-3F2F36427E48}" type="datetimeFigureOut">
               <a:rPr lang="en-US" smtClean="0"/>
-              <a:t>4/27/2023</a:t>
+              <a:t>4/28/2023</a:t>
             </a:fld>
             <a:endParaRPr lang="en-US"/>
           </a:p>
@@ -2085,7 +2086,7 @@
           <a:p>
             <a:fld id="{635DE9B5-6039-4F90-B9CD-3F2F36427E48}" type="datetimeFigureOut">
               <a:rPr lang="en-US" smtClean="0"/>
-              <a:t>4/27/2023</a:t>
+              <a:t>4/28/2023</a:t>
             </a:fld>
             <a:endParaRPr lang="en-US"/>
           </a:p>
@@ -2396,7 +2397,7 @@
           <a:p>
             <a:fld id="{635DE9B5-6039-4F90-B9CD-3F2F36427E48}" type="datetimeFigureOut">
               <a:rPr lang="en-US" smtClean="0"/>
-              <a:t>4/27/2023</a:t>
+              <a:t>4/28/2023</a:t>
             </a:fld>
             <a:endParaRPr lang="en-US"/>
           </a:p>
@@ -2684,7 +2685,7 @@
           <a:p>
             <a:fld id="{635DE9B5-6039-4F90-B9CD-3F2F36427E48}" type="datetimeFigureOut">
               <a:rPr lang="en-US" smtClean="0"/>
-              <a:t>4/27/2023</a:t>
+              <a:t>4/28/2023</a:t>
             </a:fld>
             <a:endParaRPr lang="en-US"/>
           </a:p>
@@ -2925,7 +2926,7 @@
           <a:p>
             <a:fld id="{635DE9B5-6039-4F90-B9CD-3F2F36427E48}" type="datetimeFigureOut">
               <a:rPr lang="en-US" smtClean="0"/>
-              <a:t>4/27/2023</a:t>
+              <a:t>4/28/2023</a:t>
             </a:fld>
             <a:endParaRPr lang="en-US"/>
           </a:p>
@@ -4181,18 +4182,18 @@
       </p:grpSpPr>
       <p:sp>
         <p:nvSpPr>
-          <p:cNvPr id="2" name="Title 1">
-            <a:extLst>
-              <a:ext uri="{FF2B5EF4-FFF2-40B4-BE49-F238E27FC236}">
-                <a16:creationId xmlns:a16="http://schemas.microsoft.com/office/drawing/2014/main" id="{43A647E9-4C94-4BDA-A924-FD0AF2BFC23F}"/>
-              </a:ext>
-            </a:extLst>
-          </p:cNvPr>
-          <p:cNvSpPr>
-            <a:spLocks noGrp="1"/>
-          </p:cNvSpPr>
-          <p:nvPr>
-            <p:ph type="title"/>
+          <p:cNvPr id="3" name="Content Placeholder 2">
+            <a:extLst>
+              <a:ext uri="{FF2B5EF4-FFF2-40B4-BE49-F238E27FC236}">
+                <a16:creationId xmlns:a16="http://schemas.microsoft.com/office/drawing/2014/main" id="{0CE52D09-CBD9-4C42-87F3-E510198EB4E2}"/>
+              </a:ext>
+            </a:extLst>
+          </p:cNvPr>
+          <p:cNvSpPr>
+            <a:spLocks noGrp="1"/>
+          </p:cNvSpPr>
+          <p:nvPr>
+            <p:ph idx="1"/>
           </p:nvPr>
         </p:nvSpPr>
         <p:spPr/>
@@ -4200,32 +4201,53 @@
           <a:bodyPr/>
           <a:lstStyle/>
           <a:p>
-            <a:endParaRPr lang="en-US"/>
-          </a:p>
-        </p:txBody>
-      </p:sp>
-      <p:sp>
-        <p:nvSpPr>
-          <p:cNvPr id="3" name="Content Placeholder 2">
-            <a:extLst>
-              <a:ext uri="{FF2B5EF4-FFF2-40B4-BE49-F238E27FC236}">
-                <a16:creationId xmlns:a16="http://schemas.microsoft.com/office/drawing/2014/main" id="{0CE52D09-CBD9-4C42-87F3-E510198EB4E2}"/>
-              </a:ext>
-            </a:extLst>
-          </p:cNvPr>
-          <p:cNvSpPr>
-            <a:spLocks noGrp="1"/>
-          </p:cNvSpPr>
-          <p:nvPr>
-            <p:ph idx="1"/>
-          </p:nvPr>
-        </p:nvSpPr>
-        <p:spPr/>
-        <p:txBody>
-          <a:bodyPr/>
-          <a:lstStyle/>
-          <a:p>
-            <a:endParaRPr lang="en-US"/>
+            <a:r>
+              <a:rPr lang="en-US" b="1" dirty="0"/>
+              <a:t>Which is FALSE for Pooling layer in </a:t>
+            </a:r>
+            <a:r>
+              <a:rPr lang="en-US" b="1" dirty="0" err="1"/>
+              <a:t>CNN?A.Must</a:t>
+            </a:r>
+            <a:r>
+              <a:rPr lang="en-US" b="1" dirty="0"/>
+              <a:t> be used after every convolution </a:t>
+            </a:r>
+            <a:r>
+              <a:rPr lang="en-US" b="1" dirty="0" err="1"/>
+              <a:t>layerB.Downsamples</a:t>
+            </a:r>
+            <a:r>
+              <a:rPr lang="en-US" b="1" dirty="0"/>
+              <a:t> while retaining important information</a:t>
+            </a:r>
+          </a:p>
+          <a:p>
+            <a:r>
+              <a:rPr lang="en-US" dirty="0"/>
+              <a:t>Only A</a:t>
+            </a:r>
+          </a:p>
+          <a:p>
+            <a:r>
+              <a:rPr lang="en-US" dirty="0"/>
+              <a:t>Only B</a:t>
+            </a:r>
+          </a:p>
+          <a:p>
+            <a:r>
+              <a:rPr lang="en-US" dirty="0"/>
+              <a:t>Both A and B</a:t>
+            </a:r>
+          </a:p>
+          <a:p>
+            <a:r>
+              <a:rPr lang="en-US" dirty="0"/>
+              <a:t>None of the above</a:t>
+            </a:r>
+          </a:p>
+          <a:p>
+            <a:endParaRPr lang="en-US" dirty="0"/>
           </a:p>
         </p:txBody>
       </p:sp>
@@ -4233,6 +4255,64 @@
     <p:extLst>
       <p:ext uri="{BB962C8B-B14F-4D97-AF65-F5344CB8AC3E}">
         <p14:creationId xmlns:p14="http://schemas.microsoft.com/office/powerpoint/2010/main" val="691886824"/>
+      </p:ext>
+    </p:extLst>
+  </p:cSld>
+  <p:clrMapOvr>
+    <a:masterClrMapping/>
+  </p:clrMapOvr>
+</p:sld>
+</file>
+
+<file path=ppt/slides/slide18.xml><?xml version="1.0" encoding="utf-8"?>
+<p:sld xmlns:a="http://schemas.openxmlformats.org/drawingml/2006/main" xmlns:r="http://schemas.openxmlformats.org/officeDocument/2006/relationships" xmlns:p="http://schemas.openxmlformats.org/presentationml/2006/main">
+  <p:cSld>
+    <p:spTree>
+      <p:nvGrpSpPr>
+        <p:cNvPr id="1" name=""/>
+        <p:cNvGrpSpPr/>
+        <p:nvPr/>
+      </p:nvGrpSpPr>
+      <p:grpSpPr>
+        <a:xfrm>
+          <a:off x="0" y="0"/>
+          <a:ext cx="0" cy="0"/>
+          <a:chOff x="0" y="0"/>
+          <a:chExt cx="0" cy="0"/>
+        </a:xfrm>
+      </p:grpSpPr>
+      <p:sp>
+        <p:nvSpPr>
+          <p:cNvPr id="3" name="Content Placeholder 2">
+            <a:extLst>
+              <a:ext uri="{FF2B5EF4-FFF2-40B4-BE49-F238E27FC236}">
+                <a16:creationId xmlns:a16="http://schemas.microsoft.com/office/drawing/2014/main" id="{3CF5176D-7312-4A0B-9B2B-AE0623B5BD9A}"/>
+              </a:ext>
+            </a:extLst>
+          </p:cNvPr>
+          <p:cNvSpPr>
+            <a:spLocks noGrp="1"/>
+          </p:cNvSpPr>
+          <p:nvPr>
+            <p:ph idx="1"/>
+          </p:nvPr>
+        </p:nvSpPr>
+        <p:spPr/>
+        <p:txBody>
+          <a:bodyPr/>
+          <a:lstStyle/>
+          <a:p>
+            <a:r>
+              <a:rPr lang="en-US" dirty="0"/>
+              <a:t>The statement "Must be used after every convolution layer" is false for the pooling layer in a CNN. While it is common to use pooling layers after convolution layers, it is not necessary to use them after every convolution layer. Therefore, the correct answer is: Only A.</a:t>
+            </a:r>
+          </a:p>
+        </p:txBody>
+      </p:sp>
+    </p:spTree>
+    <p:extLst>
+      <p:ext uri="{BB962C8B-B14F-4D97-AF65-F5344CB8AC3E}">
+        <p14:creationId xmlns:p14="http://schemas.microsoft.com/office/powerpoint/2010/main" val="1757233194"/>
       </p:ext>
     </p:extLst>
   </p:cSld>

--- a/Machine Learning Quiz Question.pptx
+++ b/Machine Learning Quiz Question.pptx
@@ -23,6 +23,8 @@
     <p:sldId id="271" r:id="rId17"/>
     <p:sldId id="272" r:id="rId18"/>
     <p:sldId id="273" r:id="rId19"/>
+    <p:sldId id="274" r:id="rId20"/>
+    <p:sldId id="275" r:id="rId21"/>
   </p:sldIdLst>
   <p:sldSz cx="12192000" cy="6858000"/>
   <p:notesSz cx="6858000" cy="9144000"/>
@@ -276,7 +278,7 @@
           <a:p>
             <a:fld id="{635DE9B5-6039-4F90-B9CD-3F2F36427E48}" type="datetimeFigureOut">
               <a:rPr lang="en-US" smtClean="0"/>
-              <a:t>4/28/2023</a:t>
+              <a:t>5/1/2023</a:t>
             </a:fld>
             <a:endParaRPr lang="en-US"/>
           </a:p>
@@ -474,7 +476,7 @@
           <a:p>
             <a:fld id="{635DE9B5-6039-4F90-B9CD-3F2F36427E48}" type="datetimeFigureOut">
               <a:rPr lang="en-US" smtClean="0"/>
-              <a:t>4/28/2023</a:t>
+              <a:t>5/1/2023</a:t>
             </a:fld>
             <a:endParaRPr lang="en-US"/>
           </a:p>
@@ -682,7 +684,7 @@
           <a:p>
             <a:fld id="{635DE9B5-6039-4F90-B9CD-3F2F36427E48}" type="datetimeFigureOut">
               <a:rPr lang="en-US" smtClean="0"/>
-              <a:t>4/28/2023</a:t>
+              <a:t>5/1/2023</a:t>
             </a:fld>
             <a:endParaRPr lang="en-US"/>
           </a:p>
@@ -880,7 +882,7 @@
           <a:p>
             <a:fld id="{635DE9B5-6039-4F90-B9CD-3F2F36427E48}" type="datetimeFigureOut">
               <a:rPr lang="en-US" smtClean="0"/>
-              <a:t>4/28/2023</a:t>
+              <a:t>5/1/2023</a:t>
             </a:fld>
             <a:endParaRPr lang="en-US"/>
           </a:p>
@@ -1155,7 +1157,7 @@
           <a:p>
             <a:fld id="{635DE9B5-6039-4F90-B9CD-3F2F36427E48}" type="datetimeFigureOut">
               <a:rPr lang="en-US" smtClean="0"/>
-              <a:t>4/28/2023</a:t>
+              <a:t>5/1/2023</a:t>
             </a:fld>
             <a:endParaRPr lang="en-US"/>
           </a:p>
@@ -1420,7 +1422,7 @@
           <a:p>
             <a:fld id="{635DE9B5-6039-4F90-B9CD-3F2F36427E48}" type="datetimeFigureOut">
               <a:rPr lang="en-US" smtClean="0"/>
-              <a:t>4/28/2023</a:t>
+              <a:t>5/1/2023</a:t>
             </a:fld>
             <a:endParaRPr lang="en-US"/>
           </a:p>
@@ -1832,7 +1834,7 @@
           <a:p>
             <a:fld id="{635DE9B5-6039-4F90-B9CD-3F2F36427E48}" type="datetimeFigureOut">
               <a:rPr lang="en-US" smtClean="0"/>
-              <a:t>4/28/2023</a:t>
+              <a:t>5/1/2023</a:t>
             </a:fld>
             <a:endParaRPr lang="en-US"/>
           </a:p>
@@ -1973,7 +1975,7 @@
           <a:p>
             <a:fld id="{635DE9B5-6039-4F90-B9CD-3F2F36427E48}" type="datetimeFigureOut">
               <a:rPr lang="en-US" smtClean="0"/>
-              <a:t>4/28/2023</a:t>
+              <a:t>5/1/2023</a:t>
             </a:fld>
             <a:endParaRPr lang="en-US"/>
           </a:p>
@@ -2086,7 +2088,7 @@
           <a:p>
             <a:fld id="{635DE9B5-6039-4F90-B9CD-3F2F36427E48}" type="datetimeFigureOut">
               <a:rPr lang="en-US" smtClean="0"/>
-              <a:t>4/28/2023</a:t>
+              <a:t>5/1/2023</a:t>
             </a:fld>
             <a:endParaRPr lang="en-US"/>
           </a:p>
@@ -2397,7 +2399,7 @@
           <a:p>
             <a:fld id="{635DE9B5-6039-4F90-B9CD-3F2F36427E48}" type="datetimeFigureOut">
               <a:rPr lang="en-US" smtClean="0"/>
-              <a:t>4/28/2023</a:t>
+              <a:t>5/1/2023</a:t>
             </a:fld>
             <a:endParaRPr lang="en-US"/>
           </a:p>
@@ -2685,7 +2687,7 @@
           <a:p>
             <a:fld id="{635DE9B5-6039-4F90-B9CD-3F2F36427E48}" type="datetimeFigureOut">
               <a:rPr lang="en-US" smtClean="0"/>
-              <a:t>4/28/2023</a:t>
+              <a:t>5/1/2023</a:t>
             </a:fld>
             <a:endParaRPr lang="en-US"/>
           </a:p>
@@ -2926,7 +2928,7 @@
           <a:p>
             <a:fld id="{635DE9B5-6039-4F90-B9CD-3F2F36427E48}" type="datetimeFigureOut">
               <a:rPr lang="en-US" smtClean="0"/>
-              <a:t>4/28/2023</a:t>
+              <a:t>5/1/2023</a:t>
             </a:fld>
             <a:endParaRPr lang="en-US"/>
           </a:p>
@@ -4322,6 +4324,115 @@
 </p:sld>
 </file>
 
+<file path=ppt/slides/slide19.xml><?xml version="1.0" encoding="utf-8"?>
+<p:sld xmlns:a="http://schemas.openxmlformats.org/drawingml/2006/main" xmlns:r="http://schemas.openxmlformats.org/officeDocument/2006/relationships" xmlns:p="http://schemas.openxmlformats.org/presentationml/2006/main">
+  <p:cSld>
+    <p:spTree>
+      <p:nvGrpSpPr>
+        <p:cNvPr id="1" name=""/>
+        <p:cNvGrpSpPr/>
+        <p:nvPr/>
+      </p:nvGrpSpPr>
+      <p:grpSpPr>
+        <a:xfrm>
+          <a:off x="0" y="0"/>
+          <a:ext cx="0" cy="0"/>
+          <a:chOff x="0" y="0"/>
+          <a:chExt cx="0" cy="0"/>
+        </a:xfrm>
+      </p:grpSpPr>
+      <p:sp>
+        <p:nvSpPr>
+          <p:cNvPr id="3" name="Content Placeholder 2">
+            <a:extLst>
+              <a:ext uri="{FF2B5EF4-FFF2-40B4-BE49-F238E27FC236}">
+                <a16:creationId xmlns:a16="http://schemas.microsoft.com/office/drawing/2014/main" id="{BBB211CD-7357-43B0-9CEE-0EB41678EFFC}"/>
+              </a:ext>
+            </a:extLst>
+          </p:cNvPr>
+          <p:cNvSpPr>
+            <a:spLocks noGrp="1"/>
+          </p:cNvSpPr>
+          <p:nvPr>
+            <p:ph idx="1"/>
+          </p:nvPr>
+        </p:nvSpPr>
+        <p:spPr/>
+        <p:txBody>
+          <a:bodyPr/>
+          <a:lstStyle/>
+          <a:p>
+            <a:r>
+              <a:rPr lang="en-US" b="1" dirty="0"/>
+              <a:t>Which of the following is TRUE about </a:t>
+            </a:r>
+            <a:r>
+              <a:rPr lang="en-US" b="1" dirty="0" err="1"/>
+              <a:t>Softmax</a:t>
+            </a:r>
+            <a:r>
+              <a:rPr lang="en-US" b="1" dirty="0"/>
+              <a:t> and Sigmoid activation functions?</a:t>
+            </a:r>
+          </a:p>
+          <a:p>
+            <a:r>
+              <a:rPr lang="en-US" dirty="0"/>
+              <a:t>Sum of probabilities of _________ units are supposed to be 1.</a:t>
+            </a:r>
+          </a:p>
+          <a:p>
+            <a:r>
+              <a:rPr lang="en-US" dirty="0"/>
+              <a:t>All sigmoid</a:t>
+            </a:r>
+          </a:p>
+          <a:p>
+            <a:r>
+              <a:rPr lang="en-US" dirty="0"/>
+              <a:t>All </a:t>
+            </a:r>
+            <a:r>
+              <a:rPr lang="en-US" dirty="0" err="1"/>
+              <a:t>softmax</a:t>
+            </a:r>
+            <a:endParaRPr lang="en-US" dirty="0"/>
+          </a:p>
+          <a:p>
+            <a:r>
+              <a:rPr lang="en-US" dirty="0"/>
+              <a:t>Both Sigmoid &amp; </a:t>
+            </a:r>
+            <a:r>
+              <a:rPr lang="en-US" dirty="0" err="1"/>
+              <a:t>Softmax</a:t>
+            </a:r>
+            <a:endParaRPr lang="en-US" dirty="0"/>
+          </a:p>
+          <a:p>
+            <a:r>
+              <a:rPr lang="en-US" dirty="0"/>
+              <a:t>None of the above</a:t>
+            </a:r>
+          </a:p>
+          <a:p>
+            <a:endParaRPr lang="en-US" dirty="0"/>
+          </a:p>
+        </p:txBody>
+      </p:sp>
+    </p:spTree>
+    <p:extLst>
+      <p:ext uri="{BB962C8B-B14F-4D97-AF65-F5344CB8AC3E}">
+        <p14:creationId xmlns:p14="http://schemas.microsoft.com/office/powerpoint/2010/main" val="3069244450"/>
+      </p:ext>
+    </p:extLst>
+  </p:cSld>
+  <p:clrMapOvr>
+    <a:masterClrMapping/>
+  </p:clrMapOvr>
+</p:sld>
+</file>
+
 <file path=ppt/slides/slide2.xml><?xml version="1.0" encoding="utf-8"?>
 <p:sld xmlns:a="http://schemas.openxmlformats.org/drawingml/2006/main" xmlns:r="http://schemas.openxmlformats.org/officeDocument/2006/relationships" xmlns:p="http://schemas.openxmlformats.org/presentationml/2006/main">
   <p:cSld>
@@ -4800,6 +4911,72 @@
     <p:extLst>
       <p:ext uri="{BB962C8B-B14F-4D97-AF65-F5344CB8AC3E}">
         <p14:creationId xmlns:p14="http://schemas.microsoft.com/office/powerpoint/2010/main" val="31656486"/>
+      </p:ext>
+    </p:extLst>
+  </p:cSld>
+  <p:clrMapOvr>
+    <a:masterClrMapping/>
+  </p:clrMapOvr>
+</p:sld>
+</file>
+
+<file path=ppt/slides/slide20.xml><?xml version="1.0" encoding="utf-8"?>
+<p:sld xmlns:a="http://schemas.openxmlformats.org/drawingml/2006/main" xmlns:r="http://schemas.openxmlformats.org/officeDocument/2006/relationships" xmlns:p="http://schemas.openxmlformats.org/presentationml/2006/main">
+  <p:cSld>
+    <p:spTree>
+      <p:nvGrpSpPr>
+        <p:cNvPr id="1" name=""/>
+        <p:cNvGrpSpPr/>
+        <p:nvPr/>
+      </p:nvGrpSpPr>
+      <p:grpSpPr>
+        <a:xfrm>
+          <a:off x="0" y="0"/>
+          <a:ext cx="0" cy="0"/>
+          <a:chOff x="0" y="0"/>
+          <a:chExt cx="0" cy="0"/>
+        </a:xfrm>
+      </p:grpSpPr>
+      <p:sp>
+        <p:nvSpPr>
+          <p:cNvPr id="3" name="Content Placeholder 2">
+            <a:extLst>
+              <a:ext uri="{FF2B5EF4-FFF2-40B4-BE49-F238E27FC236}">
+                <a16:creationId xmlns:a16="http://schemas.microsoft.com/office/drawing/2014/main" id="{BBA2CDB0-25EE-451F-875C-1060C7C693D4}"/>
+              </a:ext>
+            </a:extLst>
+          </p:cNvPr>
+          <p:cNvSpPr>
+            <a:spLocks noGrp="1"/>
+          </p:cNvSpPr>
+          <p:nvPr>
+            <p:ph idx="1"/>
+          </p:nvPr>
+        </p:nvSpPr>
+        <p:spPr/>
+        <p:txBody>
+          <a:bodyPr/>
+          <a:lstStyle/>
+          <a:p>
+            <a:r>
+              <a:rPr lang="en-US" dirty="0"/>
+              <a:t>The correct statement is: "Sum of probabilities of all </a:t>
+            </a:r>
+            <a:r>
+              <a:rPr lang="en-US" dirty="0" err="1"/>
+              <a:t>softmax</a:t>
+            </a:r>
+            <a:r>
+              <a:rPr lang="en-US" dirty="0"/>
+              <a:t> units are supposed to be 1.</a:t>
+            </a:r>
+          </a:p>
+        </p:txBody>
+      </p:sp>
+    </p:spTree>
+    <p:extLst>
+      <p:ext uri="{BB962C8B-B14F-4D97-AF65-F5344CB8AC3E}">
+        <p14:creationId xmlns:p14="http://schemas.microsoft.com/office/powerpoint/2010/main" val="198695440"/>
       </p:ext>
     </p:extLst>
   </p:cSld>

--- a/Machine Learning Quiz Question.pptx
+++ b/Machine Learning Quiz Question.pptx
@@ -25,6 +25,8 @@
     <p:sldId id="273" r:id="rId19"/>
     <p:sldId id="274" r:id="rId20"/>
     <p:sldId id="275" r:id="rId21"/>
+    <p:sldId id="276" r:id="rId22"/>
+    <p:sldId id="277" r:id="rId23"/>
   </p:sldIdLst>
   <p:sldSz cx="12192000" cy="6858000"/>
   <p:notesSz cx="6858000" cy="9144000"/>
@@ -278,7 +280,7 @@
           <a:p>
             <a:fld id="{635DE9B5-6039-4F90-B9CD-3F2F36427E48}" type="datetimeFigureOut">
               <a:rPr lang="en-US" smtClean="0"/>
-              <a:t>5/1/2023</a:t>
+              <a:t>5/2/2023</a:t>
             </a:fld>
             <a:endParaRPr lang="en-US"/>
           </a:p>
@@ -476,7 +478,7 @@
           <a:p>
             <a:fld id="{635DE9B5-6039-4F90-B9CD-3F2F36427E48}" type="datetimeFigureOut">
               <a:rPr lang="en-US" smtClean="0"/>
-              <a:t>5/1/2023</a:t>
+              <a:t>5/2/2023</a:t>
             </a:fld>
             <a:endParaRPr lang="en-US"/>
           </a:p>
@@ -684,7 +686,7 @@
           <a:p>
             <a:fld id="{635DE9B5-6039-4F90-B9CD-3F2F36427E48}" type="datetimeFigureOut">
               <a:rPr lang="en-US" smtClean="0"/>
-              <a:t>5/1/2023</a:t>
+              <a:t>5/2/2023</a:t>
             </a:fld>
             <a:endParaRPr lang="en-US"/>
           </a:p>
@@ -882,7 +884,7 @@
           <a:p>
             <a:fld id="{635DE9B5-6039-4F90-B9CD-3F2F36427E48}" type="datetimeFigureOut">
               <a:rPr lang="en-US" smtClean="0"/>
-              <a:t>5/1/2023</a:t>
+              <a:t>5/2/2023</a:t>
             </a:fld>
             <a:endParaRPr lang="en-US"/>
           </a:p>
@@ -1157,7 +1159,7 @@
           <a:p>
             <a:fld id="{635DE9B5-6039-4F90-B9CD-3F2F36427E48}" type="datetimeFigureOut">
               <a:rPr lang="en-US" smtClean="0"/>
-              <a:t>5/1/2023</a:t>
+              <a:t>5/2/2023</a:t>
             </a:fld>
             <a:endParaRPr lang="en-US"/>
           </a:p>
@@ -1422,7 +1424,7 @@
           <a:p>
             <a:fld id="{635DE9B5-6039-4F90-B9CD-3F2F36427E48}" type="datetimeFigureOut">
               <a:rPr lang="en-US" smtClean="0"/>
-              <a:t>5/1/2023</a:t>
+              <a:t>5/2/2023</a:t>
             </a:fld>
             <a:endParaRPr lang="en-US"/>
           </a:p>
@@ -1834,7 +1836,7 @@
           <a:p>
             <a:fld id="{635DE9B5-6039-4F90-B9CD-3F2F36427E48}" type="datetimeFigureOut">
               <a:rPr lang="en-US" smtClean="0"/>
-              <a:t>5/1/2023</a:t>
+              <a:t>5/2/2023</a:t>
             </a:fld>
             <a:endParaRPr lang="en-US"/>
           </a:p>
@@ -1975,7 +1977,7 @@
           <a:p>
             <a:fld id="{635DE9B5-6039-4F90-B9CD-3F2F36427E48}" type="datetimeFigureOut">
               <a:rPr lang="en-US" smtClean="0"/>
-              <a:t>5/1/2023</a:t>
+              <a:t>5/2/2023</a:t>
             </a:fld>
             <a:endParaRPr lang="en-US"/>
           </a:p>
@@ -2088,7 +2090,7 @@
           <a:p>
             <a:fld id="{635DE9B5-6039-4F90-B9CD-3F2F36427E48}" type="datetimeFigureOut">
               <a:rPr lang="en-US" smtClean="0"/>
-              <a:t>5/1/2023</a:t>
+              <a:t>5/2/2023</a:t>
             </a:fld>
             <a:endParaRPr lang="en-US"/>
           </a:p>
@@ -2399,7 +2401,7 @@
           <a:p>
             <a:fld id="{635DE9B5-6039-4F90-B9CD-3F2F36427E48}" type="datetimeFigureOut">
               <a:rPr lang="en-US" smtClean="0"/>
-              <a:t>5/1/2023</a:t>
+              <a:t>5/2/2023</a:t>
             </a:fld>
             <a:endParaRPr lang="en-US"/>
           </a:p>
@@ -2687,7 +2689,7 @@
           <a:p>
             <a:fld id="{635DE9B5-6039-4F90-B9CD-3F2F36427E48}" type="datetimeFigureOut">
               <a:rPr lang="en-US" smtClean="0"/>
-              <a:t>5/1/2023</a:t>
+              <a:t>5/2/2023</a:t>
             </a:fld>
             <a:endParaRPr lang="en-US"/>
           </a:p>
@@ -2928,7 +2930,7 @@
           <a:p>
             <a:fld id="{635DE9B5-6039-4F90-B9CD-3F2F36427E48}" type="datetimeFigureOut">
               <a:rPr lang="en-US" smtClean="0"/>
-              <a:t>5/1/2023</a:t>
+              <a:t>5/2/2023</a:t>
             </a:fld>
             <a:endParaRPr lang="en-US"/>
           </a:p>
@@ -4986,6 +4988,181 @@
 </p:sld>
 </file>
 
+<file path=ppt/slides/slide21.xml><?xml version="1.0" encoding="utf-8"?>
+<p:sld xmlns:a="http://schemas.openxmlformats.org/drawingml/2006/main" xmlns:r="http://schemas.openxmlformats.org/officeDocument/2006/relationships" xmlns:p="http://schemas.openxmlformats.org/presentationml/2006/main">
+  <p:cSld>
+    <p:spTree>
+      <p:nvGrpSpPr>
+        <p:cNvPr id="1" name=""/>
+        <p:cNvGrpSpPr/>
+        <p:nvPr/>
+      </p:nvGrpSpPr>
+      <p:grpSpPr>
+        <a:xfrm>
+          <a:off x="0" y="0"/>
+          <a:ext cx="0" cy="0"/>
+          <a:chOff x="0" y="0"/>
+          <a:chExt cx="0" cy="0"/>
+        </a:xfrm>
+      </p:grpSpPr>
+      <p:sp>
+        <p:nvSpPr>
+          <p:cNvPr id="3" name="Content Placeholder 2">
+            <a:extLst>
+              <a:ext uri="{FF2B5EF4-FFF2-40B4-BE49-F238E27FC236}">
+                <a16:creationId xmlns:a16="http://schemas.microsoft.com/office/drawing/2014/main" id="{605199A8-3A9B-408C-B0C0-37D6AA91840B}"/>
+              </a:ext>
+            </a:extLst>
+          </p:cNvPr>
+          <p:cNvSpPr>
+            <a:spLocks noGrp="1"/>
+          </p:cNvSpPr>
+          <p:nvPr>
+            <p:ph idx="1"/>
+          </p:nvPr>
+        </p:nvSpPr>
+        <p:spPr/>
+        <p:txBody>
+          <a:bodyPr/>
+          <a:lstStyle/>
+          <a:p>
+            <a:r>
+              <a:rPr lang="en-US" b="1" dirty="0" err="1"/>
+              <a:t>RandomForestClassifier</a:t>
+            </a:r>
+            <a:r>
+              <a:rPr lang="en-US" b="1" dirty="0"/>
+              <a:t> class can be imported </a:t>
+            </a:r>
+            <a:r>
+              <a:rPr lang="en-US" b="1" dirty="0" err="1"/>
+              <a:t>as:from</a:t>
+            </a:r>
+            <a:r>
+              <a:rPr lang="en-US" b="1" dirty="0"/>
+              <a:t> _____________ import </a:t>
+            </a:r>
+            <a:r>
+              <a:rPr lang="en-US" b="1" dirty="0" err="1"/>
+              <a:t>RandomForestClassifier</a:t>
+            </a:r>
+            <a:endParaRPr lang="en-US" b="1" dirty="0"/>
+          </a:p>
+          <a:p>
+            <a:r>
+              <a:rPr lang="en-US" dirty="0" err="1"/>
+              <a:t>sklearn.neighbors</a:t>
+            </a:r>
+            <a:endParaRPr lang="en-US" dirty="0"/>
+          </a:p>
+          <a:p>
+            <a:r>
+              <a:rPr lang="en-US" dirty="0" err="1"/>
+              <a:t>sklearn.tree</a:t>
+            </a:r>
+            <a:endParaRPr lang="en-US" dirty="0"/>
+          </a:p>
+          <a:p>
+            <a:r>
+              <a:rPr lang="en-US" dirty="0" err="1"/>
+              <a:t>sklearn.ensemble</a:t>
+            </a:r>
+            <a:endParaRPr lang="en-US" dirty="0"/>
+          </a:p>
+          <a:p>
+            <a:r>
+              <a:rPr lang="en-US" dirty="0" err="1"/>
+              <a:t>sklearn</a:t>
+            </a:r>
+            <a:endParaRPr lang="en-US" dirty="0"/>
+          </a:p>
+          <a:p>
+            <a:endParaRPr lang="en-US" dirty="0"/>
+          </a:p>
+        </p:txBody>
+      </p:sp>
+    </p:spTree>
+    <p:extLst>
+      <p:ext uri="{BB962C8B-B14F-4D97-AF65-F5344CB8AC3E}">
+        <p14:creationId xmlns:p14="http://schemas.microsoft.com/office/powerpoint/2010/main" val="3946407516"/>
+      </p:ext>
+    </p:extLst>
+  </p:cSld>
+  <p:clrMapOvr>
+    <a:masterClrMapping/>
+  </p:clrMapOvr>
+</p:sld>
+</file>
+
+<file path=ppt/slides/slide22.xml><?xml version="1.0" encoding="utf-8"?>
+<p:sld xmlns:a="http://schemas.openxmlformats.org/drawingml/2006/main" xmlns:r="http://schemas.openxmlformats.org/officeDocument/2006/relationships" xmlns:p="http://schemas.openxmlformats.org/presentationml/2006/main">
+  <p:cSld>
+    <p:spTree>
+      <p:nvGrpSpPr>
+        <p:cNvPr id="1" name=""/>
+        <p:cNvGrpSpPr/>
+        <p:nvPr/>
+      </p:nvGrpSpPr>
+      <p:grpSpPr>
+        <a:xfrm>
+          <a:off x="0" y="0"/>
+          <a:ext cx="0" cy="0"/>
+          <a:chOff x="0" y="0"/>
+          <a:chExt cx="0" cy="0"/>
+        </a:xfrm>
+      </p:grpSpPr>
+      <p:sp>
+        <p:nvSpPr>
+          <p:cNvPr id="3" name="Content Placeholder 2">
+            <a:extLst>
+              <a:ext uri="{FF2B5EF4-FFF2-40B4-BE49-F238E27FC236}">
+                <a16:creationId xmlns:a16="http://schemas.microsoft.com/office/drawing/2014/main" id="{DFE27648-86D9-42AD-A500-AA569648AC64}"/>
+              </a:ext>
+            </a:extLst>
+          </p:cNvPr>
+          <p:cNvSpPr>
+            <a:spLocks noGrp="1"/>
+          </p:cNvSpPr>
+          <p:nvPr>
+            <p:ph idx="1"/>
+          </p:nvPr>
+        </p:nvSpPr>
+        <p:spPr/>
+        <p:txBody>
+          <a:bodyPr/>
+          <a:lstStyle/>
+          <a:p>
+            <a:r>
+              <a:rPr lang="en-US" dirty="0"/>
+              <a:t>The correct answer is: </a:t>
+            </a:r>
+            <a:r>
+              <a:rPr lang="en-US" b="1" dirty="0" err="1">
+                <a:solidFill>
+                  <a:srgbClr val="EB5757"/>
+                </a:solidFill>
+                <a:effectLst/>
+                <a:latin typeface="SFMono-Regular"/>
+              </a:rPr>
+              <a:t>sklearn.ensemble</a:t>
+            </a:r>
+            <a:endParaRPr lang="en-US" dirty="0"/>
+          </a:p>
+        </p:txBody>
+      </p:sp>
+    </p:spTree>
+    <p:extLst>
+      <p:ext uri="{BB962C8B-B14F-4D97-AF65-F5344CB8AC3E}">
+        <p14:creationId xmlns:p14="http://schemas.microsoft.com/office/powerpoint/2010/main" val="4068846454"/>
+      </p:ext>
+    </p:extLst>
+  </p:cSld>
+  <p:clrMapOvr>
+    <a:masterClrMapping/>
+  </p:clrMapOvr>
+</p:sld>
+</file>
+
 <file path=ppt/slides/slide3.xml><?xml version="1.0" encoding="utf-8"?>
 <p:sld xmlns:a="http://schemas.openxmlformats.org/drawingml/2006/main" xmlns:r="http://schemas.openxmlformats.org/officeDocument/2006/relationships" xmlns:p="http://schemas.openxmlformats.org/presentationml/2006/main">
   <p:cSld>

--- a/Machine Learning Quiz Question.pptx
+++ b/Machine Learning Quiz Question.pptx
@@ -27,6 +27,11 @@
     <p:sldId id="275" r:id="rId21"/>
     <p:sldId id="276" r:id="rId22"/>
     <p:sldId id="277" r:id="rId23"/>
+    <p:sldId id="278" r:id="rId24"/>
+    <p:sldId id="279" r:id="rId25"/>
+    <p:sldId id="280" r:id="rId26"/>
+    <p:sldId id="281" r:id="rId27"/>
+    <p:sldId id="282" r:id="rId28"/>
   </p:sldIdLst>
   <p:sldSz cx="12192000" cy="6858000"/>
   <p:notesSz cx="6858000" cy="9144000"/>
@@ -5163,6 +5168,405 @@
 </p:sld>
 </file>
 
+<file path=ppt/slides/slide23.xml><?xml version="1.0" encoding="utf-8"?>
+<p:sld xmlns:a="http://schemas.openxmlformats.org/drawingml/2006/main" xmlns:r="http://schemas.openxmlformats.org/officeDocument/2006/relationships" xmlns:p="http://schemas.openxmlformats.org/presentationml/2006/main">
+  <p:cSld>
+    <p:spTree>
+      <p:nvGrpSpPr>
+        <p:cNvPr id="1" name=""/>
+        <p:cNvGrpSpPr/>
+        <p:nvPr/>
+      </p:nvGrpSpPr>
+      <p:grpSpPr>
+        <a:xfrm>
+          <a:off x="0" y="0"/>
+          <a:ext cx="0" cy="0"/>
+          <a:chOff x="0" y="0"/>
+          <a:chExt cx="0" cy="0"/>
+        </a:xfrm>
+      </p:grpSpPr>
+      <p:sp>
+        <p:nvSpPr>
+          <p:cNvPr id="3" name="Content Placeholder 2">
+            <a:extLst>
+              <a:ext uri="{FF2B5EF4-FFF2-40B4-BE49-F238E27FC236}">
+                <a16:creationId xmlns:a16="http://schemas.microsoft.com/office/drawing/2014/main" id="{496AB02B-5E90-49F2-8C0A-81892E206CE6}"/>
+              </a:ext>
+            </a:extLst>
+          </p:cNvPr>
+          <p:cNvSpPr>
+            <a:spLocks noGrp="1"/>
+          </p:cNvSpPr>
+          <p:nvPr>
+            <p:ph idx="1"/>
+          </p:nvPr>
+        </p:nvSpPr>
+        <p:spPr/>
+        <p:txBody>
+          <a:bodyPr/>
+          <a:lstStyle/>
+          <a:p>
+            <a:r>
+              <a:rPr lang="en-US" b="1" dirty="0"/>
+              <a:t>Which of these parameters is NOT required while creating a layer in a model in </a:t>
+            </a:r>
+            <a:r>
+              <a:rPr lang="en-US" b="1" dirty="0" err="1"/>
+              <a:t>Keras</a:t>
+            </a:r>
+            <a:r>
+              <a:rPr lang="en-US" b="1" dirty="0"/>
+              <a:t>?</a:t>
+            </a:r>
+          </a:p>
+          <a:p>
+            <a:r>
+              <a:rPr lang="en-US" dirty="0"/>
+              <a:t>Activation function7%</a:t>
+            </a:r>
+          </a:p>
+          <a:p>
+            <a:r>
+              <a:rPr lang="en-US" dirty="0"/>
+              <a:t>Number of epochs58%</a:t>
+            </a:r>
+          </a:p>
+          <a:p>
+            <a:r>
+              <a:rPr lang="en-US" dirty="0"/>
+              <a:t>Regularization method18%</a:t>
+            </a:r>
+          </a:p>
+          <a:p>
+            <a:r>
+              <a:rPr lang="en-US" dirty="0"/>
+              <a:t>Weights initialization method</a:t>
+            </a:r>
+          </a:p>
+          <a:p>
+            <a:endParaRPr lang="en-US" dirty="0"/>
+          </a:p>
+        </p:txBody>
+      </p:sp>
+    </p:spTree>
+    <p:extLst>
+      <p:ext uri="{BB962C8B-B14F-4D97-AF65-F5344CB8AC3E}">
+        <p14:creationId xmlns:p14="http://schemas.microsoft.com/office/powerpoint/2010/main" val="682006317"/>
+      </p:ext>
+    </p:extLst>
+  </p:cSld>
+  <p:clrMapOvr>
+    <a:masterClrMapping/>
+  </p:clrMapOvr>
+</p:sld>
+</file>
+
+<file path=ppt/slides/slide24.xml><?xml version="1.0" encoding="utf-8"?>
+<p:sld xmlns:a="http://schemas.openxmlformats.org/drawingml/2006/main" xmlns:r="http://schemas.openxmlformats.org/officeDocument/2006/relationships" xmlns:p="http://schemas.openxmlformats.org/presentationml/2006/main">
+  <p:cSld>
+    <p:spTree>
+      <p:nvGrpSpPr>
+        <p:cNvPr id="1" name=""/>
+        <p:cNvGrpSpPr/>
+        <p:nvPr/>
+      </p:nvGrpSpPr>
+      <p:grpSpPr>
+        <a:xfrm>
+          <a:off x="0" y="0"/>
+          <a:ext cx="0" cy="0"/>
+          <a:chOff x="0" y="0"/>
+          <a:chExt cx="0" cy="0"/>
+        </a:xfrm>
+      </p:grpSpPr>
+      <p:sp>
+        <p:nvSpPr>
+          <p:cNvPr id="3" name="Content Placeholder 2">
+            <a:extLst>
+              <a:ext uri="{FF2B5EF4-FFF2-40B4-BE49-F238E27FC236}">
+                <a16:creationId xmlns:a16="http://schemas.microsoft.com/office/drawing/2014/main" id="{2EB1BEDB-B6FE-4C15-BEF2-8F086D959295}"/>
+              </a:ext>
+            </a:extLst>
+          </p:cNvPr>
+          <p:cNvSpPr>
+            <a:spLocks noGrp="1"/>
+          </p:cNvSpPr>
+          <p:nvPr>
+            <p:ph idx="1"/>
+          </p:nvPr>
+        </p:nvSpPr>
+        <p:spPr/>
+        <p:txBody>
+          <a:bodyPr/>
+          <a:lstStyle/>
+          <a:p>
+            <a:r>
+              <a:rPr lang="en-US" dirty="0"/>
+              <a:t>Number of epochs is NOT required while creating a layer in a model in </a:t>
+            </a:r>
+            <a:r>
+              <a:rPr lang="en-US" dirty="0" err="1"/>
+              <a:t>Keras</a:t>
+            </a:r>
+            <a:r>
+              <a:rPr lang="en-US"/>
+              <a:t>.</a:t>
+            </a:r>
+          </a:p>
+        </p:txBody>
+      </p:sp>
+    </p:spTree>
+    <p:extLst>
+      <p:ext uri="{BB962C8B-B14F-4D97-AF65-F5344CB8AC3E}">
+        <p14:creationId xmlns:p14="http://schemas.microsoft.com/office/powerpoint/2010/main" val="4091389583"/>
+      </p:ext>
+    </p:extLst>
+  </p:cSld>
+  <p:clrMapOvr>
+    <a:masterClrMapping/>
+  </p:clrMapOvr>
+</p:sld>
+</file>
+
+<file path=ppt/slides/slide25.xml><?xml version="1.0" encoding="utf-8"?>
+<p:sld xmlns:a="http://schemas.openxmlformats.org/drawingml/2006/main" xmlns:r="http://schemas.openxmlformats.org/officeDocument/2006/relationships" xmlns:p="http://schemas.openxmlformats.org/presentationml/2006/main">
+  <p:cSld>
+    <p:spTree>
+      <p:nvGrpSpPr>
+        <p:cNvPr id="1" name=""/>
+        <p:cNvGrpSpPr/>
+        <p:nvPr/>
+      </p:nvGrpSpPr>
+      <p:grpSpPr>
+        <a:xfrm>
+          <a:off x="0" y="0"/>
+          <a:ext cx="0" cy="0"/>
+          <a:chOff x="0" y="0"/>
+          <a:chExt cx="0" cy="0"/>
+        </a:xfrm>
+      </p:grpSpPr>
+      <p:sp>
+        <p:nvSpPr>
+          <p:cNvPr id="2" name="Title 1">
+            <a:extLst>
+              <a:ext uri="{FF2B5EF4-FFF2-40B4-BE49-F238E27FC236}">
+                <a16:creationId xmlns:a16="http://schemas.microsoft.com/office/drawing/2014/main" id="{4F948B3C-A621-4A92-9F25-23A02BFE6F14}"/>
+              </a:ext>
+            </a:extLst>
+          </p:cNvPr>
+          <p:cNvSpPr>
+            <a:spLocks noGrp="1"/>
+          </p:cNvSpPr>
+          <p:nvPr>
+            <p:ph type="title"/>
+          </p:nvPr>
+        </p:nvSpPr>
+        <p:spPr/>
+        <p:txBody>
+          <a:bodyPr/>
+          <a:lstStyle/>
+          <a:p>
+            <a:endParaRPr lang="en-US"/>
+          </a:p>
+        </p:txBody>
+      </p:sp>
+      <p:sp>
+        <p:nvSpPr>
+          <p:cNvPr id="3" name="Content Placeholder 2">
+            <a:extLst>
+              <a:ext uri="{FF2B5EF4-FFF2-40B4-BE49-F238E27FC236}">
+                <a16:creationId xmlns:a16="http://schemas.microsoft.com/office/drawing/2014/main" id="{042B8B87-F786-47C0-893E-30D3F3E97084}"/>
+              </a:ext>
+            </a:extLst>
+          </p:cNvPr>
+          <p:cNvSpPr>
+            <a:spLocks noGrp="1"/>
+          </p:cNvSpPr>
+          <p:nvPr>
+            <p:ph idx="1"/>
+          </p:nvPr>
+        </p:nvSpPr>
+        <p:spPr/>
+        <p:txBody>
+          <a:bodyPr/>
+          <a:lstStyle/>
+          <a:p>
+            <a:endParaRPr lang="en-US"/>
+          </a:p>
+        </p:txBody>
+      </p:sp>
+    </p:spTree>
+    <p:extLst>
+      <p:ext uri="{BB962C8B-B14F-4D97-AF65-F5344CB8AC3E}">
+        <p14:creationId xmlns:p14="http://schemas.microsoft.com/office/powerpoint/2010/main" val="1631787225"/>
+      </p:ext>
+    </p:extLst>
+  </p:cSld>
+  <p:clrMapOvr>
+    <a:masterClrMapping/>
+  </p:clrMapOvr>
+</p:sld>
+</file>
+
+<file path=ppt/slides/slide26.xml><?xml version="1.0" encoding="utf-8"?>
+<p:sld xmlns:a="http://schemas.openxmlformats.org/drawingml/2006/main" xmlns:r="http://schemas.openxmlformats.org/officeDocument/2006/relationships" xmlns:p="http://schemas.openxmlformats.org/presentationml/2006/main">
+  <p:cSld>
+    <p:spTree>
+      <p:nvGrpSpPr>
+        <p:cNvPr id="1" name=""/>
+        <p:cNvGrpSpPr/>
+        <p:nvPr/>
+      </p:nvGrpSpPr>
+      <p:grpSpPr>
+        <a:xfrm>
+          <a:off x="0" y="0"/>
+          <a:ext cx="0" cy="0"/>
+          <a:chOff x="0" y="0"/>
+          <a:chExt cx="0" cy="0"/>
+        </a:xfrm>
+      </p:grpSpPr>
+      <p:sp>
+        <p:nvSpPr>
+          <p:cNvPr id="2" name="Title 1">
+            <a:extLst>
+              <a:ext uri="{FF2B5EF4-FFF2-40B4-BE49-F238E27FC236}">
+                <a16:creationId xmlns:a16="http://schemas.microsoft.com/office/drawing/2014/main" id="{C9921A5D-EBD4-4C6E-8436-C19021B22212}"/>
+              </a:ext>
+            </a:extLst>
+          </p:cNvPr>
+          <p:cNvSpPr>
+            <a:spLocks noGrp="1"/>
+          </p:cNvSpPr>
+          <p:nvPr>
+            <p:ph type="title"/>
+          </p:nvPr>
+        </p:nvSpPr>
+        <p:spPr/>
+        <p:txBody>
+          <a:bodyPr/>
+          <a:lstStyle/>
+          <a:p>
+            <a:endParaRPr lang="en-US"/>
+          </a:p>
+        </p:txBody>
+      </p:sp>
+      <p:sp>
+        <p:nvSpPr>
+          <p:cNvPr id="3" name="Content Placeholder 2">
+            <a:extLst>
+              <a:ext uri="{FF2B5EF4-FFF2-40B4-BE49-F238E27FC236}">
+                <a16:creationId xmlns:a16="http://schemas.microsoft.com/office/drawing/2014/main" id="{A31127C8-7888-4E5D-86DA-D48F9F723943}"/>
+              </a:ext>
+            </a:extLst>
+          </p:cNvPr>
+          <p:cNvSpPr>
+            <a:spLocks noGrp="1"/>
+          </p:cNvSpPr>
+          <p:nvPr>
+            <p:ph idx="1"/>
+          </p:nvPr>
+        </p:nvSpPr>
+        <p:spPr/>
+        <p:txBody>
+          <a:bodyPr/>
+          <a:lstStyle/>
+          <a:p>
+            <a:endParaRPr lang="en-US"/>
+          </a:p>
+        </p:txBody>
+      </p:sp>
+    </p:spTree>
+    <p:extLst>
+      <p:ext uri="{BB962C8B-B14F-4D97-AF65-F5344CB8AC3E}">
+        <p14:creationId xmlns:p14="http://schemas.microsoft.com/office/powerpoint/2010/main" val="2717709702"/>
+      </p:ext>
+    </p:extLst>
+  </p:cSld>
+  <p:clrMapOvr>
+    <a:masterClrMapping/>
+  </p:clrMapOvr>
+</p:sld>
+</file>
+
+<file path=ppt/slides/slide27.xml><?xml version="1.0" encoding="utf-8"?>
+<p:sld xmlns:a="http://schemas.openxmlformats.org/drawingml/2006/main" xmlns:r="http://schemas.openxmlformats.org/officeDocument/2006/relationships" xmlns:p="http://schemas.openxmlformats.org/presentationml/2006/main">
+  <p:cSld>
+    <p:spTree>
+      <p:nvGrpSpPr>
+        <p:cNvPr id="1" name=""/>
+        <p:cNvGrpSpPr/>
+        <p:nvPr/>
+      </p:nvGrpSpPr>
+      <p:grpSpPr>
+        <a:xfrm>
+          <a:off x="0" y="0"/>
+          <a:ext cx="0" cy="0"/>
+          <a:chOff x="0" y="0"/>
+          <a:chExt cx="0" cy="0"/>
+        </a:xfrm>
+      </p:grpSpPr>
+      <p:sp>
+        <p:nvSpPr>
+          <p:cNvPr id="2" name="Title 1">
+            <a:extLst>
+              <a:ext uri="{FF2B5EF4-FFF2-40B4-BE49-F238E27FC236}">
+                <a16:creationId xmlns:a16="http://schemas.microsoft.com/office/drawing/2014/main" id="{E1062ABB-4F4C-4B63-913F-6F7E634F5061}"/>
+              </a:ext>
+            </a:extLst>
+          </p:cNvPr>
+          <p:cNvSpPr>
+            <a:spLocks noGrp="1"/>
+          </p:cNvSpPr>
+          <p:nvPr>
+            <p:ph type="title"/>
+          </p:nvPr>
+        </p:nvSpPr>
+        <p:spPr/>
+        <p:txBody>
+          <a:bodyPr/>
+          <a:lstStyle/>
+          <a:p>
+            <a:endParaRPr lang="en-US"/>
+          </a:p>
+        </p:txBody>
+      </p:sp>
+      <p:sp>
+        <p:nvSpPr>
+          <p:cNvPr id="3" name="Content Placeholder 2">
+            <a:extLst>
+              <a:ext uri="{FF2B5EF4-FFF2-40B4-BE49-F238E27FC236}">
+                <a16:creationId xmlns:a16="http://schemas.microsoft.com/office/drawing/2014/main" id="{DF7AA760-5A81-40D6-96C1-706FBE607013}"/>
+              </a:ext>
+            </a:extLst>
+          </p:cNvPr>
+          <p:cNvSpPr>
+            <a:spLocks noGrp="1"/>
+          </p:cNvSpPr>
+          <p:nvPr>
+            <p:ph idx="1"/>
+          </p:nvPr>
+        </p:nvSpPr>
+        <p:spPr/>
+        <p:txBody>
+          <a:bodyPr/>
+          <a:lstStyle/>
+          <a:p>
+            <a:endParaRPr lang="en-US"/>
+          </a:p>
+        </p:txBody>
+      </p:sp>
+    </p:spTree>
+    <p:extLst>
+      <p:ext uri="{BB962C8B-B14F-4D97-AF65-F5344CB8AC3E}">
+        <p14:creationId xmlns:p14="http://schemas.microsoft.com/office/powerpoint/2010/main" val="1756682786"/>
+      </p:ext>
+    </p:extLst>
+  </p:cSld>
+  <p:clrMapOvr>
+    <a:masterClrMapping/>
+  </p:clrMapOvr>
+</p:sld>
+</file>
+
 <file path=ppt/slides/slide3.xml><?xml version="1.0" encoding="utf-8"?>
 <p:sld xmlns:a="http://schemas.openxmlformats.org/drawingml/2006/main" xmlns:r="http://schemas.openxmlformats.org/officeDocument/2006/relationships" xmlns:p="http://schemas.openxmlformats.org/presentationml/2006/main">
   <p:cSld>

--- a/Machine Learning Quiz Question.pptx
+++ b/Machine Learning Quiz Question.pptx
@@ -5346,18 +5346,18 @@
       </p:grpSpPr>
       <p:sp>
         <p:nvSpPr>
-          <p:cNvPr id="2" name="Title 1">
-            <a:extLst>
-              <a:ext uri="{FF2B5EF4-FFF2-40B4-BE49-F238E27FC236}">
-                <a16:creationId xmlns:a16="http://schemas.microsoft.com/office/drawing/2014/main" id="{4F948B3C-A621-4A92-9F25-23A02BFE6F14}"/>
-              </a:ext>
-            </a:extLst>
-          </p:cNvPr>
-          <p:cNvSpPr>
-            <a:spLocks noGrp="1"/>
-          </p:cNvSpPr>
-          <p:nvPr>
-            <p:ph type="title"/>
+          <p:cNvPr id="3" name="Content Placeholder 2">
+            <a:extLst>
+              <a:ext uri="{FF2B5EF4-FFF2-40B4-BE49-F238E27FC236}">
+                <a16:creationId xmlns:a16="http://schemas.microsoft.com/office/drawing/2014/main" id="{042B8B87-F786-47C0-893E-30D3F3E97084}"/>
+              </a:ext>
+            </a:extLst>
+          </p:cNvPr>
+          <p:cNvSpPr>
+            <a:spLocks noGrp="1"/>
+          </p:cNvSpPr>
+          <p:nvPr>
+            <p:ph idx="1"/>
           </p:nvPr>
         </p:nvSpPr>
         <p:spPr/>
@@ -5365,32 +5365,37 @@
           <a:bodyPr/>
           <a:lstStyle/>
           <a:p>
-            <a:endParaRPr lang="en-US"/>
-          </a:p>
-        </p:txBody>
-      </p:sp>
-      <p:sp>
-        <p:nvSpPr>
-          <p:cNvPr id="3" name="Content Placeholder 2">
-            <a:extLst>
-              <a:ext uri="{FF2B5EF4-FFF2-40B4-BE49-F238E27FC236}">
-                <a16:creationId xmlns:a16="http://schemas.microsoft.com/office/drawing/2014/main" id="{042B8B87-F786-47C0-893E-30D3F3E97084}"/>
-              </a:ext>
-            </a:extLst>
-          </p:cNvPr>
-          <p:cNvSpPr>
-            <a:spLocks noGrp="1"/>
-          </p:cNvSpPr>
-          <p:nvPr>
-            <p:ph idx="1"/>
-          </p:nvPr>
-        </p:nvSpPr>
-        <p:spPr/>
-        <p:txBody>
-          <a:bodyPr/>
-          <a:lstStyle/>
-          <a:p>
-            <a:endParaRPr lang="en-US"/>
+            <a:r>
+              <a:rPr lang="en-US" b="1" dirty="0"/>
+              <a:t>Which of these is FALSE for Mini Batch Gradient Descent?</a:t>
+            </a:r>
+          </a:p>
+          <a:p>
+            <a:r>
+              <a:rPr lang="en-US" dirty="0"/>
+              <a:t>Batch size is a hyperparameter</a:t>
+            </a:r>
+          </a:p>
+          <a:p>
+            <a:r>
+              <a:rPr lang="en-US" dirty="0"/>
+              <a:t>Update model per batch of data</a:t>
+            </a:r>
+          </a:p>
+          <a:p>
+            <a:r>
+              <a:rPr lang="en-US" dirty="0"/>
+              <a:t>Balances between BGD &amp; SGD</a:t>
+            </a:r>
+          </a:p>
+          <a:p>
+            <a:r>
+              <a:rPr lang="en-US" dirty="0"/>
+              <a:t>None of the above</a:t>
+            </a:r>
+          </a:p>
+          <a:p>
+            <a:endParaRPr lang="en-US" dirty="0"/>
           </a:p>
         </p:txBody>
       </p:sp>
@@ -5426,18 +5431,18 @@
       </p:grpSpPr>
       <p:sp>
         <p:nvSpPr>
-          <p:cNvPr id="2" name="Title 1">
-            <a:extLst>
-              <a:ext uri="{FF2B5EF4-FFF2-40B4-BE49-F238E27FC236}">
-                <a16:creationId xmlns:a16="http://schemas.microsoft.com/office/drawing/2014/main" id="{C9921A5D-EBD4-4C6E-8436-C19021B22212}"/>
-              </a:ext>
-            </a:extLst>
-          </p:cNvPr>
-          <p:cNvSpPr>
-            <a:spLocks noGrp="1"/>
-          </p:cNvSpPr>
-          <p:nvPr>
-            <p:ph type="title"/>
+          <p:cNvPr id="3" name="Content Placeholder 2">
+            <a:extLst>
+              <a:ext uri="{FF2B5EF4-FFF2-40B4-BE49-F238E27FC236}">
+                <a16:creationId xmlns:a16="http://schemas.microsoft.com/office/drawing/2014/main" id="{A31127C8-7888-4E5D-86DA-D48F9F723943}"/>
+              </a:ext>
+            </a:extLst>
+          </p:cNvPr>
+          <p:cNvSpPr>
+            <a:spLocks noGrp="1"/>
+          </p:cNvSpPr>
+          <p:nvPr>
+            <p:ph idx="1"/>
           </p:nvPr>
         </p:nvSpPr>
         <p:spPr/>
@@ -5445,32 +5450,11 @@
           <a:bodyPr/>
           <a:lstStyle/>
           <a:p>
-            <a:endParaRPr lang="en-US"/>
-          </a:p>
-        </p:txBody>
-      </p:sp>
-      <p:sp>
-        <p:nvSpPr>
-          <p:cNvPr id="3" name="Content Placeholder 2">
-            <a:extLst>
-              <a:ext uri="{FF2B5EF4-FFF2-40B4-BE49-F238E27FC236}">
-                <a16:creationId xmlns:a16="http://schemas.microsoft.com/office/drawing/2014/main" id="{A31127C8-7888-4E5D-86DA-D48F9F723943}"/>
-              </a:ext>
-            </a:extLst>
-          </p:cNvPr>
-          <p:cNvSpPr>
-            <a:spLocks noGrp="1"/>
-          </p:cNvSpPr>
-          <p:nvPr>
-            <p:ph idx="1"/>
-          </p:nvPr>
-        </p:nvSpPr>
-        <p:spPr/>
-        <p:txBody>
-          <a:bodyPr/>
-          <a:lstStyle/>
-          <a:p>
-            <a:endParaRPr lang="en-US"/>
+            <a:r>
+              <a:rPr lang="en-US"/>
+              <a:t>None of the above options is false for Mini Batch Gradient Descent.</a:t>
+            </a:r>
+            <a:endParaRPr lang="en-US" dirty="0"/>
           </a:p>
         </p:txBody>
       </p:sp>

--- a/Machine Learning Quiz Question.pptx
+++ b/Machine Learning Quiz Question.pptx
@@ -32,6 +32,8 @@
     <p:sldId id="280" r:id="rId26"/>
     <p:sldId id="281" r:id="rId27"/>
     <p:sldId id="282" r:id="rId28"/>
+    <p:sldId id="283" r:id="rId29"/>
+    <p:sldId id="284" r:id="rId30"/>
   </p:sldIdLst>
   <p:sldSz cx="12192000" cy="6858000"/>
   <p:notesSz cx="6858000" cy="9144000"/>
@@ -5490,18 +5492,18 @@
       </p:grpSpPr>
       <p:sp>
         <p:nvSpPr>
-          <p:cNvPr id="2" name="Title 1">
-            <a:extLst>
-              <a:ext uri="{FF2B5EF4-FFF2-40B4-BE49-F238E27FC236}">
-                <a16:creationId xmlns:a16="http://schemas.microsoft.com/office/drawing/2014/main" id="{E1062ABB-4F4C-4B63-913F-6F7E634F5061}"/>
-              </a:ext>
-            </a:extLst>
-          </p:cNvPr>
-          <p:cNvSpPr>
-            <a:spLocks noGrp="1"/>
-          </p:cNvSpPr>
-          <p:nvPr>
-            <p:ph type="title"/>
+          <p:cNvPr id="3" name="Content Placeholder 2">
+            <a:extLst>
+              <a:ext uri="{FF2B5EF4-FFF2-40B4-BE49-F238E27FC236}">
+                <a16:creationId xmlns:a16="http://schemas.microsoft.com/office/drawing/2014/main" id="{DF7AA760-5A81-40D6-96C1-706FBE607013}"/>
+              </a:ext>
+            </a:extLst>
+          </p:cNvPr>
+          <p:cNvSpPr>
+            <a:spLocks noGrp="1"/>
+          </p:cNvSpPr>
+          <p:nvPr>
+            <p:ph idx="1"/>
           </p:nvPr>
         </p:nvSpPr>
         <p:spPr/>
@@ -5509,32 +5511,45 @@
           <a:bodyPr/>
           <a:lstStyle/>
           <a:p>
-            <a:endParaRPr lang="en-US"/>
-          </a:p>
-        </p:txBody>
-      </p:sp>
-      <p:sp>
-        <p:nvSpPr>
-          <p:cNvPr id="3" name="Content Placeholder 2">
-            <a:extLst>
-              <a:ext uri="{FF2B5EF4-FFF2-40B4-BE49-F238E27FC236}">
-                <a16:creationId xmlns:a16="http://schemas.microsoft.com/office/drawing/2014/main" id="{DF7AA760-5A81-40D6-96C1-706FBE607013}"/>
-              </a:ext>
-            </a:extLst>
-          </p:cNvPr>
-          <p:cNvSpPr>
-            <a:spLocks noGrp="1"/>
-          </p:cNvSpPr>
-          <p:nvPr>
-            <p:ph idx="1"/>
-          </p:nvPr>
-        </p:nvSpPr>
-        <p:spPr/>
-        <p:txBody>
-          <a:bodyPr/>
-          <a:lstStyle/>
-          <a:p>
-            <a:endParaRPr lang="en-US"/>
+            <a:r>
+              <a:rPr lang="en-US" b="1" dirty="0"/>
+              <a:t>Which of these is TRUE about Padding in </a:t>
+            </a:r>
+            <a:r>
+              <a:rPr lang="en-US" b="1" dirty="0" err="1"/>
+              <a:t>CNN?Padding</a:t>
+            </a:r>
+            <a:r>
+              <a:rPr lang="en-US" b="1" dirty="0"/>
+              <a:t> is used in _________ layer.</a:t>
+            </a:r>
+          </a:p>
+          <a:p>
+            <a:r>
+              <a:rPr lang="en-US" dirty="0"/>
+              <a:t>Convolution as well as pooling</a:t>
+            </a:r>
+          </a:p>
+          <a:p>
+            <a:r>
+              <a:rPr lang="en-US" dirty="0"/>
+              <a:t>Convolution &amp; Fully connected</a:t>
+            </a:r>
+          </a:p>
+          <a:p>
+            <a:r>
+              <a:rPr lang="en-US" dirty="0"/>
+              <a:t>Fully connected &amp; pooling</a:t>
+            </a:r>
+          </a:p>
+          <a:p>
+            <a:r>
+              <a:rPr lang="en-US" dirty="0"/>
+              <a:t>Only convolution</a:t>
+            </a:r>
+          </a:p>
+          <a:p>
+            <a:endParaRPr lang="en-US" dirty="0"/>
           </a:p>
         </p:txBody>
       </p:sp>
@@ -5542,6 +5557,144 @@
     <p:extLst>
       <p:ext uri="{BB962C8B-B14F-4D97-AF65-F5344CB8AC3E}">
         <p14:creationId xmlns:p14="http://schemas.microsoft.com/office/powerpoint/2010/main" val="1756682786"/>
+      </p:ext>
+    </p:extLst>
+  </p:cSld>
+  <p:clrMapOvr>
+    <a:masterClrMapping/>
+  </p:clrMapOvr>
+</p:sld>
+</file>
+
+<file path=ppt/slides/slide28.xml><?xml version="1.0" encoding="utf-8"?>
+<p:sld xmlns:a="http://schemas.openxmlformats.org/drawingml/2006/main" xmlns:r="http://schemas.openxmlformats.org/officeDocument/2006/relationships" xmlns:p="http://schemas.openxmlformats.org/presentationml/2006/main">
+  <p:cSld>
+    <p:spTree>
+      <p:nvGrpSpPr>
+        <p:cNvPr id="1" name=""/>
+        <p:cNvGrpSpPr/>
+        <p:nvPr/>
+      </p:nvGrpSpPr>
+      <p:grpSpPr>
+        <a:xfrm>
+          <a:off x="0" y="0"/>
+          <a:ext cx="0" cy="0"/>
+          <a:chOff x="0" y="0"/>
+          <a:chExt cx="0" cy="0"/>
+        </a:xfrm>
+      </p:grpSpPr>
+      <p:sp>
+        <p:nvSpPr>
+          <p:cNvPr id="3" name="Content Placeholder 2">
+            <a:extLst>
+              <a:ext uri="{FF2B5EF4-FFF2-40B4-BE49-F238E27FC236}">
+                <a16:creationId xmlns:a16="http://schemas.microsoft.com/office/drawing/2014/main" id="{B6A5F212-3EC3-4BE3-B391-9B9C732FF143}"/>
+              </a:ext>
+            </a:extLst>
+          </p:cNvPr>
+          <p:cNvSpPr>
+            <a:spLocks noGrp="1"/>
+          </p:cNvSpPr>
+          <p:nvPr>
+            <p:ph idx="1"/>
+          </p:nvPr>
+        </p:nvSpPr>
+        <p:spPr/>
+        <p:txBody>
+          <a:bodyPr/>
+          <a:lstStyle/>
+          <a:p>
+            <a:r>
+              <a:rPr lang="en-US" dirty="0"/>
+              <a:t>Padding is used in convolution as well as pooling layers in CNN.</a:t>
+            </a:r>
+          </a:p>
+        </p:txBody>
+      </p:sp>
+    </p:spTree>
+    <p:extLst>
+      <p:ext uri="{BB962C8B-B14F-4D97-AF65-F5344CB8AC3E}">
+        <p14:creationId xmlns:p14="http://schemas.microsoft.com/office/powerpoint/2010/main" val="2314006022"/>
+      </p:ext>
+    </p:extLst>
+  </p:cSld>
+  <p:clrMapOvr>
+    <a:masterClrMapping/>
+  </p:clrMapOvr>
+</p:sld>
+</file>
+
+<file path=ppt/slides/slide29.xml><?xml version="1.0" encoding="utf-8"?>
+<p:sld xmlns:a="http://schemas.openxmlformats.org/drawingml/2006/main" xmlns:r="http://schemas.openxmlformats.org/officeDocument/2006/relationships" xmlns:p="http://schemas.openxmlformats.org/presentationml/2006/main">
+  <p:cSld>
+    <p:spTree>
+      <p:nvGrpSpPr>
+        <p:cNvPr id="1" name=""/>
+        <p:cNvGrpSpPr/>
+        <p:nvPr/>
+      </p:nvGrpSpPr>
+      <p:grpSpPr>
+        <a:xfrm>
+          <a:off x="0" y="0"/>
+          <a:ext cx="0" cy="0"/>
+          <a:chOff x="0" y="0"/>
+          <a:chExt cx="0" cy="0"/>
+        </a:xfrm>
+      </p:grpSpPr>
+      <p:sp>
+        <p:nvSpPr>
+          <p:cNvPr id="2" name="Title 1">
+            <a:extLst>
+              <a:ext uri="{FF2B5EF4-FFF2-40B4-BE49-F238E27FC236}">
+                <a16:creationId xmlns:a16="http://schemas.microsoft.com/office/drawing/2014/main" id="{0C47F756-57D4-44D6-94F8-BC45CD09091D}"/>
+              </a:ext>
+            </a:extLst>
+          </p:cNvPr>
+          <p:cNvSpPr>
+            <a:spLocks noGrp="1"/>
+          </p:cNvSpPr>
+          <p:nvPr>
+            <p:ph type="title"/>
+          </p:nvPr>
+        </p:nvSpPr>
+        <p:spPr/>
+        <p:txBody>
+          <a:bodyPr/>
+          <a:lstStyle/>
+          <a:p>
+            <a:endParaRPr lang="en-US"/>
+          </a:p>
+        </p:txBody>
+      </p:sp>
+      <p:sp>
+        <p:nvSpPr>
+          <p:cNvPr id="3" name="Content Placeholder 2">
+            <a:extLst>
+              <a:ext uri="{FF2B5EF4-FFF2-40B4-BE49-F238E27FC236}">
+                <a16:creationId xmlns:a16="http://schemas.microsoft.com/office/drawing/2014/main" id="{D0182E0E-3F1A-417B-A723-DBCD16EF02CD}"/>
+              </a:ext>
+            </a:extLst>
+          </p:cNvPr>
+          <p:cNvSpPr>
+            <a:spLocks noGrp="1"/>
+          </p:cNvSpPr>
+          <p:nvPr>
+            <p:ph idx="1"/>
+          </p:nvPr>
+        </p:nvSpPr>
+        <p:spPr/>
+        <p:txBody>
+          <a:bodyPr/>
+          <a:lstStyle/>
+          <a:p>
+            <a:endParaRPr lang="en-US"/>
+          </a:p>
+        </p:txBody>
+      </p:sp>
+    </p:spTree>
+    <p:extLst>
+      <p:ext uri="{BB962C8B-B14F-4D97-AF65-F5344CB8AC3E}">
+        <p14:creationId xmlns:p14="http://schemas.microsoft.com/office/powerpoint/2010/main" val="923029317"/>
       </p:ext>
     </p:extLst>
   </p:cSld>

--- a/Machine Learning Quiz Question.pptx
+++ b/Machine Learning Quiz Question.pptx
@@ -287,7 +287,7 @@
           <a:p>
             <a:fld id="{635DE9B5-6039-4F90-B9CD-3F2F36427E48}" type="datetimeFigureOut">
               <a:rPr lang="en-US" smtClean="0"/>
-              <a:t>5/2/2023</a:t>
+              <a:t>5/5/2023</a:t>
             </a:fld>
             <a:endParaRPr lang="en-US"/>
           </a:p>
@@ -485,7 +485,7 @@
           <a:p>
             <a:fld id="{635DE9B5-6039-4F90-B9CD-3F2F36427E48}" type="datetimeFigureOut">
               <a:rPr lang="en-US" smtClean="0"/>
-              <a:t>5/2/2023</a:t>
+              <a:t>5/5/2023</a:t>
             </a:fld>
             <a:endParaRPr lang="en-US"/>
           </a:p>
@@ -693,7 +693,7 @@
           <a:p>
             <a:fld id="{635DE9B5-6039-4F90-B9CD-3F2F36427E48}" type="datetimeFigureOut">
               <a:rPr lang="en-US" smtClean="0"/>
-              <a:t>5/2/2023</a:t>
+              <a:t>5/5/2023</a:t>
             </a:fld>
             <a:endParaRPr lang="en-US"/>
           </a:p>
@@ -891,7 +891,7 @@
           <a:p>
             <a:fld id="{635DE9B5-6039-4F90-B9CD-3F2F36427E48}" type="datetimeFigureOut">
               <a:rPr lang="en-US" smtClean="0"/>
-              <a:t>5/2/2023</a:t>
+              <a:t>5/5/2023</a:t>
             </a:fld>
             <a:endParaRPr lang="en-US"/>
           </a:p>
@@ -1166,7 +1166,7 @@
           <a:p>
             <a:fld id="{635DE9B5-6039-4F90-B9CD-3F2F36427E48}" type="datetimeFigureOut">
               <a:rPr lang="en-US" smtClean="0"/>
-              <a:t>5/2/2023</a:t>
+              <a:t>5/5/2023</a:t>
             </a:fld>
             <a:endParaRPr lang="en-US"/>
           </a:p>
@@ -1431,7 +1431,7 @@
           <a:p>
             <a:fld id="{635DE9B5-6039-4F90-B9CD-3F2F36427E48}" type="datetimeFigureOut">
               <a:rPr lang="en-US" smtClean="0"/>
-              <a:t>5/2/2023</a:t>
+              <a:t>5/5/2023</a:t>
             </a:fld>
             <a:endParaRPr lang="en-US"/>
           </a:p>
@@ -1843,7 +1843,7 @@
           <a:p>
             <a:fld id="{635DE9B5-6039-4F90-B9CD-3F2F36427E48}" type="datetimeFigureOut">
               <a:rPr lang="en-US" smtClean="0"/>
-              <a:t>5/2/2023</a:t>
+              <a:t>5/5/2023</a:t>
             </a:fld>
             <a:endParaRPr lang="en-US"/>
           </a:p>
@@ -1984,7 +1984,7 @@
           <a:p>
             <a:fld id="{635DE9B5-6039-4F90-B9CD-3F2F36427E48}" type="datetimeFigureOut">
               <a:rPr lang="en-US" smtClean="0"/>
-              <a:t>5/2/2023</a:t>
+              <a:t>5/5/2023</a:t>
             </a:fld>
             <a:endParaRPr lang="en-US"/>
           </a:p>
@@ -2097,7 +2097,7 @@
           <a:p>
             <a:fld id="{635DE9B5-6039-4F90-B9CD-3F2F36427E48}" type="datetimeFigureOut">
               <a:rPr lang="en-US" smtClean="0"/>
-              <a:t>5/2/2023</a:t>
+              <a:t>5/5/2023</a:t>
             </a:fld>
             <a:endParaRPr lang="en-US"/>
           </a:p>
@@ -2408,7 +2408,7 @@
           <a:p>
             <a:fld id="{635DE9B5-6039-4F90-B9CD-3F2F36427E48}" type="datetimeFigureOut">
               <a:rPr lang="en-US" smtClean="0"/>
-              <a:t>5/2/2023</a:t>
+              <a:t>5/5/2023</a:t>
             </a:fld>
             <a:endParaRPr lang="en-US"/>
           </a:p>
@@ -2696,7 +2696,7 @@
           <a:p>
             <a:fld id="{635DE9B5-6039-4F90-B9CD-3F2F36427E48}" type="datetimeFigureOut">
               <a:rPr lang="en-US" smtClean="0"/>
-              <a:t>5/2/2023</a:t>
+              <a:t>5/5/2023</a:t>
             </a:fld>
             <a:endParaRPr lang="en-US"/>
           </a:p>
@@ -2937,7 +2937,7 @@
           <a:p>
             <a:fld id="{635DE9B5-6039-4F90-B9CD-3F2F36427E48}" type="datetimeFigureOut">
               <a:rPr lang="en-US" smtClean="0"/>
-              <a:t>5/2/2023</a:t>
+              <a:t>5/5/2023</a:t>
             </a:fld>
             <a:endParaRPr lang="en-US"/>
           </a:p>
@@ -5668,26 +5668,636 @@
       </p:sp>
       <p:sp>
         <p:nvSpPr>
-          <p:cNvPr id="3" name="Content Placeholder 2">
-            <a:extLst>
-              <a:ext uri="{FF2B5EF4-FFF2-40B4-BE49-F238E27FC236}">
-                <a16:creationId xmlns:a16="http://schemas.microsoft.com/office/drawing/2014/main" id="{D0182E0E-3F1A-417B-A723-DBCD16EF02CD}"/>
-              </a:ext>
-            </a:extLst>
-          </p:cNvPr>
-          <p:cNvSpPr>
-            <a:spLocks noGrp="1"/>
+          <p:cNvPr id="4" name="Rectangle 1">
+            <a:extLst>
+              <a:ext uri="{FF2B5EF4-FFF2-40B4-BE49-F238E27FC236}">
+                <a16:creationId xmlns:a16="http://schemas.microsoft.com/office/drawing/2014/main" id="{DFB5D5DA-808F-483B-9FC4-69B545DF5F4A}"/>
+              </a:ext>
+            </a:extLst>
+          </p:cNvPr>
+          <p:cNvSpPr>
+            <a:spLocks noGrp="1" noChangeArrowheads="1"/>
           </p:cNvSpPr>
           <p:nvPr>
             <p:ph idx="1"/>
           </p:nvPr>
         </p:nvSpPr>
-        <p:spPr/>
-        <p:txBody>
-          <a:bodyPr/>
-          <a:lstStyle/>
-          <a:p>
-            <a:endParaRPr lang="en-US"/>
+        <p:spPr bwMode="auto">
+          <a:prstGeom prst="rect">
+            <a:avLst/>
+          </a:prstGeom>
+          <a:noFill/>
+          <a:ln>
+            <a:noFill/>
+          </a:ln>
+          <a:effectLst/>
+          <a:extLst>
+            <a:ext uri="{909E8E84-426E-40DD-AFC4-6F175D3DCCD1}">
+              <a14:hiddenFill xmlns:a14="http://schemas.microsoft.com/office/drawing/2010/main">
+                <a:solidFill>
+                  <a:schemeClr val="accent1"/>
+                </a:solidFill>
+              </a14:hiddenFill>
+            </a:ext>
+            <a:ext uri="{91240B29-F687-4F45-9708-019B960494DF}">
+              <a14:hiddenLine xmlns:a14="http://schemas.microsoft.com/office/drawing/2010/main" w="9525">
+                <a:solidFill>
+                  <a:schemeClr val="tx1"/>
+                </a:solidFill>
+                <a:miter lim="800000"/>
+                <a:headEnd/>
+                <a:tailEnd/>
+              </a14:hiddenLine>
+            </a:ext>
+            <a:ext uri="{AF507438-7753-43E0-B8FC-AC1667EBCBE1}">
+              <a14:hiddenEffects xmlns:a14="http://schemas.microsoft.com/office/drawing/2010/main">
+                <a:effectLst>
+                  <a:outerShdw dist="35921" dir="2700000" algn="ctr" rotWithShape="0">
+                    <a:schemeClr val="bg2"/>
+                  </a:outerShdw>
+                </a:effectLst>
+              </a14:hiddenEffects>
+            </a:ext>
+          </a:extLst>
+        </p:spPr>
+        <p:txBody>
+          <a:bodyPr vert="horz" wrap="none" lIns="91440" tIns="45720" rIns="91440" bIns="45720" numCol="1" anchor="ctr" anchorCtr="0" compatLnSpc="1">
+            <a:prstTxWarp prst="textNoShape">
+              <a:avLst/>
+            </a:prstTxWarp>
+            <a:spAutoFit/>
+          </a:bodyPr>
+          <a:lstStyle>
+            <a:lvl1pPr eaLnBrk="0" fontAlgn="base" hangingPunct="0">
+              <a:spcBef>
+                <a:spcPct val="0"/>
+              </a:spcBef>
+              <a:spcAft>
+                <a:spcPct val="0"/>
+              </a:spcAft>
+              <a:defRPr>
+                <a:solidFill>
+                  <a:schemeClr val="tx1"/>
+                </a:solidFill>
+                <a:latin typeface="Arial" panose="020B0604020202020204" pitchFamily="34" charset="0"/>
+              </a:defRPr>
+            </a:lvl1pPr>
+            <a:lvl2pPr eaLnBrk="0" fontAlgn="base" hangingPunct="0">
+              <a:spcBef>
+                <a:spcPct val="0"/>
+              </a:spcBef>
+              <a:spcAft>
+                <a:spcPct val="0"/>
+              </a:spcAft>
+              <a:defRPr>
+                <a:solidFill>
+                  <a:schemeClr val="tx1"/>
+                </a:solidFill>
+                <a:latin typeface="Arial" panose="020B0604020202020204" pitchFamily="34" charset="0"/>
+              </a:defRPr>
+            </a:lvl2pPr>
+            <a:lvl3pPr eaLnBrk="0" fontAlgn="base" hangingPunct="0">
+              <a:spcBef>
+                <a:spcPct val="0"/>
+              </a:spcBef>
+              <a:spcAft>
+                <a:spcPct val="0"/>
+              </a:spcAft>
+              <a:defRPr>
+                <a:solidFill>
+                  <a:schemeClr val="tx1"/>
+                </a:solidFill>
+                <a:latin typeface="Arial" panose="020B0604020202020204" pitchFamily="34" charset="0"/>
+              </a:defRPr>
+            </a:lvl3pPr>
+            <a:lvl4pPr eaLnBrk="0" fontAlgn="base" hangingPunct="0">
+              <a:spcBef>
+                <a:spcPct val="0"/>
+              </a:spcBef>
+              <a:spcAft>
+                <a:spcPct val="0"/>
+              </a:spcAft>
+              <a:defRPr>
+                <a:solidFill>
+                  <a:schemeClr val="tx1"/>
+                </a:solidFill>
+                <a:latin typeface="Arial" panose="020B0604020202020204" pitchFamily="34" charset="0"/>
+              </a:defRPr>
+            </a:lvl4pPr>
+            <a:lvl5pPr eaLnBrk="0" fontAlgn="base" hangingPunct="0">
+              <a:spcBef>
+                <a:spcPct val="0"/>
+              </a:spcBef>
+              <a:spcAft>
+                <a:spcPct val="0"/>
+              </a:spcAft>
+              <a:defRPr>
+                <a:solidFill>
+                  <a:schemeClr val="tx1"/>
+                </a:solidFill>
+                <a:latin typeface="Arial" panose="020B0604020202020204" pitchFamily="34" charset="0"/>
+              </a:defRPr>
+            </a:lvl5pPr>
+            <a:lvl6pPr eaLnBrk="0" fontAlgn="base" hangingPunct="0">
+              <a:spcBef>
+                <a:spcPct val="0"/>
+              </a:spcBef>
+              <a:spcAft>
+                <a:spcPct val="0"/>
+              </a:spcAft>
+              <a:defRPr>
+                <a:solidFill>
+                  <a:schemeClr val="tx1"/>
+                </a:solidFill>
+                <a:latin typeface="Arial" panose="020B0604020202020204" pitchFamily="34" charset="0"/>
+              </a:defRPr>
+            </a:lvl6pPr>
+            <a:lvl7pPr eaLnBrk="0" fontAlgn="base" hangingPunct="0">
+              <a:spcBef>
+                <a:spcPct val="0"/>
+              </a:spcBef>
+              <a:spcAft>
+                <a:spcPct val="0"/>
+              </a:spcAft>
+              <a:defRPr>
+                <a:solidFill>
+                  <a:schemeClr val="tx1"/>
+                </a:solidFill>
+                <a:latin typeface="Arial" panose="020B0604020202020204" pitchFamily="34" charset="0"/>
+              </a:defRPr>
+            </a:lvl7pPr>
+            <a:lvl8pPr eaLnBrk="0" fontAlgn="base" hangingPunct="0">
+              <a:spcBef>
+                <a:spcPct val="0"/>
+              </a:spcBef>
+              <a:spcAft>
+                <a:spcPct val="0"/>
+              </a:spcAft>
+              <a:defRPr>
+                <a:solidFill>
+                  <a:schemeClr val="tx1"/>
+                </a:solidFill>
+                <a:latin typeface="Arial" panose="020B0604020202020204" pitchFamily="34" charset="0"/>
+              </a:defRPr>
+            </a:lvl8pPr>
+            <a:lvl9pPr eaLnBrk="0" fontAlgn="base" hangingPunct="0">
+              <a:spcBef>
+                <a:spcPct val="0"/>
+              </a:spcBef>
+              <a:spcAft>
+                <a:spcPct val="0"/>
+              </a:spcAft>
+              <a:defRPr>
+                <a:solidFill>
+                  <a:schemeClr val="tx1"/>
+                </a:solidFill>
+                <a:latin typeface="Arial" panose="020B0604020202020204" pitchFamily="34" charset="0"/>
+              </a:defRPr>
+            </a:lvl9pPr>
+          </a:lstStyle>
+          <a:p>
+            <a:pPr marL="0" marR="0" lvl="0" indent="0" algn="l" defTabSz="914400" rtl="0" eaLnBrk="0" fontAlgn="base" latinLnBrk="0" hangingPunct="0">
+              <a:lnSpc>
+                <a:spcPct val="100000"/>
+              </a:lnSpc>
+              <a:spcBef>
+                <a:spcPct val="0"/>
+              </a:spcBef>
+              <a:spcAft>
+                <a:spcPct val="0"/>
+              </a:spcAft>
+              <a:buClrTx/>
+              <a:buSzTx/>
+              <a:buFontTx/>
+              <a:buNone/>
+              <a:tabLst/>
+            </a:pPr>
+            <a:r>
+              <a:rPr kumimoji="0" lang="en-US" altLang="en-US" sz="900" b="1" i="0" u="none" strike="noStrike" cap="none" normalizeH="0" baseline="0">
+                <a:ln>
+                  <a:noFill/>
+                </a:ln>
+                <a:solidFill>
+                  <a:schemeClr val="tx1"/>
+                </a:solidFill>
+                <a:effectLst/>
+                <a:latin typeface="var(--artdeco-typography-sans)"/>
+              </a:rPr>
+              <a:t>In image processing, which convolution kernel is commonly used for edge detection?</a:t>
+            </a:r>
+          </a:p>
+          <a:p>
+            <a:pPr marL="0" marR="0" lvl="0" indent="0" algn="l" defTabSz="914400" rtl="0" eaLnBrk="0" fontAlgn="base" latinLnBrk="0" hangingPunct="0">
+              <a:lnSpc>
+                <a:spcPct val="100000"/>
+              </a:lnSpc>
+              <a:spcBef>
+                <a:spcPct val="0"/>
+              </a:spcBef>
+              <a:spcAft>
+                <a:spcPct val="0"/>
+              </a:spcAft>
+              <a:buClrTx/>
+              <a:buSzTx/>
+              <a:buFontTx/>
+              <a:buNone/>
+              <a:tabLst/>
+            </a:pPr>
+            <a:r>
+              <a:rPr kumimoji="0" lang="en-US" altLang="en-US" sz="1200" b="0" i="0" u="none" strike="noStrike" cap="none" normalizeH="0" baseline="0">
+                <a:ln>
+                  <a:noFill/>
+                </a:ln>
+                <a:solidFill>
+                  <a:schemeClr val="tx1"/>
+                </a:solidFill>
+                <a:effectLst/>
+                <a:latin typeface="-apple-system"/>
+              </a:rPr>
+              <a:t>In image processing, which convolution kernel is commonly used for edge detection?</a:t>
+            </a:r>
+          </a:p>
+          <a:p>
+            <a:pPr marL="0" marR="0" lvl="0" indent="0" algn="l" defTabSz="914400" rtl="0" eaLnBrk="0" fontAlgn="base" latinLnBrk="0" hangingPunct="0">
+              <a:lnSpc>
+                <a:spcPct val="100000"/>
+              </a:lnSpc>
+              <a:spcBef>
+                <a:spcPct val="0"/>
+              </a:spcBef>
+              <a:spcAft>
+                <a:spcPct val="0"/>
+              </a:spcAft>
+              <a:buClrTx/>
+              <a:buSzTx/>
+              <a:buFontTx/>
+              <a:buNone/>
+              <a:tabLst/>
+            </a:pPr>
+            <a:r>
+              <a:rPr kumimoji="0" lang="en-US" altLang="en-US" sz="1200" b="0" i="0" u="none" strike="noStrike" cap="none" normalizeH="0" baseline="0">
+                <a:ln>
+                  <a:noFill/>
+                </a:ln>
+                <a:solidFill>
+                  <a:schemeClr val="tx1"/>
+                </a:solidFill>
+                <a:effectLst/>
+                <a:latin typeface="-apple-system"/>
+              </a:rPr>
+              <a:t>A) ReLU activation</a:t>
+            </a:r>
+          </a:p>
+          <a:p>
+            <a:pPr marL="0" marR="0" lvl="0" indent="0" algn="l" defTabSz="914400" rtl="0" eaLnBrk="0" fontAlgn="base" latinLnBrk="0" hangingPunct="0">
+              <a:lnSpc>
+                <a:spcPct val="100000"/>
+              </a:lnSpc>
+              <a:spcBef>
+                <a:spcPct val="0"/>
+              </a:spcBef>
+              <a:spcAft>
+                <a:spcPct val="0"/>
+              </a:spcAft>
+              <a:buClrTx/>
+              <a:buSzTx/>
+              <a:buFontTx/>
+              <a:buNone/>
+              <a:tabLst/>
+            </a:pPr>
+            <a:r>
+              <a:rPr kumimoji="0" lang="en-US" altLang="en-US" sz="1200" b="0" i="0" u="none" strike="noStrike" cap="none" normalizeH="0" baseline="0">
+                <a:ln>
+                  <a:noFill/>
+                </a:ln>
+                <a:solidFill>
+                  <a:schemeClr val="tx1"/>
+                </a:solidFill>
+                <a:effectLst/>
+                <a:latin typeface="-apple-system"/>
+              </a:rPr>
+              <a:t>24%</a:t>
+            </a:r>
+          </a:p>
+          <a:p>
+            <a:pPr marL="0" marR="0" lvl="0" indent="0" algn="l" defTabSz="914400" rtl="0" eaLnBrk="0" fontAlgn="base" latinLnBrk="0" hangingPunct="0">
+              <a:lnSpc>
+                <a:spcPct val="100000"/>
+              </a:lnSpc>
+              <a:spcBef>
+                <a:spcPct val="0"/>
+              </a:spcBef>
+              <a:spcAft>
+                <a:spcPct val="0"/>
+              </a:spcAft>
+              <a:buClrTx/>
+              <a:buSzTx/>
+              <a:buFontTx/>
+              <a:buNone/>
+              <a:tabLst/>
+            </a:pPr>
+            <a:r>
+              <a:rPr kumimoji="0" lang="en-US" altLang="en-US" sz="1200" b="0" i="0" u="none" strike="noStrike" cap="none" normalizeH="0" baseline="0">
+                <a:ln>
+                  <a:noFill/>
+                </a:ln>
+                <a:solidFill>
+                  <a:schemeClr val="tx1"/>
+                </a:solidFill>
+                <a:effectLst/>
+                <a:latin typeface="-apple-system"/>
+              </a:rPr>
+              <a:t>B) Gaussian filter</a:t>
+            </a:r>
+          </a:p>
+          <a:p>
+            <a:pPr marL="0" marR="0" lvl="0" indent="0" algn="l" defTabSz="914400" rtl="0" eaLnBrk="0" fontAlgn="base" latinLnBrk="0" hangingPunct="0">
+              <a:lnSpc>
+                <a:spcPct val="100000"/>
+              </a:lnSpc>
+              <a:spcBef>
+                <a:spcPct val="0"/>
+              </a:spcBef>
+              <a:spcAft>
+                <a:spcPct val="0"/>
+              </a:spcAft>
+              <a:buClrTx/>
+              <a:buSzTx/>
+              <a:buFontTx/>
+              <a:buNone/>
+              <a:tabLst/>
+            </a:pPr>
+            <a:r>
+              <a:rPr kumimoji="0" lang="en-US" altLang="en-US" sz="1200" b="0" i="0" u="none" strike="noStrike" cap="none" normalizeH="0" baseline="0">
+                <a:ln>
+                  <a:noFill/>
+                </a:ln>
+                <a:solidFill>
+                  <a:schemeClr val="tx1"/>
+                </a:solidFill>
+                <a:effectLst/>
+                <a:latin typeface="-apple-system"/>
+              </a:rPr>
+              <a:t>24%</a:t>
+            </a:r>
+          </a:p>
+          <a:p>
+            <a:pPr marL="0" marR="0" lvl="0" indent="0" algn="l" defTabSz="914400" rtl="0" eaLnBrk="0" fontAlgn="base" latinLnBrk="0" hangingPunct="0">
+              <a:lnSpc>
+                <a:spcPct val="100000"/>
+              </a:lnSpc>
+              <a:spcBef>
+                <a:spcPct val="0"/>
+              </a:spcBef>
+              <a:spcAft>
+                <a:spcPct val="0"/>
+              </a:spcAft>
+              <a:buClrTx/>
+              <a:buSzTx/>
+              <a:buFontTx/>
+              <a:buNone/>
+              <a:tabLst/>
+            </a:pPr>
+            <a:r>
+              <a:rPr kumimoji="0" lang="en-US" altLang="en-US" sz="1200" b="0" i="0" u="none" strike="noStrike" cap="none" normalizeH="0" baseline="0">
+                <a:ln>
+                  <a:noFill/>
+                </a:ln>
+                <a:solidFill>
+                  <a:schemeClr val="tx1"/>
+                </a:solidFill>
+                <a:effectLst/>
+                <a:latin typeface="-apple-system"/>
+              </a:rPr>
+              <a:t>C) Max-pooling</a:t>
+            </a:r>
+          </a:p>
+          <a:p>
+            <a:pPr marL="0" marR="0" lvl="0" indent="0" algn="l" defTabSz="914400" rtl="0" eaLnBrk="0" fontAlgn="base" latinLnBrk="0" hangingPunct="0">
+              <a:lnSpc>
+                <a:spcPct val="100000"/>
+              </a:lnSpc>
+              <a:spcBef>
+                <a:spcPct val="0"/>
+              </a:spcBef>
+              <a:spcAft>
+                <a:spcPct val="0"/>
+              </a:spcAft>
+              <a:buClrTx/>
+              <a:buSzTx/>
+              <a:buFontTx/>
+              <a:buNone/>
+              <a:tabLst/>
+            </a:pPr>
+            <a:r>
+              <a:rPr kumimoji="0" lang="en-US" altLang="en-US" sz="1200" b="0" i="0" u="none" strike="noStrike" cap="none" normalizeH="0" baseline="0">
+                <a:ln>
+                  <a:noFill/>
+                </a:ln>
+                <a:solidFill>
+                  <a:schemeClr val="tx1"/>
+                </a:solidFill>
+                <a:effectLst/>
+                <a:latin typeface="-apple-system"/>
+              </a:rPr>
+              <a:t>35%</a:t>
+            </a:r>
+          </a:p>
+          <a:p>
+            <a:pPr marL="0" marR="0" lvl="0" indent="0" algn="l" defTabSz="914400" rtl="0" eaLnBrk="0" fontAlgn="base" latinLnBrk="0" hangingPunct="0">
+              <a:lnSpc>
+                <a:spcPct val="100000"/>
+              </a:lnSpc>
+              <a:spcBef>
+                <a:spcPct val="0"/>
+              </a:spcBef>
+              <a:spcAft>
+                <a:spcPct val="0"/>
+              </a:spcAft>
+              <a:buClrTx/>
+              <a:buSzTx/>
+              <a:buFontTx/>
+              <a:buNone/>
+              <a:tabLst/>
+            </a:pPr>
+            <a:r>
+              <a:rPr kumimoji="0" lang="en-US" altLang="en-US" sz="1200" b="0" i="0" u="none" strike="noStrike" cap="none" normalizeH="0" baseline="0">
+                <a:ln>
+                  <a:noFill/>
+                </a:ln>
+                <a:solidFill>
+                  <a:schemeClr val="tx1"/>
+                </a:solidFill>
+                <a:effectLst/>
+                <a:latin typeface="-apple-system"/>
+              </a:rPr>
+              <a:t>D) Sobel operator</a:t>
+            </a:r>
+          </a:p>
+          <a:p>
+            <a:pPr marL="0" marR="0" lvl="0" indent="0" algn="l" defTabSz="914400" rtl="0" eaLnBrk="0" fontAlgn="base" latinLnBrk="0" hangingPunct="0">
+              <a:lnSpc>
+                <a:spcPct val="100000"/>
+              </a:lnSpc>
+              <a:spcBef>
+                <a:spcPct val="0"/>
+              </a:spcBef>
+              <a:spcAft>
+                <a:spcPct val="0"/>
+              </a:spcAft>
+              <a:buClrTx/>
+              <a:buSzTx/>
+              <a:buFontTx/>
+              <a:buNone/>
+              <a:tabLst/>
+            </a:pPr>
+            <a:r>
+              <a:rPr kumimoji="0" lang="en-US" altLang="en-US" sz="1200" b="0" i="0" u="none" strike="noStrike" cap="none" normalizeH="0" baseline="0">
+                <a:ln>
+                  <a:noFill/>
+                </a:ln>
+                <a:solidFill>
+                  <a:schemeClr val="tx1"/>
+                </a:solidFill>
+                <a:effectLst/>
+                <a:latin typeface="-apple-system"/>
+              </a:rPr>
+              <a:t>17%</a:t>
+            </a:r>
+          </a:p>
+          <a:p>
+            <a:pPr marL="0" marR="0" lvl="0" indent="0" algn="l" defTabSz="914400" rtl="0" eaLnBrk="0" fontAlgn="base" latinLnBrk="0" hangingPunct="0">
+              <a:lnSpc>
+                <a:spcPct val="100000"/>
+              </a:lnSpc>
+              <a:spcBef>
+                <a:spcPct val="0"/>
+              </a:spcBef>
+              <a:spcAft>
+                <a:spcPct val="0"/>
+              </a:spcAft>
+              <a:buClrTx/>
+              <a:buSzTx/>
+              <a:buFontTx/>
+              <a:buNone/>
+              <a:tabLst/>
+            </a:pPr>
+            <a:r>
+              <a:rPr kumimoji="0" lang="en-US" altLang="en-US" sz="1200" b="0" i="0" u="none" strike="noStrike" cap="none" normalizeH="0" baseline="0">
+                <a:ln>
+                  <a:noFill/>
+                </a:ln>
+                <a:solidFill>
+                  <a:schemeClr val="tx1"/>
+                </a:solidFill>
+                <a:effectLst/>
+                <a:latin typeface="-apple-system"/>
+              </a:rPr>
+              <a:t>290 votes </a:t>
+            </a:r>
+          </a:p>
+          <a:p>
+            <a:pPr marL="0" marR="0" lvl="0" indent="0" algn="l" defTabSz="914400" rtl="0" eaLnBrk="0" fontAlgn="base" latinLnBrk="0" hangingPunct="0">
+              <a:lnSpc>
+                <a:spcPct val="100000"/>
+              </a:lnSpc>
+              <a:spcBef>
+                <a:spcPct val="0"/>
+              </a:spcBef>
+              <a:spcAft>
+                <a:spcPct val="0"/>
+              </a:spcAft>
+              <a:buClrTx/>
+              <a:buSzTx/>
+              <a:buFontTx/>
+              <a:buNone/>
+              <a:tabLst/>
+            </a:pPr>
+            <a:r>
+              <a:rPr kumimoji="0" lang="en-US" altLang="en-US" sz="1200" b="0" i="0" u="none" strike="noStrike" cap="none" normalizeH="0" baseline="0">
+                <a:ln>
+                  <a:noFill/>
+                </a:ln>
+                <a:solidFill>
+                  <a:schemeClr val="tx1"/>
+                </a:solidFill>
+                <a:effectLst/>
+                <a:latin typeface="-apple-system"/>
+              </a:rPr>
+              <a:t>• </a:t>
+            </a:r>
+          </a:p>
+          <a:p>
+            <a:pPr marL="0" marR="0" lvl="0" indent="0" algn="l" defTabSz="914400" rtl="0" eaLnBrk="0" fontAlgn="base" latinLnBrk="0" hangingPunct="0">
+              <a:lnSpc>
+                <a:spcPct val="100000"/>
+              </a:lnSpc>
+              <a:spcBef>
+                <a:spcPct val="0"/>
+              </a:spcBef>
+              <a:spcAft>
+                <a:spcPct val="0"/>
+              </a:spcAft>
+              <a:buClrTx/>
+              <a:buSzTx/>
+              <a:buFontTx/>
+              <a:buNone/>
+              <a:tabLst/>
+            </a:pPr>
+            <a:r>
+              <a:rPr kumimoji="0" lang="en-US" altLang="en-US" sz="1200" b="0" i="0" u="none" strike="noStrike" cap="none" normalizeH="0" baseline="0">
+                <a:ln>
+                  <a:noFill/>
+                </a:ln>
+                <a:solidFill>
+                  <a:schemeClr val="tx1"/>
+                </a:solidFill>
+                <a:effectLst/>
+                <a:latin typeface="-apple-system"/>
+              </a:rPr>
+              <a:t>1w left1 week left </a:t>
+            </a:r>
+          </a:p>
+          <a:p>
+            <a:pPr marL="0" marR="0" lvl="0" indent="0" algn="l" defTabSz="914400" rtl="0" eaLnBrk="0" fontAlgn="base" latinLnBrk="0" hangingPunct="0">
+              <a:lnSpc>
+                <a:spcPct val="100000"/>
+              </a:lnSpc>
+              <a:spcBef>
+                <a:spcPct val="0"/>
+              </a:spcBef>
+              <a:spcAft>
+                <a:spcPct val="0"/>
+              </a:spcAft>
+              <a:buClrTx/>
+              <a:buSzTx/>
+              <a:buFontTx/>
+              <a:buNone/>
+              <a:tabLst/>
+            </a:pPr>
+            <a:r>
+              <a:rPr kumimoji="0" lang="en-US" altLang="en-US" sz="1200" b="0" i="0" u="none" strike="noStrike" cap="none" normalizeH="0" baseline="0">
+                <a:ln>
+                  <a:noFill/>
+                </a:ln>
+                <a:solidFill>
+                  <a:schemeClr val="tx1"/>
+                </a:solidFill>
+                <a:effectLst/>
+                <a:latin typeface="-apple-system"/>
+              </a:rPr>
+              <a:t>• </a:t>
+            </a:r>
+            <a:endParaRPr kumimoji="0" lang="en-US" altLang="en-US" sz="1800" b="0" i="0" u="none" strike="noStrike" cap="none" normalizeH="0" baseline="0">
+              <a:ln>
+                <a:noFill/>
+              </a:ln>
+              <a:solidFill>
+                <a:schemeClr val="tx1"/>
+              </a:solidFill>
+              <a:effectLst/>
+              <a:latin typeface="Arial" panose="020B0604020202020204" pitchFamily="34" charset="0"/>
+            </a:endParaRPr>
           </a:p>
         </p:txBody>
       </p:sp>

--- a/Machine Learning Quiz Question.pptx
+++ b/Machine Learning Quiz Question.pptx
@@ -34,6 +34,8 @@
     <p:sldId id="282" r:id="rId28"/>
     <p:sldId id="283" r:id="rId29"/>
     <p:sldId id="284" r:id="rId30"/>
+    <p:sldId id="285" r:id="rId31"/>
+    <p:sldId id="286" r:id="rId32"/>
   </p:sldIdLst>
   <p:sldSz cx="12192000" cy="6858000"/>
   <p:notesSz cx="6858000" cy="9144000"/>
@@ -287,7 +289,7 @@
           <a:p>
             <a:fld id="{635DE9B5-6039-4F90-B9CD-3F2F36427E48}" type="datetimeFigureOut">
               <a:rPr lang="en-US" smtClean="0"/>
-              <a:t>5/5/2023</a:t>
+              <a:t>5/16/2023</a:t>
             </a:fld>
             <a:endParaRPr lang="en-US"/>
           </a:p>
@@ -485,7 +487,7 @@
           <a:p>
             <a:fld id="{635DE9B5-6039-4F90-B9CD-3F2F36427E48}" type="datetimeFigureOut">
               <a:rPr lang="en-US" smtClean="0"/>
-              <a:t>5/5/2023</a:t>
+              <a:t>5/16/2023</a:t>
             </a:fld>
             <a:endParaRPr lang="en-US"/>
           </a:p>
@@ -693,7 +695,7 @@
           <a:p>
             <a:fld id="{635DE9B5-6039-4F90-B9CD-3F2F36427E48}" type="datetimeFigureOut">
               <a:rPr lang="en-US" smtClean="0"/>
-              <a:t>5/5/2023</a:t>
+              <a:t>5/16/2023</a:t>
             </a:fld>
             <a:endParaRPr lang="en-US"/>
           </a:p>
@@ -891,7 +893,7 @@
           <a:p>
             <a:fld id="{635DE9B5-6039-4F90-B9CD-3F2F36427E48}" type="datetimeFigureOut">
               <a:rPr lang="en-US" smtClean="0"/>
-              <a:t>5/5/2023</a:t>
+              <a:t>5/16/2023</a:t>
             </a:fld>
             <a:endParaRPr lang="en-US"/>
           </a:p>
@@ -1166,7 +1168,7 @@
           <a:p>
             <a:fld id="{635DE9B5-6039-4F90-B9CD-3F2F36427E48}" type="datetimeFigureOut">
               <a:rPr lang="en-US" smtClean="0"/>
-              <a:t>5/5/2023</a:t>
+              <a:t>5/16/2023</a:t>
             </a:fld>
             <a:endParaRPr lang="en-US"/>
           </a:p>
@@ -1431,7 +1433,7 @@
           <a:p>
             <a:fld id="{635DE9B5-6039-4F90-B9CD-3F2F36427E48}" type="datetimeFigureOut">
               <a:rPr lang="en-US" smtClean="0"/>
-              <a:t>5/5/2023</a:t>
+              <a:t>5/16/2023</a:t>
             </a:fld>
             <a:endParaRPr lang="en-US"/>
           </a:p>
@@ -1843,7 +1845,7 @@
           <a:p>
             <a:fld id="{635DE9B5-6039-4F90-B9CD-3F2F36427E48}" type="datetimeFigureOut">
               <a:rPr lang="en-US" smtClean="0"/>
-              <a:t>5/5/2023</a:t>
+              <a:t>5/16/2023</a:t>
             </a:fld>
             <a:endParaRPr lang="en-US"/>
           </a:p>
@@ -1984,7 +1986,7 @@
           <a:p>
             <a:fld id="{635DE9B5-6039-4F90-B9CD-3F2F36427E48}" type="datetimeFigureOut">
               <a:rPr lang="en-US" smtClean="0"/>
-              <a:t>5/5/2023</a:t>
+              <a:t>5/16/2023</a:t>
             </a:fld>
             <a:endParaRPr lang="en-US"/>
           </a:p>
@@ -2097,7 +2099,7 @@
           <a:p>
             <a:fld id="{635DE9B5-6039-4F90-B9CD-3F2F36427E48}" type="datetimeFigureOut">
               <a:rPr lang="en-US" smtClean="0"/>
-              <a:t>5/5/2023</a:t>
+              <a:t>5/16/2023</a:t>
             </a:fld>
             <a:endParaRPr lang="en-US"/>
           </a:p>
@@ -2408,7 +2410,7 @@
           <a:p>
             <a:fld id="{635DE9B5-6039-4F90-B9CD-3F2F36427E48}" type="datetimeFigureOut">
               <a:rPr lang="en-US" smtClean="0"/>
-              <a:t>5/5/2023</a:t>
+              <a:t>5/16/2023</a:t>
             </a:fld>
             <a:endParaRPr lang="en-US"/>
           </a:p>
@@ -2696,7 +2698,7 @@
           <a:p>
             <a:fld id="{635DE9B5-6039-4F90-B9CD-3F2F36427E48}" type="datetimeFigureOut">
               <a:rPr lang="en-US" smtClean="0"/>
-              <a:t>5/5/2023</a:t>
+              <a:t>5/16/2023</a:t>
             </a:fld>
             <a:endParaRPr lang="en-US"/>
           </a:p>
@@ -2937,7 +2939,7 @@
           <a:p>
             <a:fld id="{635DE9B5-6039-4F90-B9CD-3F2F36427E48}" type="datetimeFigureOut">
               <a:rPr lang="en-US" smtClean="0"/>
-              <a:t>5/5/2023</a:t>
+              <a:t>5/16/2023</a:t>
             </a:fld>
             <a:endParaRPr lang="en-US"/>
           </a:p>
@@ -6712,6 +6714,216 @@
 </p:sld>
 </file>
 
+<file path=ppt/slides/slide30.xml><?xml version="1.0" encoding="utf-8"?>
+<p:sld xmlns:a="http://schemas.openxmlformats.org/drawingml/2006/main" xmlns:r="http://schemas.openxmlformats.org/officeDocument/2006/relationships" xmlns:p="http://schemas.openxmlformats.org/presentationml/2006/main">
+  <p:cSld>
+    <p:spTree>
+      <p:nvGrpSpPr>
+        <p:cNvPr id="1" name=""/>
+        <p:cNvGrpSpPr/>
+        <p:nvPr/>
+      </p:nvGrpSpPr>
+      <p:grpSpPr>
+        <a:xfrm>
+          <a:off x="0" y="0"/>
+          <a:ext cx="0" cy="0"/>
+          <a:chOff x="0" y="0"/>
+          <a:chExt cx="0" cy="0"/>
+        </a:xfrm>
+      </p:grpSpPr>
+      <p:sp>
+        <p:nvSpPr>
+          <p:cNvPr id="2" name="Title 1">
+            <a:extLst>
+              <a:ext uri="{FF2B5EF4-FFF2-40B4-BE49-F238E27FC236}">
+                <a16:creationId xmlns:a16="http://schemas.microsoft.com/office/drawing/2014/main" id="{0A2F0749-1B33-4BD4-B415-D67738A08313}"/>
+              </a:ext>
+            </a:extLst>
+          </p:cNvPr>
+          <p:cNvSpPr>
+            <a:spLocks noGrp="1"/>
+          </p:cNvSpPr>
+          <p:nvPr>
+            <p:ph type="title"/>
+          </p:nvPr>
+        </p:nvSpPr>
+        <p:spPr/>
+        <p:txBody>
+          <a:bodyPr/>
+          <a:lstStyle/>
+          <a:p>
+            <a:endParaRPr lang="en-US"/>
+          </a:p>
+        </p:txBody>
+      </p:sp>
+      <p:sp>
+        <p:nvSpPr>
+          <p:cNvPr id="3" name="Content Placeholder 2">
+            <a:extLst>
+              <a:ext uri="{FF2B5EF4-FFF2-40B4-BE49-F238E27FC236}">
+                <a16:creationId xmlns:a16="http://schemas.microsoft.com/office/drawing/2014/main" id="{F209955B-4C4B-4387-A408-3AFA6A5A3D85}"/>
+              </a:ext>
+            </a:extLst>
+          </p:cNvPr>
+          <p:cNvSpPr>
+            <a:spLocks noGrp="1"/>
+          </p:cNvSpPr>
+          <p:nvPr>
+            <p:ph idx="1"/>
+          </p:nvPr>
+        </p:nvSpPr>
+        <p:spPr/>
+        <p:txBody>
+          <a:bodyPr/>
+          <a:lstStyle/>
+          <a:p>
+            <a:r>
+              <a:rPr lang="en-US" b="0" i="0" dirty="0">
+                <a:solidFill>
+                  <a:srgbClr val="343541"/>
+                </a:solidFill>
+                <a:effectLst/>
+                <a:latin typeface="Söhne"/>
+              </a:rPr>
+              <a:t>Which service enables you to review details for user activities and API calls that have occurred within your AWS </a:t>
+            </a:r>
+            <a:r>
+              <a:rPr lang="en-US" b="0" i="0" dirty="0" err="1">
+                <a:solidFill>
+                  <a:srgbClr val="343541"/>
+                </a:solidFill>
+                <a:effectLst/>
+                <a:latin typeface="Söhne"/>
+              </a:rPr>
+              <a:t>environment?The</a:t>
+            </a:r>
+            <a:r>
+              <a:rPr lang="en-US" b="0" i="0" dirty="0">
+                <a:solidFill>
+                  <a:srgbClr val="343541"/>
+                </a:solidFill>
+                <a:effectLst/>
+                <a:latin typeface="Söhne"/>
+              </a:rPr>
+              <a:t> author can see how you vote. Learn more Which service enables you to review details for user activities and API calls that have occurred within your AWS environment? Amazon Inspector 17% Amazon CloudWatch 33% AWS CloudTrail 50% AWS Trusted Advisor</a:t>
+            </a:r>
+            <a:endParaRPr lang="en-US" dirty="0"/>
+          </a:p>
+        </p:txBody>
+      </p:sp>
+    </p:spTree>
+    <p:extLst>
+      <p:ext uri="{BB962C8B-B14F-4D97-AF65-F5344CB8AC3E}">
+        <p14:creationId xmlns:p14="http://schemas.microsoft.com/office/powerpoint/2010/main" val="2877418162"/>
+      </p:ext>
+    </p:extLst>
+  </p:cSld>
+  <p:clrMapOvr>
+    <a:masterClrMapping/>
+  </p:clrMapOvr>
+</p:sld>
+</file>
+
+<file path=ppt/slides/slide31.xml><?xml version="1.0" encoding="utf-8"?>
+<p:sld xmlns:a="http://schemas.openxmlformats.org/drawingml/2006/main" xmlns:r="http://schemas.openxmlformats.org/officeDocument/2006/relationships" xmlns:p="http://schemas.openxmlformats.org/presentationml/2006/main">
+  <p:cSld>
+    <p:spTree>
+      <p:nvGrpSpPr>
+        <p:cNvPr id="1" name=""/>
+        <p:cNvGrpSpPr/>
+        <p:nvPr/>
+      </p:nvGrpSpPr>
+      <p:grpSpPr>
+        <a:xfrm>
+          <a:off x="0" y="0"/>
+          <a:ext cx="0" cy="0"/>
+          <a:chOff x="0" y="0"/>
+          <a:chExt cx="0" cy="0"/>
+        </a:xfrm>
+      </p:grpSpPr>
+      <p:sp>
+        <p:nvSpPr>
+          <p:cNvPr id="2" name="Title 1">
+            <a:extLst>
+              <a:ext uri="{FF2B5EF4-FFF2-40B4-BE49-F238E27FC236}">
+                <a16:creationId xmlns:a16="http://schemas.microsoft.com/office/drawing/2014/main" id="{49FA3ADE-137D-478D-8FB0-2E9083F974A9}"/>
+              </a:ext>
+            </a:extLst>
+          </p:cNvPr>
+          <p:cNvSpPr>
+            <a:spLocks noGrp="1"/>
+          </p:cNvSpPr>
+          <p:nvPr>
+            <p:ph type="title"/>
+          </p:nvPr>
+        </p:nvSpPr>
+        <p:spPr/>
+        <p:txBody>
+          <a:bodyPr/>
+          <a:lstStyle/>
+          <a:p>
+            <a:endParaRPr lang="en-US"/>
+          </a:p>
+        </p:txBody>
+      </p:sp>
+      <p:sp>
+        <p:nvSpPr>
+          <p:cNvPr id="3" name="Content Placeholder 2">
+            <a:extLst>
+              <a:ext uri="{FF2B5EF4-FFF2-40B4-BE49-F238E27FC236}">
+                <a16:creationId xmlns:a16="http://schemas.microsoft.com/office/drawing/2014/main" id="{E50DA610-8ADD-4B55-B8F3-4EFBB81FC4BB}"/>
+              </a:ext>
+            </a:extLst>
+          </p:cNvPr>
+          <p:cNvSpPr>
+            <a:spLocks noGrp="1"/>
+          </p:cNvSpPr>
+          <p:nvPr>
+            <p:ph idx="1"/>
+          </p:nvPr>
+        </p:nvSpPr>
+        <p:spPr/>
+        <p:txBody>
+          <a:bodyPr/>
+          <a:lstStyle/>
+          <a:p>
+            <a:r>
+              <a:rPr lang="en-US" b="0" i="0" dirty="0">
+                <a:solidFill>
+                  <a:srgbClr val="374151"/>
+                </a:solidFill>
+                <a:effectLst/>
+                <a:latin typeface="Söhne"/>
+              </a:rPr>
+              <a:t>AWS CloudTrail is the service that enables you to review details for user activities and API calls that have occurred within your AWS environment. It provides event history of your AWS account activity, including actions taken through the AWS Management Console, AWS SDKs, command line tools, and other AWS services. </a:t>
+            </a:r>
+            <a:r>
+              <a:rPr lang="en-US" b="0" i="0">
+                <a:solidFill>
+                  <a:srgbClr val="374151"/>
+                </a:solidFill>
+                <a:effectLst/>
+                <a:latin typeface="Söhne"/>
+              </a:rPr>
+              <a:t>This event history simplifies security analysis, resource change tracking, and troubleshooting.</a:t>
+            </a:r>
+            <a:endParaRPr lang="en-US"/>
+          </a:p>
+        </p:txBody>
+      </p:sp>
+    </p:spTree>
+    <p:extLst>
+      <p:ext uri="{BB962C8B-B14F-4D97-AF65-F5344CB8AC3E}">
+        <p14:creationId xmlns:p14="http://schemas.microsoft.com/office/powerpoint/2010/main" val="4118230060"/>
+      </p:ext>
+    </p:extLst>
+  </p:cSld>
+  <p:clrMapOvr>
+    <a:masterClrMapping/>
+  </p:clrMapOvr>
+</p:sld>
+</file>
+
 <file path=ppt/slides/slide4.xml><?xml version="1.0" encoding="utf-8"?>
 <p:sld xmlns:a="http://schemas.openxmlformats.org/drawingml/2006/main" xmlns:r="http://schemas.openxmlformats.org/officeDocument/2006/relationships" xmlns:p="http://schemas.openxmlformats.org/presentationml/2006/main">
   <p:cSld>

--- a/Machine Learning Quiz Question.pptx
+++ b/Machine Learning Quiz Question.pptx
@@ -36,6 +36,13 @@
     <p:sldId id="284" r:id="rId30"/>
     <p:sldId id="285" r:id="rId31"/>
     <p:sldId id="286" r:id="rId32"/>
+    <p:sldId id="287" r:id="rId33"/>
+    <p:sldId id="288" r:id="rId34"/>
+    <p:sldId id="289" r:id="rId35"/>
+    <p:sldId id="290" r:id="rId36"/>
+    <p:sldId id="291" r:id="rId37"/>
+    <p:sldId id="292" r:id="rId38"/>
+    <p:sldId id="293" r:id="rId39"/>
   </p:sldIdLst>
   <p:sldSz cx="12192000" cy="6858000"/>
   <p:notesSz cx="6858000" cy="9144000"/>
@@ -289,7 +296,7 @@
           <a:p>
             <a:fld id="{635DE9B5-6039-4F90-B9CD-3F2F36427E48}" type="datetimeFigureOut">
               <a:rPr lang="en-US" smtClean="0"/>
-              <a:t>5/16/2023</a:t>
+              <a:t>9/8/2023</a:t>
             </a:fld>
             <a:endParaRPr lang="en-US"/>
           </a:p>
@@ -487,7 +494,7 @@
           <a:p>
             <a:fld id="{635DE9B5-6039-4F90-B9CD-3F2F36427E48}" type="datetimeFigureOut">
               <a:rPr lang="en-US" smtClean="0"/>
-              <a:t>5/16/2023</a:t>
+              <a:t>9/8/2023</a:t>
             </a:fld>
             <a:endParaRPr lang="en-US"/>
           </a:p>
@@ -695,7 +702,7 @@
           <a:p>
             <a:fld id="{635DE9B5-6039-4F90-B9CD-3F2F36427E48}" type="datetimeFigureOut">
               <a:rPr lang="en-US" smtClean="0"/>
-              <a:t>5/16/2023</a:t>
+              <a:t>9/8/2023</a:t>
             </a:fld>
             <a:endParaRPr lang="en-US"/>
           </a:p>
@@ -893,7 +900,7 @@
           <a:p>
             <a:fld id="{635DE9B5-6039-4F90-B9CD-3F2F36427E48}" type="datetimeFigureOut">
               <a:rPr lang="en-US" smtClean="0"/>
-              <a:t>5/16/2023</a:t>
+              <a:t>9/8/2023</a:t>
             </a:fld>
             <a:endParaRPr lang="en-US"/>
           </a:p>
@@ -1168,7 +1175,7 @@
           <a:p>
             <a:fld id="{635DE9B5-6039-4F90-B9CD-3F2F36427E48}" type="datetimeFigureOut">
               <a:rPr lang="en-US" smtClean="0"/>
-              <a:t>5/16/2023</a:t>
+              <a:t>9/8/2023</a:t>
             </a:fld>
             <a:endParaRPr lang="en-US"/>
           </a:p>
@@ -1433,7 +1440,7 @@
           <a:p>
             <a:fld id="{635DE9B5-6039-4F90-B9CD-3F2F36427E48}" type="datetimeFigureOut">
               <a:rPr lang="en-US" smtClean="0"/>
-              <a:t>5/16/2023</a:t>
+              <a:t>9/8/2023</a:t>
             </a:fld>
             <a:endParaRPr lang="en-US"/>
           </a:p>
@@ -1845,7 +1852,7 @@
           <a:p>
             <a:fld id="{635DE9B5-6039-4F90-B9CD-3F2F36427E48}" type="datetimeFigureOut">
               <a:rPr lang="en-US" smtClean="0"/>
-              <a:t>5/16/2023</a:t>
+              <a:t>9/8/2023</a:t>
             </a:fld>
             <a:endParaRPr lang="en-US"/>
           </a:p>
@@ -1986,7 +1993,7 @@
           <a:p>
             <a:fld id="{635DE9B5-6039-4F90-B9CD-3F2F36427E48}" type="datetimeFigureOut">
               <a:rPr lang="en-US" smtClean="0"/>
-              <a:t>5/16/2023</a:t>
+              <a:t>9/8/2023</a:t>
             </a:fld>
             <a:endParaRPr lang="en-US"/>
           </a:p>
@@ -2099,7 +2106,7 @@
           <a:p>
             <a:fld id="{635DE9B5-6039-4F90-B9CD-3F2F36427E48}" type="datetimeFigureOut">
               <a:rPr lang="en-US" smtClean="0"/>
-              <a:t>5/16/2023</a:t>
+              <a:t>9/8/2023</a:t>
             </a:fld>
             <a:endParaRPr lang="en-US"/>
           </a:p>
@@ -2410,7 +2417,7 @@
           <a:p>
             <a:fld id="{635DE9B5-6039-4F90-B9CD-3F2F36427E48}" type="datetimeFigureOut">
               <a:rPr lang="en-US" smtClean="0"/>
-              <a:t>5/16/2023</a:t>
+              <a:t>9/8/2023</a:t>
             </a:fld>
             <a:endParaRPr lang="en-US"/>
           </a:p>
@@ -2698,7 +2705,7 @@
           <a:p>
             <a:fld id="{635DE9B5-6039-4F90-B9CD-3F2F36427E48}" type="datetimeFigureOut">
               <a:rPr lang="en-US" smtClean="0"/>
-              <a:t>5/16/2023</a:t>
+              <a:t>9/8/2023</a:t>
             </a:fld>
             <a:endParaRPr lang="en-US"/>
           </a:p>
@@ -2939,7 +2946,7 @@
           <a:p>
             <a:fld id="{635DE9B5-6039-4F90-B9CD-3F2F36427E48}" type="datetimeFigureOut">
               <a:rPr lang="en-US" smtClean="0"/>
-              <a:t>5/16/2023</a:t>
+              <a:t>9/8/2023</a:t>
             </a:fld>
             <a:endParaRPr lang="en-US"/>
           </a:p>
@@ -6924,6 +6931,365 @@
 </p:sld>
 </file>
 
+<file path=ppt/slides/slide32.xml><?xml version="1.0" encoding="utf-8"?>
+<p:sld xmlns:a="http://schemas.openxmlformats.org/drawingml/2006/main" xmlns:r="http://schemas.openxmlformats.org/officeDocument/2006/relationships" xmlns:p="http://schemas.openxmlformats.org/presentationml/2006/main">
+  <p:cSld>
+    <p:spTree>
+      <p:nvGrpSpPr>
+        <p:cNvPr id="1" name=""/>
+        <p:cNvGrpSpPr/>
+        <p:nvPr/>
+      </p:nvGrpSpPr>
+      <p:grpSpPr>
+        <a:xfrm>
+          <a:off x="0" y="0"/>
+          <a:ext cx="0" cy="0"/>
+          <a:chOff x="0" y="0"/>
+          <a:chExt cx="0" cy="0"/>
+        </a:xfrm>
+      </p:grpSpPr>
+      <p:sp>
+        <p:nvSpPr>
+          <p:cNvPr id="3" name="TextBox 2">
+            <a:extLst>
+              <a:ext uri="{FF2B5EF4-FFF2-40B4-BE49-F238E27FC236}">
+                <a16:creationId xmlns:a16="http://schemas.microsoft.com/office/drawing/2014/main" id="{16902693-C905-4337-BB8F-F03949BB3CE2}"/>
+              </a:ext>
+            </a:extLst>
+          </p:cNvPr>
+          <p:cNvSpPr txBox="1"/>
+          <p:nvPr/>
+        </p:nvSpPr>
+        <p:spPr>
+          <a:xfrm>
+            <a:off x="1180708" y="1116233"/>
+            <a:ext cx="6094428" cy="3693319"/>
+          </a:xfrm>
+          <a:prstGeom prst="rect">
+            <a:avLst/>
+          </a:prstGeom>
+          <a:noFill/>
+        </p:spPr>
+        <p:txBody>
+          <a:bodyPr wrap="square">
+            <a:spAutoFit/>
+          </a:bodyPr>
+          <a:lstStyle/>
+          <a:p>
+            <a:pPr algn="l" fontAlgn="auto"/>
+            <a:r>
+              <a:rPr lang="en-US" b="1" i="0" dirty="0">
+                <a:effectLst/>
+                <a:latin typeface="-apple-system"/>
+              </a:rPr>
+              <a:t>Which of these is an example of sequential ensemble model?</a:t>
+            </a:r>
+          </a:p>
+          <a:p>
+            <a:pPr algn="l" fontAlgn="auto"/>
+            <a:endParaRPr lang="en-US" b="1" dirty="0">
+              <a:latin typeface="-apple-system"/>
+            </a:endParaRPr>
+          </a:p>
+          <a:p>
+            <a:pPr algn="l" fontAlgn="auto"/>
+            <a:endParaRPr lang="en-US" b="1" i="0" dirty="0">
+              <a:effectLst/>
+              <a:latin typeface="-apple-system"/>
+            </a:endParaRPr>
+          </a:p>
+          <a:p>
+            <a:pPr marL="342900" indent="-342900" algn="l" fontAlgn="auto">
+              <a:buAutoNum type="alphaUcPeriod"/>
+            </a:pPr>
+            <a:r>
+              <a:rPr lang="en-US" b="1" i="0" dirty="0">
+                <a:effectLst/>
+                <a:latin typeface="-apple-system"/>
+              </a:rPr>
+              <a:t>AdaBoost</a:t>
+            </a:r>
+            <a:endParaRPr lang="en-US" b="1" dirty="0">
+              <a:latin typeface="-apple-system"/>
+            </a:endParaRPr>
+          </a:p>
+          <a:p>
+            <a:pPr algn="l" fontAlgn="auto"/>
+            <a:r>
+              <a:rPr lang="en-US" b="0" i="0" dirty="0">
+                <a:effectLst/>
+                <a:latin typeface="-apple-system"/>
+              </a:rPr>
+              <a:t>B. Bootstrapping</a:t>
+            </a:r>
+          </a:p>
+          <a:p>
+            <a:pPr algn="l" fontAlgn="auto"/>
+            <a:r>
+              <a:rPr lang="en-US" b="0" i="0" dirty="0">
+                <a:effectLst/>
+                <a:latin typeface="-apple-system"/>
+              </a:rPr>
+              <a:t>21%</a:t>
+            </a:r>
+          </a:p>
+          <a:p>
+            <a:br>
+              <a:rPr lang="en-US" b="0" i="0" dirty="0">
+                <a:effectLst/>
+                <a:latin typeface="-apple-system"/>
+              </a:rPr>
+            </a:br>
+            <a:endParaRPr lang="en-US" b="1" i="0" dirty="0">
+              <a:effectLst/>
+              <a:latin typeface="-apple-system"/>
+            </a:endParaRPr>
+          </a:p>
+          <a:p>
+            <a:r>
+              <a:rPr lang="en-US" b="1" i="0" dirty="0">
+                <a:effectLst/>
+                <a:latin typeface="-apple-system"/>
+              </a:rPr>
+              <a:t>C. Random Forest</a:t>
+            </a:r>
+            <a:endParaRPr lang="en-US" b="1" dirty="0">
+              <a:latin typeface="-apple-system"/>
+            </a:endParaRPr>
+          </a:p>
+          <a:p>
+            <a:r>
+              <a:rPr lang="en-US" b="1" i="0" dirty="0">
+                <a:effectLst/>
+                <a:latin typeface="-apple-system"/>
+              </a:rPr>
+              <a:t>D. None of the above</a:t>
+            </a:r>
+          </a:p>
+          <a:p>
+            <a:endParaRPr lang="en-US" b="1" dirty="0">
+              <a:latin typeface="-apple-system"/>
+            </a:endParaRPr>
+          </a:p>
+          <a:p>
+            <a:endParaRPr lang="en-US" b="1" i="0" dirty="0">
+              <a:effectLst/>
+              <a:latin typeface="-apple-system"/>
+            </a:endParaRPr>
+          </a:p>
+          <a:p>
+            <a:r>
+              <a:rPr lang="en-US" b="1" dirty="0">
+                <a:latin typeface="-apple-system"/>
+              </a:rPr>
+              <a:t>Answer </a:t>
+            </a:r>
+            <a:r>
+              <a:rPr lang="en-US" b="1">
+                <a:latin typeface="-apple-system"/>
+              </a:rPr>
+              <a:t>id AdaBoost</a:t>
+            </a:r>
+            <a:endParaRPr lang="en-US" b="1" i="0" dirty="0">
+              <a:effectLst/>
+              <a:latin typeface="-apple-system"/>
+            </a:endParaRPr>
+          </a:p>
+        </p:txBody>
+      </p:sp>
+    </p:spTree>
+    <p:extLst>
+      <p:ext uri="{BB962C8B-B14F-4D97-AF65-F5344CB8AC3E}">
+        <p14:creationId xmlns:p14="http://schemas.microsoft.com/office/powerpoint/2010/main" val="412668617"/>
+      </p:ext>
+    </p:extLst>
+  </p:cSld>
+  <p:clrMapOvr>
+    <a:masterClrMapping/>
+  </p:clrMapOvr>
+</p:sld>
+</file>
+
+<file path=ppt/slides/slide33.xml><?xml version="1.0" encoding="utf-8"?>
+<p:sld xmlns:a="http://schemas.openxmlformats.org/drawingml/2006/main" xmlns:r="http://schemas.openxmlformats.org/officeDocument/2006/relationships" xmlns:p="http://schemas.openxmlformats.org/presentationml/2006/main">
+  <p:cSld>
+    <p:spTree>
+      <p:nvGrpSpPr>
+        <p:cNvPr id="1" name=""/>
+        <p:cNvGrpSpPr/>
+        <p:nvPr/>
+      </p:nvGrpSpPr>
+      <p:grpSpPr>
+        <a:xfrm>
+          <a:off x="0" y="0"/>
+          <a:ext cx="0" cy="0"/>
+          <a:chOff x="0" y="0"/>
+          <a:chExt cx="0" cy="0"/>
+        </a:xfrm>
+      </p:grpSpPr>
+    </p:spTree>
+    <p:extLst>
+      <p:ext uri="{BB962C8B-B14F-4D97-AF65-F5344CB8AC3E}">
+        <p14:creationId xmlns:p14="http://schemas.microsoft.com/office/powerpoint/2010/main" val="1763330573"/>
+      </p:ext>
+    </p:extLst>
+  </p:cSld>
+  <p:clrMapOvr>
+    <a:masterClrMapping/>
+  </p:clrMapOvr>
+</p:sld>
+</file>
+
+<file path=ppt/slides/slide34.xml><?xml version="1.0" encoding="utf-8"?>
+<p:sld xmlns:a="http://schemas.openxmlformats.org/drawingml/2006/main" xmlns:r="http://schemas.openxmlformats.org/officeDocument/2006/relationships" xmlns:p="http://schemas.openxmlformats.org/presentationml/2006/main">
+  <p:cSld>
+    <p:spTree>
+      <p:nvGrpSpPr>
+        <p:cNvPr id="1" name=""/>
+        <p:cNvGrpSpPr/>
+        <p:nvPr/>
+      </p:nvGrpSpPr>
+      <p:grpSpPr>
+        <a:xfrm>
+          <a:off x="0" y="0"/>
+          <a:ext cx="0" cy="0"/>
+          <a:chOff x="0" y="0"/>
+          <a:chExt cx="0" cy="0"/>
+        </a:xfrm>
+      </p:grpSpPr>
+    </p:spTree>
+    <p:extLst>
+      <p:ext uri="{BB962C8B-B14F-4D97-AF65-F5344CB8AC3E}">
+        <p14:creationId xmlns:p14="http://schemas.microsoft.com/office/powerpoint/2010/main" val="1494020475"/>
+      </p:ext>
+    </p:extLst>
+  </p:cSld>
+  <p:clrMapOvr>
+    <a:masterClrMapping/>
+  </p:clrMapOvr>
+</p:sld>
+</file>
+
+<file path=ppt/slides/slide35.xml><?xml version="1.0" encoding="utf-8"?>
+<p:sld xmlns:a="http://schemas.openxmlformats.org/drawingml/2006/main" xmlns:r="http://schemas.openxmlformats.org/officeDocument/2006/relationships" xmlns:p="http://schemas.openxmlformats.org/presentationml/2006/main">
+  <p:cSld>
+    <p:spTree>
+      <p:nvGrpSpPr>
+        <p:cNvPr id="1" name=""/>
+        <p:cNvGrpSpPr/>
+        <p:nvPr/>
+      </p:nvGrpSpPr>
+      <p:grpSpPr>
+        <a:xfrm>
+          <a:off x="0" y="0"/>
+          <a:ext cx="0" cy="0"/>
+          <a:chOff x="0" y="0"/>
+          <a:chExt cx="0" cy="0"/>
+        </a:xfrm>
+      </p:grpSpPr>
+    </p:spTree>
+    <p:extLst>
+      <p:ext uri="{BB962C8B-B14F-4D97-AF65-F5344CB8AC3E}">
+        <p14:creationId xmlns:p14="http://schemas.microsoft.com/office/powerpoint/2010/main" val="3684465806"/>
+      </p:ext>
+    </p:extLst>
+  </p:cSld>
+  <p:clrMapOvr>
+    <a:masterClrMapping/>
+  </p:clrMapOvr>
+</p:sld>
+</file>
+
+<file path=ppt/slides/slide36.xml><?xml version="1.0" encoding="utf-8"?>
+<p:sld xmlns:a="http://schemas.openxmlformats.org/drawingml/2006/main" xmlns:r="http://schemas.openxmlformats.org/officeDocument/2006/relationships" xmlns:p="http://schemas.openxmlformats.org/presentationml/2006/main">
+  <p:cSld>
+    <p:spTree>
+      <p:nvGrpSpPr>
+        <p:cNvPr id="1" name=""/>
+        <p:cNvGrpSpPr/>
+        <p:nvPr/>
+      </p:nvGrpSpPr>
+      <p:grpSpPr>
+        <a:xfrm>
+          <a:off x="0" y="0"/>
+          <a:ext cx="0" cy="0"/>
+          <a:chOff x="0" y="0"/>
+          <a:chExt cx="0" cy="0"/>
+        </a:xfrm>
+      </p:grpSpPr>
+    </p:spTree>
+    <p:extLst>
+      <p:ext uri="{BB962C8B-B14F-4D97-AF65-F5344CB8AC3E}">
+        <p14:creationId xmlns:p14="http://schemas.microsoft.com/office/powerpoint/2010/main" val="82393759"/>
+      </p:ext>
+    </p:extLst>
+  </p:cSld>
+  <p:clrMapOvr>
+    <a:masterClrMapping/>
+  </p:clrMapOvr>
+</p:sld>
+</file>
+
+<file path=ppt/slides/slide37.xml><?xml version="1.0" encoding="utf-8"?>
+<p:sld xmlns:a="http://schemas.openxmlformats.org/drawingml/2006/main" xmlns:r="http://schemas.openxmlformats.org/officeDocument/2006/relationships" xmlns:p="http://schemas.openxmlformats.org/presentationml/2006/main">
+  <p:cSld>
+    <p:spTree>
+      <p:nvGrpSpPr>
+        <p:cNvPr id="1" name=""/>
+        <p:cNvGrpSpPr/>
+        <p:nvPr/>
+      </p:nvGrpSpPr>
+      <p:grpSpPr>
+        <a:xfrm>
+          <a:off x="0" y="0"/>
+          <a:ext cx="0" cy="0"/>
+          <a:chOff x="0" y="0"/>
+          <a:chExt cx="0" cy="0"/>
+        </a:xfrm>
+      </p:grpSpPr>
+    </p:spTree>
+    <p:extLst>
+      <p:ext uri="{BB962C8B-B14F-4D97-AF65-F5344CB8AC3E}">
+        <p14:creationId xmlns:p14="http://schemas.microsoft.com/office/powerpoint/2010/main" val="1752144902"/>
+      </p:ext>
+    </p:extLst>
+  </p:cSld>
+  <p:clrMapOvr>
+    <a:masterClrMapping/>
+  </p:clrMapOvr>
+</p:sld>
+</file>
+
+<file path=ppt/slides/slide38.xml><?xml version="1.0" encoding="utf-8"?>
+<p:sld xmlns:a="http://schemas.openxmlformats.org/drawingml/2006/main" xmlns:r="http://schemas.openxmlformats.org/officeDocument/2006/relationships" xmlns:p="http://schemas.openxmlformats.org/presentationml/2006/main">
+  <p:cSld>
+    <p:spTree>
+      <p:nvGrpSpPr>
+        <p:cNvPr id="1" name=""/>
+        <p:cNvGrpSpPr/>
+        <p:nvPr/>
+      </p:nvGrpSpPr>
+      <p:grpSpPr>
+        <a:xfrm>
+          <a:off x="0" y="0"/>
+          <a:ext cx="0" cy="0"/>
+          <a:chOff x="0" y="0"/>
+          <a:chExt cx="0" cy="0"/>
+        </a:xfrm>
+      </p:grpSpPr>
+    </p:spTree>
+    <p:extLst>
+      <p:ext uri="{BB962C8B-B14F-4D97-AF65-F5344CB8AC3E}">
+        <p14:creationId xmlns:p14="http://schemas.microsoft.com/office/powerpoint/2010/main" val="1731018590"/>
+      </p:ext>
+    </p:extLst>
+  </p:cSld>
+  <p:clrMapOvr>
+    <a:masterClrMapping/>
+  </p:clrMapOvr>
+</p:sld>
+</file>
+
 <file path=ppt/slides/slide4.xml><?xml version="1.0" encoding="utf-8"?>
 <p:sld xmlns:a="http://schemas.openxmlformats.org/drawingml/2006/main" xmlns:r="http://schemas.openxmlformats.org/officeDocument/2006/relationships" xmlns:p="http://schemas.openxmlformats.org/presentationml/2006/main">
   <p:cSld>

--- a/Machine Learning Quiz Question.pptx
+++ b/Machine Learning Quiz Question.pptx
@@ -296,7 +296,7 @@
           <a:p>
             <a:fld id="{635DE9B5-6039-4F90-B9CD-3F2F36427E48}" type="datetimeFigureOut">
               <a:rPr lang="en-US" smtClean="0"/>
-              <a:t>9/8/2023</a:t>
+              <a:t>9/9/2023</a:t>
             </a:fld>
             <a:endParaRPr lang="en-US"/>
           </a:p>
@@ -494,7 +494,7 @@
           <a:p>
             <a:fld id="{635DE9B5-6039-4F90-B9CD-3F2F36427E48}" type="datetimeFigureOut">
               <a:rPr lang="en-US" smtClean="0"/>
-              <a:t>9/8/2023</a:t>
+              <a:t>9/9/2023</a:t>
             </a:fld>
             <a:endParaRPr lang="en-US"/>
           </a:p>
@@ -702,7 +702,7 @@
           <a:p>
             <a:fld id="{635DE9B5-6039-4F90-B9CD-3F2F36427E48}" type="datetimeFigureOut">
               <a:rPr lang="en-US" smtClean="0"/>
-              <a:t>9/8/2023</a:t>
+              <a:t>9/9/2023</a:t>
             </a:fld>
             <a:endParaRPr lang="en-US"/>
           </a:p>
@@ -900,7 +900,7 @@
           <a:p>
             <a:fld id="{635DE9B5-6039-4F90-B9CD-3F2F36427E48}" type="datetimeFigureOut">
               <a:rPr lang="en-US" smtClean="0"/>
-              <a:t>9/8/2023</a:t>
+              <a:t>9/9/2023</a:t>
             </a:fld>
             <a:endParaRPr lang="en-US"/>
           </a:p>
@@ -1175,7 +1175,7 @@
           <a:p>
             <a:fld id="{635DE9B5-6039-4F90-B9CD-3F2F36427E48}" type="datetimeFigureOut">
               <a:rPr lang="en-US" smtClean="0"/>
-              <a:t>9/8/2023</a:t>
+              <a:t>9/9/2023</a:t>
             </a:fld>
             <a:endParaRPr lang="en-US"/>
           </a:p>
@@ -1440,7 +1440,7 @@
           <a:p>
             <a:fld id="{635DE9B5-6039-4F90-B9CD-3F2F36427E48}" type="datetimeFigureOut">
               <a:rPr lang="en-US" smtClean="0"/>
-              <a:t>9/8/2023</a:t>
+              <a:t>9/9/2023</a:t>
             </a:fld>
             <a:endParaRPr lang="en-US"/>
           </a:p>
@@ -1852,7 +1852,7 @@
           <a:p>
             <a:fld id="{635DE9B5-6039-4F90-B9CD-3F2F36427E48}" type="datetimeFigureOut">
               <a:rPr lang="en-US" smtClean="0"/>
-              <a:t>9/8/2023</a:t>
+              <a:t>9/9/2023</a:t>
             </a:fld>
             <a:endParaRPr lang="en-US"/>
           </a:p>
@@ -1993,7 +1993,7 @@
           <a:p>
             <a:fld id="{635DE9B5-6039-4F90-B9CD-3F2F36427E48}" type="datetimeFigureOut">
               <a:rPr lang="en-US" smtClean="0"/>
-              <a:t>9/8/2023</a:t>
+              <a:t>9/9/2023</a:t>
             </a:fld>
             <a:endParaRPr lang="en-US"/>
           </a:p>
@@ -2106,7 +2106,7 @@
           <a:p>
             <a:fld id="{635DE9B5-6039-4F90-B9CD-3F2F36427E48}" type="datetimeFigureOut">
               <a:rPr lang="en-US" smtClean="0"/>
-              <a:t>9/8/2023</a:t>
+              <a:t>9/9/2023</a:t>
             </a:fld>
             <a:endParaRPr lang="en-US"/>
           </a:p>
@@ -2417,7 +2417,7 @@
           <a:p>
             <a:fld id="{635DE9B5-6039-4F90-B9CD-3F2F36427E48}" type="datetimeFigureOut">
               <a:rPr lang="en-US" smtClean="0"/>
-              <a:t>9/8/2023</a:t>
+              <a:t>9/9/2023</a:t>
             </a:fld>
             <a:endParaRPr lang="en-US"/>
           </a:p>
@@ -2705,7 +2705,7 @@
           <a:p>
             <a:fld id="{635DE9B5-6039-4F90-B9CD-3F2F36427E48}" type="datetimeFigureOut">
               <a:rPr lang="en-US" smtClean="0"/>
-              <a:t>9/8/2023</a:t>
+              <a:t>9/9/2023</a:t>
             </a:fld>
             <a:endParaRPr lang="en-US"/>
           </a:p>
@@ -2946,7 +2946,7 @@
           <a:p>
             <a:fld id="{635DE9B5-6039-4F90-B9CD-3F2F36427E48}" type="datetimeFigureOut">
               <a:rPr lang="en-US" smtClean="0"/>
-              <a:t>9/8/2023</a:t>
+              <a:t>9/9/2023</a:t>
             </a:fld>
             <a:endParaRPr lang="en-US"/>
           </a:p>
@@ -7127,6 +7127,163 @@
           <a:chExt cx="0" cy="0"/>
         </a:xfrm>
       </p:grpSpPr>
+      <p:sp>
+        <p:nvSpPr>
+          <p:cNvPr id="3" name="TextBox 2">
+            <a:extLst>
+              <a:ext uri="{FF2B5EF4-FFF2-40B4-BE49-F238E27FC236}">
+                <a16:creationId xmlns:a16="http://schemas.microsoft.com/office/drawing/2014/main" id="{358EBCD6-82ED-4CF8-8B8D-A001B1357170}"/>
+              </a:ext>
+            </a:extLst>
+          </p:cNvPr>
+          <p:cNvSpPr txBox="1"/>
+          <p:nvPr/>
+        </p:nvSpPr>
+        <p:spPr>
+          <a:xfrm>
+            <a:off x="1020452" y="968306"/>
+            <a:ext cx="6094428" cy="646331"/>
+          </a:xfrm>
+          <a:prstGeom prst="rect">
+            <a:avLst/>
+          </a:prstGeom>
+          <a:noFill/>
+        </p:spPr>
+        <p:txBody>
+          <a:bodyPr wrap="square">
+            <a:spAutoFit/>
+          </a:bodyPr>
+          <a:lstStyle/>
+          <a:p>
+            <a:pPr algn="l" fontAlgn="auto"/>
+            <a:r>
+              <a:rPr lang="en-US" b="1" i="0" dirty="0">
+                <a:effectLst/>
+                <a:latin typeface="-apple-system"/>
+              </a:rPr>
+              <a:t>Which of these is a spatial clustering algorithm?</a:t>
+            </a:r>
+            <a:br>
+              <a:rPr lang="en-US" b="1" i="0" dirty="0">
+                <a:effectLst/>
+                <a:latin typeface="-apple-system"/>
+              </a:rPr>
+            </a:br>
+            <a:r>
+              <a:rPr lang="en-US" b="1" i="0" dirty="0">
+                <a:effectLst/>
+                <a:latin typeface="-apple-system"/>
+              </a:rPr>
+              <a:t>Bonus Question: What is a spatial clustering algorithm!</a:t>
+            </a:r>
+          </a:p>
+        </p:txBody>
+      </p:sp>
+      <p:sp>
+        <p:nvSpPr>
+          <p:cNvPr id="5" name="TextBox 4">
+            <a:extLst>
+              <a:ext uri="{FF2B5EF4-FFF2-40B4-BE49-F238E27FC236}">
+                <a16:creationId xmlns:a16="http://schemas.microsoft.com/office/drawing/2014/main" id="{75297564-23E3-49D7-9FF4-0EF368F2602E}"/>
+              </a:ext>
+            </a:extLst>
+          </p:cNvPr>
+          <p:cNvSpPr txBox="1"/>
+          <p:nvPr/>
+        </p:nvSpPr>
+        <p:spPr>
+          <a:xfrm>
+            <a:off x="1029879" y="1898657"/>
+            <a:ext cx="6094428" cy="2308324"/>
+          </a:xfrm>
+          <a:prstGeom prst="rect">
+            <a:avLst/>
+          </a:prstGeom>
+          <a:noFill/>
+        </p:spPr>
+        <p:txBody>
+          <a:bodyPr wrap="square">
+            <a:spAutoFit/>
+          </a:bodyPr>
+          <a:lstStyle/>
+          <a:p>
+            <a:r>
+              <a:rPr lang="en-US" b="1" i="0" dirty="0">
+                <a:effectLst/>
+                <a:latin typeface="-apple-system"/>
+              </a:rPr>
+              <a:t>Partitioning based clustering</a:t>
+            </a:r>
+          </a:p>
+          <a:p>
+            <a:r>
+              <a:rPr lang="en-US" b="1" i="0" dirty="0">
+                <a:effectLst/>
+                <a:latin typeface="-apple-system"/>
+              </a:rPr>
+              <a:t>K-means clustering</a:t>
+            </a:r>
+            <a:endParaRPr lang="en-US" b="1" dirty="0">
+              <a:latin typeface="-apple-system"/>
+            </a:endParaRPr>
+          </a:p>
+          <a:p>
+            <a:r>
+              <a:rPr lang="en-US" b="1" i="0" dirty="0">
+                <a:effectLst/>
+                <a:latin typeface="-apple-system"/>
+              </a:rPr>
+              <a:t>Grid-based clustering</a:t>
+            </a:r>
+          </a:p>
+          <a:p>
+            <a:r>
+              <a:rPr lang="en-US" b="1" i="0" dirty="0">
+                <a:effectLst/>
+                <a:latin typeface="-apple-system"/>
+              </a:rPr>
+              <a:t>All of the above </a:t>
+            </a:r>
+            <a:endParaRPr lang="en-US" b="1" dirty="0">
+              <a:latin typeface="-apple-system"/>
+            </a:endParaRPr>
+          </a:p>
+          <a:p>
+            <a:endParaRPr lang="en-US" b="1" dirty="0">
+              <a:latin typeface="-apple-system"/>
+            </a:endParaRPr>
+          </a:p>
+          <a:p>
+            <a:endParaRPr lang="en-US" b="1" dirty="0">
+              <a:latin typeface="-apple-system"/>
+            </a:endParaRPr>
+          </a:p>
+          <a:p>
+            <a:r>
+              <a:rPr lang="en-US" b="1" dirty="0">
+                <a:latin typeface="-apple-system"/>
+              </a:rPr>
+              <a:t>Answer  </a:t>
+            </a:r>
+            <a:r>
+              <a:rPr lang="en-US" b="1">
+                <a:latin typeface="-apple-system"/>
+              </a:rPr>
+              <a:t>is  </a:t>
+            </a:r>
+            <a:r>
+              <a:rPr lang="en-US" b="1" i="0">
+                <a:effectLst/>
+                <a:latin typeface="-apple-system"/>
+              </a:rPr>
+              <a:t>Partitioning based clustering</a:t>
+            </a:r>
+          </a:p>
+          <a:p>
+            <a:endParaRPr lang="en-US" dirty="0"/>
+          </a:p>
+        </p:txBody>
+      </p:sp>
     </p:spTree>
     <p:extLst>
       <p:ext uri="{BB962C8B-B14F-4D97-AF65-F5344CB8AC3E}">

--- a/Machine Learning Quiz Question.pptx
+++ b/Machine Learning Quiz Question.pptx
@@ -296,7 +296,7 @@
           <a:p>
             <a:fld id="{635DE9B5-6039-4F90-B9CD-3F2F36427E48}" type="datetimeFigureOut">
               <a:rPr lang="en-US" smtClean="0"/>
-              <a:t>9/9/2023</a:t>
+              <a:t>9/22/2023</a:t>
             </a:fld>
             <a:endParaRPr lang="en-US"/>
           </a:p>
@@ -494,7 +494,7 @@
           <a:p>
             <a:fld id="{635DE9B5-6039-4F90-B9CD-3F2F36427E48}" type="datetimeFigureOut">
               <a:rPr lang="en-US" smtClean="0"/>
-              <a:t>9/9/2023</a:t>
+              <a:t>9/22/2023</a:t>
             </a:fld>
             <a:endParaRPr lang="en-US"/>
           </a:p>
@@ -702,7 +702,7 @@
           <a:p>
             <a:fld id="{635DE9B5-6039-4F90-B9CD-3F2F36427E48}" type="datetimeFigureOut">
               <a:rPr lang="en-US" smtClean="0"/>
-              <a:t>9/9/2023</a:t>
+              <a:t>9/22/2023</a:t>
             </a:fld>
             <a:endParaRPr lang="en-US"/>
           </a:p>
@@ -900,7 +900,7 @@
           <a:p>
             <a:fld id="{635DE9B5-6039-4F90-B9CD-3F2F36427E48}" type="datetimeFigureOut">
               <a:rPr lang="en-US" smtClean="0"/>
-              <a:t>9/9/2023</a:t>
+              <a:t>9/22/2023</a:t>
             </a:fld>
             <a:endParaRPr lang="en-US"/>
           </a:p>
@@ -1175,7 +1175,7 @@
           <a:p>
             <a:fld id="{635DE9B5-6039-4F90-B9CD-3F2F36427E48}" type="datetimeFigureOut">
               <a:rPr lang="en-US" smtClean="0"/>
-              <a:t>9/9/2023</a:t>
+              <a:t>9/22/2023</a:t>
             </a:fld>
             <a:endParaRPr lang="en-US"/>
           </a:p>
@@ -1440,7 +1440,7 @@
           <a:p>
             <a:fld id="{635DE9B5-6039-4F90-B9CD-3F2F36427E48}" type="datetimeFigureOut">
               <a:rPr lang="en-US" smtClean="0"/>
-              <a:t>9/9/2023</a:t>
+              <a:t>9/22/2023</a:t>
             </a:fld>
             <a:endParaRPr lang="en-US"/>
           </a:p>
@@ -1852,7 +1852,7 @@
           <a:p>
             <a:fld id="{635DE9B5-6039-4F90-B9CD-3F2F36427E48}" type="datetimeFigureOut">
               <a:rPr lang="en-US" smtClean="0"/>
-              <a:t>9/9/2023</a:t>
+              <a:t>9/22/2023</a:t>
             </a:fld>
             <a:endParaRPr lang="en-US"/>
           </a:p>
@@ -1993,7 +1993,7 @@
           <a:p>
             <a:fld id="{635DE9B5-6039-4F90-B9CD-3F2F36427E48}" type="datetimeFigureOut">
               <a:rPr lang="en-US" smtClean="0"/>
-              <a:t>9/9/2023</a:t>
+              <a:t>9/22/2023</a:t>
             </a:fld>
             <a:endParaRPr lang="en-US"/>
           </a:p>
@@ -2106,7 +2106,7 @@
           <a:p>
             <a:fld id="{635DE9B5-6039-4F90-B9CD-3F2F36427E48}" type="datetimeFigureOut">
               <a:rPr lang="en-US" smtClean="0"/>
-              <a:t>9/9/2023</a:t>
+              <a:t>9/22/2023</a:t>
             </a:fld>
             <a:endParaRPr lang="en-US"/>
           </a:p>
@@ -2417,7 +2417,7 @@
           <a:p>
             <a:fld id="{635DE9B5-6039-4F90-B9CD-3F2F36427E48}" type="datetimeFigureOut">
               <a:rPr lang="en-US" smtClean="0"/>
-              <a:t>9/9/2023</a:t>
+              <a:t>9/22/2023</a:t>
             </a:fld>
             <a:endParaRPr lang="en-US"/>
           </a:p>
@@ -2705,7 +2705,7 @@
           <a:p>
             <a:fld id="{635DE9B5-6039-4F90-B9CD-3F2F36427E48}" type="datetimeFigureOut">
               <a:rPr lang="en-US" smtClean="0"/>
-              <a:t>9/9/2023</a:t>
+              <a:t>9/22/2023</a:t>
             </a:fld>
             <a:endParaRPr lang="en-US"/>
           </a:p>
@@ -2782,9 +2782,12 @@
 <p:sldMaster xmlns:a="http://schemas.openxmlformats.org/drawingml/2006/main" xmlns:r="http://schemas.openxmlformats.org/officeDocument/2006/relationships" xmlns:p="http://schemas.openxmlformats.org/presentationml/2006/main">
   <p:cSld>
     <p:bg>
-      <p:bgRef idx="1001">
-        <a:schemeClr val="bg1"/>
-      </p:bgRef>
+      <p:bgPr>
+        <a:solidFill>
+          <a:srgbClr val="FFFEED"/>
+        </a:solidFill>
+        <a:effectLst/>
+      </p:bgPr>
     </p:bg>
     <p:spTree>
       <p:nvGrpSpPr>
@@ -2946,7 +2949,7 @@
           <a:p>
             <a:fld id="{635DE9B5-6039-4F90-B9CD-3F2F36427E48}" type="datetimeFigureOut">
               <a:rPr lang="en-US" smtClean="0"/>
-              <a:t>9/9/2023</a:t>
+              <a:t>9/22/2023</a:t>
             </a:fld>
             <a:endParaRPr lang="en-US"/>
           </a:p>
@@ -7314,6 +7317,319 @@
           <a:chExt cx="0" cy="0"/>
         </a:xfrm>
       </p:grpSpPr>
+      <p:sp>
+        <p:nvSpPr>
+          <p:cNvPr id="2" name="Rectangle: Rounded Corners 1">
+            <a:extLst>
+              <a:ext uri="{FF2B5EF4-FFF2-40B4-BE49-F238E27FC236}">
+                <a16:creationId xmlns:a16="http://schemas.microsoft.com/office/drawing/2014/main" id="{8DE016F8-915B-4F69-9E38-9E36F14FE534}"/>
+              </a:ext>
+            </a:extLst>
+          </p:cNvPr>
+          <p:cNvSpPr/>
+          <p:nvPr/>
+        </p:nvSpPr>
+        <p:spPr>
+          <a:xfrm>
+            <a:off x="876693" y="820132"/>
+            <a:ext cx="10586301" cy="876693"/>
+          </a:xfrm>
+          <a:prstGeom prst="roundRect">
+            <a:avLst/>
+          </a:prstGeom>
+          <a:solidFill>
+            <a:srgbClr val="45958A"/>
+          </a:solidFill>
+        </p:spPr>
+        <p:style>
+          <a:lnRef idx="2">
+            <a:schemeClr val="accent1">
+              <a:shade val="50000"/>
+            </a:schemeClr>
+          </a:lnRef>
+          <a:fillRef idx="1">
+            <a:schemeClr val="accent1"/>
+          </a:fillRef>
+          <a:effectRef idx="0">
+            <a:schemeClr val="accent1"/>
+          </a:effectRef>
+          <a:fontRef idx="minor">
+            <a:schemeClr val="lt1"/>
+          </a:fontRef>
+        </p:style>
+        <p:txBody>
+          <a:bodyPr rtlCol="0" anchor="ctr"/>
+          <a:lstStyle/>
+          <a:p>
+            <a:pPr algn="l" fontAlgn="auto"/>
+            <a:r>
+              <a:rPr lang="en-US" b="1" i="0" dirty="0">
+                <a:effectLst/>
+                <a:latin typeface="-apple-system"/>
+              </a:rPr>
+              <a:t>Which is TRUE for difference between Llama 2 and Llama1?</a:t>
+            </a:r>
+            <a:br>
+              <a:rPr lang="en-US" b="1" i="0" dirty="0">
+                <a:effectLst/>
+                <a:latin typeface="-apple-system"/>
+              </a:rPr>
+            </a:br>
+            <a:r>
+              <a:rPr lang="en-US" b="1" i="0" dirty="0" err="1">
+                <a:effectLst/>
+                <a:latin typeface="-apple-system"/>
+              </a:rPr>
+              <a:t>A.Llama</a:t>
+            </a:r>
+            <a:r>
+              <a:rPr lang="en-US" b="1" i="0" dirty="0">
+                <a:effectLst/>
+                <a:latin typeface="-apple-system"/>
+              </a:rPr>
+              <a:t> 2 has increased context length</a:t>
+            </a:r>
+            <a:br>
+              <a:rPr lang="en-US" b="1" i="0" dirty="0">
+                <a:effectLst/>
+                <a:latin typeface="-apple-system"/>
+              </a:rPr>
+            </a:br>
+            <a:r>
+              <a:rPr lang="en-US" b="1" i="0" dirty="0" err="1">
+                <a:effectLst/>
+                <a:latin typeface="-apple-system"/>
+              </a:rPr>
+              <a:t>B.Llama</a:t>
+            </a:r>
+            <a:r>
+              <a:rPr lang="en-US" b="1" i="0" dirty="0">
+                <a:effectLst/>
+                <a:latin typeface="-apple-system"/>
+              </a:rPr>
+              <a:t> 2 use grouped-context attention(GQA)</a:t>
+            </a:r>
+          </a:p>
+        </p:txBody>
+      </p:sp>
+      <p:sp>
+        <p:nvSpPr>
+          <p:cNvPr id="4" name="Rectangle: Rounded Corners 3">
+            <a:extLst>
+              <a:ext uri="{FF2B5EF4-FFF2-40B4-BE49-F238E27FC236}">
+                <a16:creationId xmlns:a16="http://schemas.microsoft.com/office/drawing/2014/main" id="{B50984B7-2FBD-46A0-8ABC-366F02506BA1}"/>
+              </a:ext>
+            </a:extLst>
+          </p:cNvPr>
+          <p:cNvSpPr/>
+          <p:nvPr/>
+        </p:nvSpPr>
+        <p:spPr>
+          <a:xfrm>
+            <a:off x="989814" y="2036190"/>
+            <a:ext cx="3383280" cy="395925"/>
+          </a:xfrm>
+          <a:prstGeom prst="roundRect">
+            <a:avLst/>
+          </a:prstGeom>
+          <a:solidFill>
+            <a:srgbClr val="BB261A"/>
+          </a:solidFill>
+        </p:spPr>
+        <p:style>
+          <a:lnRef idx="2">
+            <a:schemeClr val="accent1">
+              <a:shade val="50000"/>
+            </a:schemeClr>
+          </a:lnRef>
+          <a:fillRef idx="1">
+            <a:schemeClr val="accent1"/>
+          </a:fillRef>
+          <a:effectRef idx="0">
+            <a:schemeClr val="accent1"/>
+          </a:effectRef>
+          <a:fontRef idx="minor">
+            <a:schemeClr val="lt1"/>
+          </a:fontRef>
+        </p:style>
+        <p:txBody>
+          <a:bodyPr rtlCol="0" anchor="ctr"/>
+          <a:lstStyle/>
+          <a:p>
+            <a:r>
+              <a:rPr lang="en-US" b="1" i="0" dirty="0">
+                <a:effectLst/>
+                <a:latin typeface="-apple-system"/>
+              </a:rPr>
+              <a:t>Only A</a:t>
+            </a:r>
+            <a:endParaRPr lang="en-US" dirty="0"/>
+          </a:p>
+        </p:txBody>
+      </p:sp>
+      <p:sp>
+        <p:nvSpPr>
+          <p:cNvPr id="5" name="Rectangle: Rounded Corners 4">
+            <a:extLst>
+              <a:ext uri="{FF2B5EF4-FFF2-40B4-BE49-F238E27FC236}">
+                <a16:creationId xmlns:a16="http://schemas.microsoft.com/office/drawing/2014/main" id="{E823F100-F047-4246-9939-77C3C1CC3098}"/>
+              </a:ext>
+            </a:extLst>
+          </p:cNvPr>
+          <p:cNvSpPr/>
+          <p:nvPr/>
+        </p:nvSpPr>
+        <p:spPr>
+          <a:xfrm>
+            <a:off x="989814" y="2717015"/>
+            <a:ext cx="3383280" cy="395925"/>
+          </a:xfrm>
+          <a:prstGeom prst="roundRect">
+            <a:avLst/>
+          </a:prstGeom>
+          <a:solidFill>
+            <a:srgbClr val="D35936"/>
+          </a:solidFill>
+        </p:spPr>
+        <p:style>
+          <a:lnRef idx="2">
+            <a:schemeClr val="accent1">
+              <a:shade val="50000"/>
+            </a:schemeClr>
+          </a:lnRef>
+          <a:fillRef idx="1">
+            <a:schemeClr val="accent1"/>
+          </a:fillRef>
+          <a:effectRef idx="0">
+            <a:schemeClr val="accent1"/>
+          </a:effectRef>
+          <a:fontRef idx="minor">
+            <a:schemeClr val="lt1"/>
+          </a:fontRef>
+        </p:style>
+        <p:txBody>
+          <a:bodyPr rtlCol="0" anchor="ctr"/>
+          <a:lstStyle/>
+          <a:p>
+            <a:r>
+              <a:rPr lang="en-US" b="1" i="0" dirty="0">
+                <a:effectLst/>
+                <a:latin typeface="-apple-system"/>
+              </a:rPr>
+              <a:t>Only B</a:t>
+            </a:r>
+            <a:endParaRPr lang="en-US" dirty="0"/>
+          </a:p>
+        </p:txBody>
+      </p:sp>
+      <p:sp>
+        <p:nvSpPr>
+          <p:cNvPr id="6" name="Rectangle: Rounded Corners 5">
+            <a:extLst>
+              <a:ext uri="{FF2B5EF4-FFF2-40B4-BE49-F238E27FC236}">
+                <a16:creationId xmlns:a16="http://schemas.microsoft.com/office/drawing/2014/main" id="{7D0E8B77-9A22-4F60-A99E-0960AE666A8C}"/>
+              </a:ext>
+            </a:extLst>
+          </p:cNvPr>
+          <p:cNvSpPr/>
+          <p:nvPr/>
+        </p:nvSpPr>
+        <p:spPr>
+          <a:xfrm>
+            <a:off x="989814" y="3397840"/>
+            <a:ext cx="5212080" cy="395925"/>
+          </a:xfrm>
+          <a:prstGeom prst="roundRect">
+            <a:avLst/>
+          </a:prstGeom>
+          <a:solidFill>
+            <a:srgbClr val="F36C44"/>
+          </a:solidFill>
+        </p:spPr>
+        <p:style>
+          <a:lnRef idx="2">
+            <a:schemeClr val="accent1">
+              <a:shade val="50000"/>
+            </a:schemeClr>
+          </a:lnRef>
+          <a:fillRef idx="1">
+            <a:schemeClr val="accent1"/>
+          </a:fillRef>
+          <a:effectRef idx="0">
+            <a:schemeClr val="accent1"/>
+          </a:effectRef>
+          <a:fontRef idx="minor">
+            <a:schemeClr val="lt1"/>
+          </a:fontRef>
+        </p:style>
+        <p:txBody>
+          <a:bodyPr rtlCol="0" anchor="ctr"/>
+          <a:lstStyle/>
+          <a:p>
+            <a:r>
+              <a:rPr lang="en-US" b="1" dirty="0">
+                <a:latin typeface="-apple-system"/>
+              </a:rPr>
+              <a:t>Both A and B</a:t>
+            </a:r>
+            <a:endParaRPr lang="en-US" dirty="0"/>
+          </a:p>
+        </p:txBody>
+      </p:sp>
+      <p:sp>
+        <p:nvSpPr>
+          <p:cNvPr id="7" name="Rectangle: Rounded Corners 6">
+            <a:extLst>
+              <a:ext uri="{FF2B5EF4-FFF2-40B4-BE49-F238E27FC236}">
+                <a16:creationId xmlns:a16="http://schemas.microsoft.com/office/drawing/2014/main" id="{53673D83-8D0B-444C-BFB2-123F391E8E95}"/>
+              </a:ext>
+            </a:extLst>
+          </p:cNvPr>
+          <p:cNvSpPr/>
+          <p:nvPr/>
+        </p:nvSpPr>
+        <p:spPr>
+          <a:xfrm>
+            <a:off x="989814" y="4078666"/>
+            <a:ext cx="3383280" cy="395925"/>
+          </a:xfrm>
+          <a:prstGeom prst="roundRect">
+            <a:avLst/>
+          </a:prstGeom>
+          <a:solidFill>
+            <a:srgbClr val="B5304C"/>
+          </a:solidFill>
+        </p:spPr>
+        <p:style>
+          <a:lnRef idx="2">
+            <a:schemeClr val="accent1">
+              <a:shade val="50000"/>
+            </a:schemeClr>
+          </a:lnRef>
+          <a:fillRef idx="1">
+            <a:schemeClr val="accent1"/>
+          </a:fillRef>
+          <a:effectRef idx="0">
+            <a:schemeClr val="accent1"/>
+          </a:effectRef>
+          <a:fontRef idx="minor">
+            <a:schemeClr val="lt1"/>
+          </a:fontRef>
+        </p:style>
+        <p:txBody>
+          <a:bodyPr rtlCol="0" anchor="ctr"/>
+          <a:lstStyle/>
+          <a:p>
+            <a:r>
+              <a:rPr lang="en-US" b="1" dirty="0">
+                <a:latin typeface="-apple-system"/>
+              </a:rPr>
+              <a:t>None of the above</a:t>
+            </a:r>
+            <a:endParaRPr lang="en-US" dirty="0"/>
+          </a:p>
+        </p:txBody>
+      </p:sp>
     </p:spTree>
     <p:extLst>
       <p:ext uri="{BB962C8B-B14F-4D97-AF65-F5344CB8AC3E}">

--- a/Machine Learning Quiz Question.pptx
+++ b/Machine Learning Quiz Question.pptx
@@ -39,10 +39,11 @@
     <p:sldId id="287" r:id="rId33"/>
     <p:sldId id="288" r:id="rId34"/>
     <p:sldId id="289" r:id="rId35"/>
-    <p:sldId id="290" r:id="rId36"/>
-    <p:sldId id="291" r:id="rId37"/>
-    <p:sldId id="292" r:id="rId38"/>
-    <p:sldId id="293" r:id="rId39"/>
+    <p:sldId id="294" r:id="rId36"/>
+    <p:sldId id="290" r:id="rId37"/>
+    <p:sldId id="291" r:id="rId38"/>
+    <p:sldId id="292" r:id="rId39"/>
+    <p:sldId id="293" r:id="rId40"/>
   </p:sldIdLst>
   <p:sldSz cx="12192000" cy="6858000"/>
   <p:notesSz cx="6858000" cy="9144000"/>
@@ -7266,16 +7267,10 @@
               <a:rPr lang="en-US" b="1" dirty="0">
                 <a:latin typeface="-apple-system"/>
               </a:rPr>
-              <a:t>Answer  </a:t>
-            </a:r>
-            <a:r>
-              <a:rPr lang="en-US" b="1">
-                <a:latin typeface="-apple-system"/>
-              </a:rPr>
-              <a:t>is  </a:t>
-            </a:r>
-            <a:r>
-              <a:rPr lang="en-US" b="1" i="0">
+              <a:t>Answer  is  </a:t>
+            </a:r>
+            <a:r>
+              <a:rPr lang="en-US" b="1" i="0" dirty="0">
                 <a:effectLst/>
                 <a:latin typeface="-apple-system"/>
               </a:rPr>
@@ -7331,15 +7326,18 @@
         </p:nvSpPr>
         <p:spPr>
           <a:xfrm>
-            <a:off x="876693" y="820132"/>
+            <a:off x="631596" y="1392553"/>
             <a:ext cx="10586301" cy="876693"/>
           </a:xfrm>
           <a:prstGeom prst="roundRect">
             <a:avLst/>
           </a:prstGeom>
           <a:solidFill>
-            <a:srgbClr val="45958A"/>
+            <a:srgbClr val="D83026"/>
           </a:solidFill>
+          <a:ln>
+            <a:noFill/>
+          </a:ln>
         </p:spPr>
         <p:style>
           <a:lnRef idx="2">
@@ -7367,7 +7365,7 @@
                 <a:effectLst/>
                 <a:latin typeface="-apple-system"/>
               </a:rPr>
-              <a:t>Which is TRUE for difference between Llama 2 and Llama1?</a:t>
+              <a:t>Which of these is a spatial clustering algorithm?</a:t>
             </a:r>
             <a:br>
               <a:rPr lang="en-US" b="1" i="0" dirty="0">
@@ -7376,38 +7374,11 @@
               </a:rPr>
             </a:br>
             <a:r>
-              <a:rPr lang="en-US" b="1" i="0" dirty="0" err="1">
-                <a:effectLst/>
-                <a:latin typeface="-apple-system"/>
-              </a:rPr>
-              <a:t>A.Llama</a:t>
-            </a:r>
-            <a:r>
               <a:rPr lang="en-US" b="1" i="0" dirty="0">
                 <a:effectLst/>
                 <a:latin typeface="-apple-system"/>
               </a:rPr>
-              <a:t> 2 has increased context length</a:t>
-            </a:r>
-            <a:br>
-              <a:rPr lang="en-US" b="1" i="0" dirty="0">
-                <a:effectLst/>
-                <a:latin typeface="-apple-system"/>
-              </a:rPr>
-            </a:br>
-            <a:r>
-              <a:rPr lang="en-US" b="1" i="0" dirty="0" err="1">
-                <a:effectLst/>
-                <a:latin typeface="-apple-system"/>
-              </a:rPr>
-              <a:t>B.Llama</a:t>
-            </a:r>
-            <a:r>
-              <a:rPr lang="en-US" b="1" i="0" dirty="0">
-                <a:effectLst/>
-                <a:latin typeface="-apple-system"/>
-              </a:rPr>
-              <a:t> 2 use grouped-context attention(GQA)</a:t>
+              <a:t>Bonus Question: What is a spatial clustering algorithm!</a:t>
             </a:r>
           </a:p>
         </p:txBody>
@@ -7426,8 +7397,8 @@
         </p:nvSpPr>
         <p:spPr>
           <a:xfrm>
-            <a:off x="989814" y="2036190"/>
-            <a:ext cx="3383280" cy="395925"/>
+            <a:off x="989814" y="2733778"/>
+            <a:ext cx="5303520" cy="395925"/>
           </a:xfrm>
           <a:prstGeom prst="roundRect">
             <a:avLst/>
@@ -7435,6 +7406,9 @@
           <a:solidFill>
             <a:srgbClr val="BB261A"/>
           </a:solidFill>
+          <a:ln>
+            <a:noFill/>
+          </a:ln>
         </p:spPr>
         <p:style>
           <a:lnRef idx="2">
@@ -7457,13 +7431,16 @@
           <a:lstStyle/>
           <a:p>
             <a:r>
-              <a:rPr lang="en-US" b="1" i="0" dirty="0">
+              <a:rPr lang="en-US" b="1" i="0">
                 <a:effectLst/>
                 <a:latin typeface="-apple-system"/>
               </a:rPr>
-              <a:t>Only A</a:t>
-            </a:r>
-            <a:endParaRPr lang="en-US" dirty="0"/>
+              <a:t>Partitioning based clustering</a:t>
+            </a:r>
+            <a:endParaRPr lang="en-US" b="1" i="0" dirty="0">
+              <a:effectLst/>
+              <a:latin typeface="-apple-system"/>
+            </a:endParaRPr>
           </a:p>
         </p:txBody>
       </p:sp>
@@ -7481,7 +7458,7 @@
         </p:nvSpPr>
         <p:spPr>
           <a:xfrm>
-            <a:off x="989814" y="2717015"/>
+            <a:off x="989814" y="3182074"/>
             <a:ext cx="3383280" cy="395925"/>
           </a:xfrm>
           <a:prstGeom prst="roundRect">
@@ -7490,6 +7467,9 @@
           <a:solidFill>
             <a:srgbClr val="D35936"/>
           </a:solidFill>
+          <a:ln>
+            <a:noFill/>
+          </a:ln>
         </p:spPr>
         <p:style>
           <a:lnRef idx="2">
@@ -7512,13 +7492,15 @@
           <a:lstStyle/>
           <a:p>
             <a:r>
-              <a:rPr lang="en-US" b="1" i="0" dirty="0">
+              <a:rPr lang="en-US" b="1" i="0">
                 <a:effectLst/>
                 <a:latin typeface="-apple-system"/>
               </a:rPr>
-              <a:t>Only B</a:t>
-            </a:r>
-            <a:endParaRPr lang="en-US" dirty="0"/>
+              <a:t>K-means clustering</a:t>
+            </a:r>
+            <a:endParaRPr lang="en-US" b="1" dirty="0">
+              <a:latin typeface="-apple-system"/>
+            </a:endParaRPr>
           </a:p>
         </p:txBody>
       </p:sp>
@@ -7536,8 +7518,8 @@
         </p:nvSpPr>
         <p:spPr>
           <a:xfrm>
-            <a:off x="989814" y="3397840"/>
-            <a:ext cx="5212080" cy="395925"/>
+            <a:off x="989814" y="3630370"/>
+            <a:ext cx="3383280" cy="395925"/>
           </a:xfrm>
           <a:prstGeom prst="roundRect">
             <a:avLst/>
@@ -7545,6 +7527,9 @@
           <a:solidFill>
             <a:srgbClr val="F36C44"/>
           </a:solidFill>
+          <a:ln>
+            <a:noFill/>
+          </a:ln>
         </p:spPr>
         <p:style>
           <a:lnRef idx="2">
@@ -7567,12 +7552,16 @@
           <a:lstStyle/>
           <a:p>
             <a:r>
-              <a:rPr lang="en-US" b="1" dirty="0">
+              <a:rPr lang="en-US" b="1" i="0">
+                <a:effectLst/>
                 <a:latin typeface="-apple-system"/>
               </a:rPr>
-              <a:t>Both A and B</a:t>
-            </a:r>
-            <a:endParaRPr lang="en-US" dirty="0"/>
+              <a:t>Grid-based clustering</a:t>
+            </a:r>
+            <a:endParaRPr lang="en-US" b="1" i="0" dirty="0">
+              <a:effectLst/>
+              <a:latin typeface="-apple-system"/>
+            </a:endParaRPr>
           </a:p>
         </p:txBody>
       </p:sp>
@@ -7599,6 +7588,9 @@
           <a:solidFill>
             <a:srgbClr val="B5304C"/>
           </a:solidFill>
+          <a:ln>
+            <a:noFill/>
+          </a:ln>
         </p:spPr>
         <p:style>
           <a:lnRef idx="2">
@@ -7621,12 +7613,15 @@
           <a:lstStyle/>
           <a:p>
             <a:r>
-              <a:rPr lang="en-US" b="1" dirty="0">
+              <a:rPr lang="en-US" b="1" i="0">
+                <a:effectLst/>
                 <a:latin typeface="-apple-system"/>
               </a:rPr>
-              <a:t>None of the above</a:t>
-            </a:r>
-            <a:endParaRPr lang="en-US" dirty="0"/>
+              <a:t>All of the above </a:t>
+            </a:r>
+            <a:endParaRPr lang="en-US" b="1" dirty="0">
+              <a:latin typeface="-apple-system"/>
+            </a:endParaRPr>
           </a:p>
         </p:txBody>
       </p:sp>
@@ -7660,10 +7655,338 @@
           <a:chExt cx="0" cy="0"/>
         </a:xfrm>
       </p:grpSpPr>
+      <p:sp>
+        <p:nvSpPr>
+          <p:cNvPr id="2" name="Rectangle: Rounded Corners 1">
+            <a:extLst>
+              <a:ext uri="{FF2B5EF4-FFF2-40B4-BE49-F238E27FC236}">
+                <a16:creationId xmlns:a16="http://schemas.microsoft.com/office/drawing/2014/main" id="{8DE016F8-915B-4F69-9E38-9E36F14FE534}"/>
+              </a:ext>
+            </a:extLst>
+          </p:cNvPr>
+          <p:cNvSpPr/>
+          <p:nvPr/>
+        </p:nvSpPr>
+        <p:spPr>
+          <a:xfrm>
+            <a:off x="631596" y="1392553"/>
+            <a:ext cx="10586301" cy="876693"/>
+          </a:xfrm>
+          <a:prstGeom prst="roundRect">
+            <a:avLst/>
+          </a:prstGeom>
+          <a:solidFill>
+            <a:srgbClr val="D83026"/>
+          </a:solidFill>
+          <a:ln>
+            <a:noFill/>
+          </a:ln>
+        </p:spPr>
+        <p:style>
+          <a:lnRef idx="2">
+            <a:schemeClr val="accent1">
+              <a:shade val="50000"/>
+            </a:schemeClr>
+          </a:lnRef>
+          <a:fillRef idx="1">
+            <a:schemeClr val="accent1"/>
+          </a:fillRef>
+          <a:effectRef idx="0">
+            <a:schemeClr val="accent1"/>
+          </a:effectRef>
+          <a:fontRef idx="minor">
+            <a:schemeClr val="lt1"/>
+          </a:fontRef>
+        </p:style>
+        <p:txBody>
+          <a:bodyPr rtlCol="0" anchor="ctr"/>
+          <a:lstStyle/>
+          <a:p>
+            <a:pPr algn="l" fontAlgn="auto"/>
+            <a:r>
+              <a:rPr lang="en-US" b="1" i="0" dirty="0">
+                <a:effectLst/>
+                <a:latin typeface="-apple-system"/>
+              </a:rPr>
+              <a:t>Which is TRUE for difference between Llama 2 and Llama1?</a:t>
+            </a:r>
+            <a:br>
+              <a:rPr lang="en-US" b="1" i="0" dirty="0">
+                <a:effectLst/>
+                <a:latin typeface="-apple-system"/>
+              </a:rPr>
+            </a:br>
+            <a:r>
+              <a:rPr lang="en-US" b="1" i="0" dirty="0" err="1">
+                <a:effectLst/>
+                <a:latin typeface="-apple-system"/>
+              </a:rPr>
+              <a:t>A.Llama</a:t>
+            </a:r>
+            <a:r>
+              <a:rPr lang="en-US" b="1" i="0" dirty="0">
+                <a:effectLst/>
+                <a:latin typeface="-apple-system"/>
+              </a:rPr>
+              <a:t> 2 has increased context length</a:t>
+            </a:r>
+            <a:br>
+              <a:rPr lang="en-US" b="1" i="0" dirty="0">
+                <a:effectLst/>
+                <a:latin typeface="-apple-system"/>
+              </a:rPr>
+            </a:br>
+            <a:r>
+              <a:rPr lang="en-US" b="1" i="0" dirty="0" err="1">
+                <a:effectLst/>
+                <a:latin typeface="-apple-system"/>
+              </a:rPr>
+              <a:t>B.Llama</a:t>
+            </a:r>
+            <a:r>
+              <a:rPr lang="en-US" b="1" i="0" dirty="0">
+                <a:effectLst/>
+                <a:latin typeface="-apple-system"/>
+              </a:rPr>
+              <a:t> 2 use grouped-context attention(GQA)</a:t>
+            </a:r>
+          </a:p>
+        </p:txBody>
+      </p:sp>
+      <p:sp>
+        <p:nvSpPr>
+          <p:cNvPr id="4" name="Rectangle: Rounded Corners 3">
+            <a:extLst>
+              <a:ext uri="{FF2B5EF4-FFF2-40B4-BE49-F238E27FC236}">
+                <a16:creationId xmlns:a16="http://schemas.microsoft.com/office/drawing/2014/main" id="{B50984B7-2FBD-46A0-8ABC-366F02506BA1}"/>
+              </a:ext>
+            </a:extLst>
+          </p:cNvPr>
+          <p:cNvSpPr/>
+          <p:nvPr/>
+        </p:nvSpPr>
+        <p:spPr>
+          <a:xfrm>
+            <a:off x="989814" y="2733778"/>
+            <a:ext cx="3383280" cy="395925"/>
+          </a:xfrm>
+          <a:prstGeom prst="roundRect">
+            <a:avLst/>
+          </a:prstGeom>
+          <a:solidFill>
+            <a:srgbClr val="BB261A"/>
+          </a:solidFill>
+          <a:ln>
+            <a:noFill/>
+          </a:ln>
+        </p:spPr>
+        <p:style>
+          <a:lnRef idx="2">
+            <a:schemeClr val="accent1">
+              <a:shade val="50000"/>
+            </a:schemeClr>
+          </a:lnRef>
+          <a:fillRef idx="1">
+            <a:schemeClr val="accent1"/>
+          </a:fillRef>
+          <a:effectRef idx="0">
+            <a:schemeClr val="accent1"/>
+          </a:effectRef>
+          <a:fontRef idx="minor">
+            <a:schemeClr val="lt1"/>
+          </a:fontRef>
+        </p:style>
+        <p:txBody>
+          <a:bodyPr rtlCol="0" anchor="ctr"/>
+          <a:lstStyle/>
+          <a:p>
+            <a:r>
+              <a:rPr lang="en-US" b="1" i="0" dirty="0">
+                <a:effectLst/>
+                <a:latin typeface="-apple-system"/>
+              </a:rPr>
+              <a:t>Only A</a:t>
+            </a:r>
+            <a:endParaRPr lang="en-US" dirty="0"/>
+          </a:p>
+        </p:txBody>
+      </p:sp>
+      <p:sp>
+        <p:nvSpPr>
+          <p:cNvPr id="5" name="Rectangle: Rounded Corners 4">
+            <a:extLst>
+              <a:ext uri="{FF2B5EF4-FFF2-40B4-BE49-F238E27FC236}">
+                <a16:creationId xmlns:a16="http://schemas.microsoft.com/office/drawing/2014/main" id="{E823F100-F047-4246-9939-77C3C1CC3098}"/>
+              </a:ext>
+            </a:extLst>
+          </p:cNvPr>
+          <p:cNvSpPr/>
+          <p:nvPr/>
+        </p:nvSpPr>
+        <p:spPr>
+          <a:xfrm>
+            <a:off x="989814" y="3182074"/>
+            <a:ext cx="3383280" cy="395925"/>
+          </a:xfrm>
+          <a:prstGeom prst="roundRect">
+            <a:avLst/>
+          </a:prstGeom>
+          <a:solidFill>
+            <a:srgbClr val="D35936"/>
+          </a:solidFill>
+          <a:ln>
+            <a:noFill/>
+          </a:ln>
+        </p:spPr>
+        <p:style>
+          <a:lnRef idx="2">
+            <a:schemeClr val="accent1">
+              <a:shade val="50000"/>
+            </a:schemeClr>
+          </a:lnRef>
+          <a:fillRef idx="1">
+            <a:schemeClr val="accent1"/>
+          </a:fillRef>
+          <a:effectRef idx="0">
+            <a:schemeClr val="accent1"/>
+          </a:effectRef>
+          <a:fontRef idx="minor">
+            <a:schemeClr val="lt1"/>
+          </a:fontRef>
+        </p:style>
+        <p:txBody>
+          <a:bodyPr rtlCol="0" anchor="ctr"/>
+          <a:lstStyle/>
+          <a:p>
+            <a:r>
+              <a:rPr lang="en-US" b="1" i="0" dirty="0">
+                <a:effectLst/>
+                <a:latin typeface="-apple-system"/>
+              </a:rPr>
+              <a:t>Only B</a:t>
+            </a:r>
+            <a:endParaRPr lang="en-US" dirty="0"/>
+          </a:p>
+        </p:txBody>
+      </p:sp>
+      <p:sp>
+        <p:nvSpPr>
+          <p:cNvPr id="6" name="Rectangle: Rounded Corners 5">
+            <a:extLst>
+              <a:ext uri="{FF2B5EF4-FFF2-40B4-BE49-F238E27FC236}">
+                <a16:creationId xmlns:a16="http://schemas.microsoft.com/office/drawing/2014/main" id="{7D0E8B77-9A22-4F60-A99E-0960AE666A8C}"/>
+              </a:ext>
+            </a:extLst>
+          </p:cNvPr>
+          <p:cNvSpPr/>
+          <p:nvPr/>
+        </p:nvSpPr>
+        <p:spPr>
+          <a:xfrm>
+            <a:off x="989814" y="3630370"/>
+            <a:ext cx="5212080" cy="395925"/>
+          </a:xfrm>
+          <a:prstGeom prst="roundRect">
+            <a:avLst/>
+          </a:prstGeom>
+          <a:solidFill>
+            <a:srgbClr val="F36C44"/>
+          </a:solidFill>
+          <a:ln>
+            <a:noFill/>
+          </a:ln>
+        </p:spPr>
+        <p:style>
+          <a:lnRef idx="2">
+            <a:schemeClr val="accent1">
+              <a:shade val="50000"/>
+            </a:schemeClr>
+          </a:lnRef>
+          <a:fillRef idx="1">
+            <a:schemeClr val="accent1"/>
+          </a:fillRef>
+          <a:effectRef idx="0">
+            <a:schemeClr val="accent1"/>
+          </a:effectRef>
+          <a:fontRef idx="minor">
+            <a:schemeClr val="lt1"/>
+          </a:fontRef>
+        </p:style>
+        <p:txBody>
+          <a:bodyPr rtlCol="0" anchor="ctr"/>
+          <a:lstStyle/>
+          <a:p>
+            <a:r>
+              <a:rPr lang="en-US" b="1" dirty="0">
+                <a:latin typeface="-apple-system"/>
+              </a:rPr>
+              <a:t>Both A and B</a:t>
+            </a:r>
+            <a:endParaRPr lang="en-US" dirty="0"/>
+          </a:p>
+        </p:txBody>
+      </p:sp>
+      <p:sp>
+        <p:nvSpPr>
+          <p:cNvPr id="7" name="Rectangle: Rounded Corners 6">
+            <a:extLst>
+              <a:ext uri="{FF2B5EF4-FFF2-40B4-BE49-F238E27FC236}">
+                <a16:creationId xmlns:a16="http://schemas.microsoft.com/office/drawing/2014/main" id="{53673D83-8D0B-444C-BFB2-123F391E8E95}"/>
+              </a:ext>
+            </a:extLst>
+          </p:cNvPr>
+          <p:cNvSpPr/>
+          <p:nvPr/>
+        </p:nvSpPr>
+        <p:spPr>
+          <a:xfrm>
+            <a:off x="989814" y="4078666"/>
+            <a:ext cx="3383280" cy="395925"/>
+          </a:xfrm>
+          <a:prstGeom prst="roundRect">
+            <a:avLst/>
+          </a:prstGeom>
+          <a:solidFill>
+            <a:srgbClr val="B5304C"/>
+          </a:solidFill>
+          <a:ln>
+            <a:noFill/>
+          </a:ln>
+        </p:spPr>
+        <p:style>
+          <a:lnRef idx="2">
+            <a:schemeClr val="accent1">
+              <a:shade val="50000"/>
+            </a:schemeClr>
+          </a:lnRef>
+          <a:fillRef idx="1">
+            <a:schemeClr val="accent1"/>
+          </a:fillRef>
+          <a:effectRef idx="0">
+            <a:schemeClr val="accent1"/>
+          </a:effectRef>
+          <a:fontRef idx="minor">
+            <a:schemeClr val="lt1"/>
+          </a:fontRef>
+        </p:style>
+        <p:txBody>
+          <a:bodyPr rtlCol="0" anchor="ctr"/>
+          <a:lstStyle/>
+          <a:p>
+            <a:r>
+              <a:rPr lang="en-US" b="1" dirty="0">
+                <a:latin typeface="-apple-system"/>
+              </a:rPr>
+              <a:t>None of the above</a:t>
+            </a:r>
+            <a:endParaRPr lang="en-US" dirty="0"/>
+          </a:p>
+        </p:txBody>
+      </p:sp>
     </p:spTree>
     <p:extLst>
       <p:ext uri="{BB962C8B-B14F-4D97-AF65-F5344CB8AC3E}">
-        <p14:creationId xmlns:p14="http://schemas.microsoft.com/office/powerpoint/2010/main" val="3684465806"/>
+        <p14:creationId xmlns:p14="http://schemas.microsoft.com/office/powerpoint/2010/main" val="3016800972"/>
       </p:ext>
     </p:extLst>
   </p:cSld>
@@ -7693,7 +8016,7 @@
     </p:spTree>
     <p:extLst>
       <p:ext uri="{BB962C8B-B14F-4D97-AF65-F5344CB8AC3E}">
-        <p14:creationId xmlns:p14="http://schemas.microsoft.com/office/powerpoint/2010/main" val="82393759"/>
+        <p14:creationId xmlns:p14="http://schemas.microsoft.com/office/powerpoint/2010/main" val="3684465806"/>
       </p:ext>
     </p:extLst>
   </p:cSld>
@@ -7723,6 +8046,36 @@
     </p:spTree>
     <p:extLst>
       <p:ext uri="{BB962C8B-B14F-4D97-AF65-F5344CB8AC3E}">
+        <p14:creationId xmlns:p14="http://schemas.microsoft.com/office/powerpoint/2010/main" val="82393759"/>
+      </p:ext>
+    </p:extLst>
+  </p:cSld>
+  <p:clrMapOvr>
+    <a:masterClrMapping/>
+  </p:clrMapOvr>
+</p:sld>
+</file>
+
+<file path=ppt/slides/slide38.xml><?xml version="1.0" encoding="utf-8"?>
+<p:sld xmlns:a="http://schemas.openxmlformats.org/drawingml/2006/main" xmlns:r="http://schemas.openxmlformats.org/officeDocument/2006/relationships" xmlns:p="http://schemas.openxmlformats.org/presentationml/2006/main">
+  <p:cSld>
+    <p:spTree>
+      <p:nvGrpSpPr>
+        <p:cNvPr id="1" name=""/>
+        <p:cNvGrpSpPr/>
+        <p:nvPr/>
+      </p:nvGrpSpPr>
+      <p:grpSpPr>
+        <a:xfrm>
+          <a:off x="0" y="0"/>
+          <a:ext cx="0" cy="0"/>
+          <a:chOff x="0" y="0"/>
+          <a:chExt cx="0" cy="0"/>
+        </a:xfrm>
+      </p:grpSpPr>
+    </p:spTree>
+    <p:extLst>
+      <p:ext uri="{BB962C8B-B14F-4D97-AF65-F5344CB8AC3E}">
         <p14:creationId xmlns:p14="http://schemas.microsoft.com/office/powerpoint/2010/main" val="1752144902"/>
       </p:ext>
     </p:extLst>
@@ -7733,7 +8086,7 @@
 </p:sld>
 </file>
 
-<file path=ppt/slides/slide38.xml><?xml version="1.0" encoding="utf-8"?>
+<file path=ppt/slides/slide39.xml><?xml version="1.0" encoding="utf-8"?>
 <p:sld xmlns:a="http://schemas.openxmlformats.org/drawingml/2006/main" xmlns:r="http://schemas.openxmlformats.org/officeDocument/2006/relationships" xmlns:p="http://schemas.openxmlformats.org/presentationml/2006/main">
   <p:cSld>
     <p:spTree>

--- a/Machine Learning Quiz Question.pptx
+++ b/Machine Learning Quiz Question.pptx
@@ -40,10 +40,11 @@
     <p:sldId id="288" r:id="rId34"/>
     <p:sldId id="289" r:id="rId35"/>
     <p:sldId id="294" r:id="rId36"/>
-    <p:sldId id="290" r:id="rId37"/>
-    <p:sldId id="291" r:id="rId38"/>
-    <p:sldId id="292" r:id="rId39"/>
-    <p:sldId id="293" r:id="rId40"/>
+    <p:sldId id="295" r:id="rId37"/>
+    <p:sldId id="290" r:id="rId38"/>
+    <p:sldId id="291" r:id="rId39"/>
+    <p:sldId id="292" r:id="rId40"/>
+    <p:sldId id="293" r:id="rId41"/>
   </p:sldIdLst>
   <p:sldSz cx="12192000" cy="6858000"/>
   <p:notesSz cx="6858000" cy="9144000"/>
@@ -297,7 +298,7 @@
           <a:p>
             <a:fld id="{635DE9B5-6039-4F90-B9CD-3F2F36427E48}" type="datetimeFigureOut">
               <a:rPr lang="en-US" smtClean="0"/>
-              <a:t>9/22/2023</a:t>
+              <a:t>9/23/2023</a:t>
             </a:fld>
             <a:endParaRPr lang="en-US"/>
           </a:p>
@@ -495,7 +496,7 @@
           <a:p>
             <a:fld id="{635DE9B5-6039-4F90-B9CD-3F2F36427E48}" type="datetimeFigureOut">
               <a:rPr lang="en-US" smtClean="0"/>
-              <a:t>9/22/2023</a:t>
+              <a:t>9/23/2023</a:t>
             </a:fld>
             <a:endParaRPr lang="en-US"/>
           </a:p>
@@ -703,7 +704,7 @@
           <a:p>
             <a:fld id="{635DE9B5-6039-4F90-B9CD-3F2F36427E48}" type="datetimeFigureOut">
               <a:rPr lang="en-US" smtClean="0"/>
-              <a:t>9/22/2023</a:t>
+              <a:t>9/23/2023</a:t>
             </a:fld>
             <a:endParaRPr lang="en-US"/>
           </a:p>
@@ -901,7 +902,7 @@
           <a:p>
             <a:fld id="{635DE9B5-6039-4F90-B9CD-3F2F36427E48}" type="datetimeFigureOut">
               <a:rPr lang="en-US" smtClean="0"/>
-              <a:t>9/22/2023</a:t>
+              <a:t>9/23/2023</a:t>
             </a:fld>
             <a:endParaRPr lang="en-US"/>
           </a:p>
@@ -1176,7 +1177,7 @@
           <a:p>
             <a:fld id="{635DE9B5-6039-4F90-B9CD-3F2F36427E48}" type="datetimeFigureOut">
               <a:rPr lang="en-US" smtClean="0"/>
-              <a:t>9/22/2023</a:t>
+              <a:t>9/23/2023</a:t>
             </a:fld>
             <a:endParaRPr lang="en-US"/>
           </a:p>
@@ -1441,7 +1442,7 @@
           <a:p>
             <a:fld id="{635DE9B5-6039-4F90-B9CD-3F2F36427E48}" type="datetimeFigureOut">
               <a:rPr lang="en-US" smtClean="0"/>
-              <a:t>9/22/2023</a:t>
+              <a:t>9/23/2023</a:t>
             </a:fld>
             <a:endParaRPr lang="en-US"/>
           </a:p>
@@ -1853,7 +1854,7 @@
           <a:p>
             <a:fld id="{635DE9B5-6039-4F90-B9CD-3F2F36427E48}" type="datetimeFigureOut">
               <a:rPr lang="en-US" smtClean="0"/>
-              <a:t>9/22/2023</a:t>
+              <a:t>9/23/2023</a:t>
             </a:fld>
             <a:endParaRPr lang="en-US"/>
           </a:p>
@@ -1994,7 +1995,7 @@
           <a:p>
             <a:fld id="{635DE9B5-6039-4F90-B9CD-3F2F36427E48}" type="datetimeFigureOut">
               <a:rPr lang="en-US" smtClean="0"/>
-              <a:t>9/22/2023</a:t>
+              <a:t>9/23/2023</a:t>
             </a:fld>
             <a:endParaRPr lang="en-US"/>
           </a:p>
@@ -2107,7 +2108,7 @@
           <a:p>
             <a:fld id="{635DE9B5-6039-4F90-B9CD-3F2F36427E48}" type="datetimeFigureOut">
               <a:rPr lang="en-US" smtClean="0"/>
-              <a:t>9/22/2023</a:t>
+              <a:t>9/23/2023</a:t>
             </a:fld>
             <a:endParaRPr lang="en-US"/>
           </a:p>
@@ -2418,7 +2419,7 @@
           <a:p>
             <a:fld id="{635DE9B5-6039-4F90-B9CD-3F2F36427E48}" type="datetimeFigureOut">
               <a:rPr lang="en-US" smtClean="0"/>
-              <a:t>9/22/2023</a:t>
+              <a:t>9/23/2023</a:t>
             </a:fld>
             <a:endParaRPr lang="en-US"/>
           </a:p>
@@ -2706,7 +2707,7 @@
           <a:p>
             <a:fld id="{635DE9B5-6039-4F90-B9CD-3F2F36427E48}" type="datetimeFigureOut">
               <a:rPr lang="en-US" smtClean="0"/>
-              <a:t>9/22/2023</a:t>
+              <a:t>9/23/2023</a:t>
             </a:fld>
             <a:endParaRPr lang="en-US"/>
           </a:p>
@@ -2950,7 +2951,7 @@
           <a:p>
             <a:fld id="{635DE9B5-6039-4F90-B9CD-3F2F36427E48}" type="datetimeFigureOut">
               <a:rPr lang="en-US" smtClean="0"/>
-              <a:t>9/22/2023</a:t>
+              <a:t>9/23/2023</a:t>
             </a:fld>
             <a:endParaRPr lang="en-US"/>
           </a:p>
@@ -8013,10 +8014,341 @@
           <a:chExt cx="0" cy="0"/>
         </a:xfrm>
       </p:grpSpPr>
+      <p:sp>
+        <p:nvSpPr>
+          <p:cNvPr id="2" name="Rectangle: Rounded Corners 1">
+            <a:extLst>
+              <a:ext uri="{FF2B5EF4-FFF2-40B4-BE49-F238E27FC236}">
+                <a16:creationId xmlns:a16="http://schemas.microsoft.com/office/drawing/2014/main" id="{8DE016F8-915B-4F69-9E38-9E36F14FE534}"/>
+              </a:ext>
+            </a:extLst>
+          </p:cNvPr>
+          <p:cNvSpPr/>
+          <p:nvPr/>
+        </p:nvSpPr>
+        <p:spPr>
+          <a:xfrm>
+            <a:off x="631596" y="1392553"/>
+            <a:ext cx="10586301" cy="876693"/>
+          </a:xfrm>
+          <a:prstGeom prst="roundRect">
+            <a:avLst/>
+          </a:prstGeom>
+          <a:solidFill>
+            <a:srgbClr val="D83026"/>
+          </a:solidFill>
+          <a:ln>
+            <a:noFill/>
+          </a:ln>
+        </p:spPr>
+        <p:style>
+          <a:lnRef idx="2">
+            <a:schemeClr val="accent1">
+              <a:shade val="50000"/>
+            </a:schemeClr>
+          </a:lnRef>
+          <a:fillRef idx="1">
+            <a:schemeClr val="accent1"/>
+          </a:fillRef>
+          <a:effectRef idx="0">
+            <a:schemeClr val="accent1"/>
+          </a:effectRef>
+          <a:fontRef idx="minor">
+            <a:schemeClr val="lt1"/>
+          </a:fontRef>
+        </p:style>
+        <p:txBody>
+          <a:bodyPr rtlCol="0" anchor="ctr"/>
+          <a:lstStyle/>
+          <a:p>
+            <a:pPr algn="l" fontAlgn="auto"/>
+            <a:r>
+              <a:rPr lang="en-US" b="1" i="0" dirty="0">
+                <a:effectLst/>
+                <a:latin typeface="-apple-system"/>
+              </a:rPr>
+              <a:t>Is the given statement TRUE for Llama 2?</a:t>
+            </a:r>
+            <a:br>
+              <a:rPr lang="en-US" b="1" i="0" dirty="0">
+                <a:effectLst/>
+                <a:latin typeface="-apple-system"/>
+              </a:rPr>
+            </a:br>
+            <a:r>
+              <a:rPr lang="en-US" b="1" i="0" dirty="0">
+                <a:effectLst/>
+                <a:latin typeface="-apple-system"/>
+              </a:rPr>
+              <a:t>It uses a </a:t>
+            </a:r>
+            <a:r>
+              <a:rPr lang="en-US" b="1" i="0" dirty="0" err="1">
+                <a:effectLst/>
+                <a:latin typeface="-apple-system"/>
+              </a:rPr>
+              <a:t>Bytepair</a:t>
+            </a:r>
+            <a:r>
+              <a:rPr lang="en-US" b="1" i="0" dirty="0">
+                <a:effectLst/>
+                <a:latin typeface="-apple-system"/>
+              </a:rPr>
+              <a:t> Encoding (BPE) algorithm employing </a:t>
+            </a:r>
+            <a:r>
+              <a:rPr lang="en-US" b="1" i="0" dirty="0" err="1">
+                <a:effectLst/>
+                <a:latin typeface="-apple-system"/>
+              </a:rPr>
+              <a:t>SentencePiece</a:t>
+            </a:r>
+            <a:r>
+              <a:rPr lang="en-US" b="1" i="0" dirty="0">
+                <a:effectLst/>
+                <a:latin typeface="-apple-system"/>
+              </a:rPr>
+              <a:t> for tokenization.</a:t>
+            </a:r>
+          </a:p>
+        </p:txBody>
+      </p:sp>
+      <p:sp>
+        <p:nvSpPr>
+          <p:cNvPr id="4" name="Rectangle: Rounded Corners 3">
+            <a:extLst>
+              <a:ext uri="{FF2B5EF4-FFF2-40B4-BE49-F238E27FC236}">
+                <a16:creationId xmlns:a16="http://schemas.microsoft.com/office/drawing/2014/main" id="{B50984B7-2FBD-46A0-8ABC-366F02506BA1}"/>
+              </a:ext>
+            </a:extLst>
+          </p:cNvPr>
+          <p:cNvSpPr/>
+          <p:nvPr/>
+        </p:nvSpPr>
+        <p:spPr>
+          <a:xfrm>
+            <a:off x="989814" y="2733778"/>
+            <a:ext cx="5212080" cy="395925"/>
+          </a:xfrm>
+          <a:prstGeom prst="roundRect">
+            <a:avLst/>
+          </a:prstGeom>
+          <a:solidFill>
+            <a:srgbClr val="BB261A"/>
+          </a:solidFill>
+          <a:ln>
+            <a:noFill/>
+          </a:ln>
+        </p:spPr>
+        <p:style>
+          <a:lnRef idx="2">
+            <a:schemeClr val="accent1">
+              <a:shade val="50000"/>
+            </a:schemeClr>
+          </a:lnRef>
+          <a:fillRef idx="1">
+            <a:schemeClr val="accent1"/>
+          </a:fillRef>
+          <a:effectRef idx="0">
+            <a:schemeClr val="accent1"/>
+          </a:effectRef>
+          <a:fontRef idx="minor">
+            <a:schemeClr val="lt1"/>
+          </a:fontRef>
+        </p:style>
+        <p:txBody>
+          <a:bodyPr rtlCol="0" anchor="ctr"/>
+          <a:lstStyle/>
+          <a:p>
+            <a:r>
+              <a:rPr lang="en-US" b="1" i="0">
+                <a:effectLst/>
+                <a:latin typeface="-apple-system"/>
+              </a:rPr>
+              <a:t>A. TRUE</a:t>
+            </a:r>
+            <a:endParaRPr lang="en-US" dirty="0"/>
+          </a:p>
+        </p:txBody>
+      </p:sp>
+      <p:sp>
+        <p:nvSpPr>
+          <p:cNvPr id="5" name="Rectangle: Rounded Corners 4">
+            <a:extLst>
+              <a:ext uri="{FF2B5EF4-FFF2-40B4-BE49-F238E27FC236}">
+                <a16:creationId xmlns:a16="http://schemas.microsoft.com/office/drawing/2014/main" id="{E823F100-F047-4246-9939-77C3C1CC3098}"/>
+              </a:ext>
+            </a:extLst>
+          </p:cNvPr>
+          <p:cNvSpPr/>
+          <p:nvPr/>
+        </p:nvSpPr>
+        <p:spPr>
+          <a:xfrm>
+            <a:off x="989814" y="3182074"/>
+            <a:ext cx="3383280" cy="395925"/>
+          </a:xfrm>
+          <a:prstGeom prst="roundRect">
+            <a:avLst/>
+          </a:prstGeom>
+          <a:solidFill>
+            <a:srgbClr val="D35936"/>
+          </a:solidFill>
+          <a:ln>
+            <a:noFill/>
+          </a:ln>
+        </p:spPr>
+        <p:style>
+          <a:lnRef idx="2">
+            <a:schemeClr val="accent1">
+              <a:shade val="50000"/>
+            </a:schemeClr>
+          </a:lnRef>
+          <a:fillRef idx="1">
+            <a:schemeClr val="accent1"/>
+          </a:fillRef>
+          <a:effectRef idx="0">
+            <a:schemeClr val="accent1"/>
+          </a:effectRef>
+          <a:fontRef idx="minor">
+            <a:schemeClr val="lt1"/>
+          </a:fontRef>
+        </p:style>
+        <p:txBody>
+          <a:bodyPr rtlCol="0" anchor="ctr"/>
+          <a:lstStyle/>
+          <a:p>
+            <a:r>
+              <a:rPr lang="en-US" b="1" i="0" dirty="0">
+                <a:effectLst/>
+                <a:latin typeface="-apple-system"/>
+              </a:rPr>
+              <a:t>B. FALSE</a:t>
+            </a:r>
+            <a:endParaRPr lang="en-US" dirty="0"/>
+          </a:p>
+        </p:txBody>
+      </p:sp>
+      <p:sp>
+        <p:nvSpPr>
+          <p:cNvPr id="6" name="Rectangle: Rounded Corners 5">
+            <a:extLst>
+              <a:ext uri="{FF2B5EF4-FFF2-40B4-BE49-F238E27FC236}">
+                <a16:creationId xmlns:a16="http://schemas.microsoft.com/office/drawing/2014/main" id="{7D0E8B77-9A22-4F60-A99E-0960AE666A8C}"/>
+              </a:ext>
+            </a:extLst>
+          </p:cNvPr>
+          <p:cNvSpPr/>
+          <p:nvPr/>
+        </p:nvSpPr>
+        <p:spPr>
+          <a:xfrm>
+            <a:off x="989814" y="3630370"/>
+            <a:ext cx="3383280" cy="395925"/>
+          </a:xfrm>
+          <a:prstGeom prst="roundRect">
+            <a:avLst/>
+          </a:prstGeom>
+          <a:solidFill>
+            <a:srgbClr val="F36C44"/>
+          </a:solidFill>
+          <a:ln>
+            <a:noFill/>
+          </a:ln>
+        </p:spPr>
+        <p:style>
+          <a:lnRef idx="2">
+            <a:schemeClr val="accent1">
+              <a:shade val="50000"/>
+            </a:schemeClr>
+          </a:lnRef>
+          <a:fillRef idx="1">
+            <a:schemeClr val="accent1"/>
+          </a:fillRef>
+          <a:effectRef idx="0">
+            <a:schemeClr val="accent1"/>
+          </a:effectRef>
+          <a:fontRef idx="minor">
+            <a:schemeClr val="lt1"/>
+          </a:fontRef>
+        </p:style>
+        <p:txBody>
+          <a:bodyPr rtlCol="0" anchor="ctr"/>
+          <a:lstStyle/>
+          <a:p>
+            <a:r>
+              <a:rPr lang="en-US" b="1" i="0">
+                <a:effectLst/>
+                <a:latin typeface="-apple-system"/>
+              </a:rPr>
+              <a:t>C. Partially TRUE</a:t>
+            </a:r>
+            <a:endParaRPr lang="en-US" dirty="0"/>
+          </a:p>
+        </p:txBody>
+      </p:sp>
+      <p:sp>
+        <p:nvSpPr>
+          <p:cNvPr id="7" name="Rectangle: Rounded Corners 6">
+            <a:extLst>
+              <a:ext uri="{FF2B5EF4-FFF2-40B4-BE49-F238E27FC236}">
+                <a16:creationId xmlns:a16="http://schemas.microsoft.com/office/drawing/2014/main" id="{53673D83-8D0B-444C-BFB2-123F391E8E95}"/>
+              </a:ext>
+            </a:extLst>
+          </p:cNvPr>
+          <p:cNvSpPr/>
+          <p:nvPr/>
+        </p:nvSpPr>
+        <p:spPr>
+          <a:xfrm>
+            <a:off x="989814" y="4078666"/>
+            <a:ext cx="3383280" cy="395925"/>
+          </a:xfrm>
+          <a:prstGeom prst="roundRect">
+            <a:avLst/>
+          </a:prstGeom>
+          <a:solidFill>
+            <a:srgbClr val="B5304C"/>
+          </a:solidFill>
+          <a:ln>
+            <a:noFill/>
+          </a:ln>
+        </p:spPr>
+        <p:style>
+          <a:lnRef idx="2">
+            <a:schemeClr val="accent1">
+              <a:shade val="50000"/>
+            </a:schemeClr>
+          </a:lnRef>
+          <a:fillRef idx="1">
+            <a:schemeClr val="accent1"/>
+          </a:fillRef>
+          <a:effectRef idx="0">
+            <a:schemeClr val="accent1"/>
+          </a:effectRef>
+          <a:fontRef idx="minor">
+            <a:schemeClr val="lt1"/>
+          </a:fontRef>
+        </p:style>
+        <p:txBody>
+          <a:bodyPr rtlCol="0" anchor="ctr"/>
+          <a:lstStyle/>
+          <a:p>
+            <a:r>
+              <a:rPr lang="en-US" b="1" i="0">
+                <a:effectLst/>
+                <a:latin typeface="-apple-system"/>
+              </a:rPr>
+              <a:t>D. Cannot say!</a:t>
+            </a:r>
+            <a:endParaRPr lang="en-US" dirty="0"/>
+          </a:p>
+        </p:txBody>
+      </p:sp>
     </p:spTree>
     <p:extLst>
       <p:ext uri="{BB962C8B-B14F-4D97-AF65-F5344CB8AC3E}">
-        <p14:creationId xmlns:p14="http://schemas.microsoft.com/office/powerpoint/2010/main" val="3684465806"/>
+        <p14:creationId xmlns:p14="http://schemas.microsoft.com/office/powerpoint/2010/main" val="2499591682"/>
       </p:ext>
     </p:extLst>
   </p:cSld>
@@ -8046,7 +8378,7 @@
     </p:spTree>
     <p:extLst>
       <p:ext uri="{BB962C8B-B14F-4D97-AF65-F5344CB8AC3E}">
-        <p14:creationId xmlns:p14="http://schemas.microsoft.com/office/powerpoint/2010/main" val="82393759"/>
+        <p14:creationId xmlns:p14="http://schemas.microsoft.com/office/powerpoint/2010/main" val="3684465806"/>
       </p:ext>
     </p:extLst>
   </p:cSld>
@@ -8076,7 +8408,7 @@
     </p:spTree>
     <p:extLst>
       <p:ext uri="{BB962C8B-B14F-4D97-AF65-F5344CB8AC3E}">
-        <p14:creationId xmlns:p14="http://schemas.microsoft.com/office/powerpoint/2010/main" val="1752144902"/>
+        <p14:creationId xmlns:p14="http://schemas.microsoft.com/office/powerpoint/2010/main" val="82393759"/>
       </p:ext>
     </p:extLst>
   </p:cSld>
@@ -8106,7 +8438,7 @@
     </p:spTree>
     <p:extLst>
       <p:ext uri="{BB962C8B-B14F-4D97-AF65-F5344CB8AC3E}">
-        <p14:creationId xmlns:p14="http://schemas.microsoft.com/office/powerpoint/2010/main" val="1731018590"/>
+        <p14:creationId xmlns:p14="http://schemas.microsoft.com/office/powerpoint/2010/main" val="1752144902"/>
       </p:ext>
     </p:extLst>
   </p:cSld>
@@ -8188,6 +8520,36 @@
     <p:extLst>
       <p:ext uri="{BB962C8B-B14F-4D97-AF65-F5344CB8AC3E}">
         <p14:creationId xmlns:p14="http://schemas.microsoft.com/office/powerpoint/2010/main" val="3127899212"/>
+      </p:ext>
+    </p:extLst>
+  </p:cSld>
+  <p:clrMapOvr>
+    <a:masterClrMapping/>
+  </p:clrMapOvr>
+</p:sld>
+</file>
+
+<file path=ppt/slides/slide40.xml><?xml version="1.0" encoding="utf-8"?>
+<p:sld xmlns:a="http://schemas.openxmlformats.org/drawingml/2006/main" xmlns:r="http://schemas.openxmlformats.org/officeDocument/2006/relationships" xmlns:p="http://schemas.openxmlformats.org/presentationml/2006/main">
+  <p:cSld>
+    <p:spTree>
+      <p:nvGrpSpPr>
+        <p:cNvPr id="1" name=""/>
+        <p:cNvGrpSpPr/>
+        <p:nvPr/>
+      </p:nvGrpSpPr>
+      <p:grpSpPr>
+        <a:xfrm>
+          <a:off x="0" y="0"/>
+          <a:ext cx="0" cy="0"/>
+          <a:chOff x="0" y="0"/>
+          <a:chExt cx="0" cy="0"/>
+        </a:xfrm>
+      </p:grpSpPr>
+    </p:spTree>
+    <p:extLst>
+      <p:ext uri="{BB962C8B-B14F-4D97-AF65-F5344CB8AC3E}">
+        <p14:creationId xmlns:p14="http://schemas.microsoft.com/office/powerpoint/2010/main" val="1731018590"/>
       </p:ext>
     </p:extLst>
   </p:cSld>

--- a/Machine Learning Quiz Question.pptx
+++ b/Machine Learning Quiz Question.pptx
@@ -41,10 +41,11 @@
     <p:sldId id="289" r:id="rId35"/>
     <p:sldId id="294" r:id="rId36"/>
     <p:sldId id="295" r:id="rId37"/>
-    <p:sldId id="290" r:id="rId38"/>
-    <p:sldId id="291" r:id="rId39"/>
-    <p:sldId id="292" r:id="rId40"/>
-    <p:sldId id="293" r:id="rId41"/>
+    <p:sldId id="296" r:id="rId38"/>
+    <p:sldId id="290" r:id="rId39"/>
+    <p:sldId id="291" r:id="rId40"/>
+    <p:sldId id="292" r:id="rId41"/>
+    <p:sldId id="293" r:id="rId42"/>
   </p:sldIdLst>
   <p:sldSz cx="12192000" cy="6858000"/>
   <p:notesSz cx="6858000" cy="9144000"/>
@@ -8375,10 +8376,300 @@
           <a:chExt cx="0" cy="0"/>
         </a:xfrm>
       </p:grpSpPr>
+      <p:sp>
+        <p:nvSpPr>
+          <p:cNvPr id="2" name="Rectangle: Rounded Corners 1">
+            <a:extLst>
+              <a:ext uri="{FF2B5EF4-FFF2-40B4-BE49-F238E27FC236}">
+                <a16:creationId xmlns:a16="http://schemas.microsoft.com/office/drawing/2014/main" id="{8DE016F8-915B-4F69-9E38-9E36F14FE534}"/>
+              </a:ext>
+            </a:extLst>
+          </p:cNvPr>
+          <p:cNvSpPr/>
+          <p:nvPr/>
+        </p:nvSpPr>
+        <p:spPr>
+          <a:xfrm>
+            <a:off x="631596" y="1392553"/>
+            <a:ext cx="10586301" cy="876693"/>
+          </a:xfrm>
+          <a:prstGeom prst="roundRect">
+            <a:avLst/>
+          </a:prstGeom>
+          <a:solidFill>
+            <a:srgbClr val="D83026"/>
+          </a:solidFill>
+          <a:ln>
+            <a:noFill/>
+          </a:ln>
+        </p:spPr>
+        <p:style>
+          <a:lnRef idx="2">
+            <a:schemeClr val="accent1">
+              <a:shade val="50000"/>
+            </a:schemeClr>
+          </a:lnRef>
+          <a:fillRef idx="1">
+            <a:schemeClr val="accent1"/>
+          </a:fillRef>
+          <a:effectRef idx="0">
+            <a:schemeClr val="accent1"/>
+          </a:effectRef>
+          <a:fontRef idx="minor">
+            <a:schemeClr val="lt1"/>
+          </a:fontRef>
+        </p:style>
+        <p:txBody>
+          <a:bodyPr rtlCol="0" anchor="ctr"/>
+          <a:lstStyle/>
+          <a:p>
+            <a:pPr algn="l" fontAlgn="auto"/>
+            <a:r>
+              <a:rPr lang="en-US" b="1" i="0">
+                <a:effectLst/>
+                <a:latin typeface="-apple-system"/>
+              </a:rPr>
+              <a:t>Which is TRUE for a tree in Random Forest? It’s built on __</a:t>
+            </a:r>
+          </a:p>
+        </p:txBody>
+      </p:sp>
+      <p:sp>
+        <p:nvSpPr>
+          <p:cNvPr id="4" name="Rectangle: Rounded Corners 3">
+            <a:extLst>
+              <a:ext uri="{FF2B5EF4-FFF2-40B4-BE49-F238E27FC236}">
+                <a16:creationId xmlns:a16="http://schemas.microsoft.com/office/drawing/2014/main" id="{B50984B7-2FBD-46A0-8ABC-366F02506BA1}"/>
+              </a:ext>
+            </a:extLst>
+          </p:cNvPr>
+          <p:cNvSpPr/>
+          <p:nvPr/>
+        </p:nvSpPr>
+        <p:spPr>
+          <a:xfrm>
+            <a:off x="989814" y="2733778"/>
+            <a:ext cx="5212080" cy="395925"/>
+          </a:xfrm>
+          <a:prstGeom prst="roundRect">
+            <a:avLst/>
+          </a:prstGeom>
+          <a:solidFill>
+            <a:srgbClr val="BB261A"/>
+          </a:solidFill>
+          <a:ln>
+            <a:noFill/>
+          </a:ln>
+        </p:spPr>
+        <p:style>
+          <a:lnRef idx="2">
+            <a:schemeClr val="accent1">
+              <a:shade val="50000"/>
+            </a:schemeClr>
+          </a:lnRef>
+          <a:fillRef idx="1">
+            <a:schemeClr val="accent1"/>
+          </a:fillRef>
+          <a:effectRef idx="0">
+            <a:schemeClr val="accent1"/>
+          </a:effectRef>
+          <a:fontRef idx="minor">
+            <a:schemeClr val="lt1"/>
+          </a:fontRef>
+        </p:style>
+        <p:txBody>
+          <a:bodyPr rtlCol="0" anchor="ctr"/>
+          <a:lstStyle/>
+          <a:p>
+            <a:pPr algn="l" fontAlgn="auto"/>
+            <a:r>
+              <a:rPr lang="en-US" b="1" i="0">
+                <a:effectLst/>
+                <a:latin typeface="-apple-system"/>
+              </a:rPr>
+              <a:t>A.subset of features</a:t>
+            </a:r>
+          </a:p>
+        </p:txBody>
+      </p:sp>
+      <p:sp>
+        <p:nvSpPr>
+          <p:cNvPr id="5" name="Rectangle: Rounded Corners 4">
+            <a:extLst>
+              <a:ext uri="{FF2B5EF4-FFF2-40B4-BE49-F238E27FC236}">
+                <a16:creationId xmlns:a16="http://schemas.microsoft.com/office/drawing/2014/main" id="{E823F100-F047-4246-9939-77C3C1CC3098}"/>
+              </a:ext>
+            </a:extLst>
+          </p:cNvPr>
+          <p:cNvSpPr/>
+          <p:nvPr/>
+        </p:nvSpPr>
+        <p:spPr>
+          <a:xfrm>
+            <a:off x="989814" y="3182074"/>
+            <a:ext cx="3383280" cy="395925"/>
+          </a:xfrm>
+          <a:prstGeom prst="roundRect">
+            <a:avLst/>
+          </a:prstGeom>
+          <a:solidFill>
+            <a:srgbClr val="D35936"/>
+          </a:solidFill>
+          <a:ln>
+            <a:noFill/>
+          </a:ln>
+        </p:spPr>
+        <p:style>
+          <a:lnRef idx="2">
+            <a:schemeClr val="accent1">
+              <a:shade val="50000"/>
+            </a:schemeClr>
+          </a:lnRef>
+          <a:fillRef idx="1">
+            <a:schemeClr val="accent1"/>
+          </a:fillRef>
+          <a:effectRef idx="0">
+            <a:schemeClr val="accent1"/>
+          </a:effectRef>
+          <a:fontRef idx="minor">
+            <a:schemeClr val="lt1"/>
+          </a:fontRef>
+        </p:style>
+        <p:txBody>
+          <a:bodyPr rtlCol="0" anchor="ctr"/>
+          <a:lstStyle/>
+          <a:p>
+            <a:pPr algn="l" fontAlgn="auto"/>
+            <a:r>
+              <a:rPr lang="en-US" b="1" i="0">
+                <a:effectLst/>
+                <a:latin typeface="-apple-system"/>
+              </a:rPr>
+              <a:t>B.all features</a:t>
+            </a:r>
+          </a:p>
+        </p:txBody>
+      </p:sp>
+      <p:sp>
+        <p:nvSpPr>
+          <p:cNvPr id="6" name="Rectangle: Rounded Corners 5">
+            <a:extLst>
+              <a:ext uri="{FF2B5EF4-FFF2-40B4-BE49-F238E27FC236}">
+                <a16:creationId xmlns:a16="http://schemas.microsoft.com/office/drawing/2014/main" id="{7D0E8B77-9A22-4F60-A99E-0960AE666A8C}"/>
+              </a:ext>
+            </a:extLst>
+          </p:cNvPr>
+          <p:cNvSpPr/>
+          <p:nvPr/>
+        </p:nvSpPr>
+        <p:spPr>
+          <a:xfrm>
+            <a:off x="989814" y="3630370"/>
+            <a:ext cx="3383280" cy="395925"/>
+          </a:xfrm>
+          <a:prstGeom prst="roundRect">
+            <a:avLst/>
+          </a:prstGeom>
+          <a:solidFill>
+            <a:srgbClr val="F36C44"/>
+          </a:solidFill>
+          <a:ln>
+            <a:noFill/>
+          </a:ln>
+        </p:spPr>
+        <p:style>
+          <a:lnRef idx="2">
+            <a:schemeClr val="accent1">
+              <a:shade val="50000"/>
+            </a:schemeClr>
+          </a:lnRef>
+          <a:fillRef idx="1">
+            <a:schemeClr val="accent1"/>
+          </a:fillRef>
+          <a:effectRef idx="0">
+            <a:schemeClr val="accent1"/>
+          </a:effectRef>
+          <a:fontRef idx="minor">
+            <a:schemeClr val="lt1"/>
+          </a:fontRef>
+        </p:style>
+        <p:txBody>
+          <a:bodyPr rtlCol="0" anchor="ctr"/>
+          <a:lstStyle/>
+          <a:p>
+            <a:pPr algn="l" fontAlgn="auto"/>
+            <a:r>
+              <a:rPr lang="en-US" b="1" i="0">
+                <a:effectLst/>
+                <a:latin typeface="-apple-system"/>
+              </a:rPr>
+              <a:t>C.subset of observations</a:t>
+            </a:r>
+          </a:p>
+        </p:txBody>
+      </p:sp>
+      <p:sp>
+        <p:nvSpPr>
+          <p:cNvPr id="7" name="Rectangle: Rounded Corners 6">
+            <a:extLst>
+              <a:ext uri="{FF2B5EF4-FFF2-40B4-BE49-F238E27FC236}">
+                <a16:creationId xmlns:a16="http://schemas.microsoft.com/office/drawing/2014/main" id="{53673D83-8D0B-444C-BFB2-123F391E8E95}"/>
+              </a:ext>
+            </a:extLst>
+          </p:cNvPr>
+          <p:cNvSpPr/>
+          <p:nvPr/>
+        </p:nvSpPr>
+        <p:spPr>
+          <a:xfrm>
+            <a:off x="989814" y="4078666"/>
+            <a:ext cx="3383280" cy="395925"/>
+          </a:xfrm>
+          <a:prstGeom prst="roundRect">
+            <a:avLst/>
+          </a:prstGeom>
+          <a:solidFill>
+            <a:srgbClr val="B5304C"/>
+          </a:solidFill>
+          <a:ln>
+            <a:noFill/>
+          </a:ln>
+        </p:spPr>
+        <p:style>
+          <a:lnRef idx="2">
+            <a:schemeClr val="accent1">
+              <a:shade val="50000"/>
+            </a:schemeClr>
+          </a:lnRef>
+          <a:fillRef idx="1">
+            <a:schemeClr val="accent1"/>
+          </a:fillRef>
+          <a:effectRef idx="0">
+            <a:schemeClr val="accent1"/>
+          </a:effectRef>
+          <a:fontRef idx="minor">
+            <a:schemeClr val="lt1"/>
+          </a:fontRef>
+        </p:style>
+        <p:txBody>
+          <a:bodyPr rtlCol="0" anchor="ctr"/>
+          <a:lstStyle/>
+          <a:p>
+            <a:pPr algn="l" fontAlgn="auto"/>
+            <a:r>
+              <a:rPr lang="en-US" b="1" i="0">
+                <a:effectLst/>
+                <a:latin typeface="-apple-system"/>
+              </a:rPr>
+              <a:t>D.All observations</a:t>
+            </a:r>
+          </a:p>
+        </p:txBody>
+      </p:sp>
     </p:spTree>
     <p:extLst>
       <p:ext uri="{BB962C8B-B14F-4D97-AF65-F5344CB8AC3E}">
-        <p14:creationId xmlns:p14="http://schemas.microsoft.com/office/powerpoint/2010/main" val="3684465806"/>
+        <p14:creationId xmlns:p14="http://schemas.microsoft.com/office/powerpoint/2010/main" val="439647564"/>
       </p:ext>
     </p:extLst>
   </p:cSld>
@@ -8408,7 +8699,7 @@
     </p:spTree>
     <p:extLst>
       <p:ext uri="{BB962C8B-B14F-4D97-AF65-F5344CB8AC3E}">
-        <p14:creationId xmlns:p14="http://schemas.microsoft.com/office/powerpoint/2010/main" val="82393759"/>
+        <p14:creationId xmlns:p14="http://schemas.microsoft.com/office/powerpoint/2010/main" val="3684465806"/>
       </p:ext>
     </p:extLst>
   </p:cSld>
@@ -8438,7 +8729,7 @@
     </p:spTree>
     <p:extLst>
       <p:ext uri="{BB962C8B-B14F-4D97-AF65-F5344CB8AC3E}">
-        <p14:creationId xmlns:p14="http://schemas.microsoft.com/office/powerpoint/2010/main" val="1752144902"/>
+        <p14:creationId xmlns:p14="http://schemas.microsoft.com/office/powerpoint/2010/main" val="82393759"/>
       </p:ext>
     </p:extLst>
   </p:cSld>
@@ -8530,6 +8821,36 @@
 </file>
 
 <file path=ppt/slides/slide40.xml><?xml version="1.0" encoding="utf-8"?>
+<p:sld xmlns:a="http://schemas.openxmlformats.org/drawingml/2006/main" xmlns:r="http://schemas.openxmlformats.org/officeDocument/2006/relationships" xmlns:p="http://schemas.openxmlformats.org/presentationml/2006/main">
+  <p:cSld>
+    <p:spTree>
+      <p:nvGrpSpPr>
+        <p:cNvPr id="1" name=""/>
+        <p:cNvGrpSpPr/>
+        <p:nvPr/>
+      </p:nvGrpSpPr>
+      <p:grpSpPr>
+        <a:xfrm>
+          <a:off x="0" y="0"/>
+          <a:ext cx="0" cy="0"/>
+          <a:chOff x="0" y="0"/>
+          <a:chExt cx="0" cy="0"/>
+        </a:xfrm>
+      </p:grpSpPr>
+    </p:spTree>
+    <p:extLst>
+      <p:ext uri="{BB962C8B-B14F-4D97-AF65-F5344CB8AC3E}">
+        <p14:creationId xmlns:p14="http://schemas.microsoft.com/office/powerpoint/2010/main" val="1752144902"/>
+      </p:ext>
+    </p:extLst>
+  </p:cSld>
+  <p:clrMapOvr>
+    <a:masterClrMapping/>
+  </p:clrMapOvr>
+</p:sld>
+</file>
+
+<file path=ppt/slides/slide41.xml><?xml version="1.0" encoding="utf-8"?>
 <p:sld xmlns:a="http://schemas.openxmlformats.org/drawingml/2006/main" xmlns:r="http://schemas.openxmlformats.org/officeDocument/2006/relationships" xmlns:p="http://schemas.openxmlformats.org/presentationml/2006/main">
   <p:cSld>
     <p:spTree>

--- a/Machine Learning Quiz Question.pptx
+++ b/Machine Learning Quiz Question.pptx
@@ -42,10 +42,11 @@
     <p:sldId id="294" r:id="rId36"/>
     <p:sldId id="295" r:id="rId37"/>
     <p:sldId id="296" r:id="rId38"/>
-    <p:sldId id="290" r:id="rId39"/>
-    <p:sldId id="291" r:id="rId40"/>
-    <p:sldId id="292" r:id="rId41"/>
-    <p:sldId id="293" r:id="rId42"/>
+    <p:sldId id="297" r:id="rId39"/>
+    <p:sldId id="290" r:id="rId40"/>
+    <p:sldId id="291" r:id="rId41"/>
+    <p:sldId id="292" r:id="rId42"/>
+    <p:sldId id="293" r:id="rId43"/>
   </p:sldIdLst>
   <p:sldSz cx="12192000" cy="6858000"/>
   <p:notesSz cx="6858000" cy="9144000"/>
@@ -299,7 +300,7 @@
           <a:p>
             <a:fld id="{635DE9B5-6039-4F90-B9CD-3F2F36427E48}" type="datetimeFigureOut">
               <a:rPr lang="en-US" smtClean="0"/>
-              <a:t>9/23/2023</a:t>
+              <a:t>9/24/2023</a:t>
             </a:fld>
             <a:endParaRPr lang="en-US"/>
           </a:p>
@@ -497,7 +498,7 @@
           <a:p>
             <a:fld id="{635DE9B5-6039-4F90-B9CD-3F2F36427E48}" type="datetimeFigureOut">
               <a:rPr lang="en-US" smtClean="0"/>
-              <a:t>9/23/2023</a:t>
+              <a:t>9/24/2023</a:t>
             </a:fld>
             <a:endParaRPr lang="en-US"/>
           </a:p>
@@ -705,7 +706,7 @@
           <a:p>
             <a:fld id="{635DE9B5-6039-4F90-B9CD-3F2F36427E48}" type="datetimeFigureOut">
               <a:rPr lang="en-US" smtClean="0"/>
-              <a:t>9/23/2023</a:t>
+              <a:t>9/24/2023</a:t>
             </a:fld>
             <a:endParaRPr lang="en-US"/>
           </a:p>
@@ -903,7 +904,7 @@
           <a:p>
             <a:fld id="{635DE9B5-6039-4F90-B9CD-3F2F36427E48}" type="datetimeFigureOut">
               <a:rPr lang="en-US" smtClean="0"/>
-              <a:t>9/23/2023</a:t>
+              <a:t>9/24/2023</a:t>
             </a:fld>
             <a:endParaRPr lang="en-US"/>
           </a:p>
@@ -1178,7 +1179,7 @@
           <a:p>
             <a:fld id="{635DE9B5-6039-4F90-B9CD-3F2F36427E48}" type="datetimeFigureOut">
               <a:rPr lang="en-US" smtClean="0"/>
-              <a:t>9/23/2023</a:t>
+              <a:t>9/24/2023</a:t>
             </a:fld>
             <a:endParaRPr lang="en-US"/>
           </a:p>
@@ -1443,7 +1444,7 @@
           <a:p>
             <a:fld id="{635DE9B5-6039-4F90-B9CD-3F2F36427E48}" type="datetimeFigureOut">
               <a:rPr lang="en-US" smtClean="0"/>
-              <a:t>9/23/2023</a:t>
+              <a:t>9/24/2023</a:t>
             </a:fld>
             <a:endParaRPr lang="en-US"/>
           </a:p>
@@ -1855,7 +1856,7 @@
           <a:p>
             <a:fld id="{635DE9B5-6039-4F90-B9CD-3F2F36427E48}" type="datetimeFigureOut">
               <a:rPr lang="en-US" smtClean="0"/>
-              <a:t>9/23/2023</a:t>
+              <a:t>9/24/2023</a:t>
             </a:fld>
             <a:endParaRPr lang="en-US"/>
           </a:p>
@@ -1996,7 +1997,7 @@
           <a:p>
             <a:fld id="{635DE9B5-6039-4F90-B9CD-3F2F36427E48}" type="datetimeFigureOut">
               <a:rPr lang="en-US" smtClean="0"/>
-              <a:t>9/23/2023</a:t>
+              <a:t>9/24/2023</a:t>
             </a:fld>
             <a:endParaRPr lang="en-US"/>
           </a:p>
@@ -2109,7 +2110,7 @@
           <a:p>
             <a:fld id="{635DE9B5-6039-4F90-B9CD-3F2F36427E48}" type="datetimeFigureOut">
               <a:rPr lang="en-US" smtClean="0"/>
-              <a:t>9/23/2023</a:t>
+              <a:t>9/24/2023</a:t>
             </a:fld>
             <a:endParaRPr lang="en-US"/>
           </a:p>
@@ -2420,7 +2421,7 @@
           <a:p>
             <a:fld id="{635DE9B5-6039-4F90-B9CD-3F2F36427E48}" type="datetimeFigureOut">
               <a:rPr lang="en-US" smtClean="0"/>
-              <a:t>9/23/2023</a:t>
+              <a:t>9/24/2023</a:t>
             </a:fld>
             <a:endParaRPr lang="en-US"/>
           </a:p>
@@ -2708,7 +2709,7 @@
           <a:p>
             <a:fld id="{635DE9B5-6039-4F90-B9CD-3F2F36427E48}" type="datetimeFigureOut">
               <a:rPr lang="en-US" smtClean="0"/>
-              <a:t>9/23/2023</a:t>
+              <a:t>9/24/2023</a:t>
             </a:fld>
             <a:endParaRPr lang="en-US"/>
           </a:p>
@@ -2952,7 +2953,7 @@
           <a:p>
             <a:fld id="{635DE9B5-6039-4F90-B9CD-3F2F36427E48}" type="datetimeFigureOut">
               <a:rPr lang="en-US" smtClean="0"/>
-              <a:t>9/23/2023</a:t>
+              <a:t>9/24/2023</a:t>
             </a:fld>
             <a:endParaRPr lang="en-US"/>
           </a:p>
@@ -8696,10 +8697,365 @@
           <a:chExt cx="0" cy="0"/>
         </a:xfrm>
       </p:grpSpPr>
+      <p:sp>
+        <p:nvSpPr>
+          <p:cNvPr id="2" name="Rectangle: Rounded Corners 1">
+            <a:extLst>
+              <a:ext uri="{FF2B5EF4-FFF2-40B4-BE49-F238E27FC236}">
+                <a16:creationId xmlns:a16="http://schemas.microsoft.com/office/drawing/2014/main" id="{8DE016F8-915B-4F69-9E38-9E36F14FE534}"/>
+              </a:ext>
+            </a:extLst>
+          </p:cNvPr>
+          <p:cNvSpPr/>
+          <p:nvPr/>
+        </p:nvSpPr>
+        <p:spPr>
+          <a:xfrm>
+            <a:off x="631596" y="1392553"/>
+            <a:ext cx="10586301" cy="876693"/>
+          </a:xfrm>
+          <a:prstGeom prst="roundRect">
+            <a:avLst/>
+          </a:prstGeom>
+          <a:solidFill>
+            <a:srgbClr val="D83026"/>
+          </a:solidFill>
+          <a:ln>
+            <a:noFill/>
+          </a:ln>
+        </p:spPr>
+        <p:style>
+          <a:lnRef idx="2">
+            <a:schemeClr val="accent1">
+              <a:shade val="50000"/>
+            </a:schemeClr>
+          </a:lnRef>
+          <a:fillRef idx="1">
+            <a:schemeClr val="accent1"/>
+          </a:fillRef>
+          <a:effectRef idx="0">
+            <a:schemeClr val="accent1"/>
+          </a:effectRef>
+          <a:fontRef idx="minor">
+            <a:schemeClr val="lt1"/>
+          </a:fontRef>
+        </p:style>
+        <p:txBody>
+          <a:bodyPr rtlCol="0" anchor="ctr"/>
+          <a:lstStyle/>
+          <a:p>
+            <a:pPr algn="l" fontAlgn="auto"/>
+            <a:r>
+              <a:rPr lang="en-US" b="1" i="0" dirty="0">
+                <a:effectLst/>
+                <a:latin typeface="-apple-system"/>
+              </a:rPr>
+              <a:t>Which is TRUE for </a:t>
+            </a:r>
+            <a:r>
+              <a:rPr lang="en-US" b="1" i="0" dirty="0" err="1">
+                <a:effectLst/>
+                <a:latin typeface="-apple-system"/>
+              </a:rPr>
+              <a:t>max_depth</a:t>
+            </a:r>
+            <a:r>
+              <a:rPr lang="en-US" b="1" i="0" dirty="0">
+                <a:effectLst/>
+                <a:latin typeface="-apple-system"/>
+              </a:rPr>
+              <a:t> in Gradient Boost?</a:t>
+            </a:r>
+            <a:br>
+              <a:rPr lang="en-US" b="1" i="0" dirty="0">
+                <a:effectLst/>
+                <a:latin typeface="-apple-system"/>
+              </a:rPr>
+            </a:br>
+            <a:r>
+              <a:rPr lang="en-US" b="1" i="0" dirty="0" err="1">
+                <a:effectLst/>
+                <a:latin typeface="-apple-system"/>
+              </a:rPr>
+              <a:t>A.Lower</a:t>
+            </a:r>
+            <a:r>
+              <a:rPr lang="en-US" b="1" i="0" dirty="0">
+                <a:effectLst/>
+                <a:latin typeface="-apple-system"/>
+              </a:rPr>
+              <a:t> value is better for same validation accuracy</a:t>
+            </a:r>
+            <a:br>
+              <a:rPr lang="en-US" b="1" i="0" dirty="0">
+                <a:effectLst/>
+                <a:latin typeface="-apple-system"/>
+              </a:rPr>
+            </a:br>
+            <a:r>
+              <a:rPr lang="en-US" b="1" i="0" dirty="0" err="1">
+                <a:effectLst/>
+                <a:latin typeface="-apple-system"/>
+              </a:rPr>
+              <a:t>B.Increasing</a:t>
+            </a:r>
+            <a:r>
+              <a:rPr lang="en-US" b="1" i="0" dirty="0">
+                <a:effectLst/>
+                <a:latin typeface="-apple-system"/>
+              </a:rPr>
+              <a:t> its value may underfit data</a:t>
+            </a:r>
+          </a:p>
+        </p:txBody>
+      </p:sp>
+      <p:sp>
+        <p:nvSpPr>
+          <p:cNvPr id="4" name="Rectangle: Rounded Corners 3">
+            <a:extLst>
+              <a:ext uri="{FF2B5EF4-FFF2-40B4-BE49-F238E27FC236}">
+                <a16:creationId xmlns:a16="http://schemas.microsoft.com/office/drawing/2014/main" id="{B50984B7-2FBD-46A0-8ABC-366F02506BA1}"/>
+              </a:ext>
+            </a:extLst>
+          </p:cNvPr>
+          <p:cNvSpPr/>
+          <p:nvPr/>
+        </p:nvSpPr>
+        <p:spPr>
+          <a:xfrm>
+            <a:off x="989814" y="2733778"/>
+            <a:ext cx="5212080" cy="395925"/>
+          </a:xfrm>
+          <a:prstGeom prst="roundRect">
+            <a:avLst/>
+          </a:prstGeom>
+          <a:solidFill>
+            <a:srgbClr val="BB261A"/>
+          </a:solidFill>
+          <a:ln>
+            <a:noFill/>
+          </a:ln>
+        </p:spPr>
+        <p:style>
+          <a:lnRef idx="2">
+            <a:schemeClr val="accent1">
+              <a:shade val="50000"/>
+            </a:schemeClr>
+          </a:lnRef>
+          <a:fillRef idx="1">
+            <a:schemeClr val="accent1"/>
+          </a:fillRef>
+          <a:effectRef idx="0">
+            <a:schemeClr val="accent1"/>
+          </a:effectRef>
+          <a:fontRef idx="minor">
+            <a:schemeClr val="lt1"/>
+          </a:fontRef>
+        </p:style>
+        <p:txBody>
+          <a:bodyPr rtlCol="0" anchor="ctr"/>
+          <a:lstStyle/>
+          <a:p>
+            <a:pPr algn="l" fontAlgn="auto"/>
+            <a:r>
+              <a:rPr lang="en-US" b="1" i="0">
+                <a:effectLst/>
+                <a:latin typeface="-apple-system"/>
+              </a:rPr>
+              <a:t>Only A</a:t>
+            </a:r>
+          </a:p>
+        </p:txBody>
+      </p:sp>
+      <p:sp>
+        <p:nvSpPr>
+          <p:cNvPr id="5" name="Rectangle: Rounded Corners 4">
+            <a:extLst>
+              <a:ext uri="{FF2B5EF4-FFF2-40B4-BE49-F238E27FC236}">
+                <a16:creationId xmlns:a16="http://schemas.microsoft.com/office/drawing/2014/main" id="{E823F100-F047-4246-9939-77C3C1CC3098}"/>
+              </a:ext>
+            </a:extLst>
+          </p:cNvPr>
+          <p:cNvSpPr/>
+          <p:nvPr/>
+        </p:nvSpPr>
+        <p:spPr>
+          <a:xfrm>
+            <a:off x="989814" y="3182074"/>
+            <a:ext cx="3383280" cy="395925"/>
+          </a:xfrm>
+          <a:prstGeom prst="roundRect">
+            <a:avLst/>
+          </a:prstGeom>
+          <a:solidFill>
+            <a:srgbClr val="D35936"/>
+          </a:solidFill>
+          <a:ln>
+            <a:noFill/>
+          </a:ln>
+        </p:spPr>
+        <p:style>
+          <a:lnRef idx="2">
+            <a:schemeClr val="accent1">
+              <a:shade val="50000"/>
+            </a:schemeClr>
+          </a:lnRef>
+          <a:fillRef idx="1">
+            <a:schemeClr val="accent1"/>
+          </a:fillRef>
+          <a:effectRef idx="0">
+            <a:schemeClr val="accent1"/>
+          </a:effectRef>
+          <a:fontRef idx="minor">
+            <a:schemeClr val="lt1"/>
+          </a:fontRef>
+        </p:style>
+        <p:txBody>
+          <a:bodyPr rtlCol="0" anchor="ctr"/>
+          <a:lstStyle/>
+          <a:p>
+            <a:pPr algn="l" fontAlgn="auto"/>
+            <a:r>
+              <a:rPr lang="en-US" b="1" i="0">
+                <a:effectLst/>
+                <a:latin typeface="-apple-system"/>
+              </a:rPr>
+              <a:t>Only B</a:t>
+            </a:r>
+          </a:p>
+        </p:txBody>
+      </p:sp>
+      <p:sp>
+        <p:nvSpPr>
+          <p:cNvPr id="6" name="Rectangle: Rounded Corners 5">
+            <a:extLst>
+              <a:ext uri="{FF2B5EF4-FFF2-40B4-BE49-F238E27FC236}">
+                <a16:creationId xmlns:a16="http://schemas.microsoft.com/office/drawing/2014/main" id="{7D0E8B77-9A22-4F60-A99E-0960AE666A8C}"/>
+              </a:ext>
+            </a:extLst>
+          </p:cNvPr>
+          <p:cNvSpPr/>
+          <p:nvPr/>
+        </p:nvSpPr>
+        <p:spPr>
+          <a:xfrm>
+            <a:off x="989814" y="3630370"/>
+            <a:ext cx="3383280" cy="395925"/>
+          </a:xfrm>
+          <a:prstGeom prst="roundRect">
+            <a:avLst/>
+          </a:prstGeom>
+          <a:solidFill>
+            <a:srgbClr val="F36C44"/>
+          </a:solidFill>
+          <a:ln>
+            <a:noFill/>
+          </a:ln>
+        </p:spPr>
+        <p:style>
+          <a:lnRef idx="2">
+            <a:schemeClr val="accent1">
+              <a:shade val="50000"/>
+            </a:schemeClr>
+          </a:lnRef>
+          <a:fillRef idx="1">
+            <a:schemeClr val="accent1"/>
+          </a:fillRef>
+          <a:effectRef idx="0">
+            <a:schemeClr val="accent1"/>
+          </a:effectRef>
+          <a:fontRef idx="minor">
+            <a:schemeClr val="lt1"/>
+          </a:fontRef>
+        </p:style>
+        <p:txBody>
+          <a:bodyPr rtlCol="0" anchor="ctr"/>
+          <a:lstStyle/>
+          <a:p>
+            <a:pPr algn="l" fontAlgn="auto"/>
+            <a:r>
+              <a:rPr lang="en-US" b="1" i="0">
+                <a:effectLst/>
+                <a:latin typeface="-apple-system"/>
+              </a:rPr>
+              <a:t>Both A and B</a:t>
+            </a:r>
+          </a:p>
+        </p:txBody>
+      </p:sp>
+      <p:sp>
+        <p:nvSpPr>
+          <p:cNvPr id="7" name="Rectangle: Rounded Corners 6">
+            <a:extLst>
+              <a:ext uri="{FF2B5EF4-FFF2-40B4-BE49-F238E27FC236}">
+                <a16:creationId xmlns:a16="http://schemas.microsoft.com/office/drawing/2014/main" id="{53673D83-8D0B-444C-BFB2-123F391E8E95}"/>
+              </a:ext>
+            </a:extLst>
+          </p:cNvPr>
+          <p:cNvSpPr/>
+          <p:nvPr/>
+        </p:nvSpPr>
+        <p:spPr>
+          <a:xfrm>
+            <a:off x="989814" y="4078666"/>
+            <a:ext cx="3383280" cy="395925"/>
+          </a:xfrm>
+          <a:prstGeom prst="roundRect">
+            <a:avLst/>
+          </a:prstGeom>
+          <a:solidFill>
+            <a:srgbClr val="B5304C"/>
+          </a:solidFill>
+          <a:ln>
+            <a:noFill/>
+          </a:ln>
+        </p:spPr>
+        <p:style>
+          <a:lnRef idx="2">
+            <a:schemeClr val="accent1">
+              <a:shade val="50000"/>
+            </a:schemeClr>
+          </a:lnRef>
+          <a:fillRef idx="1">
+            <a:schemeClr val="accent1"/>
+          </a:fillRef>
+          <a:effectRef idx="0">
+            <a:schemeClr val="accent1"/>
+          </a:effectRef>
+          <a:fontRef idx="minor">
+            <a:schemeClr val="lt1"/>
+          </a:fontRef>
+        </p:style>
+        <p:txBody>
+          <a:bodyPr rtlCol="0" anchor="ctr"/>
+          <a:lstStyle/>
+          <a:p>
+            <a:pPr algn="l" fontAlgn="auto"/>
+            <a:r>
+              <a:rPr lang="en-US" b="1" i="0" dirty="0">
+                <a:effectLst/>
+                <a:latin typeface="-apple-system"/>
+              </a:rPr>
+              <a:t>None of the </a:t>
+            </a:r>
+            <a:r>
+              <a:rPr lang="en-US" b="1" i="0" dirty="0" err="1">
+                <a:effectLst/>
+                <a:latin typeface="-apple-system"/>
+              </a:rPr>
+              <a:t>aboves</a:t>
+            </a:r>
+            <a:endParaRPr lang="en-US" b="1" i="0" dirty="0">
+              <a:effectLst/>
+              <a:latin typeface="-apple-system"/>
+            </a:endParaRPr>
+          </a:p>
+        </p:txBody>
+      </p:sp>
     </p:spTree>
     <p:extLst>
       <p:ext uri="{BB962C8B-B14F-4D97-AF65-F5344CB8AC3E}">
-        <p14:creationId xmlns:p14="http://schemas.microsoft.com/office/powerpoint/2010/main" val="3684465806"/>
+        <p14:creationId xmlns:p14="http://schemas.microsoft.com/office/powerpoint/2010/main" val="314615352"/>
       </p:ext>
     </p:extLst>
   </p:cSld>
@@ -8726,10 +9082,353 @@
           <a:chExt cx="0" cy="0"/>
         </a:xfrm>
       </p:grpSpPr>
+      <p:sp>
+        <p:nvSpPr>
+          <p:cNvPr id="2" name="TextBox 1">
+            <a:extLst>
+              <a:ext uri="{FF2B5EF4-FFF2-40B4-BE49-F238E27FC236}">
+                <a16:creationId xmlns:a16="http://schemas.microsoft.com/office/drawing/2014/main" id="{88292713-5F42-4DA5-BAC6-E531EA45F3D6}"/>
+              </a:ext>
+            </a:extLst>
+          </p:cNvPr>
+          <p:cNvSpPr txBox="1"/>
+          <p:nvPr/>
+        </p:nvSpPr>
+        <p:spPr>
+          <a:xfrm>
+            <a:off x="641023" y="527901"/>
+            <a:ext cx="11161336" cy="4041427"/>
+          </a:xfrm>
+          <a:prstGeom prst="rect">
+            <a:avLst/>
+          </a:prstGeom>
+          <a:noFill/>
+        </p:spPr>
+        <p:txBody>
+          <a:bodyPr wrap="square" rtlCol="0">
+            <a:spAutoFit/>
+          </a:bodyPr>
+          <a:lstStyle/>
+          <a:p>
+            <a:pPr marL="342900" marR="0" lvl="0" indent="-342900" algn="l" defTabSz="914400" rtl="0" eaLnBrk="0" fontAlgn="base" latinLnBrk="0" hangingPunct="0">
+              <a:lnSpc>
+                <a:spcPct val="100000"/>
+              </a:lnSpc>
+              <a:spcBef>
+                <a:spcPct val="0"/>
+              </a:spcBef>
+              <a:spcAft>
+                <a:spcPct val="0"/>
+              </a:spcAft>
+              <a:buClrTx/>
+              <a:buSzTx/>
+              <a:buFontTx/>
+              <a:buAutoNum type="alphaUcPeriod"/>
+              <a:tabLst/>
+            </a:pPr>
+            <a:r>
+              <a:rPr kumimoji="0" lang="en-US" altLang="en-US" sz="1800" b="1" i="0" u="none" strike="noStrike" cap="none" normalizeH="0" baseline="0" dirty="0">
+                <a:ln>
+                  <a:noFill/>
+                </a:ln>
+                <a:solidFill>
+                  <a:schemeClr val="tx1"/>
+                </a:solidFill>
+                <a:effectLst/>
+                <a:latin typeface="Söhne"/>
+              </a:rPr>
+              <a:t>Lower value is better for same validation accuracy</a:t>
+            </a:r>
+            <a:r>
+              <a:rPr kumimoji="0" lang="en-US" altLang="en-US" sz="1800" b="0" i="0" u="none" strike="noStrike" cap="none" normalizeH="0" baseline="0" dirty="0">
+                <a:ln>
+                  <a:noFill/>
+                </a:ln>
+                <a:solidFill>
+                  <a:srgbClr val="374151"/>
+                </a:solidFill>
+                <a:effectLst/>
+                <a:latin typeface="Söhne"/>
+              </a:rPr>
+              <a:t>: True, if two models give the same validation accuracy, the one with the lower </a:t>
+            </a:r>
+            <a:r>
+              <a:rPr kumimoji="0" lang="en-US" altLang="en-US" b="1" i="0" u="none" strike="noStrike" cap="none" normalizeH="0" baseline="0" dirty="0" err="1">
+                <a:ln>
+                  <a:noFill/>
+                </a:ln>
+                <a:solidFill>
+                  <a:schemeClr val="tx1"/>
+                </a:solidFill>
+                <a:effectLst/>
+                <a:latin typeface="Söhne Mono"/>
+              </a:rPr>
+              <a:t>max_depth</a:t>
+            </a:r>
+            <a:r>
+              <a:rPr kumimoji="0" lang="en-US" altLang="en-US" sz="1800" b="0" i="0" u="none" strike="noStrike" cap="none" normalizeH="0" baseline="0" dirty="0">
+                <a:ln>
+                  <a:noFill/>
+                </a:ln>
+                <a:solidFill>
+                  <a:srgbClr val="374151"/>
+                </a:solidFill>
+                <a:effectLst/>
+                <a:latin typeface="Söhne"/>
+              </a:rPr>
+              <a:t> is generally preferred because it is simpler (assuming other things are equal). A simpler model is typically more interpretable and less likely to overfit.</a:t>
+            </a:r>
+            <a:r>
+              <a:rPr kumimoji="0" lang="en-US" altLang="en-US" sz="1050" b="0" i="0" u="none" strike="noStrike" cap="none" normalizeH="0" baseline="0" dirty="0">
+                <a:ln>
+                  <a:noFill/>
+                </a:ln>
+                <a:solidFill>
+                  <a:schemeClr val="tx1"/>
+                </a:solidFill>
+                <a:effectLst/>
+              </a:rPr>
+              <a:t> </a:t>
+            </a:r>
+          </a:p>
+          <a:p>
+            <a:pPr marL="514350" marR="0" lvl="0" indent="-514350" algn="l" defTabSz="914400" rtl="0" eaLnBrk="0" fontAlgn="base" latinLnBrk="0" hangingPunct="0">
+              <a:lnSpc>
+                <a:spcPct val="100000"/>
+              </a:lnSpc>
+              <a:spcBef>
+                <a:spcPct val="0"/>
+              </a:spcBef>
+              <a:spcAft>
+                <a:spcPct val="0"/>
+              </a:spcAft>
+              <a:buClrTx/>
+              <a:buSzTx/>
+              <a:buFontTx/>
+              <a:buAutoNum type="alphaUcPeriod"/>
+              <a:tabLst/>
+            </a:pPr>
+            <a:endParaRPr lang="en-US" altLang="en-US" sz="1050" dirty="0">
+              <a:latin typeface="Arial" panose="020B0604020202020204" pitchFamily="34" charset="0"/>
+            </a:endParaRPr>
+          </a:p>
+          <a:p>
+            <a:pPr marL="514350" marR="0" lvl="0" indent="-514350" algn="l" defTabSz="914400" rtl="0" eaLnBrk="0" fontAlgn="base" latinLnBrk="0" hangingPunct="0">
+              <a:lnSpc>
+                <a:spcPct val="100000"/>
+              </a:lnSpc>
+              <a:spcBef>
+                <a:spcPct val="0"/>
+              </a:spcBef>
+              <a:spcAft>
+                <a:spcPct val="0"/>
+              </a:spcAft>
+              <a:buClrTx/>
+              <a:buSzTx/>
+              <a:buFontTx/>
+              <a:buAutoNum type="alphaUcPeriod"/>
+              <a:tabLst/>
+            </a:pPr>
+            <a:endParaRPr kumimoji="0" lang="en-US" altLang="en-US" sz="1050" b="0" i="0" u="none" strike="noStrike" cap="none" normalizeH="0" baseline="0" dirty="0">
+              <a:ln>
+                <a:noFill/>
+              </a:ln>
+              <a:solidFill>
+                <a:schemeClr val="tx1"/>
+              </a:solidFill>
+              <a:effectLst/>
+              <a:latin typeface="Arial" panose="020B0604020202020204" pitchFamily="34" charset="0"/>
+            </a:endParaRPr>
+          </a:p>
+          <a:p>
+            <a:pPr marL="514350" marR="0" lvl="0" indent="-514350" algn="l" defTabSz="914400" rtl="0" eaLnBrk="0" fontAlgn="base" latinLnBrk="0" hangingPunct="0">
+              <a:lnSpc>
+                <a:spcPct val="100000"/>
+              </a:lnSpc>
+              <a:spcBef>
+                <a:spcPct val="0"/>
+              </a:spcBef>
+              <a:spcAft>
+                <a:spcPct val="0"/>
+              </a:spcAft>
+              <a:buClrTx/>
+              <a:buSzTx/>
+              <a:buFontTx/>
+              <a:buAutoNum type="alphaUcPeriod"/>
+              <a:tabLst/>
+            </a:pPr>
+            <a:endParaRPr kumimoji="0" lang="en-US" altLang="en-US" sz="1050" b="0" i="0" u="none" strike="noStrike" cap="none" normalizeH="0" baseline="0" dirty="0">
+              <a:ln>
+                <a:noFill/>
+              </a:ln>
+              <a:solidFill>
+                <a:schemeClr val="tx1"/>
+              </a:solidFill>
+              <a:effectLst/>
+              <a:latin typeface="Arial" panose="020B0604020202020204" pitchFamily="34" charset="0"/>
+            </a:endParaRPr>
+          </a:p>
+          <a:p>
+            <a:pPr marL="514350" marR="0" lvl="0" indent="-514350" algn="l" defTabSz="914400" rtl="0" eaLnBrk="0" fontAlgn="base" latinLnBrk="0" hangingPunct="0">
+              <a:lnSpc>
+                <a:spcPct val="100000"/>
+              </a:lnSpc>
+              <a:spcBef>
+                <a:spcPct val="0"/>
+              </a:spcBef>
+              <a:spcAft>
+                <a:spcPct val="0"/>
+              </a:spcAft>
+              <a:buClrTx/>
+              <a:buSzTx/>
+              <a:buFontTx/>
+              <a:buAutoNum type="alphaUcPeriod"/>
+              <a:tabLst/>
+            </a:pPr>
+            <a:endParaRPr lang="en-US" altLang="en-US" sz="1050" dirty="0">
+              <a:latin typeface="Arial" panose="020B0604020202020204" pitchFamily="34" charset="0"/>
+            </a:endParaRPr>
+          </a:p>
+          <a:p>
+            <a:pPr marL="0" marR="0">
+              <a:lnSpc>
+                <a:spcPct val="107000"/>
+              </a:lnSpc>
+              <a:spcBef>
+                <a:spcPts val="0"/>
+              </a:spcBef>
+              <a:spcAft>
+                <a:spcPts val="800"/>
+              </a:spcAft>
+            </a:pPr>
+            <a:r>
+              <a:rPr lang="en-US" sz="1800" dirty="0">
+                <a:effectLst/>
+                <a:latin typeface="Calibri" panose="020F0502020204030204" pitchFamily="34" charset="0"/>
+                <a:ea typeface="Calibri" panose="020F0502020204030204" pitchFamily="34" charset="0"/>
+                <a:cs typeface="Times New Roman" panose="02020603050405020304" pitchFamily="18" charset="0"/>
+              </a:rPr>
+              <a:t> </a:t>
+            </a:r>
+            <a:endParaRPr lang="en-US" sz="1800" b="1" dirty="0">
+              <a:effectLst/>
+              <a:latin typeface="Calibri" panose="020F0502020204030204" pitchFamily="34" charset="0"/>
+              <a:ea typeface="Calibri" panose="020F0502020204030204" pitchFamily="34" charset="0"/>
+              <a:cs typeface="Times New Roman" panose="02020603050405020304" pitchFamily="18" charset="0"/>
+            </a:endParaRPr>
+          </a:p>
+          <a:p>
+            <a:pPr marL="0" marR="0">
+              <a:lnSpc>
+                <a:spcPct val="107000"/>
+              </a:lnSpc>
+              <a:spcBef>
+                <a:spcPts val="0"/>
+              </a:spcBef>
+              <a:spcAft>
+                <a:spcPts val="800"/>
+              </a:spcAft>
+            </a:pPr>
+            <a:r>
+              <a:rPr lang="en-US" sz="1800" b="1" dirty="0">
+                <a:effectLst/>
+                <a:latin typeface="Calibri" panose="020F0502020204030204" pitchFamily="34" charset="0"/>
+                <a:ea typeface="Calibri" panose="020F0502020204030204" pitchFamily="34" charset="0"/>
+                <a:cs typeface="Times New Roman" panose="02020603050405020304" pitchFamily="18" charset="0"/>
+              </a:rPr>
+              <a:t>B. Increasing its value may underfit data:</a:t>
+            </a:r>
+          </a:p>
+          <a:p>
+            <a:pPr marL="0" marR="0">
+              <a:lnSpc>
+                <a:spcPct val="107000"/>
+              </a:lnSpc>
+              <a:spcBef>
+                <a:spcPts val="0"/>
+              </a:spcBef>
+              <a:spcAft>
+                <a:spcPts val="800"/>
+              </a:spcAft>
+            </a:pPr>
+            <a:r>
+              <a:rPr lang="en-US" sz="1800" dirty="0">
+                <a:effectLst/>
+                <a:latin typeface="Calibri" panose="020F0502020204030204" pitchFamily="34" charset="0"/>
+                <a:ea typeface="Calibri" panose="020F0502020204030204" pitchFamily="34" charset="0"/>
+                <a:cs typeface="Times New Roman" panose="02020603050405020304" pitchFamily="18" charset="0"/>
+              </a:rPr>
+              <a:t>This statement is generally false. Increasing the </a:t>
+            </a:r>
+            <a:r>
+              <a:rPr lang="en-US" sz="1800" dirty="0" err="1">
+                <a:effectLst/>
+                <a:latin typeface="Calibri" panose="020F0502020204030204" pitchFamily="34" charset="0"/>
+                <a:ea typeface="Calibri" panose="020F0502020204030204" pitchFamily="34" charset="0"/>
+                <a:cs typeface="Times New Roman" panose="02020603050405020304" pitchFamily="18" charset="0"/>
+              </a:rPr>
+              <a:t>max_depth</a:t>
+            </a:r>
+            <a:r>
+              <a:rPr lang="en-US" sz="1800" dirty="0">
+                <a:effectLst/>
+                <a:latin typeface="Calibri" panose="020F0502020204030204" pitchFamily="34" charset="0"/>
+                <a:ea typeface="Calibri" panose="020F0502020204030204" pitchFamily="34" charset="0"/>
+                <a:cs typeface="Times New Roman" panose="02020603050405020304" pitchFamily="18" charset="0"/>
+              </a:rPr>
+              <a:t> typically increases the complexity of the model, which can lead to overfitting rather than underfitting. If the trees are too deep, they might capture noise in the training data, making the model perform poorly on unseen validation or test data.</a:t>
+            </a:r>
+          </a:p>
+          <a:p>
+            <a:pPr marL="0" marR="0">
+              <a:lnSpc>
+                <a:spcPct val="107000"/>
+              </a:lnSpc>
+              <a:spcBef>
+                <a:spcPts val="0"/>
+              </a:spcBef>
+              <a:spcAft>
+                <a:spcPts val="800"/>
+              </a:spcAft>
+            </a:pPr>
+            <a:r>
+              <a:rPr lang="en-US" sz="1800" dirty="0">
+                <a:effectLst/>
+                <a:latin typeface="Calibri" panose="020F0502020204030204" pitchFamily="34" charset="0"/>
+                <a:ea typeface="Calibri" panose="020F0502020204030204" pitchFamily="34" charset="0"/>
+                <a:cs typeface="Times New Roman" panose="02020603050405020304" pitchFamily="18" charset="0"/>
+              </a:rPr>
+              <a:t> </a:t>
+            </a:r>
+          </a:p>
+          <a:p>
+            <a:pPr marL="0" marR="0">
+              <a:lnSpc>
+                <a:spcPct val="107000"/>
+              </a:lnSpc>
+              <a:spcBef>
+                <a:spcPts val="0"/>
+              </a:spcBef>
+              <a:spcAft>
+                <a:spcPts val="800"/>
+              </a:spcAft>
+            </a:pPr>
+            <a:r>
+              <a:rPr lang="en-US" sz="1800" dirty="0">
+                <a:effectLst/>
+                <a:latin typeface="Calibri" panose="020F0502020204030204" pitchFamily="34" charset="0"/>
+                <a:ea typeface="Calibri" panose="020F0502020204030204" pitchFamily="34" charset="0"/>
+                <a:cs typeface="Times New Roman" panose="02020603050405020304" pitchFamily="18" charset="0"/>
+              </a:rPr>
+              <a:t>So, the correct answer is A. Lower value is better for same validation accuracy.</a:t>
+            </a:r>
+          </a:p>
+        </p:txBody>
+      </p:sp>
     </p:spTree>
     <p:extLst>
       <p:ext uri="{BB962C8B-B14F-4D97-AF65-F5344CB8AC3E}">
-        <p14:creationId xmlns:p14="http://schemas.microsoft.com/office/powerpoint/2010/main" val="82393759"/>
+        <p14:creationId xmlns:p14="http://schemas.microsoft.com/office/powerpoint/2010/main" val="3684465806"/>
       </p:ext>
     </p:extLst>
   </p:cSld>
@@ -8840,6 +9539,36 @@
     </p:spTree>
     <p:extLst>
       <p:ext uri="{BB962C8B-B14F-4D97-AF65-F5344CB8AC3E}">
+        <p14:creationId xmlns:p14="http://schemas.microsoft.com/office/powerpoint/2010/main" val="82393759"/>
+      </p:ext>
+    </p:extLst>
+  </p:cSld>
+  <p:clrMapOvr>
+    <a:masterClrMapping/>
+  </p:clrMapOvr>
+</p:sld>
+</file>
+
+<file path=ppt/slides/slide41.xml><?xml version="1.0" encoding="utf-8"?>
+<p:sld xmlns:a="http://schemas.openxmlformats.org/drawingml/2006/main" xmlns:r="http://schemas.openxmlformats.org/officeDocument/2006/relationships" xmlns:p="http://schemas.openxmlformats.org/presentationml/2006/main">
+  <p:cSld>
+    <p:spTree>
+      <p:nvGrpSpPr>
+        <p:cNvPr id="1" name=""/>
+        <p:cNvGrpSpPr/>
+        <p:nvPr/>
+      </p:nvGrpSpPr>
+      <p:grpSpPr>
+        <a:xfrm>
+          <a:off x="0" y="0"/>
+          <a:ext cx="0" cy="0"/>
+          <a:chOff x="0" y="0"/>
+          <a:chExt cx="0" cy="0"/>
+        </a:xfrm>
+      </p:grpSpPr>
+    </p:spTree>
+    <p:extLst>
+      <p:ext uri="{BB962C8B-B14F-4D97-AF65-F5344CB8AC3E}">
         <p14:creationId xmlns:p14="http://schemas.microsoft.com/office/powerpoint/2010/main" val="1752144902"/>
       </p:ext>
     </p:extLst>
@@ -8850,7 +9579,7 @@
 </p:sld>
 </file>
 
-<file path=ppt/slides/slide41.xml><?xml version="1.0" encoding="utf-8"?>
+<file path=ppt/slides/slide42.xml><?xml version="1.0" encoding="utf-8"?>
 <p:sld xmlns:a="http://schemas.openxmlformats.org/drawingml/2006/main" xmlns:r="http://schemas.openxmlformats.org/officeDocument/2006/relationships" xmlns:p="http://schemas.openxmlformats.org/presentationml/2006/main">
   <p:cSld>
     <p:spTree>

--- a/Machine Learning Quiz Question.pptx
+++ b/Machine Learning Quiz Question.pptx
@@ -44,9 +44,10 @@
     <p:sldId id="296" r:id="rId38"/>
     <p:sldId id="297" r:id="rId39"/>
     <p:sldId id="290" r:id="rId40"/>
-    <p:sldId id="291" r:id="rId41"/>
-    <p:sldId id="292" r:id="rId42"/>
-    <p:sldId id="293" r:id="rId43"/>
+    <p:sldId id="298" r:id="rId41"/>
+    <p:sldId id="291" r:id="rId42"/>
+    <p:sldId id="292" r:id="rId43"/>
+    <p:sldId id="293" r:id="rId44"/>
   </p:sldIdLst>
   <p:sldSz cx="12192000" cy="6858000"/>
   <p:notesSz cx="6858000" cy="9144000"/>
@@ -300,7 +301,7 @@
           <a:p>
             <a:fld id="{635DE9B5-6039-4F90-B9CD-3F2F36427E48}" type="datetimeFigureOut">
               <a:rPr lang="en-US" smtClean="0"/>
-              <a:t>9/24/2023</a:t>
+              <a:t>9/26/2023</a:t>
             </a:fld>
             <a:endParaRPr lang="en-US"/>
           </a:p>
@@ -498,7 +499,7 @@
           <a:p>
             <a:fld id="{635DE9B5-6039-4F90-B9CD-3F2F36427E48}" type="datetimeFigureOut">
               <a:rPr lang="en-US" smtClean="0"/>
-              <a:t>9/24/2023</a:t>
+              <a:t>9/26/2023</a:t>
             </a:fld>
             <a:endParaRPr lang="en-US"/>
           </a:p>
@@ -706,7 +707,7 @@
           <a:p>
             <a:fld id="{635DE9B5-6039-4F90-B9CD-3F2F36427E48}" type="datetimeFigureOut">
               <a:rPr lang="en-US" smtClean="0"/>
-              <a:t>9/24/2023</a:t>
+              <a:t>9/26/2023</a:t>
             </a:fld>
             <a:endParaRPr lang="en-US"/>
           </a:p>
@@ -904,7 +905,7 @@
           <a:p>
             <a:fld id="{635DE9B5-6039-4F90-B9CD-3F2F36427E48}" type="datetimeFigureOut">
               <a:rPr lang="en-US" smtClean="0"/>
-              <a:t>9/24/2023</a:t>
+              <a:t>9/26/2023</a:t>
             </a:fld>
             <a:endParaRPr lang="en-US"/>
           </a:p>
@@ -1179,7 +1180,7 @@
           <a:p>
             <a:fld id="{635DE9B5-6039-4F90-B9CD-3F2F36427E48}" type="datetimeFigureOut">
               <a:rPr lang="en-US" smtClean="0"/>
-              <a:t>9/24/2023</a:t>
+              <a:t>9/26/2023</a:t>
             </a:fld>
             <a:endParaRPr lang="en-US"/>
           </a:p>
@@ -1444,7 +1445,7 @@
           <a:p>
             <a:fld id="{635DE9B5-6039-4F90-B9CD-3F2F36427E48}" type="datetimeFigureOut">
               <a:rPr lang="en-US" smtClean="0"/>
-              <a:t>9/24/2023</a:t>
+              <a:t>9/26/2023</a:t>
             </a:fld>
             <a:endParaRPr lang="en-US"/>
           </a:p>
@@ -1856,7 +1857,7 @@
           <a:p>
             <a:fld id="{635DE9B5-6039-4F90-B9CD-3F2F36427E48}" type="datetimeFigureOut">
               <a:rPr lang="en-US" smtClean="0"/>
-              <a:t>9/24/2023</a:t>
+              <a:t>9/26/2023</a:t>
             </a:fld>
             <a:endParaRPr lang="en-US"/>
           </a:p>
@@ -1997,7 +1998,7 @@
           <a:p>
             <a:fld id="{635DE9B5-6039-4F90-B9CD-3F2F36427E48}" type="datetimeFigureOut">
               <a:rPr lang="en-US" smtClean="0"/>
-              <a:t>9/24/2023</a:t>
+              <a:t>9/26/2023</a:t>
             </a:fld>
             <a:endParaRPr lang="en-US"/>
           </a:p>
@@ -2110,7 +2111,7 @@
           <a:p>
             <a:fld id="{635DE9B5-6039-4F90-B9CD-3F2F36427E48}" type="datetimeFigureOut">
               <a:rPr lang="en-US" smtClean="0"/>
-              <a:t>9/24/2023</a:t>
+              <a:t>9/26/2023</a:t>
             </a:fld>
             <a:endParaRPr lang="en-US"/>
           </a:p>
@@ -2421,7 +2422,7 @@
           <a:p>
             <a:fld id="{635DE9B5-6039-4F90-B9CD-3F2F36427E48}" type="datetimeFigureOut">
               <a:rPr lang="en-US" smtClean="0"/>
-              <a:t>9/24/2023</a:t>
+              <a:t>9/26/2023</a:t>
             </a:fld>
             <a:endParaRPr lang="en-US"/>
           </a:p>
@@ -2709,7 +2710,7 @@
           <a:p>
             <a:fld id="{635DE9B5-6039-4F90-B9CD-3F2F36427E48}" type="datetimeFigureOut">
               <a:rPr lang="en-US" smtClean="0"/>
-              <a:t>9/24/2023</a:t>
+              <a:t>9/26/2023</a:t>
             </a:fld>
             <a:endParaRPr lang="en-US"/>
           </a:p>
@@ -2953,7 +2954,7 @@
           <a:p>
             <a:fld id="{635DE9B5-6039-4F90-B9CD-3F2F36427E48}" type="datetimeFigureOut">
               <a:rPr lang="en-US" smtClean="0"/>
-              <a:t>9/24/2023</a:t>
+              <a:t>9/26/2023</a:t>
             </a:fld>
             <a:endParaRPr lang="en-US"/>
           </a:p>
@@ -8748,61 +8749,52 @@
             <a:r>
               <a:rPr lang="en-US" b="1" i="0" dirty="0">
                 <a:effectLst/>
-                <a:latin typeface="-apple-system"/>
               </a:rPr>
               <a:t>Which is TRUE for </a:t>
             </a:r>
             <a:r>
               <a:rPr lang="en-US" b="1" i="0" dirty="0" err="1">
                 <a:effectLst/>
-                <a:latin typeface="-apple-system"/>
               </a:rPr>
               <a:t>max_depth</a:t>
             </a:r>
             <a:r>
               <a:rPr lang="en-US" b="1" i="0" dirty="0">
                 <a:effectLst/>
-                <a:latin typeface="-apple-system"/>
               </a:rPr>
               <a:t> in Gradient Boost?</a:t>
             </a:r>
             <a:br>
               <a:rPr lang="en-US" b="1" i="0" dirty="0">
                 <a:effectLst/>
-                <a:latin typeface="-apple-system"/>
               </a:rPr>
             </a:br>
             <a:r>
               <a:rPr lang="en-US" b="1" i="0" dirty="0" err="1">
                 <a:effectLst/>
-                <a:latin typeface="-apple-system"/>
               </a:rPr>
               <a:t>A.Lower</a:t>
             </a:r>
             <a:r>
               <a:rPr lang="en-US" b="1" i="0" dirty="0">
                 <a:effectLst/>
-                <a:latin typeface="-apple-system"/>
               </a:rPr>
               <a:t> value is better for same validation accuracy</a:t>
             </a:r>
             <a:br>
               <a:rPr lang="en-US" b="1" i="0" dirty="0">
                 <a:effectLst/>
-                <a:latin typeface="-apple-system"/>
               </a:rPr>
             </a:br>
             <a:r>
               <a:rPr lang="en-US" b="1" i="0" dirty="0" err="1">
                 <a:effectLst/>
-                <a:latin typeface="-apple-system"/>
               </a:rPr>
               <a:t>B.Increasing</a:t>
             </a:r>
             <a:r>
               <a:rPr lang="en-US" b="1" i="0" dirty="0">
                 <a:effectLst/>
-                <a:latin typeface="-apple-system"/>
               </a:rPr>
               <a:t> its value may underfit data</a:t>
             </a:r>
@@ -9536,6 +9528,478 @@
           <a:chExt cx="0" cy="0"/>
         </a:xfrm>
       </p:grpSpPr>
+      <p:sp>
+        <p:nvSpPr>
+          <p:cNvPr id="2" name="Rectangle: Rounded Corners 1">
+            <a:extLst>
+              <a:ext uri="{FF2B5EF4-FFF2-40B4-BE49-F238E27FC236}">
+                <a16:creationId xmlns:a16="http://schemas.microsoft.com/office/drawing/2014/main" id="{8DE016F8-915B-4F69-9E38-9E36F14FE534}"/>
+              </a:ext>
+            </a:extLst>
+          </p:cNvPr>
+          <p:cNvSpPr/>
+          <p:nvPr/>
+        </p:nvSpPr>
+        <p:spPr>
+          <a:xfrm>
+            <a:off x="631596" y="1392553"/>
+            <a:ext cx="10586301" cy="876693"/>
+          </a:xfrm>
+          <a:prstGeom prst="roundRect">
+            <a:avLst/>
+          </a:prstGeom>
+          <a:solidFill>
+            <a:srgbClr val="D83026"/>
+          </a:solidFill>
+          <a:ln>
+            <a:noFill/>
+          </a:ln>
+        </p:spPr>
+        <p:style>
+          <a:lnRef idx="2">
+            <a:schemeClr val="accent1">
+              <a:shade val="50000"/>
+            </a:schemeClr>
+          </a:lnRef>
+          <a:fillRef idx="1">
+            <a:schemeClr val="accent1"/>
+          </a:fillRef>
+          <a:effectRef idx="0">
+            <a:schemeClr val="accent1"/>
+          </a:effectRef>
+          <a:fontRef idx="minor">
+            <a:schemeClr val="lt1"/>
+          </a:fontRef>
+        </p:style>
+        <p:txBody>
+          <a:bodyPr rtlCol="0" anchor="ctr"/>
+          <a:lstStyle/>
+          <a:p>
+            <a:pPr algn="l" fontAlgn="auto"/>
+            <a:r>
+              <a:rPr lang="en-US" b="1" i="0" dirty="0">
+                <a:effectLst/>
+              </a:rPr>
+              <a:t>How do Reward models help in training Llama-2 chat?</a:t>
+            </a:r>
+            <a:br>
+              <a:rPr lang="en-US" b="1" i="0" dirty="0">
+                <a:effectLst/>
+              </a:rPr>
+            </a:br>
+            <a:r>
+              <a:rPr lang="en-US" b="1" i="0" dirty="0" err="1">
+                <a:effectLst/>
+              </a:rPr>
+              <a:t>A.Provide</a:t>
+            </a:r>
+            <a:r>
+              <a:rPr lang="en-US" b="1" i="0" dirty="0">
+                <a:effectLst/>
+              </a:rPr>
+              <a:t> scalar scores for quality of response</a:t>
+            </a:r>
+            <a:br>
+              <a:rPr lang="en-US" b="1" i="0" dirty="0">
+                <a:effectLst/>
+              </a:rPr>
+            </a:br>
+            <a:r>
+              <a:rPr lang="en-US" b="1" i="0" dirty="0" err="1">
+                <a:effectLst/>
+              </a:rPr>
+              <a:t>B.Used</a:t>
+            </a:r>
+            <a:r>
+              <a:rPr lang="en-US" b="1" i="0" dirty="0">
+                <a:effectLst/>
+              </a:rPr>
+              <a:t> in RLHF to optimize Llama-2 Chat</a:t>
+            </a:r>
+          </a:p>
+        </p:txBody>
+      </p:sp>
+      <p:sp>
+        <p:nvSpPr>
+          <p:cNvPr id="4" name="Rectangle: Rounded Corners 3">
+            <a:extLst>
+              <a:ext uri="{FF2B5EF4-FFF2-40B4-BE49-F238E27FC236}">
+                <a16:creationId xmlns:a16="http://schemas.microsoft.com/office/drawing/2014/main" id="{B50984B7-2FBD-46A0-8ABC-366F02506BA1}"/>
+              </a:ext>
+            </a:extLst>
+          </p:cNvPr>
+          <p:cNvSpPr/>
+          <p:nvPr/>
+        </p:nvSpPr>
+        <p:spPr>
+          <a:xfrm>
+            <a:off x="989814" y="2733778"/>
+            <a:ext cx="3383280" cy="395925"/>
+          </a:xfrm>
+          <a:prstGeom prst="roundRect">
+            <a:avLst/>
+          </a:prstGeom>
+          <a:solidFill>
+            <a:srgbClr val="BB261A"/>
+          </a:solidFill>
+          <a:ln>
+            <a:noFill/>
+          </a:ln>
+        </p:spPr>
+        <p:style>
+          <a:lnRef idx="2">
+            <a:schemeClr val="accent1">
+              <a:shade val="50000"/>
+            </a:schemeClr>
+          </a:lnRef>
+          <a:fillRef idx="1">
+            <a:schemeClr val="accent1"/>
+          </a:fillRef>
+          <a:effectRef idx="0">
+            <a:schemeClr val="accent1"/>
+          </a:effectRef>
+          <a:fontRef idx="minor">
+            <a:schemeClr val="lt1"/>
+          </a:fontRef>
+        </p:style>
+        <p:txBody>
+          <a:bodyPr rtlCol="0" anchor="ctr"/>
+          <a:lstStyle/>
+          <a:p>
+            <a:pPr algn="l" fontAlgn="auto"/>
+            <a:r>
+              <a:rPr lang="en-US" b="1" i="0">
+                <a:effectLst/>
+                <a:latin typeface="-apple-system"/>
+              </a:rPr>
+              <a:t>Only A</a:t>
+            </a:r>
+          </a:p>
+        </p:txBody>
+      </p:sp>
+      <p:sp>
+        <p:nvSpPr>
+          <p:cNvPr id="5" name="Rectangle: Rounded Corners 4">
+            <a:extLst>
+              <a:ext uri="{FF2B5EF4-FFF2-40B4-BE49-F238E27FC236}">
+                <a16:creationId xmlns:a16="http://schemas.microsoft.com/office/drawing/2014/main" id="{E823F100-F047-4246-9939-77C3C1CC3098}"/>
+              </a:ext>
+            </a:extLst>
+          </p:cNvPr>
+          <p:cNvSpPr/>
+          <p:nvPr/>
+        </p:nvSpPr>
+        <p:spPr>
+          <a:xfrm>
+            <a:off x="989814" y="3182074"/>
+            <a:ext cx="3383280" cy="395925"/>
+          </a:xfrm>
+          <a:prstGeom prst="roundRect">
+            <a:avLst/>
+          </a:prstGeom>
+          <a:solidFill>
+            <a:srgbClr val="D35936"/>
+          </a:solidFill>
+          <a:ln>
+            <a:noFill/>
+          </a:ln>
+        </p:spPr>
+        <p:style>
+          <a:lnRef idx="2">
+            <a:schemeClr val="accent1">
+              <a:shade val="50000"/>
+            </a:schemeClr>
+          </a:lnRef>
+          <a:fillRef idx="1">
+            <a:schemeClr val="accent1"/>
+          </a:fillRef>
+          <a:effectRef idx="0">
+            <a:schemeClr val="accent1"/>
+          </a:effectRef>
+          <a:fontRef idx="minor">
+            <a:schemeClr val="lt1"/>
+          </a:fontRef>
+        </p:style>
+        <p:txBody>
+          <a:bodyPr rtlCol="0" anchor="ctr"/>
+          <a:lstStyle/>
+          <a:p>
+            <a:pPr algn="l" fontAlgn="auto"/>
+            <a:r>
+              <a:rPr lang="en-US" b="1" i="0">
+                <a:effectLst/>
+                <a:latin typeface="-apple-system"/>
+              </a:rPr>
+              <a:t>Only B</a:t>
+            </a:r>
+          </a:p>
+        </p:txBody>
+      </p:sp>
+      <p:sp>
+        <p:nvSpPr>
+          <p:cNvPr id="6" name="Rectangle: Rounded Corners 5">
+            <a:extLst>
+              <a:ext uri="{FF2B5EF4-FFF2-40B4-BE49-F238E27FC236}">
+                <a16:creationId xmlns:a16="http://schemas.microsoft.com/office/drawing/2014/main" id="{7D0E8B77-9A22-4F60-A99E-0960AE666A8C}"/>
+              </a:ext>
+            </a:extLst>
+          </p:cNvPr>
+          <p:cNvSpPr/>
+          <p:nvPr/>
+        </p:nvSpPr>
+        <p:spPr>
+          <a:xfrm>
+            <a:off x="989814" y="3630370"/>
+            <a:ext cx="5212080" cy="395925"/>
+          </a:xfrm>
+          <a:prstGeom prst="roundRect">
+            <a:avLst/>
+          </a:prstGeom>
+          <a:solidFill>
+            <a:srgbClr val="F36C44"/>
+          </a:solidFill>
+          <a:ln>
+            <a:noFill/>
+          </a:ln>
+        </p:spPr>
+        <p:style>
+          <a:lnRef idx="2">
+            <a:schemeClr val="accent1">
+              <a:shade val="50000"/>
+            </a:schemeClr>
+          </a:lnRef>
+          <a:fillRef idx="1">
+            <a:schemeClr val="accent1"/>
+          </a:fillRef>
+          <a:effectRef idx="0">
+            <a:schemeClr val="accent1"/>
+          </a:effectRef>
+          <a:fontRef idx="minor">
+            <a:schemeClr val="lt1"/>
+          </a:fontRef>
+        </p:style>
+        <p:txBody>
+          <a:bodyPr rtlCol="0" anchor="ctr"/>
+          <a:lstStyle/>
+          <a:p>
+            <a:pPr algn="l" fontAlgn="auto"/>
+            <a:r>
+              <a:rPr lang="en-US" b="1" i="0">
+                <a:effectLst/>
+                <a:latin typeface="-apple-system"/>
+              </a:rPr>
+              <a:t>Both A and B</a:t>
+            </a:r>
+          </a:p>
+        </p:txBody>
+      </p:sp>
+      <p:sp>
+        <p:nvSpPr>
+          <p:cNvPr id="7" name="Rectangle: Rounded Corners 6">
+            <a:extLst>
+              <a:ext uri="{FF2B5EF4-FFF2-40B4-BE49-F238E27FC236}">
+                <a16:creationId xmlns:a16="http://schemas.microsoft.com/office/drawing/2014/main" id="{53673D83-8D0B-444C-BFB2-123F391E8E95}"/>
+              </a:ext>
+            </a:extLst>
+          </p:cNvPr>
+          <p:cNvSpPr/>
+          <p:nvPr/>
+        </p:nvSpPr>
+        <p:spPr>
+          <a:xfrm>
+            <a:off x="989814" y="4078666"/>
+            <a:ext cx="3383280" cy="395925"/>
+          </a:xfrm>
+          <a:prstGeom prst="roundRect">
+            <a:avLst/>
+          </a:prstGeom>
+          <a:solidFill>
+            <a:srgbClr val="B5304C"/>
+          </a:solidFill>
+          <a:ln>
+            <a:noFill/>
+          </a:ln>
+        </p:spPr>
+        <p:style>
+          <a:lnRef idx="2">
+            <a:schemeClr val="accent1">
+              <a:shade val="50000"/>
+            </a:schemeClr>
+          </a:lnRef>
+          <a:fillRef idx="1">
+            <a:schemeClr val="accent1"/>
+          </a:fillRef>
+          <a:effectRef idx="0">
+            <a:schemeClr val="accent1"/>
+          </a:effectRef>
+          <a:fontRef idx="minor">
+            <a:schemeClr val="lt1"/>
+          </a:fontRef>
+        </p:style>
+        <p:txBody>
+          <a:bodyPr rtlCol="0" anchor="ctr"/>
+          <a:lstStyle/>
+          <a:p>
+            <a:pPr algn="l" fontAlgn="auto"/>
+            <a:r>
+              <a:rPr lang="en-US" b="1" i="0" dirty="0">
+                <a:effectLst/>
+                <a:latin typeface="-apple-system"/>
+              </a:rPr>
+              <a:t>None of the </a:t>
+            </a:r>
+            <a:r>
+              <a:rPr lang="en-US" b="1" i="0" dirty="0" err="1">
+                <a:effectLst/>
+                <a:latin typeface="-apple-system"/>
+              </a:rPr>
+              <a:t>aboves</a:t>
+            </a:r>
+            <a:endParaRPr lang="en-US" b="1" i="0" dirty="0">
+              <a:effectLst/>
+              <a:latin typeface="-apple-system"/>
+            </a:endParaRPr>
+          </a:p>
+        </p:txBody>
+      </p:sp>
+    </p:spTree>
+    <p:extLst>
+      <p:ext uri="{BB962C8B-B14F-4D97-AF65-F5344CB8AC3E}">
+        <p14:creationId xmlns:p14="http://schemas.microsoft.com/office/powerpoint/2010/main" val="500471555"/>
+      </p:ext>
+    </p:extLst>
+  </p:cSld>
+  <p:clrMapOvr>
+    <a:masterClrMapping/>
+  </p:clrMapOvr>
+</p:sld>
+</file>
+
+<file path=ppt/slides/slide41.xml><?xml version="1.0" encoding="utf-8"?>
+<p:sld xmlns:a="http://schemas.openxmlformats.org/drawingml/2006/main" xmlns:r="http://schemas.openxmlformats.org/officeDocument/2006/relationships" xmlns:p="http://schemas.openxmlformats.org/presentationml/2006/main">
+  <p:cSld>
+    <p:spTree>
+      <p:nvGrpSpPr>
+        <p:cNvPr id="1" name=""/>
+        <p:cNvGrpSpPr/>
+        <p:nvPr/>
+      </p:nvGrpSpPr>
+      <p:grpSpPr>
+        <a:xfrm>
+          <a:off x="0" y="0"/>
+          <a:ext cx="0" cy="0"/>
+          <a:chOff x="0" y="0"/>
+          <a:chExt cx="0" cy="0"/>
+        </a:xfrm>
+      </p:grpSpPr>
+      <p:sp>
+        <p:nvSpPr>
+          <p:cNvPr id="3" name="TextBox 2">
+            <a:extLst>
+              <a:ext uri="{FF2B5EF4-FFF2-40B4-BE49-F238E27FC236}">
+                <a16:creationId xmlns:a16="http://schemas.microsoft.com/office/drawing/2014/main" id="{0D3621A7-A279-49E5-AC24-A0F013B76123}"/>
+              </a:ext>
+            </a:extLst>
+          </p:cNvPr>
+          <p:cNvSpPr txBox="1"/>
+          <p:nvPr/>
+        </p:nvSpPr>
+        <p:spPr>
+          <a:xfrm>
+            <a:off x="1461155" y="1166842"/>
+            <a:ext cx="9379670" cy="4185761"/>
+          </a:xfrm>
+          <a:prstGeom prst="rect">
+            <a:avLst/>
+          </a:prstGeom>
+          <a:noFill/>
+        </p:spPr>
+        <p:txBody>
+          <a:bodyPr wrap="square">
+            <a:spAutoFit/>
+          </a:bodyPr>
+          <a:lstStyle/>
+          <a:p>
+            <a:pPr algn="l"/>
+            <a:r>
+              <a:rPr lang="en-US" sz="1400" b="0" i="0" dirty="0">
+                <a:solidFill>
+                  <a:srgbClr val="374151"/>
+                </a:solidFill>
+                <a:effectLst/>
+              </a:rPr>
+              <a:t>Reward models are an essential component in training reinforcement learning-based conversational models like Llama-2 Chat. They are used to guide and optimize the model's behavior during training. Both options A and B are correct, and I'll explain how reward models work in training Llama-2 Chat:</a:t>
+            </a:r>
+          </a:p>
+          <a:p>
+            <a:pPr algn="l"/>
+            <a:endParaRPr lang="en-US" sz="1400" b="0" i="0" dirty="0">
+              <a:solidFill>
+                <a:srgbClr val="374151"/>
+              </a:solidFill>
+              <a:effectLst/>
+            </a:endParaRPr>
+          </a:p>
+          <a:p>
+            <a:pPr marL="342900" indent="-342900" algn="l">
+              <a:buAutoNum type="alphaUcPeriod"/>
+            </a:pPr>
+            <a:r>
+              <a:rPr lang="en-US" sz="1400" b="0" i="0" dirty="0">
+                <a:solidFill>
+                  <a:srgbClr val="374151"/>
+                </a:solidFill>
+                <a:effectLst/>
+              </a:rPr>
+              <a:t>Provide scalar scores for quality of response: Reward models provide scalar scores or rewards that indicate the quality of the model's responses. These rewards are typically assigned by human evaluators who rate the responses on various criteria, such as relevance, coherence, fluency, and politeness. By providing these scalar scores, reward models offer a quantitative measure of how well the model is performing in terms of generating desirable responses.</a:t>
+            </a:r>
+          </a:p>
+          <a:p>
+            <a:pPr marL="342900" indent="-342900" algn="l">
+              <a:buAutoNum type="alphaUcPeriod"/>
+            </a:pPr>
+            <a:endParaRPr lang="en-US" sz="1400" b="0" i="0" dirty="0">
+              <a:solidFill>
+                <a:srgbClr val="374151"/>
+              </a:solidFill>
+              <a:effectLst/>
+            </a:endParaRPr>
+          </a:p>
+          <a:p>
+            <a:pPr algn="l"/>
+            <a:r>
+              <a:rPr lang="en-US" sz="1400" b="0" i="0" dirty="0">
+                <a:solidFill>
+                  <a:srgbClr val="374151"/>
+                </a:solidFill>
+                <a:effectLst/>
+              </a:rPr>
+              <a:t>B. Used in RLHF to optimize Llama-2 Chat: Reward models are often used in Reinforcement Learning from Human Feedback (RLHF) to optimize the performance of Llama-2 Chat. In RLHF, the model generates responses in a dialogue, and these responses are then compared to a reference or human-generated response. The reward model assigns a reward score based on the similarity or quality of the model's response compared to the reference. Reinforcement learning algorithms, such as Proximal Policy Optimization (PPO), are then used to update the model's parameters to maximize the expected rewards. This process iterates to improve the model's conversational abilities over time.</a:t>
+            </a:r>
+          </a:p>
+          <a:p>
+            <a:pPr algn="l"/>
+            <a:endParaRPr lang="en-US" sz="1400" b="0" i="0" dirty="0">
+              <a:solidFill>
+                <a:srgbClr val="374151"/>
+              </a:solidFill>
+              <a:effectLst/>
+            </a:endParaRPr>
+          </a:p>
+          <a:p>
+            <a:pPr algn="l"/>
+            <a:r>
+              <a:rPr lang="en-US" sz="1400" b="0" i="0" dirty="0">
+                <a:solidFill>
+                  <a:srgbClr val="374151"/>
+                </a:solidFill>
+                <a:effectLst/>
+              </a:rPr>
+              <a:t>In summary, reward models play a crucial role in training Llama-2 Chat by providing quality scores for responses and guiding the model's learning process through reinforcement learning. They help the model generate more relevant and coherent responses by optimizing its behavior based on the feedback provided by human evaluators.</a:t>
+            </a:r>
+          </a:p>
+        </p:txBody>
+      </p:sp>
     </p:spTree>
     <p:extLst>
       <p:ext uri="{BB962C8B-B14F-4D97-AF65-F5344CB8AC3E}">
@@ -9549,7 +10013,7 @@
 </p:sld>
 </file>
 
-<file path=ppt/slides/slide41.xml><?xml version="1.0" encoding="utf-8"?>
+<file path=ppt/slides/slide42.xml><?xml version="1.0" encoding="utf-8"?>
 <p:sld xmlns:a="http://schemas.openxmlformats.org/drawingml/2006/main" xmlns:r="http://schemas.openxmlformats.org/officeDocument/2006/relationships" xmlns:p="http://schemas.openxmlformats.org/presentationml/2006/main">
   <p:cSld>
     <p:spTree>
@@ -9579,7 +10043,7 @@
 </p:sld>
 </file>
 
-<file path=ppt/slides/slide42.xml><?xml version="1.0" encoding="utf-8"?>
+<file path=ppt/slides/slide43.xml><?xml version="1.0" encoding="utf-8"?>
 <p:sld xmlns:a="http://schemas.openxmlformats.org/drawingml/2006/main" xmlns:r="http://schemas.openxmlformats.org/officeDocument/2006/relationships" xmlns:p="http://schemas.openxmlformats.org/presentationml/2006/main">
   <p:cSld>
     <p:spTree>

--- a/Machine Learning Quiz Question.pptx
+++ b/Machine Learning Quiz Question.pptx
@@ -46,8 +46,9 @@
     <p:sldId id="290" r:id="rId40"/>
     <p:sldId id="298" r:id="rId41"/>
     <p:sldId id="291" r:id="rId42"/>
-    <p:sldId id="292" r:id="rId43"/>
-    <p:sldId id="293" r:id="rId44"/>
+    <p:sldId id="299" r:id="rId43"/>
+    <p:sldId id="292" r:id="rId44"/>
+    <p:sldId id="293" r:id="rId45"/>
   </p:sldIdLst>
   <p:sldSz cx="12192000" cy="6858000"/>
   <p:notesSz cx="6858000" cy="9144000"/>
@@ -301,7 +302,7 @@
           <a:p>
             <a:fld id="{635DE9B5-6039-4F90-B9CD-3F2F36427E48}" type="datetimeFigureOut">
               <a:rPr lang="en-US" smtClean="0"/>
-              <a:t>9/26/2023</a:t>
+              <a:t>9/27/2023</a:t>
             </a:fld>
             <a:endParaRPr lang="en-US"/>
           </a:p>
@@ -499,7 +500,7 @@
           <a:p>
             <a:fld id="{635DE9B5-6039-4F90-B9CD-3F2F36427E48}" type="datetimeFigureOut">
               <a:rPr lang="en-US" smtClean="0"/>
-              <a:t>9/26/2023</a:t>
+              <a:t>9/27/2023</a:t>
             </a:fld>
             <a:endParaRPr lang="en-US"/>
           </a:p>
@@ -707,7 +708,7 @@
           <a:p>
             <a:fld id="{635DE9B5-6039-4F90-B9CD-3F2F36427E48}" type="datetimeFigureOut">
               <a:rPr lang="en-US" smtClean="0"/>
-              <a:t>9/26/2023</a:t>
+              <a:t>9/27/2023</a:t>
             </a:fld>
             <a:endParaRPr lang="en-US"/>
           </a:p>
@@ -905,7 +906,7 @@
           <a:p>
             <a:fld id="{635DE9B5-6039-4F90-B9CD-3F2F36427E48}" type="datetimeFigureOut">
               <a:rPr lang="en-US" smtClean="0"/>
-              <a:t>9/26/2023</a:t>
+              <a:t>9/27/2023</a:t>
             </a:fld>
             <a:endParaRPr lang="en-US"/>
           </a:p>
@@ -1180,7 +1181,7 @@
           <a:p>
             <a:fld id="{635DE9B5-6039-4F90-B9CD-3F2F36427E48}" type="datetimeFigureOut">
               <a:rPr lang="en-US" smtClean="0"/>
-              <a:t>9/26/2023</a:t>
+              <a:t>9/27/2023</a:t>
             </a:fld>
             <a:endParaRPr lang="en-US"/>
           </a:p>
@@ -1445,7 +1446,7 @@
           <a:p>
             <a:fld id="{635DE9B5-6039-4F90-B9CD-3F2F36427E48}" type="datetimeFigureOut">
               <a:rPr lang="en-US" smtClean="0"/>
-              <a:t>9/26/2023</a:t>
+              <a:t>9/27/2023</a:t>
             </a:fld>
             <a:endParaRPr lang="en-US"/>
           </a:p>
@@ -1857,7 +1858,7 @@
           <a:p>
             <a:fld id="{635DE9B5-6039-4F90-B9CD-3F2F36427E48}" type="datetimeFigureOut">
               <a:rPr lang="en-US" smtClean="0"/>
-              <a:t>9/26/2023</a:t>
+              <a:t>9/27/2023</a:t>
             </a:fld>
             <a:endParaRPr lang="en-US"/>
           </a:p>
@@ -1998,7 +1999,7 @@
           <a:p>
             <a:fld id="{635DE9B5-6039-4F90-B9CD-3F2F36427E48}" type="datetimeFigureOut">
               <a:rPr lang="en-US" smtClean="0"/>
-              <a:t>9/26/2023</a:t>
+              <a:t>9/27/2023</a:t>
             </a:fld>
             <a:endParaRPr lang="en-US"/>
           </a:p>
@@ -2111,7 +2112,7 @@
           <a:p>
             <a:fld id="{635DE9B5-6039-4F90-B9CD-3F2F36427E48}" type="datetimeFigureOut">
               <a:rPr lang="en-US" smtClean="0"/>
-              <a:t>9/26/2023</a:t>
+              <a:t>9/27/2023</a:t>
             </a:fld>
             <a:endParaRPr lang="en-US"/>
           </a:p>
@@ -2422,7 +2423,7 @@
           <a:p>
             <a:fld id="{635DE9B5-6039-4F90-B9CD-3F2F36427E48}" type="datetimeFigureOut">
               <a:rPr lang="en-US" smtClean="0"/>
-              <a:t>9/26/2023</a:t>
+              <a:t>9/27/2023</a:t>
             </a:fld>
             <a:endParaRPr lang="en-US"/>
           </a:p>
@@ -2710,7 +2711,7 @@
           <a:p>
             <a:fld id="{635DE9B5-6039-4F90-B9CD-3F2F36427E48}" type="datetimeFigureOut">
               <a:rPr lang="en-US" smtClean="0"/>
-              <a:t>9/26/2023</a:t>
+              <a:t>9/27/2023</a:t>
             </a:fld>
             <a:endParaRPr lang="en-US"/>
           </a:p>
@@ -2954,7 +2955,7 @@
           <a:p>
             <a:fld id="{635DE9B5-6039-4F90-B9CD-3F2F36427E48}" type="datetimeFigureOut">
               <a:rPr lang="en-US" smtClean="0"/>
-              <a:t>9/26/2023</a:t>
+              <a:t>9/27/2023</a:t>
             </a:fld>
             <a:endParaRPr lang="en-US"/>
           </a:p>
@@ -10030,6 +10031,376 @@
           <a:chExt cx="0" cy="0"/>
         </a:xfrm>
       </p:grpSpPr>
+      <p:sp>
+        <p:nvSpPr>
+          <p:cNvPr id="2" name="Rectangle: Rounded Corners 1">
+            <a:extLst>
+              <a:ext uri="{FF2B5EF4-FFF2-40B4-BE49-F238E27FC236}">
+                <a16:creationId xmlns:a16="http://schemas.microsoft.com/office/drawing/2014/main" id="{8DE016F8-915B-4F69-9E38-9E36F14FE534}"/>
+              </a:ext>
+            </a:extLst>
+          </p:cNvPr>
+          <p:cNvSpPr/>
+          <p:nvPr/>
+        </p:nvSpPr>
+        <p:spPr>
+          <a:xfrm>
+            <a:off x="631596" y="1392553"/>
+            <a:ext cx="10586301" cy="876693"/>
+          </a:xfrm>
+          <a:prstGeom prst="roundRect">
+            <a:avLst/>
+          </a:prstGeom>
+          <a:solidFill>
+            <a:schemeClr val="accent1">
+              <a:lumMod val="75000"/>
+            </a:schemeClr>
+          </a:solidFill>
+          <a:ln>
+            <a:noFill/>
+          </a:ln>
+        </p:spPr>
+        <p:style>
+          <a:lnRef idx="2">
+            <a:schemeClr val="accent1">
+              <a:shade val="50000"/>
+            </a:schemeClr>
+          </a:lnRef>
+          <a:fillRef idx="1">
+            <a:schemeClr val="accent1"/>
+          </a:fillRef>
+          <a:effectRef idx="0">
+            <a:schemeClr val="accent1"/>
+          </a:effectRef>
+          <a:fontRef idx="minor">
+            <a:schemeClr val="lt1"/>
+          </a:fontRef>
+        </p:style>
+        <p:txBody>
+          <a:bodyPr rtlCol="0" anchor="ctr"/>
+          <a:lstStyle/>
+          <a:p>
+            <a:pPr algn="l" fontAlgn="auto"/>
+            <a:r>
+              <a:rPr lang="en-US" b="1" i="0">
+                <a:effectLst/>
+                <a:latin typeface="-apple-system"/>
+              </a:rPr>
+              <a:t>Which is TRUE for Gradient Boost?</a:t>
+            </a:r>
+            <a:br>
+              <a:rPr lang="en-US" b="1" i="0">
+                <a:effectLst/>
+                <a:latin typeface="-apple-system"/>
+              </a:rPr>
+            </a:br>
+            <a:r>
+              <a:rPr lang="en-US" b="1" i="0">
+                <a:effectLst/>
+                <a:latin typeface="-apple-system"/>
+              </a:rPr>
+              <a:t>A.In each stage, introduce a new regression tree to compensate shortcomings</a:t>
+            </a:r>
+            <a:br>
+              <a:rPr lang="en-US" b="1" i="0">
+                <a:effectLst/>
+                <a:latin typeface="-apple-system"/>
+              </a:rPr>
+            </a:br>
+            <a:r>
+              <a:rPr lang="en-US" b="1" i="0">
+                <a:effectLst/>
+                <a:latin typeface="-apple-system"/>
+              </a:rPr>
+              <a:t>B.Helps minimize loss function</a:t>
+            </a:r>
+          </a:p>
+        </p:txBody>
+      </p:sp>
+      <p:sp>
+        <p:nvSpPr>
+          <p:cNvPr id="4" name="Rectangle: Rounded Corners 3">
+            <a:extLst>
+              <a:ext uri="{FF2B5EF4-FFF2-40B4-BE49-F238E27FC236}">
+                <a16:creationId xmlns:a16="http://schemas.microsoft.com/office/drawing/2014/main" id="{B50984B7-2FBD-46A0-8ABC-366F02506BA1}"/>
+              </a:ext>
+            </a:extLst>
+          </p:cNvPr>
+          <p:cNvSpPr/>
+          <p:nvPr/>
+        </p:nvSpPr>
+        <p:spPr>
+          <a:xfrm>
+            <a:off x="989814" y="2733778"/>
+            <a:ext cx="3383280" cy="395925"/>
+          </a:xfrm>
+          <a:prstGeom prst="roundRect">
+            <a:avLst/>
+          </a:prstGeom>
+          <a:solidFill>
+            <a:schemeClr val="accent1">
+              <a:lumMod val="75000"/>
+            </a:schemeClr>
+          </a:solidFill>
+          <a:ln>
+            <a:noFill/>
+          </a:ln>
+        </p:spPr>
+        <p:style>
+          <a:lnRef idx="2">
+            <a:schemeClr val="accent1">
+              <a:shade val="50000"/>
+            </a:schemeClr>
+          </a:lnRef>
+          <a:fillRef idx="1">
+            <a:schemeClr val="accent1"/>
+          </a:fillRef>
+          <a:effectRef idx="0">
+            <a:schemeClr val="accent1"/>
+          </a:effectRef>
+          <a:fontRef idx="minor">
+            <a:schemeClr val="lt1"/>
+          </a:fontRef>
+        </p:style>
+        <p:txBody>
+          <a:bodyPr rtlCol="0" anchor="ctr"/>
+          <a:lstStyle/>
+          <a:p>
+            <a:pPr algn="l" fontAlgn="auto"/>
+            <a:r>
+              <a:rPr lang="en-US" b="1" i="0">
+                <a:effectLst/>
+                <a:latin typeface="-apple-system"/>
+              </a:rPr>
+              <a:t>Only A</a:t>
+            </a:r>
+          </a:p>
+        </p:txBody>
+      </p:sp>
+      <p:sp>
+        <p:nvSpPr>
+          <p:cNvPr id="5" name="Rectangle: Rounded Corners 4">
+            <a:extLst>
+              <a:ext uri="{FF2B5EF4-FFF2-40B4-BE49-F238E27FC236}">
+                <a16:creationId xmlns:a16="http://schemas.microsoft.com/office/drawing/2014/main" id="{E823F100-F047-4246-9939-77C3C1CC3098}"/>
+              </a:ext>
+            </a:extLst>
+          </p:cNvPr>
+          <p:cNvSpPr/>
+          <p:nvPr/>
+        </p:nvSpPr>
+        <p:spPr>
+          <a:xfrm>
+            <a:off x="989814" y="3182074"/>
+            <a:ext cx="3383280" cy="395925"/>
+          </a:xfrm>
+          <a:prstGeom prst="roundRect">
+            <a:avLst/>
+          </a:prstGeom>
+          <a:solidFill>
+            <a:schemeClr val="accent1">
+              <a:lumMod val="60000"/>
+              <a:lumOff val="40000"/>
+            </a:schemeClr>
+          </a:solidFill>
+          <a:ln>
+            <a:noFill/>
+          </a:ln>
+        </p:spPr>
+        <p:style>
+          <a:lnRef idx="2">
+            <a:schemeClr val="accent1">
+              <a:shade val="50000"/>
+            </a:schemeClr>
+          </a:lnRef>
+          <a:fillRef idx="1">
+            <a:schemeClr val="accent1"/>
+          </a:fillRef>
+          <a:effectRef idx="0">
+            <a:schemeClr val="accent1"/>
+          </a:effectRef>
+          <a:fontRef idx="minor">
+            <a:schemeClr val="lt1"/>
+          </a:fontRef>
+        </p:style>
+        <p:txBody>
+          <a:bodyPr rtlCol="0" anchor="ctr"/>
+          <a:lstStyle/>
+          <a:p>
+            <a:pPr algn="l" fontAlgn="auto"/>
+            <a:r>
+              <a:rPr lang="en-US" b="1" i="0">
+                <a:effectLst/>
+                <a:latin typeface="-apple-system"/>
+              </a:rPr>
+              <a:t>Only B</a:t>
+            </a:r>
+          </a:p>
+        </p:txBody>
+      </p:sp>
+      <p:sp>
+        <p:nvSpPr>
+          <p:cNvPr id="6" name="Rectangle: Rounded Corners 5">
+            <a:extLst>
+              <a:ext uri="{FF2B5EF4-FFF2-40B4-BE49-F238E27FC236}">
+                <a16:creationId xmlns:a16="http://schemas.microsoft.com/office/drawing/2014/main" id="{7D0E8B77-9A22-4F60-A99E-0960AE666A8C}"/>
+              </a:ext>
+            </a:extLst>
+          </p:cNvPr>
+          <p:cNvSpPr/>
+          <p:nvPr/>
+        </p:nvSpPr>
+        <p:spPr>
+          <a:xfrm>
+            <a:off x="989814" y="3630370"/>
+            <a:ext cx="5212080" cy="395925"/>
+          </a:xfrm>
+          <a:prstGeom prst="roundRect">
+            <a:avLst/>
+          </a:prstGeom>
+          <a:solidFill>
+            <a:schemeClr val="accent1">
+              <a:lumMod val="40000"/>
+              <a:lumOff val="60000"/>
+            </a:schemeClr>
+          </a:solidFill>
+          <a:ln>
+            <a:noFill/>
+          </a:ln>
+        </p:spPr>
+        <p:style>
+          <a:lnRef idx="2">
+            <a:schemeClr val="accent1">
+              <a:shade val="50000"/>
+            </a:schemeClr>
+          </a:lnRef>
+          <a:fillRef idx="1">
+            <a:schemeClr val="accent1"/>
+          </a:fillRef>
+          <a:effectRef idx="0">
+            <a:schemeClr val="accent1"/>
+          </a:effectRef>
+          <a:fontRef idx="minor">
+            <a:schemeClr val="lt1"/>
+          </a:fontRef>
+        </p:style>
+        <p:txBody>
+          <a:bodyPr rtlCol="0" anchor="ctr"/>
+          <a:lstStyle/>
+          <a:p>
+            <a:pPr algn="l" fontAlgn="auto"/>
+            <a:r>
+              <a:rPr lang="en-US" b="1" i="0">
+                <a:effectLst/>
+                <a:latin typeface="-apple-system"/>
+              </a:rPr>
+              <a:t>Both A and B</a:t>
+            </a:r>
+          </a:p>
+        </p:txBody>
+      </p:sp>
+      <p:sp>
+        <p:nvSpPr>
+          <p:cNvPr id="7" name="Rectangle: Rounded Corners 6">
+            <a:extLst>
+              <a:ext uri="{FF2B5EF4-FFF2-40B4-BE49-F238E27FC236}">
+                <a16:creationId xmlns:a16="http://schemas.microsoft.com/office/drawing/2014/main" id="{53673D83-8D0B-444C-BFB2-123F391E8E95}"/>
+              </a:ext>
+            </a:extLst>
+          </p:cNvPr>
+          <p:cNvSpPr/>
+          <p:nvPr/>
+        </p:nvSpPr>
+        <p:spPr>
+          <a:xfrm>
+            <a:off x="989814" y="4078666"/>
+            <a:ext cx="3383280" cy="395925"/>
+          </a:xfrm>
+          <a:prstGeom prst="roundRect">
+            <a:avLst/>
+          </a:prstGeom>
+          <a:solidFill>
+            <a:schemeClr val="accent1">
+              <a:lumMod val="20000"/>
+              <a:lumOff val="80000"/>
+            </a:schemeClr>
+          </a:solidFill>
+          <a:ln>
+            <a:noFill/>
+          </a:ln>
+        </p:spPr>
+        <p:style>
+          <a:lnRef idx="2">
+            <a:schemeClr val="accent1">
+              <a:shade val="50000"/>
+            </a:schemeClr>
+          </a:lnRef>
+          <a:fillRef idx="1">
+            <a:schemeClr val="accent1"/>
+          </a:fillRef>
+          <a:effectRef idx="0">
+            <a:schemeClr val="accent1"/>
+          </a:effectRef>
+          <a:fontRef idx="minor">
+            <a:schemeClr val="lt1"/>
+          </a:fontRef>
+        </p:style>
+        <p:txBody>
+          <a:bodyPr rtlCol="0" anchor="ctr"/>
+          <a:lstStyle/>
+          <a:p>
+            <a:pPr algn="l" fontAlgn="auto"/>
+            <a:r>
+              <a:rPr lang="en-US" b="1" i="0" dirty="0">
+                <a:effectLst/>
+                <a:latin typeface="-apple-system"/>
+              </a:rPr>
+              <a:t>None of the </a:t>
+            </a:r>
+            <a:r>
+              <a:rPr lang="en-US" b="1" i="0" dirty="0" err="1">
+                <a:effectLst/>
+                <a:latin typeface="-apple-system"/>
+              </a:rPr>
+              <a:t>aboves</a:t>
+            </a:r>
+            <a:endParaRPr lang="en-US" b="1" i="0" dirty="0">
+              <a:effectLst/>
+              <a:latin typeface="-apple-system"/>
+            </a:endParaRPr>
+          </a:p>
+        </p:txBody>
+      </p:sp>
+    </p:spTree>
+    <p:extLst>
+      <p:ext uri="{BB962C8B-B14F-4D97-AF65-F5344CB8AC3E}">
+        <p14:creationId xmlns:p14="http://schemas.microsoft.com/office/powerpoint/2010/main" val="3451284593"/>
+      </p:ext>
+    </p:extLst>
+  </p:cSld>
+  <p:clrMapOvr>
+    <a:masterClrMapping/>
+  </p:clrMapOvr>
+</p:sld>
+</file>
+
+<file path=ppt/slides/slide43.xml><?xml version="1.0" encoding="utf-8"?>
+<p:sld xmlns:a="http://schemas.openxmlformats.org/drawingml/2006/main" xmlns:r="http://schemas.openxmlformats.org/officeDocument/2006/relationships" xmlns:p="http://schemas.openxmlformats.org/presentationml/2006/main">
+  <p:cSld>
+    <p:spTree>
+      <p:nvGrpSpPr>
+        <p:cNvPr id="1" name=""/>
+        <p:cNvGrpSpPr/>
+        <p:nvPr/>
+      </p:nvGrpSpPr>
+      <p:grpSpPr>
+        <a:xfrm>
+          <a:off x="0" y="0"/>
+          <a:ext cx="0" cy="0"/>
+          <a:chOff x="0" y="0"/>
+          <a:chExt cx="0" cy="0"/>
+        </a:xfrm>
+      </p:grpSpPr>
     </p:spTree>
     <p:extLst>
       <p:ext uri="{BB962C8B-B14F-4D97-AF65-F5344CB8AC3E}">
@@ -10043,7 +10414,7 @@
 </p:sld>
 </file>
 
-<file path=ppt/slides/slide43.xml><?xml version="1.0" encoding="utf-8"?>
+<file path=ppt/slides/slide44.xml><?xml version="1.0" encoding="utf-8"?>
 <p:sld xmlns:a="http://schemas.openxmlformats.org/drawingml/2006/main" xmlns:r="http://schemas.openxmlformats.org/officeDocument/2006/relationships" xmlns:p="http://schemas.openxmlformats.org/presentationml/2006/main">
   <p:cSld>
     <p:spTree>

--- a/Machine Learning Quiz Question.pptx
+++ b/Machine Learning Quiz Question.pptx
@@ -47,8 +47,9 @@
     <p:sldId id="298" r:id="rId41"/>
     <p:sldId id="291" r:id="rId42"/>
     <p:sldId id="299" r:id="rId43"/>
-    <p:sldId id="292" r:id="rId44"/>
-    <p:sldId id="293" r:id="rId45"/>
+    <p:sldId id="300" r:id="rId44"/>
+    <p:sldId id="292" r:id="rId45"/>
+    <p:sldId id="293" r:id="rId46"/>
   </p:sldIdLst>
   <p:sldSz cx="12192000" cy="6858000"/>
   <p:notesSz cx="6858000" cy="9144000"/>
@@ -302,7 +303,7 @@
           <a:p>
             <a:fld id="{635DE9B5-6039-4F90-B9CD-3F2F36427E48}" type="datetimeFigureOut">
               <a:rPr lang="en-US" smtClean="0"/>
-              <a:t>9/27/2023</a:t>
+              <a:t>9/28/2023</a:t>
             </a:fld>
             <a:endParaRPr lang="en-US"/>
           </a:p>
@@ -500,7 +501,7 @@
           <a:p>
             <a:fld id="{635DE9B5-6039-4F90-B9CD-3F2F36427E48}" type="datetimeFigureOut">
               <a:rPr lang="en-US" smtClean="0"/>
-              <a:t>9/27/2023</a:t>
+              <a:t>9/28/2023</a:t>
             </a:fld>
             <a:endParaRPr lang="en-US"/>
           </a:p>
@@ -708,7 +709,7 @@
           <a:p>
             <a:fld id="{635DE9B5-6039-4F90-B9CD-3F2F36427E48}" type="datetimeFigureOut">
               <a:rPr lang="en-US" smtClean="0"/>
-              <a:t>9/27/2023</a:t>
+              <a:t>9/28/2023</a:t>
             </a:fld>
             <a:endParaRPr lang="en-US"/>
           </a:p>
@@ -906,7 +907,7 @@
           <a:p>
             <a:fld id="{635DE9B5-6039-4F90-B9CD-3F2F36427E48}" type="datetimeFigureOut">
               <a:rPr lang="en-US" smtClean="0"/>
-              <a:t>9/27/2023</a:t>
+              <a:t>9/28/2023</a:t>
             </a:fld>
             <a:endParaRPr lang="en-US"/>
           </a:p>
@@ -1181,7 +1182,7 @@
           <a:p>
             <a:fld id="{635DE9B5-6039-4F90-B9CD-3F2F36427E48}" type="datetimeFigureOut">
               <a:rPr lang="en-US" smtClean="0"/>
-              <a:t>9/27/2023</a:t>
+              <a:t>9/28/2023</a:t>
             </a:fld>
             <a:endParaRPr lang="en-US"/>
           </a:p>
@@ -1446,7 +1447,7 @@
           <a:p>
             <a:fld id="{635DE9B5-6039-4F90-B9CD-3F2F36427E48}" type="datetimeFigureOut">
               <a:rPr lang="en-US" smtClean="0"/>
-              <a:t>9/27/2023</a:t>
+              <a:t>9/28/2023</a:t>
             </a:fld>
             <a:endParaRPr lang="en-US"/>
           </a:p>
@@ -1858,7 +1859,7 @@
           <a:p>
             <a:fld id="{635DE9B5-6039-4F90-B9CD-3F2F36427E48}" type="datetimeFigureOut">
               <a:rPr lang="en-US" smtClean="0"/>
-              <a:t>9/27/2023</a:t>
+              <a:t>9/28/2023</a:t>
             </a:fld>
             <a:endParaRPr lang="en-US"/>
           </a:p>
@@ -1999,7 +2000,7 @@
           <a:p>
             <a:fld id="{635DE9B5-6039-4F90-B9CD-3F2F36427E48}" type="datetimeFigureOut">
               <a:rPr lang="en-US" smtClean="0"/>
-              <a:t>9/27/2023</a:t>
+              <a:t>9/28/2023</a:t>
             </a:fld>
             <a:endParaRPr lang="en-US"/>
           </a:p>
@@ -2112,7 +2113,7 @@
           <a:p>
             <a:fld id="{635DE9B5-6039-4F90-B9CD-3F2F36427E48}" type="datetimeFigureOut">
               <a:rPr lang="en-US" smtClean="0"/>
-              <a:t>9/27/2023</a:t>
+              <a:t>9/28/2023</a:t>
             </a:fld>
             <a:endParaRPr lang="en-US"/>
           </a:p>
@@ -2423,7 +2424,7 @@
           <a:p>
             <a:fld id="{635DE9B5-6039-4F90-B9CD-3F2F36427E48}" type="datetimeFigureOut">
               <a:rPr lang="en-US" smtClean="0"/>
-              <a:t>9/27/2023</a:t>
+              <a:t>9/28/2023</a:t>
             </a:fld>
             <a:endParaRPr lang="en-US"/>
           </a:p>
@@ -2711,7 +2712,7 @@
           <a:p>
             <a:fld id="{635DE9B5-6039-4F90-B9CD-3F2F36427E48}" type="datetimeFigureOut">
               <a:rPr lang="en-US" smtClean="0"/>
-              <a:t>9/27/2023</a:t>
+              <a:t>9/28/2023</a:t>
             </a:fld>
             <a:endParaRPr lang="en-US"/>
           </a:p>
@@ -2955,7 +2956,7 @@
           <a:p>
             <a:fld id="{635DE9B5-6039-4F90-B9CD-3F2F36427E48}" type="datetimeFigureOut">
               <a:rPr lang="en-US" smtClean="0"/>
-              <a:t>9/27/2023</a:t>
+              <a:t>9/28/2023</a:t>
             </a:fld>
             <a:endParaRPr lang="en-US"/>
           </a:p>
@@ -10401,6 +10402,451 @@
           <a:chExt cx="0" cy="0"/>
         </a:xfrm>
       </p:grpSpPr>
+      <p:sp>
+        <p:nvSpPr>
+          <p:cNvPr id="2" name="Rectangle: Rounded Corners 1">
+            <a:extLst>
+              <a:ext uri="{FF2B5EF4-FFF2-40B4-BE49-F238E27FC236}">
+                <a16:creationId xmlns:a16="http://schemas.microsoft.com/office/drawing/2014/main" id="{8DE016F8-915B-4F69-9E38-9E36F14FE534}"/>
+              </a:ext>
+            </a:extLst>
+          </p:cNvPr>
+          <p:cNvSpPr/>
+          <p:nvPr/>
+        </p:nvSpPr>
+        <p:spPr>
+          <a:xfrm>
+            <a:off x="631596" y="1392553"/>
+            <a:ext cx="10586301" cy="876693"/>
+          </a:xfrm>
+          <a:prstGeom prst="roundRect">
+            <a:avLst/>
+          </a:prstGeom>
+          <a:solidFill>
+            <a:schemeClr val="accent1">
+              <a:lumMod val="75000"/>
+            </a:schemeClr>
+          </a:solidFill>
+          <a:ln>
+            <a:noFill/>
+          </a:ln>
+        </p:spPr>
+        <p:style>
+          <a:lnRef idx="2">
+            <a:schemeClr val="accent1">
+              <a:shade val="50000"/>
+            </a:schemeClr>
+          </a:lnRef>
+          <a:fillRef idx="1">
+            <a:schemeClr val="accent1"/>
+          </a:fillRef>
+          <a:effectRef idx="0">
+            <a:schemeClr val="accent1"/>
+          </a:effectRef>
+          <a:fontRef idx="minor">
+            <a:schemeClr val="lt1"/>
+          </a:fontRef>
+        </p:style>
+        <p:txBody>
+          <a:bodyPr rtlCol="0" anchor="ctr"/>
+          <a:lstStyle/>
+          <a:p>
+            <a:pPr algn="l" fontAlgn="auto"/>
+            <a:r>
+              <a:rPr lang="en-US" b="1" i="0">
+                <a:effectLst/>
+                <a:latin typeface="-apple-system"/>
+              </a:rPr>
+              <a:t>Is the statement TRUE:</a:t>
+            </a:r>
+            <a:br>
+              <a:rPr lang="en-US" b="1" i="0">
+                <a:effectLst/>
+                <a:latin typeface="-apple-system"/>
+              </a:rPr>
+            </a:br>
+            <a:r>
+              <a:rPr lang="en-US" b="1" i="0">
+                <a:effectLst/>
+                <a:latin typeface="-apple-system"/>
+              </a:rPr>
+              <a:t>The bagging is suitable for high variance low bias models.</a:t>
+            </a:r>
+          </a:p>
+        </p:txBody>
+      </p:sp>
+      <p:sp>
+        <p:nvSpPr>
+          <p:cNvPr id="4" name="Rectangle: Rounded Corners 3">
+            <a:extLst>
+              <a:ext uri="{FF2B5EF4-FFF2-40B4-BE49-F238E27FC236}">
+                <a16:creationId xmlns:a16="http://schemas.microsoft.com/office/drawing/2014/main" id="{B50984B7-2FBD-46A0-8ABC-366F02506BA1}"/>
+              </a:ext>
+            </a:extLst>
+          </p:cNvPr>
+          <p:cNvSpPr/>
+          <p:nvPr/>
+        </p:nvSpPr>
+        <p:spPr>
+          <a:xfrm>
+            <a:off x="989814" y="2733778"/>
+            <a:ext cx="5029200" cy="395925"/>
+          </a:xfrm>
+          <a:prstGeom prst="roundRect">
+            <a:avLst/>
+          </a:prstGeom>
+          <a:solidFill>
+            <a:schemeClr val="accent1">
+              <a:lumMod val="75000"/>
+            </a:schemeClr>
+          </a:solidFill>
+          <a:ln>
+            <a:noFill/>
+          </a:ln>
+        </p:spPr>
+        <p:style>
+          <a:lnRef idx="2">
+            <a:schemeClr val="accent1">
+              <a:shade val="50000"/>
+            </a:schemeClr>
+          </a:lnRef>
+          <a:fillRef idx="1">
+            <a:schemeClr val="accent1"/>
+          </a:fillRef>
+          <a:effectRef idx="0">
+            <a:schemeClr val="accent1"/>
+          </a:effectRef>
+          <a:fontRef idx="minor">
+            <a:schemeClr val="lt1"/>
+          </a:fontRef>
+        </p:style>
+        <p:txBody>
+          <a:bodyPr rtlCol="0" anchor="ctr"/>
+          <a:lstStyle/>
+          <a:p>
+            <a:pPr algn="l" fontAlgn="auto"/>
+            <a:r>
+              <a:rPr lang="en-US" b="1" i="0">
+                <a:effectLst/>
+                <a:latin typeface="-apple-system"/>
+              </a:rPr>
+              <a:t>A.TRUE</a:t>
+            </a:r>
+          </a:p>
+        </p:txBody>
+      </p:sp>
+      <p:sp>
+        <p:nvSpPr>
+          <p:cNvPr id="5" name="Rectangle: Rounded Corners 4">
+            <a:extLst>
+              <a:ext uri="{FF2B5EF4-FFF2-40B4-BE49-F238E27FC236}">
+                <a16:creationId xmlns:a16="http://schemas.microsoft.com/office/drawing/2014/main" id="{E823F100-F047-4246-9939-77C3C1CC3098}"/>
+              </a:ext>
+            </a:extLst>
+          </p:cNvPr>
+          <p:cNvSpPr/>
+          <p:nvPr/>
+        </p:nvSpPr>
+        <p:spPr>
+          <a:xfrm>
+            <a:off x="989814" y="3182074"/>
+            <a:ext cx="3383280" cy="395925"/>
+          </a:xfrm>
+          <a:prstGeom prst="roundRect">
+            <a:avLst/>
+          </a:prstGeom>
+          <a:solidFill>
+            <a:schemeClr val="accent1">
+              <a:lumMod val="60000"/>
+              <a:lumOff val="40000"/>
+            </a:schemeClr>
+          </a:solidFill>
+          <a:ln>
+            <a:noFill/>
+          </a:ln>
+        </p:spPr>
+        <p:style>
+          <a:lnRef idx="2">
+            <a:schemeClr val="accent1">
+              <a:shade val="50000"/>
+            </a:schemeClr>
+          </a:lnRef>
+          <a:fillRef idx="1">
+            <a:schemeClr val="accent1"/>
+          </a:fillRef>
+          <a:effectRef idx="0">
+            <a:schemeClr val="accent1"/>
+          </a:effectRef>
+          <a:fontRef idx="minor">
+            <a:schemeClr val="lt1"/>
+          </a:fontRef>
+        </p:style>
+        <p:txBody>
+          <a:bodyPr rtlCol="0" anchor="ctr"/>
+          <a:lstStyle/>
+          <a:p>
+            <a:pPr algn="l" fontAlgn="auto"/>
+            <a:r>
+              <a:rPr lang="en-US" b="1" i="0">
+                <a:effectLst/>
+                <a:latin typeface="-apple-system"/>
+              </a:rPr>
+              <a:t>B.FALSE</a:t>
+            </a:r>
+          </a:p>
+        </p:txBody>
+      </p:sp>
+      <p:sp>
+        <p:nvSpPr>
+          <p:cNvPr id="6" name="Rectangle: Rounded Corners 5">
+            <a:extLst>
+              <a:ext uri="{FF2B5EF4-FFF2-40B4-BE49-F238E27FC236}">
+                <a16:creationId xmlns:a16="http://schemas.microsoft.com/office/drawing/2014/main" id="{7D0E8B77-9A22-4F60-A99E-0960AE666A8C}"/>
+              </a:ext>
+            </a:extLst>
+          </p:cNvPr>
+          <p:cNvSpPr/>
+          <p:nvPr/>
+        </p:nvSpPr>
+        <p:spPr>
+          <a:xfrm>
+            <a:off x="989814" y="3630370"/>
+            <a:ext cx="3383280" cy="395925"/>
+          </a:xfrm>
+          <a:prstGeom prst="roundRect">
+            <a:avLst/>
+          </a:prstGeom>
+          <a:solidFill>
+            <a:schemeClr val="accent1">
+              <a:lumMod val="40000"/>
+              <a:lumOff val="60000"/>
+            </a:schemeClr>
+          </a:solidFill>
+          <a:ln>
+            <a:noFill/>
+          </a:ln>
+        </p:spPr>
+        <p:style>
+          <a:lnRef idx="2">
+            <a:schemeClr val="accent1">
+              <a:shade val="50000"/>
+            </a:schemeClr>
+          </a:lnRef>
+          <a:fillRef idx="1">
+            <a:schemeClr val="accent1"/>
+          </a:fillRef>
+          <a:effectRef idx="0">
+            <a:schemeClr val="accent1"/>
+          </a:effectRef>
+          <a:fontRef idx="minor">
+            <a:schemeClr val="lt1"/>
+          </a:fontRef>
+        </p:style>
+        <p:txBody>
+          <a:bodyPr rtlCol="0" anchor="ctr"/>
+          <a:lstStyle/>
+          <a:p>
+            <a:pPr algn="l" fontAlgn="auto"/>
+            <a:r>
+              <a:rPr lang="en-US" b="1" i="0">
+                <a:effectLst/>
+                <a:latin typeface="-apple-system"/>
+              </a:rPr>
+              <a:t>C.Could be TRUE or FALSE</a:t>
+            </a:r>
+          </a:p>
+        </p:txBody>
+      </p:sp>
+      <p:sp>
+        <p:nvSpPr>
+          <p:cNvPr id="7" name="Rectangle: Rounded Corners 6">
+            <a:extLst>
+              <a:ext uri="{FF2B5EF4-FFF2-40B4-BE49-F238E27FC236}">
+                <a16:creationId xmlns:a16="http://schemas.microsoft.com/office/drawing/2014/main" id="{53673D83-8D0B-444C-BFB2-123F391E8E95}"/>
+              </a:ext>
+            </a:extLst>
+          </p:cNvPr>
+          <p:cNvSpPr/>
+          <p:nvPr/>
+        </p:nvSpPr>
+        <p:spPr>
+          <a:xfrm>
+            <a:off x="989814" y="4078666"/>
+            <a:ext cx="3383280" cy="395925"/>
+          </a:xfrm>
+          <a:prstGeom prst="roundRect">
+            <a:avLst/>
+          </a:prstGeom>
+          <a:solidFill>
+            <a:schemeClr val="accent1">
+              <a:lumMod val="20000"/>
+              <a:lumOff val="80000"/>
+            </a:schemeClr>
+          </a:solidFill>
+          <a:ln>
+            <a:noFill/>
+          </a:ln>
+        </p:spPr>
+        <p:style>
+          <a:lnRef idx="2">
+            <a:schemeClr val="accent1">
+              <a:shade val="50000"/>
+            </a:schemeClr>
+          </a:lnRef>
+          <a:fillRef idx="1">
+            <a:schemeClr val="accent1"/>
+          </a:fillRef>
+          <a:effectRef idx="0">
+            <a:schemeClr val="accent1"/>
+          </a:effectRef>
+          <a:fontRef idx="minor">
+            <a:schemeClr val="lt1"/>
+          </a:fontRef>
+        </p:style>
+        <p:txBody>
+          <a:bodyPr rtlCol="0" anchor="ctr"/>
+          <a:lstStyle/>
+          <a:p>
+            <a:pPr algn="l" fontAlgn="auto"/>
+            <a:r>
+              <a:rPr lang="en-US" b="1" i="0">
+                <a:effectLst/>
+                <a:latin typeface="-apple-system"/>
+              </a:rPr>
+              <a:t>D.Cannot say!!</a:t>
+            </a:r>
+            <a:endParaRPr lang="en-US" b="1" i="0" dirty="0">
+              <a:effectLst/>
+              <a:latin typeface="-apple-system"/>
+            </a:endParaRPr>
+          </a:p>
+        </p:txBody>
+      </p:sp>
+    </p:spTree>
+    <p:extLst>
+      <p:ext uri="{BB962C8B-B14F-4D97-AF65-F5344CB8AC3E}">
+        <p14:creationId xmlns:p14="http://schemas.microsoft.com/office/powerpoint/2010/main" val="746298527"/>
+      </p:ext>
+    </p:extLst>
+  </p:cSld>
+  <p:clrMapOvr>
+    <a:masterClrMapping/>
+  </p:clrMapOvr>
+</p:sld>
+</file>
+
+<file path=ppt/slides/slide44.xml><?xml version="1.0" encoding="utf-8"?>
+<p:sld xmlns:a="http://schemas.openxmlformats.org/drawingml/2006/main" xmlns:r="http://schemas.openxmlformats.org/officeDocument/2006/relationships" xmlns:p="http://schemas.openxmlformats.org/presentationml/2006/main">
+  <p:cSld>
+    <p:spTree>
+      <p:nvGrpSpPr>
+        <p:cNvPr id="1" name=""/>
+        <p:cNvGrpSpPr/>
+        <p:nvPr/>
+      </p:nvGrpSpPr>
+      <p:grpSpPr>
+        <a:xfrm>
+          <a:off x="0" y="0"/>
+          <a:ext cx="0" cy="0"/>
+          <a:chOff x="0" y="0"/>
+          <a:chExt cx="0" cy="0"/>
+        </a:xfrm>
+      </p:grpSpPr>
+      <p:sp>
+        <p:nvSpPr>
+          <p:cNvPr id="3" name="TextBox 2">
+            <a:extLst>
+              <a:ext uri="{FF2B5EF4-FFF2-40B4-BE49-F238E27FC236}">
+                <a16:creationId xmlns:a16="http://schemas.microsoft.com/office/drawing/2014/main" id="{6049B0AC-C64D-47BF-B4F9-522EFA10DBCE}"/>
+              </a:ext>
+            </a:extLst>
+          </p:cNvPr>
+          <p:cNvSpPr txBox="1"/>
+          <p:nvPr/>
+        </p:nvSpPr>
+        <p:spPr>
+          <a:xfrm>
+            <a:off x="820132" y="1955535"/>
+            <a:ext cx="10944520" cy="2062552"/>
+          </a:xfrm>
+          <a:prstGeom prst="rect">
+            <a:avLst/>
+          </a:prstGeom>
+          <a:noFill/>
+        </p:spPr>
+        <p:txBody>
+          <a:bodyPr wrap="square">
+            <a:spAutoFit/>
+          </a:bodyPr>
+          <a:lstStyle/>
+          <a:p>
+            <a:pPr marL="0" marR="0">
+              <a:lnSpc>
+                <a:spcPct val="107000"/>
+              </a:lnSpc>
+              <a:spcBef>
+                <a:spcPts val="0"/>
+              </a:spcBef>
+              <a:spcAft>
+                <a:spcPts val="800"/>
+              </a:spcAft>
+            </a:pPr>
+            <a:r>
+              <a:rPr lang="en-US" sz="1800" dirty="0">
+                <a:effectLst/>
+                <a:latin typeface="Calibri" panose="020F0502020204030204" pitchFamily="34" charset="0"/>
+                <a:ea typeface="Calibri" panose="020F0502020204030204" pitchFamily="34" charset="0"/>
+                <a:cs typeface="Times New Roman" panose="02020603050405020304" pitchFamily="18" charset="0"/>
+              </a:rPr>
+              <a:t>TRUE.</a:t>
+            </a:r>
+          </a:p>
+          <a:p>
+            <a:pPr marL="0" marR="0">
+              <a:lnSpc>
+                <a:spcPct val="107000"/>
+              </a:lnSpc>
+              <a:spcBef>
+                <a:spcPts val="0"/>
+              </a:spcBef>
+              <a:spcAft>
+                <a:spcPts val="800"/>
+              </a:spcAft>
+            </a:pPr>
+            <a:r>
+              <a:rPr lang="en-US" sz="1800" dirty="0">
+                <a:effectLst/>
+                <a:latin typeface="Calibri" panose="020F0502020204030204" pitchFamily="34" charset="0"/>
+                <a:ea typeface="Calibri" panose="020F0502020204030204" pitchFamily="34" charset="0"/>
+                <a:cs typeface="Times New Roman" panose="02020603050405020304" pitchFamily="18" charset="0"/>
+              </a:rPr>
+              <a:t> </a:t>
+            </a:r>
+          </a:p>
+          <a:p>
+            <a:pPr marL="0" marR="0">
+              <a:lnSpc>
+                <a:spcPct val="107000"/>
+              </a:lnSpc>
+              <a:spcBef>
+                <a:spcPts val="0"/>
+              </a:spcBef>
+              <a:spcAft>
+                <a:spcPts val="800"/>
+              </a:spcAft>
+            </a:pPr>
+            <a:r>
+              <a:rPr lang="en-US" sz="1800" dirty="0">
+                <a:effectLst/>
+                <a:latin typeface="Calibri" panose="020F0502020204030204" pitchFamily="34" charset="0"/>
+                <a:ea typeface="Calibri" panose="020F0502020204030204" pitchFamily="34" charset="0"/>
+                <a:cs typeface="Times New Roman" panose="02020603050405020304" pitchFamily="18" charset="0"/>
+              </a:rPr>
+              <a:t>Bagging (Bootstrap Aggregating) is indeed suitable for high variance low bias models. The primary purpose of bagging is to reduce variance without increasing bias. By averaging or aggregating predictions from multiple models, each trained on different bootstrapped subsets of the data, bagging helps mitigate the overfitting tendencies of models like decision trees, which typically have low bias but high variance.</a:t>
+            </a:r>
+          </a:p>
+        </p:txBody>
+      </p:sp>
     </p:spTree>
     <p:extLst>
       <p:ext uri="{BB962C8B-B14F-4D97-AF65-F5344CB8AC3E}">
@@ -10414,7 +10860,7 @@
 </p:sld>
 </file>
 
-<file path=ppt/slides/slide44.xml><?xml version="1.0" encoding="utf-8"?>
+<file path=ppt/slides/slide45.xml><?xml version="1.0" encoding="utf-8"?>
 <p:sld xmlns:a="http://schemas.openxmlformats.org/drawingml/2006/main" xmlns:r="http://schemas.openxmlformats.org/officeDocument/2006/relationships" xmlns:p="http://schemas.openxmlformats.org/presentationml/2006/main">
   <p:cSld>
     <p:spTree>

--- a/Machine Learning Quiz Question.pptx
+++ b/Machine Learning Quiz Question.pptx
@@ -49,7 +49,9 @@
     <p:sldId id="299" r:id="rId43"/>
     <p:sldId id="300" r:id="rId44"/>
     <p:sldId id="292" r:id="rId45"/>
-    <p:sldId id="293" r:id="rId46"/>
+    <p:sldId id="301" r:id="rId46"/>
+    <p:sldId id="302" r:id="rId47"/>
+    <p:sldId id="293" r:id="rId48"/>
   </p:sldIdLst>
   <p:sldSz cx="12192000" cy="6858000"/>
   <p:notesSz cx="6858000" cy="9144000"/>
@@ -303,7 +305,7 @@
           <a:p>
             <a:fld id="{635DE9B5-6039-4F90-B9CD-3F2F36427E48}" type="datetimeFigureOut">
               <a:rPr lang="en-US" smtClean="0"/>
-              <a:t>9/28/2023</a:t>
+              <a:t>10/5/2023</a:t>
             </a:fld>
             <a:endParaRPr lang="en-US"/>
           </a:p>
@@ -501,7 +503,7 @@
           <a:p>
             <a:fld id="{635DE9B5-6039-4F90-B9CD-3F2F36427E48}" type="datetimeFigureOut">
               <a:rPr lang="en-US" smtClean="0"/>
-              <a:t>9/28/2023</a:t>
+              <a:t>10/5/2023</a:t>
             </a:fld>
             <a:endParaRPr lang="en-US"/>
           </a:p>
@@ -709,7 +711,7 @@
           <a:p>
             <a:fld id="{635DE9B5-6039-4F90-B9CD-3F2F36427E48}" type="datetimeFigureOut">
               <a:rPr lang="en-US" smtClean="0"/>
-              <a:t>9/28/2023</a:t>
+              <a:t>10/5/2023</a:t>
             </a:fld>
             <a:endParaRPr lang="en-US"/>
           </a:p>
@@ -907,7 +909,7 @@
           <a:p>
             <a:fld id="{635DE9B5-6039-4F90-B9CD-3F2F36427E48}" type="datetimeFigureOut">
               <a:rPr lang="en-US" smtClean="0"/>
-              <a:t>9/28/2023</a:t>
+              <a:t>10/5/2023</a:t>
             </a:fld>
             <a:endParaRPr lang="en-US"/>
           </a:p>
@@ -1182,7 +1184,7 @@
           <a:p>
             <a:fld id="{635DE9B5-6039-4F90-B9CD-3F2F36427E48}" type="datetimeFigureOut">
               <a:rPr lang="en-US" smtClean="0"/>
-              <a:t>9/28/2023</a:t>
+              <a:t>10/5/2023</a:t>
             </a:fld>
             <a:endParaRPr lang="en-US"/>
           </a:p>
@@ -1447,7 +1449,7 @@
           <a:p>
             <a:fld id="{635DE9B5-6039-4F90-B9CD-3F2F36427E48}" type="datetimeFigureOut">
               <a:rPr lang="en-US" smtClean="0"/>
-              <a:t>9/28/2023</a:t>
+              <a:t>10/5/2023</a:t>
             </a:fld>
             <a:endParaRPr lang="en-US"/>
           </a:p>
@@ -1859,7 +1861,7 @@
           <a:p>
             <a:fld id="{635DE9B5-6039-4F90-B9CD-3F2F36427E48}" type="datetimeFigureOut">
               <a:rPr lang="en-US" smtClean="0"/>
-              <a:t>9/28/2023</a:t>
+              <a:t>10/5/2023</a:t>
             </a:fld>
             <a:endParaRPr lang="en-US"/>
           </a:p>
@@ -2000,7 +2002,7 @@
           <a:p>
             <a:fld id="{635DE9B5-6039-4F90-B9CD-3F2F36427E48}" type="datetimeFigureOut">
               <a:rPr lang="en-US" smtClean="0"/>
-              <a:t>9/28/2023</a:t>
+              <a:t>10/5/2023</a:t>
             </a:fld>
             <a:endParaRPr lang="en-US"/>
           </a:p>
@@ -2113,7 +2115,7 @@
           <a:p>
             <a:fld id="{635DE9B5-6039-4F90-B9CD-3F2F36427E48}" type="datetimeFigureOut">
               <a:rPr lang="en-US" smtClean="0"/>
-              <a:t>9/28/2023</a:t>
+              <a:t>10/5/2023</a:t>
             </a:fld>
             <a:endParaRPr lang="en-US"/>
           </a:p>
@@ -2424,7 +2426,7 @@
           <a:p>
             <a:fld id="{635DE9B5-6039-4F90-B9CD-3F2F36427E48}" type="datetimeFigureOut">
               <a:rPr lang="en-US" smtClean="0"/>
-              <a:t>9/28/2023</a:t>
+              <a:t>10/5/2023</a:t>
             </a:fld>
             <a:endParaRPr lang="en-US"/>
           </a:p>
@@ -2712,7 +2714,7 @@
           <a:p>
             <a:fld id="{635DE9B5-6039-4F90-B9CD-3F2F36427E48}" type="datetimeFigureOut">
               <a:rPr lang="en-US" smtClean="0"/>
-              <a:t>9/28/2023</a:t>
+              <a:t>10/5/2023</a:t>
             </a:fld>
             <a:endParaRPr lang="en-US"/>
           </a:p>
@@ -2956,7 +2958,7 @@
           <a:p>
             <a:fld id="{635DE9B5-6039-4F90-B9CD-3F2F36427E48}" type="datetimeFigureOut">
               <a:rPr lang="en-US" smtClean="0"/>
-              <a:t>9/28/2023</a:t>
+              <a:t>10/5/2023</a:t>
             </a:fld>
             <a:endParaRPr lang="en-US"/>
           </a:p>
@@ -10877,6 +10879,994 @@
           <a:chExt cx="0" cy="0"/>
         </a:xfrm>
       </p:grpSpPr>
+      <p:sp>
+        <p:nvSpPr>
+          <p:cNvPr id="2" name="Rectangle: Rounded Corners 1">
+            <a:extLst>
+              <a:ext uri="{FF2B5EF4-FFF2-40B4-BE49-F238E27FC236}">
+                <a16:creationId xmlns:a16="http://schemas.microsoft.com/office/drawing/2014/main" id="{8DE016F8-915B-4F69-9E38-9E36F14FE534}"/>
+              </a:ext>
+            </a:extLst>
+          </p:cNvPr>
+          <p:cNvSpPr/>
+          <p:nvPr/>
+        </p:nvSpPr>
+        <p:spPr>
+          <a:xfrm>
+            <a:off x="631596" y="1392553"/>
+            <a:ext cx="10586301" cy="876693"/>
+          </a:xfrm>
+          <a:prstGeom prst="roundRect">
+            <a:avLst/>
+          </a:prstGeom>
+          <a:solidFill>
+            <a:schemeClr val="accent1">
+              <a:lumMod val="75000"/>
+            </a:schemeClr>
+          </a:solidFill>
+          <a:ln>
+            <a:noFill/>
+          </a:ln>
+        </p:spPr>
+        <p:style>
+          <a:lnRef idx="2">
+            <a:schemeClr val="accent1">
+              <a:shade val="50000"/>
+            </a:schemeClr>
+          </a:lnRef>
+          <a:fillRef idx="1">
+            <a:schemeClr val="accent1"/>
+          </a:fillRef>
+          <a:effectRef idx="0">
+            <a:schemeClr val="accent1"/>
+          </a:effectRef>
+          <a:fontRef idx="minor">
+            <a:schemeClr val="lt1"/>
+          </a:fontRef>
+        </p:style>
+        <p:txBody>
+          <a:bodyPr rtlCol="0" anchor="ctr"/>
+          <a:lstStyle/>
+          <a:p>
+            <a:pPr algn="l" fontAlgn="auto"/>
+            <a:r>
+              <a:rPr lang="en-US" b="1" i="0" dirty="0">
+                <a:effectLst/>
+                <a:latin typeface="-apple-system"/>
+              </a:rPr>
+              <a:t>In linguistic morphology, _______. Is the process for reducing inflected words to their root form</a:t>
+            </a:r>
+          </a:p>
+        </p:txBody>
+      </p:sp>
+      <p:sp>
+        <p:nvSpPr>
+          <p:cNvPr id="4" name="Rectangle: Rounded Corners 3">
+            <a:extLst>
+              <a:ext uri="{FF2B5EF4-FFF2-40B4-BE49-F238E27FC236}">
+                <a16:creationId xmlns:a16="http://schemas.microsoft.com/office/drawing/2014/main" id="{B50984B7-2FBD-46A0-8ABC-366F02506BA1}"/>
+              </a:ext>
+            </a:extLst>
+          </p:cNvPr>
+          <p:cNvSpPr/>
+          <p:nvPr/>
+        </p:nvSpPr>
+        <p:spPr>
+          <a:xfrm>
+            <a:off x="989814" y="2733778"/>
+            <a:ext cx="3383280" cy="395925"/>
+          </a:xfrm>
+          <a:prstGeom prst="roundRect">
+            <a:avLst/>
+          </a:prstGeom>
+          <a:solidFill>
+            <a:schemeClr val="accent1">
+              <a:lumMod val="75000"/>
+            </a:schemeClr>
+          </a:solidFill>
+          <a:ln>
+            <a:noFill/>
+          </a:ln>
+        </p:spPr>
+        <p:style>
+          <a:lnRef idx="2">
+            <a:schemeClr val="accent1">
+              <a:shade val="50000"/>
+            </a:schemeClr>
+          </a:lnRef>
+          <a:fillRef idx="1">
+            <a:schemeClr val="accent1"/>
+          </a:fillRef>
+          <a:effectRef idx="0">
+            <a:schemeClr val="accent1"/>
+          </a:effectRef>
+          <a:fontRef idx="minor">
+            <a:schemeClr val="lt1"/>
+          </a:fontRef>
+        </p:style>
+        <p:txBody>
+          <a:bodyPr rtlCol="0" anchor="ctr"/>
+          <a:lstStyle/>
+          <a:p>
+            <a:pPr algn="l" fontAlgn="auto"/>
+            <a:r>
+              <a:rPr lang="en-US" b="1" i="0">
+                <a:effectLst/>
+                <a:latin typeface="-apple-system"/>
+              </a:rPr>
+              <a:t>A. Rooting</a:t>
+            </a:r>
+          </a:p>
+        </p:txBody>
+      </p:sp>
+      <p:sp>
+        <p:nvSpPr>
+          <p:cNvPr id="5" name="Rectangle: Rounded Corners 4">
+            <a:extLst>
+              <a:ext uri="{FF2B5EF4-FFF2-40B4-BE49-F238E27FC236}">
+                <a16:creationId xmlns:a16="http://schemas.microsoft.com/office/drawing/2014/main" id="{E823F100-F047-4246-9939-77C3C1CC3098}"/>
+              </a:ext>
+            </a:extLst>
+          </p:cNvPr>
+          <p:cNvSpPr/>
+          <p:nvPr/>
+        </p:nvSpPr>
+        <p:spPr>
+          <a:xfrm>
+            <a:off x="989814" y="3182074"/>
+            <a:ext cx="5120640" cy="395925"/>
+          </a:xfrm>
+          <a:prstGeom prst="roundRect">
+            <a:avLst/>
+          </a:prstGeom>
+          <a:solidFill>
+            <a:schemeClr val="accent1">
+              <a:lumMod val="60000"/>
+              <a:lumOff val="40000"/>
+            </a:schemeClr>
+          </a:solidFill>
+          <a:ln>
+            <a:noFill/>
+          </a:ln>
+        </p:spPr>
+        <p:style>
+          <a:lnRef idx="2">
+            <a:schemeClr val="accent1">
+              <a:shade val="50000"/>
+            </a:schemeClr>
+          </a:lnRef>
+          <a:fillRef idx="1">
+            <a:schemeClr val="accent1"/>
+          </a:fillRef>
+          <a:effectRef idx="0">
+            <a:schemeClr val="accent1"/>
+          </a:effectRef>
+          <a:fontRef idx="minor">
+            <a:schemeClr val="lt1"/>
+          </a:fontRef>
+        </p:style>
+        <p:txBody>
+          <a:bodyPr rtlCol="0" anchor="ctr"/>
+          <a:lstStyle/>
+          <a:p>
+            <a:pPr algn="l" fontAlgn="auto"/>
+            <a:r>
+              <a:rPr lang="en-US" b="1" i="0">
+                <a:effectLst/>
+                <a:latin typeface="-apple-system"/>
+              </a:rPr>
+              <a:t>B. Stemming</a:t>
+            </a:r>
+          </a:p>
+        </p:txBody>
+      </p:sp>
+      <p:sp>
+        <p:nvSpPr>
+          <p:cNvPr id="6" name="Rectangle: Rounded Corners 5">
+            <a:extLst>
+              <a:ext uri="{FF2B5EF4-FFF2-40B4-BE49-F238E27FC236}">
+                <a16:creationId xmlns:a16="http://schemas.microsoft.com/office/drawing/2014/main" id="{7D0E8B77-9A22-4F60-A99E-0960AE666A8C}"/>
+              </a:ext>
+            </a:extLst>
+          </p:cNvPr>
+          <p:cNvSpPr/>
+          <p:nvPr/>
+        </p:nvSpPr>
+        <p:spPr>
+          <a:xfrm>
+            <a:off x="989814" y="3630370"/>
+            <a:ext cx="3383280" cy="395925"/>
+          </a:xfrm>
+          <a:prstGeom prst="roundRect">
+            <a:avLst/>
+          </a:prstGeom>
+          <a:solidFill>
+            <a:schemeClr val="accent1">
+              <a:lumMod val="40000"/>
+              <a:lumOff val="60000"/>
+            </a:schemeClr>
+          </a:solidFill>
+          <a:ln>
+            <a:noFill/>
+          </a:ln>
+        </p:spPr>
+        <p:style>
+          <a:lnRef idx="2">
+            <a:schemeClr val="accent1">
+              <a:shade val="50000"/>
+            </a:schemeClr>
+          </a:lnRef>
+          <a:fillRef idx="1">
+            <a:schemeClr val="accent1"/>
+          </a:fillRef>
+          <a:effectRef idx="0">
+            <a:schemeClr val="accent1"/>
+          </a:effectRef>
+          <a:fontRef idx="minor">
+            <a:schemeClr val="lt1"/>
+          </a:fontRef>
+        </p:style>
+        <p:txBody>
+          <a:bodyPr rtlCol="0" anchor="ctr"/>
+          <a:lstStyle/>
+          <a:p>
+            <a:pPr algn="l" fontAlgn="auto"/>
+            <a:r>
+              <a:rPr lang="en-US" b="1" i="0">
+                <a:effectLst/>
+                <a:latin typeface="-apple-system"/>
+              </a:rPr>
+              <a:t>C. Text-proofing</a:t>
+            </a:r>
+            <a:endParaRPr lang="en-US" b="1" i="0" dirty="0">
+              <a:effectLst/>
+              <a:latin typeface="-apple-system"/>
+            </a:endParaRPr>
+          </a:p>
+        </p:txBody>
+      </p:sp>
+      <p:sp>
+        <p:nvSpPr>
+          <p:cNvPr id="7" name="Rectangle: Rounded Corners 6">
+            <a:extLst>
+              <a:ext uri="{FF2B5EF4-FFF2-40B4-BE49-F238E27FC236}">
+                <a16:creationId xmlns:a16="http://schemas.microsoft.com/office/drawing/2014/main" id="{53673D83-8D0B-444C-BFB2-123F391E8E95}"/>
+              </a:ext>
+            </a:extLst>
+          </p:cNvPr>
+          <p:cNvSpPr/>
+          <p:nvPr/>
+        </p:nvSpPr>
+        <p:spPr>
+          <a:xfrm>
+            <a:off x="989814" y="4078666"/>
+            <a:ext cx="3383280" cy="395925"/>
+          </a:xfrm>
+          <a:prstGeom prst="roundRect">
+            <a:avLst/>
+          </a:prstGeom>
+          <a:solidFill>
+            <a:schemeClr val="accent1">
+              <a:lumMod val="20000"/>
+              <a:lumOff val="80000"/>
+            </a:schemeClr>
+          </a:solidFill>
+          <a:ln>
+            <a:noFill/>
+          </a:ln>
+        </p:spPr>
+        <p:style>
+          <a:lnRef idx="2">
+            <a:schemeClr val="accent1">
+              <a:shade val="50000"/>
+            </a:schemeClr>
+          </a:lnRef>
+          <a:fillRef idx="1">
+            <a:schemeClr val="accent1"/>
+          </a:fillRef>
+          <a:effectRef idx="0">
+            <a:schemeClr val="accent1"/>
+          </a:effectRef>
+          <a:fontRef idx="minor">
+            <a:schemeClr val="lt1"/>
+          </a:fontRef>
+        </p:style>
+        <p:txBody>
+          <a:bodyPr rtlCol="0" anchor="ctr"/>
+          <a:lstStyle/>
+          <a:p>
+            <a:pPr algn="l" fontAlgn="auto"/>
+            <a:r>
+              <a:rPr lang="en-US" b="1" i="0">
+                <a:effectLst/>
+                <a:latin typeface="-apple-system"/>
+              </a:rPr>
+              <a:t>D. Both rooting &amp; stemming</a:t>
+            </a:r>
+            <a:endParaRPr lang="en-US" b="1" i="0" dirty="0">
+              <a:effectLst/>
+              <a:latin typeface="-apple-system"/>
+            </a:endParaRPr>
+          </a:p>
+        </p:txBody>
+      </p:sp>
+    </p:spTree>
+    <p:extLst>
+      <p:ext uri="{BB962C8B-B14F-4D97-AF65-F5344CB8AC3E}">
+        <p14:creationId xmlns:p14="http://schemas.microsoft.com/office/powerpoint/2010/main" val="3621978350"/>
+      </p:ext>
+    </p:extLst>
+  </p:cSld>
+  <p:clrMapOvr>
+    <a:masterClrMapping/>
+  </p:clrMapOvr>
+</p:sld>
+</file>
+
+<file path=ppt/slides/slide46.xml><?xml version="1.0" encoding="utf-8"?>
+<p:sld xmlns:a="http://schemas.openxmlformats.org/drawingml/2006/main" xmlns:r="http://schemas.openxmlformats.org/officeDocument/2006/relationships" xmlns:p="http://schemas.openxmlformats.org/presentationml/2006/main">
+  <p:cSld>
+    <p:spTree>
+      <p:nvGrpSpPr>
+        <p:cNvPr id="1" name=""/>
+        <p:cNvGrpSpPr/>
+        <p:nvPr/>
+      </p:nvGrpSpPr>
+      <p:grpSpPr>
+        <a:xfrm>
+          <a:off x="0" y="0"/>
+          <a:ext cx="0" cy="0"/>
+          <a:chOff x="0" y="0"/>
+          <a:chExt cx="0" cy="0"/>
+        </a:xfrm>
+      </p:grpSpPr>
+      <p:sp>
+        <p:nvSpPr>
+          <p:cNvPr id="4" name="TextBox 3">
+            <a:extLst>
+              <a:ext uri="{FF2B5EF4-FFF2-40B4-BE49-F238E27FC236}">
+                <a16:creationId xmlns:a16="http://schemas.microsoft.com/office/drawing/2014/main" id="{F52DE15A-EA33-4643-9C35-94C7E6D3AE4C}"/>
+              </a:ext>
+            </a:extLst>
+          </p:cNvPr>
+          <p:cNvSpPr txBox="1"/>
+          <p:nvPr/>
+        </p:nvSpPr>
+        <p:spPr>
+          <a:xfrm>
+            <a:off x="461913" y="1305342"/>
+            <a:ext cx="11180190" cy="4247317"/>
+          </a:xfrm>
+          <a:prstGeom prst="rect">
+            <a:avLst/>
+          </a:prstGeom>
+          <a:noFill/>
+        </p:spPr>
+        <p:txBody>
+          <a:bodyPr wrap="square">
+            <a:spAutoFit/>
+          </a:bodyPr>
+          <a:lstStyle/>
+          <a:p>
+            <a:pPr algn="l"/>
+            <a:r>
+              <a:rPr lang="en-US" b="1" i="0" dirty="0">
+                <a:effectLst/>
+                <a:latin typeface="Söhne"/>
+              </a:rPr>
+              <a:t>Main Concepts:</a:t>
+            </a:r>
+          </a:p>
+          <a:p>
+            <a:pPr algn="l"/>
+            <a:r>
+              <a:rPr lang="en-US" b="1" i="0" dirty="0">
+                <a:solidFill>
+                  <a:srgbClr val="374151"/>
+                </a:solidFill>
+                <a:effectLst/>
+                <a:latin typeface="Söhne"/>
+              </a:rPr>
+              <a:t>Stemming</a:t>
+            </a:r>
+            <a:r>
+              <a:rPr lang="en-US" b="0" i="0" dirty="0">
+                <a:solidFill>
+                  <a:srgbClr val="374151"/>
+                </a:solidFill>
+                <a:effectLst/>
+                <a:latin typeface="Söhne"/>
+              </a:rPr>
+              <a:t>: Stemming is a process in natural language processing and information retrieval where words are reduced to their base or root form. For example, the stem of the word "running" might be "run". The main purpose of stemming is to reduce the dimensionality of text data and to treat similar words as the same, which can be helpful in text analysis tasks like search and classification.</a:t>
+            </a:r>
+          </a:p>
+          <a:p>
+            <a:pPr algn="l"/>
+            <a:r>
+              <a:rPr lang="en-US" b="1" i="0" dirty="0">
+                <a:effectLst/>
+                <a:latin typeface="Söhne"/>
+              </a:rPr>
+              <a:t>Study Notes:</a:t>
+            </a:r>
+          </a:p>
+          <a:p>
+            <a:pPr algn="l">
+              <a:buFont typeface="+mj-lt"/>
+              <a:buAutoNum type="arabicPeriod"/>
+            </a:pPr>
+            <a:r>
+              <a:rPr lang="en-US" b="1" i="0" dirty="0">
+                <a:solidFill>
+                  <a:srgbClr val="374151"/>
+                </a:solidFill>
+                <a:effectLst/>
+                <a:latin typeface="Söhne"/>
+              </a:rPr>
+              <a:t>Types of Stemmers</a:t>
+            </a:r>
+            <a:r>
+              <a:rPr lang="en-US" b="0" i="0" dirty="0">
+                <a:solidFill>
+                  <a:srgbClr val="374151"/>
+                </a:solidFill>
+                <a:effectLst/>
+                <a:latin typeface="Söhne"/>
+              </a:rPr>
+              <a:t>: Popular algorithms include the Porter stemmer and Snowball stemmer.</a:t>
+            </a:r>
+          </a:p>
+          <a:p>
+            <a:pPr algn="l">
+              <a:buFont typeface="+mj-lt"/>
+              <a:buAutoNum type="arabicPeriod"/>
+            </a:pPr>
+            <a:r>
+              <a:rPr lang="en-US" b="1" i="0" dirty="0">
+                <a:solidFill>
+                  <a:srgbClr val="374151"/>
+                </a:solidFill>
+                <a:effectLst/>
+                <a:latin typeface="Söhne"/>
+              </a:rPr>
+              <a:t>Limitations</a:t>
+            </a:r>
+            <a:r>
+              <a:rPr lang="en-US" b="0" i="0" dirty="0">
+                <a:solidFill>
+                  <a:srgbClr val="374151"/>
+                </a:solidFill>
+                <a:effectLst/>
+                <a:latin typeface="Söhne"/>
+              </a:rPr>
+              <a:t>: Stemming can sometimes produce non-real words. For instance, "happiness" might be stemmed to "</a:t>
+            </a:r>
+            <a:r>
+              <a:rPr lang="en-US" b="0" i="0" dirty="0" err="1">
+                <a:solidFill>
+                  <a:srgbClr val="374151"/>
+                </a:solidFill>
+                <a:effectLst/>
+                <a:latin typeface="Söhne"/>
+              </a:rPr>
+              <a:t>happi</a:t>
+            </a:r>
+            <a:r>
+              <a:rPr lang="en-US" b="0" i="0" dirty="0">
+                <a:solidFill>
+                  <a:srgbClr val="374151"/>
+                </a:solidFill>
+                <a:effectLst/>
+                <a:latin typeface="Söhne"/>
+              </a:rPr>
+              <a:t>". This is unlike lemmatization, another NLP process, which ensures the reduced form is a real word.</a:t>
+            </a:r>
+          </a:p>
+          <a:p>
+            <a:pPr algn="l">
+              <a:buFont typeface="+mj-lt"/>
+              <a:buAutoNum type="arabicPeriod"/>
+            </a:pPr>
+            <a:r>
+              <a:rPr lang="en-US" b="1" i="0" dirty="0">
+                <a:solidFill>
+                  <a:srgbClr val="374151"/>
+                </a:solidFill>
+                <a:effectLst/>
+                <a:latin typeface="Söhne"/>
+              </a:rPr>
+              <a:t>Application</a:t>
+            </a:r>
+            <a:r>
+              <a:rPr lang="en-US" b="0" i="0" dirty="0">
+                <a:solidFill>
+                  <a:srgbClr val="374151"/>
+                </a:solidFill>
+                <a:effectLst/>
+                <a:latin typeface="Söhne"/>
+              </a:rPr>
+              <a:t>: Used in search engines, information retrieval systems, and text classification tasks.</a:t>
+            </a:r>
+          </a:p>
+          <a:p>
+            <a:pPr algn="l"/>
+            <a:r>
+              <a:rPr lang="en-US" b="1" i="0" dirty="0">
+                <a:effectLst/>
+                <a:latin typeface="Söhne"/>
+              </a:rPr>
+              <a:t>Examples:</a:t>
+            </a:r>
+          </a:p>
+          <a:p>
+            <a:pPr algn="l">
+              <a:buFont typeface="+mj-lt"/>
+              <a:buAutoNum type="arabicPeriod"/>
+            </a:pPr>
+            <a:r>
+              <a:rPr lang="en-US" b="1" i="0" dirty="0">
+                <a:solidFill>
+                  <a:srgbClr val="374151"/>
+                </a:solidFill>
+                <a:effectLst/>
+                <a:latin typeface="Söhne"/>
+              </a:rPr>
+              <a:t>Words and their stems</a:t>
+            </a:r>
+            <a:r>
+              <a:rPr lang="en-US" b="0" i="0" dirty="0">
+                <a:solidFill>
+                  <a:srgbClr val="374151"/>
+                </a:solidFill>
+                <a:effectLst/>
+                <a:latin typeface="Söhne"/>
+              </a:rPr>
+              <a:t>:</a:t>
+            </a:r>
+          </a:p>
+          <a:p>
+            <a:pPr marL="742950" lvl="1" indent="-285750" algn="l">
+              <a:buFont typeface="+mj-lt"/>
+              <a:buAutoNum type="arabicPeriod"/>
+            </a:pPr>
+            <a:r>
+              <a:rPr lang="en-US" b="0" i="0" dirty="0">
+                <a:solidFill>
+                  <a:srgbClr val="374151"/>
+                </a:solidFill>
+                <a:effectLst/>
+                <a:latin typeface="Söhne"/>
+              </a:rPr>
+              <a:t>"flying" -&gt; "fly"</a:t>
+            </a:r>
+          </a:p>
+          <a:p>
+            <a:pPr marL="742950" lvl="1" indent="-285750" algn="l">
+              <a:buFont typeface="+mj-lt"/>
+              <a:buAutoNum type="arabicPeriod"/>
+            </a:pPr>
+            <a:r>
+              <a:rPr lang="en-US" b="0" i="0" dirty="0">
+                <a:solidFill>
+                  <a:srgbClr val="374151"/>
+                </a:solidFill>
+                <a:effectLst/>
+                <a:latin typeface="Söhne"/>
+              </a:rPr>
+              <a:t>"flies" -&gt; "</a:t>
+            </a:r>
+            <a:r>
+              <a:rPr lang="en-US" b="0" i="0" dirty="0" err="1">
+                <a:solidFill>
+                  <a:srgbClr val="374151"/>
+                </a:solidFill>
+                <a:effectLst/>
+                <a:latin typeface="Söhne"/>
+              </a:rPr>
+              <a:t>fli</a:t>
+            </a:r>
+            <a:r>
+              <a:rPr lang="en-US" b="0" i="0" dirty="0">
+                <a:solidFill>
+                  <a:srgbClr val="374151"/>
+                </a:solidFill>
+                <a:effectLst/>
+                <a:latin typeface="Söhne"/>
+              </a:rPr>
+              <a:t>"</a:t>
+            </a:r>
+          </a:p>
+          <a:p>
+            <a:pPr marL="742950" lvl="1" indent="-285750" algn="l">
+              <a:buFont typeface="+mj-lt"/>
+              <a:buAutoNum type="arabicPeriod"/>
+            </a:pPr>
+            <a:r>
+              <a:rPr lang="en-US" b="0" i="0" dirty="0">
+                <a:solidFill>
+                  <a:srgbClr val="374151"/>
+                </a:solidFill>
+                <a:effectLst/>
+                <a:latin typeface="Söhne"/>
+              </a:rPr>
+              <a:t>"happily" -&gt; "</a:t>
+            </a:r>
+            <a:r>
+              <a:rPr lang="en-US" b="0" i="0" dirty="0" err="1">
+                <a:solidFill>
+                  <a:srgbClr val="374151"/>
+                </a:solidFill>
+                <a:effectLst/>
+                <a:latin typeface="Söhne"/>
+              </a:rPr>
+              <a:t>happili</a:t>
+            </a:r>
+            <a:r>
+              <a:rPr lang="en-US" b="0" i="0" dirty="0">
+                <a:solidFill>
+                  <a:srgbClr val="374151"/>
+                </a:solidFill>
+                <a:effectLst/>
+                <a:latin typeface="Söhne"/>
+              </a:rPr>
+              <a:t>"</a:t>
+            </a:r>
+          </a:p>
+        </p:txBody>
+      </p:sp>
+    </p:spTree>
+    <p:extLst>
+      <p:ext uri="{BB962C8B-B14F-4D97-AF65-F5344CB8AC3E}">
+        <p14:creationId xmlns:p14="http://schemas.microsoft.com/office/powerpoint/2010/main" val="1204298427"/>
+      </p:ext>
+    </p:extLst>
+  </p:cSld>
+  <p:clrMapOvr>
+    <a:masterClrMapping/>
+  </p:clrMapOvr>
+</p:sld>
+</file>
+
+<file path=ppt/slides/slide47.xml><?xml version="1.0" encoding="utf-8"?>
+<p:sld xmlns:a="http://schemas.openxmlformats.org/drawingml/2006/main" xmlns:r="http://schemas.openxmlformats.org/officeDocument/2006/relationships" xmlns:p="http://schemas.openxmlformats.org/presentationml/2006/main">
+  <p:cSld>
+    <p:spTree>
+      <p:nvGrpSpPr>
+        <p:cNvPr id="1" name=""/>
+        <p:cNvGrpSpPr/>
+        <p:nvPr/>
+      </p:nvGrpSpPr>
+      <p:grpSpPr>
+        <a:xfrm>
+          <a:off x="0" y="0"/>
+          <a:ext cx="0" cy="0"/>
+          <a:chOff x="0" y="0"/>
+          <a:chExt cx="0" cy="0"/>
+        </a:xfrm>
+      </p:grpSpPr>
+      <p:sp>
+        <p:nvSpPr>
+          <p:cNvPr id="3" name="TextBox 2">
+            <a:extLst>
+              <a:ext uri="{FF2B5EF4-FFF2-40B4-BE49-F238E27FC236}">
+                <a16:creationId xmlns:a16="http://schemas.microsoft.com/office/drawing/2014/main" id="{9C50BCD0-E31D-46B0-9700-094DD9441B32}"/>
+              </a:ext>
+            </a:extLst>
+          </p:cNvPr>
+          <p:cNvSpPr txBox="1"/>
+          <p:nvPr/>
+        </p:nvSpPr>
+        <p:spPr>
+          <a:xfrm>
+            <a:off x="556180" y="818249"/>
+            <a:ext cx="11057643" cy="5632311"/>
+          </a:xfrm>
+          <a:prstGeom prst="rect">
+            <a:avLst/>
+          </a:prstGeom>
+          <a:noFill/>
+        </p:spPr>
+        <p:txBody>
+          <a:bodyPr wrap="square">
+            <a:spAutoFit/>
+          </a:bodyPr>
+          <a:lstStyle/>
+          <a:p>
+            <a:pPr algn="l"/>
+            <a:r>
+              <a:rPr lang="en-US" b="1" i="0" dirty="0">
+                <a:effectLst/>
+                <a:latin typeface="Söhne"/>
+              </a:rPr>
+              <a:t>Analogies:</a:t>
+            </a:r>
+          </a:p>
+          <a:p>
+            <a:pPr algn="l"/>
+            <a:r>
+              <a:rPr lang="en-US" b="0" i="0" dirty="0">
+                <a:solidFill>
+                  <a:srgbClr val="374151"/>
+                </a:solidFill>
+                <a:effectLst/>
+                <a:latin typeface="Söhne"/>
+              </a:rPr>
+              <a:t>Imagine a tree with many branches and leaves. Each leaf can represent a variation of a word, while the main trunk or bigger branches represent the core meaning or stem. Regardless of how the leaves (word forms) might look different, they are all connected to the same core branch (stem).</a:t>
+            </a:r>
+          </a:p>
+          <a:p>
+            <a:pPr algn="l"/>
+            <a:r>
+              <a:rPr lang="en-US" b="1" i="0" dirty="0">
+                <a:effectLst/>
+                <a:latin typeface="Söhne"/>
+              </a:rPr>
+              <a:t>Math:</a:t>
+            </a:r>
+          </a:p>
+          <a:p>
+            <a:pPr algn="l"/>
+            <a:r>
+              <a:rPr lang="en-US" b="0" i="0" dirty="0">
+                <a:solidFill>
+                  <a:srgbClr val="374151"/>
+                </a:solidFill>
+                <a:effectLst/>
+                <a:latin typeface="Söhne"/>
+              </a:rPr>
+              <a:t>Stemming doesn't typically involve mathematical operations. It's more about pattern recognition and rule-based reduction.</a:t>
+            </a:r>
+          </a:p>
+          <a:p>
+            <a:pPr algn="l"/>
+            <a:r>
+              <a:rPr lang="en-US" b="1" i="0" dirty="0">
+                <a:effectLst/>
+                <a:latin typeface="Söhne"/>
+              </a:rPr>
+              <a:t>Application:</a:t>
+            </a:r>
+          </a:p>
+          <a:p>
+            <a:pPr algn="l"/>
+            <a:r>
+              <a:rPr lang="en-US" b="0" i="0" dirty="0">
+                <a:solidFill>
+                  <a:srgbClr val="374151"/>
+                </a:solidFill>
+                <a:effectLst/>
+                <a:latin typeface="Söhne"/>
+              </a:rPr>
+              <a:t>In search engines: If someone searches for "running", the search engine, using stemming, might also show results for "runner", "ran", and "run" since they share the same stem.</a:t>
+            </a:r>
+          </a:p>
+          <a:p>
+            <a:pPr algn="l"/>
+            <a:r>
+              <a:rPr lang="en-US" b="1" i="0" dirty="0">
+                <a:effectLst/>
+                <a:latin typeface="Söhne"/>
+              </a:rPr>
+              <a:t>Practice Problem:</a:t>
+            </a:r>
+          </a:p>
+          <a:p>
+            <a:pPr algn="l"/>
+            <a:r>
+              <a:rPr lang="en-US" b="1" i="0" dirty="0">
+                <a:solidFill>
+                  <a:srgbClr val="374151"/>
+                </a:solidFill>
+                <a:effectLst/>
+                <a:latin typeface="Söhne"/>
+              </a:rPr>
+              <a:t>Question</a:t>
+            </a:r>
+            <a:r>
+              <a:rPr lang="en-US" b="0" i="0" dirty="0">
+                <a:solidFill>
+                  <a:srgbClr val="374151"/>
+                </a:solidFill>
+                <a:effectLst/>
+                <a:latin typeface="Söhne"/>
+              </a:rPr>
+              <a:t>: What is the stem of the following words based on a general stemming approach?</a:t>
+            </a:r>
+          </a:p>
+          <a:p>
+            <a:pPr algn="l">
+              <a:buFont typeface="+mj-lt"/>
+              <a:buAutoNum type="arabicPeriod"/>
+            </a:pPr>
+            <a:r>
+              <a:rPr lang="en-US" b="0" i="0" dirty="0">
+                <a:solidFill>
+                  <a:srgbClr val="374151"/>
+                </a:solidFill>
+                <a:effectLst/>
+                <a:latin typeface="Söhne"/>
+              </a:rPr>
+              <a:t>"dancing"</a:t>
+            </a:r>
+          </a:p>
+          <a:p>
+            <a:pPr algn="l">
+              <a:buFont typeface="+mj-lt"/>
+              <a:buAutoNum type="arabicPeriod"/>
+            </a:pPr>
+            <a:r>
+              <a:rPr lang="en-US" b="0" i="0" dirty="0">
+                <a:solidFill>
+                  <a:srgbClr val="374151"/>
+                </a:solidFill>
+                <a:effectLst/>
+                <a:latin typeface="Söhne"/>
+              </a:rPr>
+              <a:t>"computers"</a:t>
+            </a:r>
+          </a:p>
+          <a:p>
+            <a:pPr algn="l">
+              <a:buFont typeface="+mj-lt"/>
+              <a:buAutoNum type="arabicPeriod"/>
+            </a:pPr>
+            <a:r>
+              <a:rPr lang="en-US" b="0" i="0" dirty="0">
+                <a:solidFill>
+                  <a:srgbClr val="374151"/>
+                </a:solidFill>
+                <a:effectLst/>
+                <a:latin typeface="Söhne"/>
+              </a:rPr>
+              <a:t>"largely"</a:t>
+            </a:r>
+          </a:p>
+          <a:p>
+            <a:pPr algn="l"/>
+            <a:r>
+              <a:rPr lang="en-US" b="1" i="0" dirty="0">
+                <a:solidFill>
+                  <a:srgbClr val="374151"/>
+                </a:solidFill>
+                <a:effectLst/>
+                <a:latin typeface="Söhne"/>
+              </a:rPr>
+              <a:t>Solution</a:t>
+            </a:r>
+            <a:r>
+              <a:rPr lang="en-US" b="0" i="0" dirty="0">
+                <a:solidFill>
+                  <a:srgbClr val="374151"/>
+                </a:solidFill>
+                <a:effectLst/>
+                <a:latin typeface="Söhne"/>
+              </a:rPr>
+              <a:t>:</a:t>
+            </a:r>
+          </a:p>
+          <a:p>
+            <a:pPr algn="l">
+              <a:buFont typeface="+mj-lt"/>
+              <a:buAutoNum type="arabicPeriod"/>
+            </a:pPr>
+            <a:r>
+              <a:rPr lang="en-US" b="0" i="0" dirty="0">
+                <a:solidFill>
+                  <a:srgbClr val="374151"/>
+                </a:solidFill>
+                <a:effectLst/>
+                <a:latin typeface="Söhne"/>
+              </a:rPr>
+              <a:t>"</a:t>
+            </a:r>
+            <a:r>
+              <a:rPr lang="en-US" b="0" i="0" dirty="0" err="1">
+                <a:solidFill>
+                  <a:srgbClr val="374151"/>
+                </a:solidFill>
+                <a:effectLst/>
+                <a:latin typeface="Söhne"/>
+              </a:rPr>
+              <a:t>danc</a:t>
+            </a:r>
+            <a:r>
+              <a:rPr lang="en-US" b="0" i="0" dirty="0">
+                <a:solidFill>
+                  <a:srgbClr val="374151"/>
+                </a:solidFill>
+                <a:effectLst/>
+                <a:latin typeface="Söhne"/>
+              </a:rPr>
+              <a:t>"</a:t>
+            </a:r>
+          </a:p>
+          <a:p>
+            <a:pPr algn="l">
+              <a:buFont typeface="+mj-lt"/>
+              <a:buAutoNum type="arabicPeriod"/>
+            </a:pPr>
+            <a:r>
+              <a:rPr lang="en-US" b="0" i="0" dirty="0">
+                <a:solidFill>
+                  <a:srgbClr val="374151"/>
+                </a:solidFill>
+                <a:effectLst/>
+                <a:latin typeface="Söhne"/>
+              </a:rPr>
+              <a:t>"</a:t>
+            </a:r>
+            <a:r>
+              <a:rPr lang="en-US" b="0" i="0" dirty="0" err="1">
+                <a:solidFill>
+                  <a:srgbClr val="374151"/>
+                </a:solidFill>
+                <a:effectLst/>
+                <a:latin typeface="Söhne"/>
+              </a:rPr>
+              <a:t>comput</a:t>
+            </a:r>
+            <a:r>
+              <a:rPr lang="en-US" b="0" i="0" dirty="0">
+                <a:solidFill>
+                  <a:srgbClr val="374151"/>
+                </a:solidFill>
+                <a:effectLst/>
+                <a:latin typeface="Söhne"/>
+              </a:rPr>
+              <a:t>"</a:t>
+            </a:r>
+          </a:p>
+          <a:p>
+            <a:pPr algn="l">
+              <a:buFont typeface="+mj-lt"/>
+              <a:buAutoNum type="arabicPeriod"/>
+            </a:pPr>
+            <a:r>
+              <a:rPr lang="en-US" b="0" i="0" dirty="0">
+                <a:solidFill>
+                  <a:srgbClr val="374151"/>
+                </a:solidFill>
+                <a:effectLst/>
+                <a:latin typeface="Söhne"/>
+              </a:rPr>
+              <a:t>"</a:t>
+            </a:r>
+            <a:r>
+              <a:rPr lang="en-US" b="0" i="0" dirty="0" err="1">
+                <a:solidFill>
+                  <a:srgbClr val="374151"/>
+                </a:solidFill>
+                <a:effectLst/>
+                <a:latin typeface="Söhne"/>
+              </a:rPr>
+              <a:t>larg</a:t>
+            </a:r>
+            <a:r>
+              <a:rPr lang="en-US" b="0" i="0" dirty="0">
+                <a:solidFill>
+                  <a:srgbClr val="374151"/>
+                </a:solidFill>
+                <a:effectLst/>
+                <a:latin typeface="Söhne"/>
+              </a:rPr>
+              <a:t>"</a:t>
+            </a:r>
+          </a:p>
+          <a:p>
+            <a:pPr algn="l"/>
+            <a:r>
+              <a:rPr lang="en-US" b="0" i="0" dirty="0">
+                <a:solidFill>
+                  <a:srgbClr val="374151"/>
+                </a:solidFill>
+                <a:effectLst/>
+                <a:latin typeface="Söhne"/>
+              </a:rPr>
+              <a:t>Keep in mind that the exact results might vary based on the stemming algorithm used.</a:t>
+            </a:r>
+          </a:p>
+        </p:txBody>
+      </p:sp>
     </p:spTree>
     <p:extLst>
       <p:ext uri="{BB962C8B-B14F-4D97-AF65-F5344CB8AC3E}">

--- a/Machine Learning Quiz Question.pptx
+++ b/Machine Learning Quiz Question.pptx
@@ -52,6 +52,9 @@
     <p:sldId id="301" r:id="rId46"/>
     <p:sldId id="302" r:id="rId47"/>
     <p:sldId id="293" r:id="rId48"/>
+    <p:sldId id="303" r:id="rId49"/>
+    <p:sldId id="304" r:id="rId50"/>
+    <p:sldId id="305" r:id="rId51"/>
   </p:sldIdLst>
   <p:sldSz cx="12192000" cy="6858000"/>
   <p:notesSz cx="6858000" cy="9144000"/>
@@ -305,7 +308,7 @@
           <a:p>
             <a:fld id="{635DE9B5-6039-4F90-B9CD-3F2F36427E48}" type="datetimeFigureOut">
               <a:rPr lang="en-US" smtClean="0"/>
-              <a:t>10/5/2023</a:t>
+              <a:t>10/6/2023</a:t>
             </a:fld>
             <a:endParaRPr lang="en-US"/>
           </a:p>
@@ -503,7 +506,7 @@
           <a:p>
             <a:fld id="{635DE9B5-6039-4F90-B9CD-3F2F36427E48}" type="datetimeFigureOut">
               <a:rPr lang="en-US" smtClean="0"/>
-              <a:t>10/5/2023</a:t>
+              <a:t>10/6/2023</a:t>
             </a:fld>
             <a:endParaRPr lang="en-US"/>
           </a:p>
@@ -711,7 +714,7 @@
           <a:p>
             <a:fld id="{635DE9B5-6039-4F90-B9CD-3F2F36427E48}" type="datetimeFigureOut">
               <a:rPr lang="en-US" smtClean="0"/>
-              <a:t>10/5/2023</a:t>
+              <a:t>10/6/2023</a:t>
             </a:fld>
             <a:endParaRPr lang="en-US"/>
           </a:p>
@@ -909,7 +912,7 @@
           <a:p>
             <a:fld id="{635DE9B5-6039-4F90-B9CD-3F2F36427E48}" type="datetimeFigureOut">
               <a:rPr lang="en-US" smtClean="0"/>
-              <a:t>10/5/2023</a:t>
+              <a:t>10/6/2023</a:t>
             </a:fld>
             <a:endParaRPr lang="en-US"/>
           </a:p>
@@ -1184,7 +1187,7 @@
           <a:p>
             <a:fld id="{635DE9B5-6039-4F90-B9CD-3F2F36427E48}" type="datetimeFigureOut">
               <a:rPr lang="en-US" smtClean="0"/>
-              <a:t>10/5/2023</a:t>
+              <a:t>10/6/2023</a:t>
             </a:fld>
             <a:endParaRPr lang="en-US"/>
           </a:p>
@@ -1449,7 +1452,7 @@
           <a:p>
             <a:fld id="{635DE9B5-6039-4F90-B9CD-3F2F36427E48}" type="datetimeFigureOut">
               <a:rPr lang="en-US" smtClean="0"/>
-              <a:t>10/5/2023</a:t>
+              <a:t>10/6/2023</a:t>
             </a:fld>
             <a:endParaRPr lang="en-US"/>
           </a:p>
@@ -1861,7 +1864,7 @@
           <a:p>
             <a:fld id="{635DE9B5-6039-4F90-B9CD-3F2F36427E48}" type="datetimeFigureOut">
               <a:rPr lang="en-US" smtClean="0"/>
-              <a:t>10/5/2023</a:t>
+              <a:t>10/6/2023</a:t>
             </a:fld>
             <a:endParaRPr lang="en-US"/>
           </a:p>
@@ -2002,7 +2005,7 @@
           <a:p>
             <a:fld id="{635DE9B5-6039-4F90-B9CD-3F2F36427E48}" type="datetimeFigureOut">
               <a:rPr lang="en-US" smtClean="0"/>
-              <a:t>10/5/2023</a:t>
+              <a:t>10/6/2023</a:t>
             </a:fld>
             <a:endParaRPr lang="en-US"/>
           </a:p>
@@ -2115,7 +2118,7 @@
           <a:p>
             <a:fld id="{635DE9B5-6039-4F90-B9CD-3F2F36427E48}" type="datetimeFigureOut">
               <a:rPr lang="en-US" smtClean="0"/>
-              <a:t>10/5/2023</a:t>
+              <a:t>10/6/2023</a:t>
             </a:fld>
             <a:endParaRPr lang="en-US"/>
           </a:p>
@@ -2426,7 +2429,7 @@
           <a:p>
             <a:fld id="{635DE9B5-6039-4F90-B9CD-3F2F36427E48}" type="datetimeFigureOut">
               <a:rPr lang="en-US" smtClean="0"/>
-              <a:t>10/5/2023</a:t>
+              <a:t>10/6/2023</a:t>
             </a:fld>
             <a:endParaRPr lang="en-US"/>
           </a:p>
@@ -2714,7 +2717,7 @@
           <a:p>
             <a:fld id="{635DE9B5-6039-4F90-B9CD-3F2F36427E48}" type="datetimeFigureOut">
               <a:rPr lang="en-US" smtClean="0"/>
-              <a:t>10/5/2023</a:t>
+              <a:t>10/6/2023</a:t>
             </a:fld>
             <a:endParaRPr lang="en-US"/>
           </a:p>
@@ -2958,7 +2961,7 @@
           <a:p>
             <a:fld id="{635DE9B5-6039-4F90-B9CD-3F2F36427E48}" type="datetimeFigureOut">
               <a:rPr lang="en-US" smtClean="0"/>
-              <a:t>10/5/2023</a:t>
+              <a:t>10/6/2023</a:t>
             </a:fld>
             <a:endParaRPr lang="en-US"/>
           </a:p>
@@ -11880,6 +11883,608 @@
 </p:sld>
 </file>
 
+<file path=ppt/slides/slide48.xml><?xml version="1.0" encoding="utf-8"?>
+<p:sld xmlns:a="http://schemas.openxmlformats.org/drawingml/2006/main" xmlns:r="http://schemas.openxmlformats.org/officeDocument/2006/relationships" xmlns:p="http://schemas.openxmlformats.org/presentationml/2006/main">
+  <p:cSld>
+    <p:spTree>
+      <p:nvGrpSpPr>
+        <p:cNvPr id="1" name=""/>
+        <p:cNvGrpSpPr/>
+        <p:nvPr/>
+      </p:nvGrpSpPr>
+      <p:grpSpPr>
+        <a:xfrm>
+          <a:off x="0" y="0"/>
+          <a:ext cx="0" cy="0"/>
+          <a:chOff x="0" y="0"/>
+          <a:chExt cx="0" cy="0"/>
+        </a:xfrm>
+      </p:grpSpPr>
+      <p:sp>
+        <p:nvSpPr>
+          <p:cNvPr id="2" name="Rectangle: Rounded Corners 1">
+            <a:extLst>
+              <a:ext uri="{FF2B5EF4-FFF2-40B4-BE49-F238E27FC236}">
+                <a16:creationId xmlns:a16="http://schemas.microsoft.com/office/drawing/2014/main" id="{8DE016F8-915B-4F69-9E38-9E36F14FE534}"/>
+              </a:ext>
+            </a:extLst>
+          </p:cNvPr>
+          <p:cNvSpPr/>
+          <p:nvPr/>
+        </p:nvSpPr>
+        <p:spPr>
+          <a:xfrm>
+            <a:off x="631596" y="1392553"/>
+            <a:ext cx="10586301" cy="876693"/>
+          </a:xfrm>
+          <a:prstGeom prst="roundRect">
+            <a:avLst/>
+          </a:prstGeom>
+          <a:solidFill>
+            <a:schemeClr val="accent1">
+              <a:lumMod val="75000"/>
+            </a:schemeClr>
+          </a:solidFill>
+          <a:ln>
+            <a:noFill/>
+          </a:ln>
+        </p:spPr>
+        <p:style>
+          <a:lnRef idx="2">
+            <a:schemeClr val="accent1">
+              <a:shade val="50000"/>
+            </a:schemeClr>
+          </a:lnRef>
+          <a:fillRef idx="1">
+            <a:schemeClr val="accent1"/>
+          </a:fillRef>
+          <a:effectRef idx="0">
+            <a:schemeClr val="accent1"/>
+          </a:effectRef>
+          <a:fontRef idx="minor">
+            <a:schemeClr val="lt1"/>
+          </a:fontRef>
+        </p:style>
+        <p:txBody>
+          <a:bodyPr rtlCol="0" anchor="ctr"/>
+          <a:lstStyle/>
+          <a:p>
+            <a:pPr algn="l" fontAlgn="auto"/>
+            <a:r>
+              <a:rPr lang="en-US" b="1" i="0">
+                <a:effectLst/>
+                <a:latin typeface="-apple-system"/>
+              </a:rPr>
+              <a:t>A Generative Adversarial Network (GAN) makes use of two neural networks, namely: _________ and ________.</a:t>
+            </a:r>
+          </a:p>
+        </p:txBody>
+      </p:sp>
+      <p:sp>
+        <p:nvSpPr>
+          <p:cNvPr id="4" name="Rectangle: Rounded Corners 3">
+            <a:extLst>
+              <a:ext uri="{FF2B5EF4-FFF2-40B4-BE49-F238E27FC236}">
+                <a16:creationId xmlns:a16="http://schemas.microsoft.com/office/drawing/2014/main" id="{B50984B7-2FBD-46A0-8ABC-366F02506BA1}"/>
+              </a:ext>
+            </a:extLst>
+          </p:cNvPr>
+          <p:cNvSpPr/>
+          <p:nvPr/>
+        </p:nvSpPr>
+        <p:spPr>
+          <a:xfrm>
+            <a:off x="989814" y="2733778"/>
+            <a:ext cx="3383280" cy="395925"/>
+          </a:xfrm>
+          <a:prstGeom prst="roundRect">
+            <a:avLst/>
+          </a:prstGeom>
+          <a:solidFill>
+            <a:schemeClr val="accent1">
+              <a:lumMod val="75000"/>
+            </a:schemeClr>
+          </a:solidFill>
+          <a:ln>
+            <a:noFill/>
+          </a:ln>
+        </p:spPr>
+        <p:style>
+          <a:lnRef idx="2">
+            <a:schemeClr val="accent1">
+              <a:shade val="50000"/>
+            </a:schemeClr>
+          </a:lnRef>
+          <a:fillRef idx="1">
+            <a:schemeClr val="accent1"/>
+          </a:fillRef>
+          <a:effectRef idx="0">
+            <a:schemeClr val="accent1"/>
+          </a:effectRef>
+          <a:fontRef idx="minor">
+            <a:schemeClr val="lt1"/>
+          </a:fontRef>
+        </p:style>
+        <p:txBody>
+          <a:bodyPr rtlCol="0" anchor="ctr"/>
+          <a:lstStyle/>
+          <a:p>
+            <a:pPr algn="l" fontAlgn="auto"/>
+            <a:r>
+              <a:rPr lang="en-US" b="1" i="0">
+                <a:effectLst/>
+                <a:latin typeface="-apple-system"/>
+              </a:rPr>
+              <a:t>A.Encoder, decoder</a:t>
+            </a:r>
+          </a:p>
+        </p:txBody>
+      </p:sp>
+      <p:sp>
+        <p:nvSpPr>
+          <p:cNvPr id="5" name="Rectangle: Rounded Corners 4">
+            <a:extLst>
+              <a:ext uri="{FF2B5EF4-FFF2-40B4-BE49-F238E27FC236}">
+                <a16:creationId xmlns:a16="http://schemas.microsoft.com/office/drawing/2014/main" id="{E823F100-F047-4246-9939-77C3C1CC3098}"/>
+              </a:ext>
+            </a:extLst>
+          </p:cNvPr>
+          <p:cNvSpPr/>
+          <p:nvPr/>
+        </p:nvSpPr>
+        <p:spPr>
+          <a:xfrm>
+            <a:off x="989814" y="3182074"/>
+            <a:ext cx="3383280" cy="395925"/>
+          </a:xfrm>
+          <a:prstGeom prst="roundRect">
+            <a:avLst/>
+          </a:prstGeom>
+          <a:solidFill>
+            <a:schemeClr val="accent1">
+              <a:lumMod val="60000"/>
+              <a:lumOff val="40000"/>
+            </a:schemeClr>
+          </a:solidFill>
+          <a:ln>
+            <a:noFill/>
+          </a:ln>
+        </p:spPr>
+        <p:style>
+          <a:lnRef idx="2">
+            <a:schemeClr val="accent1">
+              <a:shade val="50000"/>
+            </a:schemeClr>
+          </a:lnRef>
+          <a:fillRef idx="1">
+            <a:schemeClr val="accent1"/>
+          </a:fillRef>
+          <a:effectRef idx="0">
+            <a:schemeClr val="accent1"/>
+          </a:effectRef>
+          <a:fontRef idx="minor">
+            <a:schemeClr val="lt1"/>
+          </a:fontRef>
+        </p:style>
+        <p:txBody>
+          <a:bodyPr rtlCol="0" anchor="ctr"/>
+          <a:lstStyle/>
+          <a:p>
+            <a:pPr algn="l" fontAlgn="auto"/>
+            <a:r>
+              <a:rPr lang="en-US" b="1" i="0">
+                <a:effectLst/>
+                <a:latin typeface="-apple-system"/>
+              </a:rPr>
+              <a:t>B.Self-attention, decoder</a:t>
+            </a:r>
+          </a:p>
+        </p:txBody>
+      </p:sp>
+      <p:sp>
+        <p:nvSpPr>
+          <p:cNvPr id="6" name="Rectangle: Rounded Corners 5">
+            <a:extLst>
+              <a:ext uri="{FF2B5EF4-FFF2-40B4-BE49-F238E27FC236}">
+                <a16:creationId xmlns:a16="http://schemas.microsoft.com/office/drawing/2014/main" id="{7D0E8B77-9A22-4F60-A99E-0960AE666A8C}"/>
+              </a:ext>
+            </a:extLst>
+          </p:cNvPr>
+          <p:cNvSpPr/>
+          <p:nvPr/>
+        </p:nvSpPr>
+        <p:spPr>
+          <a:xfrm>
+            <a:off x="989814" y="3630370"/>
+            <a:ext cx="5303520" cy="395925"/>
+          </a:xfrm>
+          <a:prstGeom prst="roundRect">
+            <a:avLst/>
+          </a:prstGeom>
+          <a:solidFill>
+            <a:schemeClr val="accent1">
+              <a:lumMod val="40000"/>
+              <a:lumOff val="60000"/>
+            </a:schemeClr>
+          </a:solidFill>
+          <a:ln>
+            <a:noFill/>
+          </a:ln>
+        </p:spPr>
+        <p:style>
+          <a:lnRef idx="2">
+            <a:schemeClr val="accent1">
+              <a:shade val="50000"/>
+            </a:schemeClr>
+          </a:lnRef>
+          <a:fillRef idx="1">
+            <a:schemeClr val="accent1"/>
+          </a:fillRef>
+          <a:effectRef idx="0">
+            <a:schemeClr val="accent1"/>
+          </a:effectRef>
+          <a:fontRef idx="minor">
+            <a:schemeClr val="lt1"/>
+          </a:fontRef>
+        </p:style>
+        <p:txBody>
+          <a:bodyPr rtlCol="0" anchor="ctr"/>
+          <a:lstStyle/>
+          <a:p>
+            <a:pPr algn="l" fontAlgn="auto"/>
+            <a:r>
+              <a:rPr lang="en-US" b="1" i="0">
+                <a:effectLst/>
+                <a:latin typeface="-apple-system"/>
+              </a:rPr>
+              <a:t>C.Generator, discriminator</a:t>
+            </a:r>
+            <a:endParaRPr lang="en-US" b="1" i="0" dirty="0">
+              <a:effectLst/>
+              <a:latin typeface="-apple-system"/>
+            </a:endParaRPr>
+          </a:p>
+        </p:txBody>
+      </p:sp>
+      <p:sp>
+        <p:nvSpPr>
+          <p:cNvPr id="7" name="Rectangle: Rounded Corners 6">
+            <a:extLst>
+              <a:ext uri="{FF2B5EF4-FFF2-40B4-BE49-F238E27FC236}">
+                <a16:creationId xmlns:a16="http://schemas.microsoft.com/office/drawing/2014/main" id="{53673D83-8D0B-444C-BFB2-123F391E8E95}"/>
+              </a:ext>
+            </a:extLst>
+          </p:cNvPr>
+          <p:cNvSpPr/>
+          <p:nvPr/>
+        </p:nvSpPr>
+        <p:spPr>
+          <a:xfrm>
+            <a:off x="989814" y="4078666"/>
+            <a:ext cx="3383280" cy="395925"/>
+          </a:xfrm>
+          <a:prstGeom prst="roundRect">
+            <a:avLst/>
+          </a:prstGeom>
+          <a:solidFill>
+            <a:schemeClr val="accent1">
+              <a:lumMod val="20000"/>
+              <a:lumOff val="80000"/>
+            </a:schemeClr>
+          </a:solidFill>
+          <a:ln>
+            <a:noFill/>
+          </a:ln>
+        </p:spPr>
+        <p:style>
+          <a:lnRef idx="2">
+            <a:schemeClr val="accent1">
+              <a:shade val="50000"/>
+            </a:schemeClr>
+          </a:lnRef>
+          <a:fillRef idx="1">
+            <a:schemeClr val="accent1"/>
+          </a:fillRef>
+          <a:effectRef idx="0">
+            <a:schemeClr val="accent1"/>
+          </a:effectRef>
+          <a:fontRef idx="minor">
+            <a:schemeClr val="lt1"/>
+          </a:fontRef>
+        </p:style>
+        <p:txBody>
+          <a:bodyPr rtlCol="0" anchor="ctr"/>
+          <a:lstStyle/>
+          <a:p>
+            <a:pPr algn="l" fontAlgn="auto"/>
+            <a:r>
+              <a:rPr lang="en-US" b="1" i="0">
+                <a:effectLst/>
+                <a:latin typeface="-apple-system"/>
+              </a:rPr>
+              <a:t>D.Generator, decoder</a:t>
+            </a:r>
+            <a:endParaRPr lang="en-US" b="1" i="0" dirty="0">
+              <a:effectLst/>
+              <a:latin typeface="-apple-system"/>
+            </a:endParaRPr>
+          </a:p>
+        </p:txBody>
+      </p:sp>
+    </p:spTree>
+    <p:extLst>
+      <p:ext uri="{BB962C8B-B14F-4D97-AF65-F5344CB8AC3E}">
+        <p14:creationId xmlns:p14="http://schemas.microsoft.com/office/powerpoint/2010/main" val="78629224"/>
+      </p:ext>
+    </p:extLst>
+  </p:cSld>
+  <p:clrMapOvr>
+    <a:masterClrMapping/>
+  </p:clrMapOvr>
+</p:sld>
+</file>
+
+<file path=ppt/slides/slide49.xml><?xml version="1.0" encoding="utf-8"?>
+<p:sld xmlns:a="http://schemas.openxmlformats.org/drawingml/2006/main" xmlns:r="http://schemas.openxmlformats.org/officeDocument/2006/relationships" xmlns:p="http://schemas.openxmlformats.org/presentationml/2006/main">
+  <p:cSld>
+    <p:spTree>
+      <p:nvGrpSpPr>
+        <p:cNvPr id="1" name=""/>
+        <p:cNvGrpSpPr/>
+        <p:nvPr/>
+      </p:nvGrpSpPr>
+      <p:grpSpPr>
+        <a:xfrm>
+          <a:off x="0" y="0"/>
+          <a:ext cx="0" cy="0"/>
+          <a:chOff x="0" y="0"/>
+          <a:chExt cx="0" cy="0"/>
+        </a:xfrm>
+      </p:grpSpPr>
+      <p:sp>
+        <p:nvSpPr>
+          <p:cNvPr id="3" name="TextBox 2">
+            <a:extLst>
+              <a:ext uri="{FF2B5EF4-FFF2-40B4-BE49-F238E27FC236}">
+                <a16:creationId xmlns:a16="http://schemas.microsoft.com/office/drawing/2014/main" id="{6E843761-8AE8-4708-A4BF-EF89A1BF6EBB}"/>
+              </a:ext>
+            </a:extLst>
+          </p:cNvPr>
+          <p:cNvSpPr txBox="1"/>
+          <p:nvPr/>
+        </p:nvSpPr>
+        <p:spPr>
+          <a:xfrm>
+            <a:off x="341722" y="376601"/>
+            <a:ext cx="11686880" cy="3416320"/>
+          </a:xfrm>
+          <a:prstGeom prst="rect">
+            <a:avLst/>
+          </a:prstGeom>
+          <a:noFill/>
+        </p:spPr>
+        <p:txBody>
+          <a:bodyPr wrap="square">
+            <a:spAutoFit/>
+          </a:bodyPr>
+          <a:lstStyle/>
+          <a:p>
+            <a:r>
+              <a:rPr lang="en-US" sz="1200" b="1" i="0" dirty="0">
+                <a:effectLst/>
+                <a:latin typeface="Söhne"/>
+              </a:rPr>
+              <a:t>Introduction:</a:t>
+            </a:r>
+            <a:r>
+              <a:rPr lang="en-US" sz="1200" b="0" i="0" dirty="0">
+                <a:solidFill>
+                  <a:srgbClr val="374151"/>
+                </a:solidFill>
+                <a:effectLst/>
+                <a:latin typeface="Söhne"/>
+              </a:rPr>
+              <a:t> Generative Adversarial Networks (GANs) are a powerful class of machine learning models used in various applications, including image generation, style transfer, and data augmentation. GANs consist of two neural networks, the Generator and the Discriminator, which work in a competitive manner to produce realistic data.</a:t>
+            </a:r>
+          </a:p>
+          <a:p>
+            <a:endParaRPr lang="en-US" sz="1200" dirty="0">
+              <a:solidFill>
+                <a:srgbClr val="374151"/>
+              </a:solidFill>
+              <a:latin typeface="Söhne"/>
+            </a:endParaRPr>
+          </a:p>
+          <a:p>
+            <a:endParaRPr lang="en-US" sz="1200" dirty="0">
+              <a:solidFill>
+                <a:srgbClr val="374151"/>
+              </a:solidFill>
+              <a:latin typeface="Söhne"/>
+            </a:endParaRPr>
+          </a:p>
+          <a:p>
+            <a:pPr algn="l">
+              <a:buFont typeface="+mj-lt"/>
+              <a:buAutoNum type="arabicPeriod"/>
+            </a:pPr>
+            <a:r>
+              <a:rPr lang="en-US" sz="1200" b="1" i="0" dirty="0">
+                <a:solidFill>
+                  <a:srgbClr val="374151"/>
+                </a:solidFill>
+                <a:effectLst/>
+                <a:latin typeface="Söhne"/>
+              </a:rPr>
+              <a:t>Generator:</a:t>
+            </a:r>
+            <a:r>
+              <a:rPr lang="en-US" sz="1200" b="0" i="0" dirty="0">
+                <a:solidFill>
+                  <a:srgbClr val="374151"/>
+                </a:solidFill>
+                <a:effectLst/>
+                <a:latin typeface="Söhne"/>
+              </a:rPr>
+              <a:t> The Generator is responsible for creating data samples, such as images or text, that resemble real data. It takes random noise or some initial input and transforms it into data that ideally cannot be distinguished from genuine data. The Generator is like an artist trying to produce counterfeit money that is so realistic that it's hard to tell it apart from real currency.</a:t>
+            </a:r>
+          </a:p>
+          <a:p>
+            <a:pPr algn="l">
+              <a:buFont typeface="+mj-lt"/>
+              <a:buAutoNum type="arabicPeriod"/>
+            </a:pPr>
+            <a:r>
+              <a:rPr lang="en-US" sz="1200" b="1" i="0" dirty="0">
+                <a:solidFill>
+                  <a:srgbClr val="374151"/>
+                </a:solidFill>
+                <a:effectLst/>
+                <a:latin typeface="Söhne"/>
+              </a:rPr>
+              <a:t>Discriminator:</a:t>
+            </a:r>
+            <a:r>
+              <a:rPr lang="en-US" sz="1200" b="0" i="0" dirty="0">
+                <a:solidFill>
+                  <a:srgbClr val="374151"/>
+                </a:solidFill>
+                <a:effectLst/>
+                <a:latin typeface="Söhne"/>
+              </a:rPr>
+              <a:t> The Discriminator acts as a detective trying to distinguish between real and fake data. It evaluates the data it receives and assigns a probability that it is real. The Discriminator aims to become more accurate over time. It's like an expert who can detect counterfeit money and becomes better at it as they see more examples.</a:t>
+            </a:r>
+          </a:p>
+          <a:p>
+            <a:endParaRPr lang="en-US" sz="1200" dirty="0">
+              <a:solidFill>
+                <a:srgbClr val="374151"/>
+              </a:solidFill>
+              <a:latin typeface="Söhne"/>
+            </a:endParaRPr>
+          </a:p>
+          <a:p>
+            <a:pPr algn="l"/>
+            <a:r>
+              <a:rPr lang="en-US" sz="1200" b="1" i="0" dirty="0">
+                <a:solidFill>
+                  <a:srgbClr val="374151"/>
+                </a:solidFill>
+                <a:effectLst/>
+                <a:latin typeface="Söhne"/>
+              </a:rPr>
+              <a:t>Math:</a:t>
+            </a:r>
+            <a:endParaRPr lang="en-US" sz="1200" b="0" i="0" dirty="0">
+              <a:solidFill>
+                <a:srgbClr val="374151"/>
+              </a:solidFill>
+              <a:effectLst/>
+              <a:latin typeface="Söhne"/>
+            </a:endParaRPr>
+          </a:p>
+          <a:p>
+            <a:pPr algn="l">
+              <a:buFont typeface="Arial" panose="020B0604020202020204" pitchFamily="34" charset="0"/>
+              <a:buChar char="•"/>
+            </a:pPr>
+            <a:r>
+              <a:rPr lang="en-US" sz="1200" b="0" i="0" dirty="0">
+                <a:solidFill>
+                  <a:srgbClr val="374151"/>
+                </a:solidFill>
+                <a:effectLst/>
+                <a:latin typeface="Söhne"/>
+              </a:rPr>
+              <a:t>GANs are based on game theory, with the two networks competing in a minimax game. The Generator aims to minimize the probability that the Discriminator correctly classifies its generated data as fake, while the Discriminator tries to maximize this probability.</a:t>
+            </a:r>
+          </a:p>
+          <a:p>
+            <a:pPr algn="l"/>
+            <a:r>
+              <a:rPr lang="en-US" sz="1200" b="1" i="0" dirty="0">
+                <a:solidFill>
+                  <a:srgbClr val="374151"/>
+                </a:solidFill>
+                <a:effectLst/>
+                <a:latin typeface="Söhne"/>
+              </a:rPr>
+              <a:t>Applications:</a:t>
+            </a:r>
+            <a:endParaRPr lang="en-US" sz="1200" b="0" i="0" dirty="0">
+              <a:solidFill>
+                <a:srgbClr val="374151"/>
+              </a:solidFill>
+              <a:effectLst/>
+              <a:latin typeface="Söhne"/>
+            </a:endParaRPr>
+          </a:p>
+          <a:p>
+            <a:pPr algn="l">
+              <a:buFont typeface="Arial" panose="020B0604020202020204" pitchFamily="34" charset="0"/>
+              <a:buChar char="•"/>
+            </a:pPr>
+            <a:r>
+              <a:rPr lang="en-US" sz="1200" b="0" i="0" dirty="0">
+                <a:solidFill>
+                  <a:srgbClr val="374151"/>
+                </a:solidFill>
+                <a:effectLst/>
+                <a:latin typeface="Söhne"/>
+              </a:rPr>
+              <a:t>GANs have a wide range of applications, including:</a:t>
+            </a:r>
+          </a:p>
+          <a:p>
+            <a:pPr marL="742950" lvl="1" indent="-285750" algn="l">
+              <a:buFont typeface="Arial" panose="020B0604020202020204" pitchFamily="34" charset="0"/>
+              <a:buChar char="•"/>
+            </a:pPr>
+            <a:r>
+              <a:rPr lang="en-US" sz="1200" b="0" i="0" dirty="0">
+                <a:solidFill>
+                  <a:srgbClr val="374151"/>
+                </a:solidFill>
+                <a:effectLst/>
+                <a:latin typeface="Söhne"/>
+              </a:rPr>
+              <a:t>Image Generation: Creating high-resolution and realistic images, such as faces, artworks, and scenes.</a:t>
+            </a:r>
+          </a:p>
+          <a:p>
+            <a:pPr marL="742950" lvl="1" indent="-285750" algn="l">
+              <a:buFont typeface="Arial" panose="020B0604020202020204" pitchFamily="34" charset="0"/>
+              <a:buChar char="•"/>
+            </a:pPr>
+            <a:r>
+              <a:rPr lang="en-US" sz="1200" b="0" i="0" dirty="0">
+                <a:solidFill>
+                  <a:srgbClr val="374151"/>
+                </a:solidFill>
+                <a:effectLst/>
+                <a:latin typeface="Söhne"/>
+              </a:rPr>
+              <a:t>Style Transfer: Transforming the style of images, for example, converting photographs into paintings in the style of famous artists.</a:t>
+            </a:r>
+          </a:p>
+          <a:p>
+            <a:endParaRPr lang="en-US" sz="1200" dirty="0"/>
+          </a:p>
+        </p:txBody>
+      </p:sp>
+    </p:spTree>
+    <p:extLst>
+      <p:ext uri="{BB962C8B-B14F-4D97-AF65-F5344CB8AC3E}">
+        <p14:creationId xmlns:p14="http://schemas.microsoft.com/office/powerpoint/2010/main" val="165268037"/>
+      </p:ext>
+    </p:extLst>
+  </p:cSld>
+  <p:clrMapOvr>
+    <a:masterClrMapping/>
+  </p:clrMapOvr>
+</p:sld>
+</file>
+
 <file path=ppt/slides/slide5.xml><?xml version="1.0" encoding="utf-8"?>
 <p:sld xmlns:a="http://schemas.openxmlformats.org/drawingml/2006/main" xmlns:r="http://schemas.openxmlformats.org/officeDocument/2006/relationships" xmlns:p="http://schemas.openxmlformats.org/presentationml/2006/main">
   <p:cSld>
@@ -11989,6 +12594,319 @@
     <p:extLst>
       <p:ext uri="{BB962C8B-B14F-4D97-AF65-F5344CB8AC3E}">
         <p14:creationId xmlns:p14="http://schemas.microsoft.com/office/powerpoint/2010/main" val="3984531265"/>
+      </p:ext>
+    </p:extLst>
+  </p:cSld>
+  <p:clrMapOvr>
+    <a:masterClrMapping/>
+  </p:clrMapOvr>
+</p:sld>
+</file>
+
+<file path=ppt/slides/slide50.xml><?xml version="1.0" encoding="utf-8"?>
+<p:sld xmlns:a="http://schemas.openxmlformats.org/drawingml/2006/main" xmlns:r="http://schemas.openxmlformats.org/officeDocument/2006/relationships" xmlns:p="http://schemas.openxmlformats.org/presentationml/2006/main">
+  <p:cSld>
+    <p:spTree>
+      <p:nvGrpSpPr>
+        <p:cNvPr id="1" name=""/>
+        <p:cNvGrpSpPr/>
+        <p:nvPr/>
+      </p:nvGrpSpPr>
+      <p:grpSpPr>
+        <a:xfrm>
+          <a:off x="0" y="0"/>
+          <a:ext cx="0" cy="0"/>
+          <a:chOff x="0" y="0"/>
+          <a:chExt cx="0" cy="0"/>
+        </a:xfrm>
+      </p:grpSpPr>
+      <p:sp>
+        <p:nvSpPr>
+          <p:cNvPr id="3" name="TextBox 2">
+            <a:extLst>
+              <a:ext uri="{FF2B5EF4-FFF2-40B4-BE49-F238E27FC236}">
+                <a16:creationId xmlns:a16="http://schemas.microsoft.com/office/drawing/2014/main" id="{A88869D5-7F22-45AB-87D7-21F00C5676F3}"/>
+              </a:ext>
+            </a:extLst>
+          </p:cNvPr>
+          <p:cNvSpPr txBox="1"/>
+          <p:nvPr/>
+        </p:nvSpPr>
+        <p:spPr>
+          <a:xfrm>
+            <a:off x="208960" y="396946"/>
+            <a:ext cx="11774079" cy="4524315"/>
+          </a:xfrm>
+          <a:prstGeom prst="rect">
+            <a:avLst/>
+          </a:prstGeom>
+          <a:noFill/>
+        </p:spPr>
+        <p:txBody>
+          <a:bodyPr wrap="square">
+            <a:spAutoFit/>
+          </a:bodyPr>
+          <a:lstStyle/>
+          <a:p>
+            <a:pPr marL="742950" lvl="1" indent="-285750" algn="l">
+              <a:buFont typeface="Arial" panose="020B0604020202020204" pitchFamily="34" charset="0"/>
+              <a:buChar char="•"/>
+            </a:pPr>
+            <a:r>
+              <a:rPr lang="en-US" sz="1200" b="0" i="0" dirty="0">
+                <a:solidFill>
+                  <a:srgbClr val="374151"/>
+                </a:solidFill>
+                <a:effectLst/>
+                <a:latin typeface="Söhne"/>
+              </a:rPr>
+              <a:t>Data Augmentation: Generating additional data for training machine learning models, which helps improve model performance.</a:t>
+            </a:r>
+          </a:p>
+          <a:p>
+            <a:pPr marL="742950" lvl="1" indent="-285750" algn="l">
+              <a:buFont typeface="Arial" panose="020B0604020202020204" pitchFamily="34" charset="0"/>
+              <a:buChar char="•"/>
+            </a:pPr>
+            <a:r>
+              <a:rPr lang="en-US" sz="1200" b="0" i="0" dirty="0">
+                <a:solidFill>
+                  <a:srgbClr val="374151"/>
+                </a:solidFill>
+                <a:effectLst/>
+                <a:latin typeface="Söhne"/>
+              </a:rPr>
+              <a:t>Super-Resolution: Enhancing the resolution and quality of images and videos.</a:t>
+            </a:r>
+          </a:p>
+          <a:p>
+            <a:pPr algn="l"/>
+            <a:r>
+              <a:rPr lang="en-US" sz="1200" b="1" i="0" dirty="0">
+                <a:solidFill>
+                  <a:srgbClr val="374151"/>
+                </a:solidFill>
+                <a:effectLst/>
+                <a:latin typeface="Söhne"/>
+              </a:rPr>
+              <a:t>Practice Problem:</a:t>
+            </a:r>
+            <a:endParaRPr lang="en-US" sz="1200" b="0" i="0" dirty="0">
+              <a:solidFill>
+                <a:srgbClr val="374151"/>
+              </a:solidFill>
+              <a:effectLst/>
+              <a:latin typeface="Söhne"/>
+            </a:endParaRPr>
+          </a:p>
+          <a:p>
+            <a:pPr algn="l">
+              <a:buFont typeface="Arial" panose="020B0604020202020204" pitchFamily="34" charset="0"/>
+              <a:buChar char="•"/>
+            </a:pPr>
+            <a:r>
+              <a:rPr lang="en-US" sz="1200" b="0" i="0" dirty="0">
+                <a:solidFill>
+                  <a:srgbClr val="374151"/>
+                </a:solidFill>
+                <a:effectLst/>
+                <a:latin typeface="Söhne"/>
+              </a:rPr>
+              <a:t>Problem: In a GAN, what is the role of the Generator and the Discriminator?</a:t>
+            </a:r>
+          </a:p>
+          <a:p>
+            <a:pPr algn="l">
+              <a:buFont typeface="Arial" panose="020B0604020202020204" pitchFamily="34" charset="0"/>
+              <a:buChar char="•"/>
+            </a:pPr>
+            <a:r>
+              <a:rPr lang="en-US" sz="1200" b="0" i="0" dirty="0">
+                <a:solidFill>
+                  <a:srgbClr val="374151"/>
+                </a:solidFill>
+                <a:effectLst/>
+                <a:latin typeface="Söhne"/>
+              </a:rPr>
+              <a:t>Solution: The Generator creates fake data, while the Discriminator evaluates the data to distinguish between real and fake samples. They compete to improve the quality of the generated data.</a:t>
+            </a:r>
+          </a:p>
+          <a:p>
+            <a:pPr algn="l"/>
+            <a:r>
+              <a:rPr lang="en-US" sz="1200" b="1" i="0" dirty="0">
+                <a:solidFill>
+                  <a:srgbClr val="374151"/>
+                </a:solidFill>
+                <a:effectLst/>
+                <a:latin typeface="Söhne"/>
+              </a:rPr>
+              <a:t>Analogies:</a:t>
+            </a:r>
+            <a:endParaRPr lang="en-US" sz="1200" b="0" i="0" dirty="0">
+              <a:solidFill>
+                <a:srgbClr val="374151"/>
+              </a:solidFill>
+              <a:effectLst/>
+              <a:latin typeface="Söhne"/>
+            </a:endParaRPr>
+          </a:p>
+          <a:p>
+            <a:pPr algn="l">
+              <a:buFont typeface="Arial" panose="020B0604020202020204" pitchFamily="34" charset="0"/>
+              <a:buChar char="•"/>
+            </a:pPr>
+            <a:r>
+              <a:rPr lang="en-US" sz="1200" b="0" i="0" dirty="0">
+                <a:solidFill>
+                  <a:srgbClr val="374151"/>
+                </a:solidFill>
+                <a:effectLst/>
+                <a:latin typeface="Söhne"/>
+              </a:rPr>
+              <a:t>Think of a GAN as a forger (Generator) trying to create counterfeit money and a detective (Discriminator) attempting to detect the fake money. The forger gets better at creating realistic counterfeit money, and the detective improves at identifying fakes.</a:t>
+            </a:r>
+          </a:p>
+          <a:p>
+            <a:pPr algn="l"/>
+            <a:r>
+              <a:rPr lang="en-US" sz="1200" b="1" i="0" dirty="0">
+                <a:solidFill>
+                  <a:srgbClr val="374151"/>
+                </a:solidFill>
+                <a:effectLst/>
+                <a:latin typeface="Söhne"/>
+              </a:rPr>
+              <a:t>Conclusion:</a:t>
+            </a:r>
+            <a:r>
+              <a:rPr lang="en-US" sz="1200" b="0" i="0" dirty="0">
+                <a:solidFill>
+                  <a:srgbClr val="374151"/>
+                </a:solidFill>
+                <a:effectLst/>
+                <a:latin typeface="Söhne"/>
+              </a:rPr>
+              <a:t> Generative Adversarial Networks (GANs) are a fascinating and powerful concept in machine learning. They consist of a Generator and a Discriminator that compete in a game to generate highly realistic data. GANs have a wide range of applications and have significantly advanced the field of generative modeling. Understanding their components and dynamics is essential for anyone working in the field of deep learning and artificial intelligence.</a:t>
+            </a:r>
+          </a:p>
+          <a:p>
+            <a:pPr algn="l"/>
+            <a:endParaRPr lang="en-US" sz="1200" dirty="0">
+              <a:solidFill>
+                <a:srgbClr val="374151"/>
+              </a:solidFill>
+              <a:latin typeface="Söhne"/>
+            </a:endParaRPr>
+          </a:p>
+          <a:p>
+            <a:pPr algn="l"/>
+            <a:r>
+              <a:rPr lang="en-US" sz="1200" b="0" i="0" dirty="0">
+                <a:solidFill>
+                  <a:srgbClr val="374151"/>
+                </a:solidFill>
+                <a:effectLst/>
+                <a:latin typeface="Söhne"/>
+              </a:rPr>
+              <a:t>The options A and B are not the correct answers for the roles of the two neural networks in a Generative Adversarial Network (GAN) for the following reasons:</a:t>
+            </a:r>
+          </a:p>
+          <a:p>
+            <a:pPr algn="l"/>
+            <a:r>
+              <a:rPr lang="en-US" sz="1200" b="0" i="0" dirty="0">
+                <a:solidFill>
+                  <a:srgbClr val="374151"/>
+                </a:solidFill>
+                <a:effectLst/>
+                <a:latin typeface="Söhne"/>
+              </a:rPr>
+              <a:t>A. </a:t>
+            </a:r>
+            <a:r>
+              <a:rPr lang="en-US" sz="1200" b="1" i="0" dirty="0">
+                <a:solidFill>
+                  <a:srgbClr val="374151"/>
+                </a:solidFill>
+                <a:effectLst/>
+                <a:latin typeface="Söhne"/>
+              </a:rPr>
+              <a:t>Encoder, Decoder:</a:t>
+            </a:r>
+            <a:r>
+              <a:rPr lang="en-US" sz="1200" b="0" i="0" dirty="0">
+                <a:solidFill>
+                  <a:srgbClr val="374151"/>
+                </a:solidFill>
+                <a:effectLst/>
+                <a:latin typeface="Söhne"/>
+              </a:rPr>
+              <a:t> This pair of terms typically represents the components of autoencoders, not GANs. In autoencoders, an encoder network compresses input data into a lower-dimensional representation, and a decoder network reconstructs the original data from this representation. In contrast, GANs consist of a Generator that creates new data samples and a Discriminator that evaluates the authenticity of these samples. While some variations of GANs can incorporate autoencoders, the primary structure of a GAN involves a Generator and a Discriminator.</a:t>
+            </a:r>
+          </a:p>
+          <a:p>
+            <a:pPr algn="l"/>
+            <a:r>
+              <a:rPr lang="en-US" sz="1200" b="0" i="0" dirty="0">
+                <a:solidFill>
+                  <a:srgbClr val="374151"/>
+                </a:solidFill>
+                <a:effectLst/>
+                <a:latin typeface="Söhne"/>
+              </a:rPr>
+              <a:t>B. </a:t>
+            </a:r>
+            <a:r>
+              <a:rPr lang="en-US" sz="1200" b="1" i="0" dirty="0">
+                <a:solidFill>
+                  <a:srgbClr val="374151"/>
+                </a:solidFill>
+                <a:effectLst/>
+                <a:latin typeface="Söhne"/>
+              </a:rPr>
+              <a:t>Self-Attention, Decoder:</a:t>
+            </a:r>
+            <a:r>
+              <a:rPr lang="en-US" sz="1200" b="0" i="0" dirty="0">
+                <a:solidFill>
+                  <a:srgbClr val="374151"/>
+                </a:solidFill>
+                <a:effectLst/>
+                <a:latin typeface="Söhne"/>
+              </a:rPr>
+              <a:t> Self-attention mechanisms are commonly associated with transformer-based models, such as the Transformer architecture used in natural language processing tasks. Self-attention allows models to weigh the importance of different parts of the input sequence when making predictions. In the context of GANs, self-attention is not a direct component; GANs primarily involve a Generator and a Discriminator, as explained earlier.</a:t>
+            </a:r>
+          </a:p>
+          <a:p>
+            <a:pPr algn="l"/>
+            <a:r>
+              <a:rPr lang="en-US" sz="1200" b="0" i="0" dirty="0">
+                <a:solidFill>
+                  <a:srgbClr val="374151"/>
+                </a:solidFill>
+                <a:effectLst/>
+                <a:latin typeface="Söhne"/>
+              </a:rPr>
+              <a:t>In summary, while autoencoders and self-attention mechanisms are valuable components in machine learning, they are not the core components of a GAN. The primary structure of a GAN consists of a Generator and a Discriminator, as they play the central roles in the adversarial training process of creating realistic data samples.</a:t>
+            </a:r>
+          </a:p>
+          <a:p>
+            <a:pPr algn="l"/>
+            <a:endParaRPr lang="en-US" sz="1200" b="0" i="0" dirty="0">
+              <a:solidFill>
+                <a:srgbClr val="374151"/>
+              </a:solidFill>
+              <a:effectLst/>
+              <a:latin typeface="Söhne"/>
+            </a:endParaRPr>
+          </a:p>
+        </p:txBody>
+      </p:sp>
+    </p:spTree>
+    <p:extLst>
+      <p:ext uri="{BB962C8B-B14F-4D97-AF65-F5344CB8AC3E}">
+        <p14:creationId xmlns:p14="http://schemas.microsoft.com/office/powerpoint/2010/main" val="2128901669"/>
       </p:ext>
     </p:extLst>
   </p:cSld>
